--- a/LIBRARY_BOOKS_LATE_RETURN_ANALYTICS_REPORT.pptx
+++ b/LIBRARY_BOOKS_LATE_RETURN_ANALYTICS_REPORT.pptx
@@ -5,18 +5,19 @@
     <p:sldMasterId id="2147483648" r:id="rId1"/>
   </p:sldMasterIdLst>
   <p:notesMasterIdLst>
-    <p:notesMasterId r:id="rId6"/>
+    <p:notesMasterId r:id="rId7"/>
   </p:notesMasterIdLst>
   <p:sldIdLst>
-    <p:sldId id="257" r:id="rId2"/>
+    <p:sldId id="265" r:id="rId2"/>
     <p:sldId id="258" r:id="rId3"/>
     <p:sldId id="263" r:id="rId4"/>
-    <p:sldId id="264" r:id="rId5"/>
+    <p:sldId id="266" r:id="rId5"/>
+    <p:sldId id="267" r:id="rId6"/>
   </p:sldIdLst>
   <p:sldSz cx="12192000" cy="6858000"/>
   <p:notesSz cx="6858000" cy="9144000"/>
   <p:custDataLst>
-    <p:tags r:id="rId7"/>
+    <p:tags r:id="rId8"/>
   </p:custDataLst>
   <p:defaultTextStyle>
     <a:defPPr>
@@ -383,6 +384,65 @@
             <a:effectLst/>
           </c:spPr>
           <c:invertIfNegative val="0"/>
+          <c:dLbls>
+            <c:spPr>
+              <a:noFill/>
+              <a:ln>
+                <a:noFill/>
+              </a:ln>
+              <a:effectLst/>
+            </c:spPr>
+            <c:txPr>
+              <a:bodyPr rot="0" spcFirstLastPara="1" vertOverflow="ellipsis" vert="horz" wrap="square" lIns="38100" tIns="19050" rIns="38100" bIns="19050" anchor="ctr" anchorCtr="1">
+                <a:spAutoFit/>
+              </a:bodyPr>
+              <a:lstStyle/>
+              <a:p>
+                <a:pPr>
+                  <a:defRPr sz="1197" b="0" i="0" u="none" strike="noStrike" kern="1200" baseline="0">
+                    <a:solidFill>
+                      <a:schemeClr val="tx1">
+                        <a:lumMod val="75000"/>
+                        <a:lumOff val="25000"/>
+                      </a:schemeClr>
+                    </a:solidFill>
+                    <a:latin typeface="+mn-lt"/>
+                    <a:ea typeface="+mn-ea"/>
+                    <a:cs typeface="+mn-cs"/>
+                  </a:defRPr>
+                </a:pPr>
+                <a:endParaRPr lang="en-US"/>
+              </a:p>
+            </c:txPr>
+            <c:dLblPos val="outEnd"/>
+            <c:showLegendKey val="0"/>
+            <c:showVal val="1"/>
+            <c:showCatName val="0"/>
+            <c:showSerName val="0"/>
+            <c:showPercent val="0"/>
+            <c:showBubbleSize val="0"/>
+            <c:showLeaderLines val="0"/>
+            <c:extLst>
+              <c:ext xmlns:c15="http://schemas.microsoft.com/office/drawing/2012/chart" uri="{CE6537A1-D6FC-4f65-9D91-7224C49458BB}">
+                <c15:layout/>
+                <c15:showLeaderLines val="1"/>
+                <c15:leaderLines>
+                  <c:spPr>
+                    <a:ln w="9525" cap="flat" cmpd="sng" algn="ctr">
+                      <a:solidFill>
+                        <a:schemeClr val="tx1">
+                          <a:lumMod val="35000"/>
+                          <a:lumOff val="65000"/>
+                        </a:schemeClr>
+                      </a:solidFill>
+                      <a:round/>
+                    </a:ln>
+                    <a:effectLst/>
+                  </c:spPr>
+                </c15:leaderLines>
+              </c:ext>
+            </c:extLst>
+          </c:dLbls>
           <c:cat>
             <c:strRef>
               <c:f>Sheet1!$A$2:$A$3</c:f>
@@ -444,6 +504,65 @@
             <a:effectLst/>
           </c:spPr>
           <c:invertIfNegative val="0"/>
+          <c:dLbls>
+            <c:spPr>
+              <a:noFill/>
+              <a:ln>
+                <a:noFill/>
+              </a:ln>
+              <a:effectLst/>
+            </c:spPr>
+            <c:txPr>
+              <a:bodyPr rot="0" spcFirstLastPara="1" vertOverflow="ellipsis" vert="horz" wrap="square" lIns="38100" tIns="19050" rIns="38100" bIns="19050" anchor="ctr" anchorCtr="1">
+                <a:spAutoFit/>
+              </a:bodyPr>
+              <a:lstStyle/>
+              <a:p>
+                <a:pPr>
+                  <a:defRPr sz="1197" b="0" i="0" u="none" strike="noStrike" kern="1200" baseline="0">
+                    <a:solidFill>
+                      <a:schemeClr val="tx1">
+                        <a:lumMod val="75000"/>
+                        <a:lumOff val="25000"/>
+                      </a:schemeClr>
+                    </a:solidFill>
+                    <a:latin typeface="+mn-lt"/>
+                    <a:ea typeface="+mn-ea"/>
+                    <a:cs typeface="+mn-cs"/>
+                  </a:defRPr>
+                </a:pPr>
+                <a:endParaRPr lang="en-US"/>
+              </a:p>
+            </c:txPr>
+            <c:dLblPos val="outEnd"/>
+            <c:showLegendKey val="0"/>
+            <c:showVal val="1"/>
+            <c:showCatName val="0"/>
+            <c:showSerName val="0"/>
+            <c:showPercent val="0"/>
+            <c:showBubbleSize val="0"/>
+            <c:showLeaderLines val="0"/>
+            <c:extLst>
+              <c:ext xmlns:c15="http://schemas.microsoft.com/office/drawing/2012/chart" uri="{CE6537A1-D6FC-4f65-9D91-7224C49458BB}">
+                <c15:layout/>
+                <c15:showLeaderLines val="1"/>
+                <c15:leaderLines>
+                  <c:spPr>
+                    <a:ln w="9525" cap="flat" cmpd="sng" algn="ctr">
+                      <a:solidFill>
+                        <a:schemeClr val="tx1">
+                          <a:lumMod val="35000"/>
+                          <a:lumOff val="65000"/>
+                        </a:schemeClr>
+                      </a:solidFill>
+                      <a:round/>
+                    </a:ln>
+                    <a:effectLst/>
+                  </c:spPr>
+                </c15:leaderLines>
+              </c:ext>
+            </c:extLst>
+          </c:dLbls>
           <c:cat>
             <c:strRef>
               <c:f>Sheet1!$A$2:$A$3</c:f>
@@ -506,6 +625,65 @@
             <a:effectLst/>
           </c:spPr>
           <c:invertIfNegative val="0"/>
+          <c:dLbls>
+            <c:spPr>
+              <a:noFill/>
+              <a:ln>
+                <a:noFill/>
+              </a:ln>
+              <a:effectLst/>
+            </c:spPr>
+            <c:txPr>
+              <a:bodyPr rot="0" spcFirstLastPara="1" vertOverflow="ellipsis" vert="horz" wrap="square" lIns="38100" tIns="19050" rIns="38100" bIns="19050" anchor="ctr" anchorCtr="1">
+                <a:spAutoFit/>
+              </a:bodyPr>
+              <a:lstStyle/>
+              <a:p>
+                <a:pPr>
+                  <a:defRPr sz="1197" b="0" i="0" u="none" strike="noStrike" kern="1200" baseline="0">
+                    <a:solidFill>
+                      <a:schemeClr val="tx1">
+                        <a:lumMod val="75000"/>
+                        <a:lumOff val="25000"/>
+                      </a:schemeClr>
+                    </a:solidFill>
+                    <a:latin typeface="+mn-lt"/>
+                    <a:ea typeface="+mn-ea"/>
+                    <a:cs typeface="+mn-cs"/>
+                  </a:defRPr>
+                </a:pPr>
+                <a:endParaRPr lang="en-US"/>
+              </a:p>
+            </c:txPr>
+            <c:dLblPos val="outEnd"/>
+            <c:showLegendKey val="0"/>
+            <c:showVal val="1"/>
+            <c:showCatName val="0"/>
+            <c:showSerName val="0"/>
+            <c:showPercent val="0"/>
+            <c:showBubbleSize val="0"/>
+            <c:showLeaderLines val="0"/>
+            <c:extLst>
+              <c:ext xmlns:c15="http://schemas.microsoft.com/office/drawing/2012/chart" uri="{CE6537A1-D6FC-4f65-9D91-7224C49458BB}">
+                <c15:layout/>
+                <c15:showLeaderLines val="1"/>
+                <c15:leaderLines>
+                  <c:spPr>
+                    <a:ln w="9525" cap="flat" cmpd="sng" algn="ctr">
+                      <a:solidFill>
+                        <a:schemeClr val="tx1">
+                          <a:lumMod val="35000"/>
+                          <a:lumOff val="65000"/>
+                        </a:schemeClr>
+                      </a:solidFill>
+                      <a:round/>
+                    </a:ln>
+                    <a:effectLst/>
+                  </c:spPr>
+                </c15:leaderLines>
+              </c:ext>
+            </c:extLst>
+          </c:dLbls>
           <c:cat>
             <c:strRef>
               <c:f>Sheet1!$A$2:$A$3</c:f>
@@ -542,8 +720,9 @@
           </c:extLst>
         </c:ser>
         <c:dLbls>
+          <c:dLblPos val="outEnd"/>
           <c:showLegendKey val="0"/>
-          <c:showVal val="0"/>
+          <c:showVal val="1"/>
           <c:showCatName val="0"/>
           <c:showSerName val="0"/>
           <c:showPercent val="0"/>
@@ -783,6 +962,65 @@
             <a:effectLst/>
           </c:spPr>
           <c:invertIfNegative val="0"/>
+          <c:dLbls>
+            <c:spPr>
+              <a:noFill/>
+              <a:ln>
+                <a:noFill/>
+              </a:ln>
+              <a:effectLst/>
+            </c:spPr>
+            <c:txPr>
+              <a:bodyPr rot="0" spcFirstLastPara="1" vertOverflow="ellipsis" vert="horz" wrap="square" lIns="38100" tIns="19050" rIns="38100" bIns="19050" anchor="ctr" anchorCtr="1">
+                <a:spAutoFit/>
+              </a:bodyPr>
+              <a:lstStyle/>
+              <a:p>
+                <a:pPr>
+                  <a:defRPr sz="1197" b="0" i="0" u="none" strike="noStrike" kern="1200" baseline="0">
+                    <a:solidFill>
+                      <a:schemeClr val="tx1">
+                        <a:lumMod val="75000"/>
+                        <a:lumOff val="25000"/>
+                      </a:schemeClr>
+                    </a:solidFill>
+                    <a:latin typeface="+mn-lt"/>
+                    <a:ea typeface="+mn-ea"/>
+                    <a:cs typeface="+mn-cs"/>
+                  </a:defRPr>
+                </a:pPr>
+                <a:endParaRPr lang="en-US"/>
+              </a:p>
+            </c:txPr>
+            <c:dLblPos val="outEnd"/>
+            <c:showLegendKey val="0"/>
+            <c:showVal val="1"/>
+            <c:showCatName val="0"/>
+            <c:showSerName val="0"/>
+            <c:showPercent val="0"/>
+            <c:showBubbleSize val="0"/>
+            <c:showLeaderLines val="0"/>
+            <c:extLst>
+              <c:ext xmlns:c15="http://schemas.microsoft.com/office/drawing/2012/chart" uri="{CE6537A1-D6FC-4f65-9D91-7224C49458BB}">
+                <c15:layout/>
+                <c15:showLeaderLines val="1"/>
+                <c15:leaderLines>
+                  <c:spPr>
+                    <a:ln w="9525" cap="flat" cmpd="sng" algn="ctr">
+                      <a:solidFill>
+                        <a:schemeClr val="tx1">
+                          <a:lumMod val="35000"/>
+                          <a:lumOff val="65000"/>
+                        </a:schemeClr>
+                      </a:solidFill>
+                      <a:round/>
+                    </a:ln>
+                    <a:effectLst/>
+                  </c:spPr>
+                </c15:leaderLines>
+              </c:ext>
+            </c:extLst>
+          </c:dLbls>
           <c:cat>
             <c:strRef>
               <c:f>Sheet1!$A$2:$A$3</c:f>
@@ -844,6 +1082,65 @@
             <a:effectLst/>
           </c:spPr>
           <c:invertIfNegative val="0"/>
+          <c:dLbls>
+            <c:spPr>
+              <a:noFill/>
+              <a:ln>
+                <a:noFill/>
+              </a:ln>
+              <a:effectLst/>
+            </c:spPr>
+            <c:txPr>
+              <a:bodyPr rot="0" spcFirstLastPara="1" vertOverflow="ellipsis" vert="horz" wrap="square" lIns="38100" tIns="19050" rIns="38100" bIns="19050" anchor="ctr" anchorCtr="1">
+                <a:spAutoFit/>
+              </a:bodyPr>
+              <a:lstStyle/>
+              <a:p>
+                <a:pPr>
+                  <a:defRPr sz="1197" b="0" i="0" u="none" strike="noStrike" kern="1200" baseline="0">
+                    <a:solidFill>
+                      <a:schemeClr val="tx1">
+                        <a:lumMod val="75000"/>
+                        <a:lumOff val="25000"/>
+                      </a:schemeClr>
+                    </a:solidFill>
+                    <a:latin typeface="+mn-lt"/>
+                    <a:ea typeface="+mn-ea"/>
+                    <a:cs typeface="+mn-cs"/>
+                  </a:defRPr>
+                </a:pPr>
+                <a:endParaRPr lang="en-US"/>
+              </a:p>
+            </c:txPr>
+            <c:dLblPos val="outEnd"/>
+            <c:showLegendKey val="0"/>
+            <c:showVal val="1"/>
+            <c:showCatName val="0"/>
+            <c:showSerName val="0"/>
+            <c:showPercent val="0"/>
+            <c:showBubbleSize val="0"/>
+            <c:showLeaderLines val="0"/>
+            <c:extLst>
+              <c:ext xmlns:c15="http://schemas.microsoft.com/office/drawing/2012/chart" uri="{CE6537A1-D6FC-4f65-9D91-7224C49458BB}">
+                <c15:layout/>
+                <c15:showLeaderLines val="1"/>
+                <c15:leaderLines>
+                  <c:spPr>
+                    <a:ln w="9525" cap="flat" cmpd="sng" algn="ctr">
+                      <a:solidFill>
+                        <a:schemeClr val="tx1">
+                          <a:lumMod val="35000"/>
+                          <a:lumOff val="65000"/>
+                        </a:schemeClr>
+                      </a:solidFill>
+                      <a:round/>
+                    </a:ln>
+                    <a:effectLst/>
+                  </c:spPr>
+                </c15:leaderLines>
+              </c:ext>
+            </c:extLst>
+          </c:dLbls>
           <c:cat>
             <c:strRef>
               <c:f>Sheet1!$A$2:$A$3</c:f>
@@ -880,8 +1177,9 @@
           </c:extLst>
         </c:ser>
         <c:dLbls>
+          <c:dLblPos val="outEnd"/>
           <c:showLegendKey val="0"/>
-          <c:showVal val="0"/>
+          <c:showVal val="1"/>
           <c:showCatName val="0"/>
           <c:showSerName val="0"/>
           <c:showPercent val="0"/>
@@ -6440,7 +6738,7 @@
           <a:p>
             <a:fld id="{9EBB15BE-06DF-48A8-831B-E8B537469839}" type="datetimeFigureOut">
               <a:rPr lang="en-US" smtClean="0"/>
-              <a:t>9/17/2021</a:t>
+              <a:t>9/20/2021</a:t>
             </a:fld>
             <a:endParaRPr lang="en-US"/>
           </a:p>
@@ -6839,7 +7137,7 @@
           <a:p>
             <a:fld id="{9D59679A-5BAB-426D-A7FE-68F3C2ED4E4E}" type="datetimeFigureOut">
               <a:rPr lang="en-US" smtClean="0"/>
-              <a:t>9/17/2021</a:t>
+              <a:t>9/20/2021</a:t>
             </a:fld>
             <a:endParaRPr lang="en-US"/>
           </a:p>
@@ -7009,7 +7307,7 @@
           <a:p>
             <a:fld id="{9D59679A-5BAB-426D-A7FE-68F3C2ED4E4E}" type="datetimeFigureOut">
               <a:rPr lang="en-US" smtClean="0"/>
-              <a:t>9/17/2021</a:t>
+              <a:t>9/20/2021</a:t>
             </a:fld>
             <a:endParaRPr lang="en-US"/>
           </a:p>
@@ -7189,7 +7487,7 @@
           <a:p>
             <a:fld id="{9D59679A-5BAB-426D-A7FE-68F3C2ED4E4E}" type="datetimeFigureOut">
               <a:rPr lang="en-US" smtClean="0"/>
-              <a:t>9/17/2021</a:t>
+              <a:t>9/20/2021</a:t>
             </a:fld>
             <a:endParaRPr lang="en-US"/>
           </a:p>
@@ -7359,7 +7657,7 @@
           <a:p>
             <a:fld id="{9D59679A-5BAB-426D-A7FE-68F3C2ED4E4E}" type="datetimeFigureOut">
               <a:rPr lang="en-US" smtClean="0"/>
-              <a:t>9/17/2021</a:t>
+              <a:t>9/20/2021</a:t>
             </a:fld>
             <a:endParaRPr lang="en-US"/>
           </a:p>
@@ -7605,7 +7903,7 @@
           <a:p>
             <a:fld id="{9D59679A-5BAB-426D-A7FE-68F3C2ED4E4E}" type="datetimeFigureOut">
               <a:rPr lang="en-US" smtClean="0"/>
-              <a:t>9/17/2021</a:t>
+              <a:t>9/20/2021</a:t>
             </a:fld>
             <a:endParaRPr lang="en-US"/>
           </a:p>
@@ -7837,7 +8135,7 @@
           <a:p>
             <a:fld id="{9D59679A-5BAB-426D-A7FE-68F3C2ED4E4E}" type="datetimeFigureOut">
               <a:rPr lang="en-US" smtClean="0"/>
-              <a:t>9/17/2021</a:t>
+              <a:t>9/20/2021</a:t>
             </a:fld>
             <a:endParaRPr lang="en-US"/>
           </a:p>
@@ -8204,7 +8502,7 @@
           <a:p>
             <a:fld id="{9D59679A-5BAB-426D-A7FE-68F3C2ED4E4E}" type="datetimeFigureOut">
               <a:rPr lang="en-US" smtClean="0"/>
-              <a:t>9/17/2021</a:t>
+              <a:t>9/20/2021</a:t>
             </a:fld>
             <a:endParaRPr lang="en-US"/>
           </a:p>
@@ -8322,7 +8620,7 @@
           <a:p>
             <a:fld id="{9D59679A-5BAB-426D-A7FE-68F3C2ED4E4E}" type="datetimeFigureOut">
               <a:rPr lang="en-US" smtClean="0"/>
-              <a:t>9/17/2021</a:t>
+              <a:t>9/20/2021</a:t>
             </a:fld>
             <a:endParaRPr lang="en-US"/>
           </a:p>
@@ -8417,7 +8715,7 @@
           <a:p>
             <a:fld id="{9D59679A-5BAB-426D-A7FE-68F3C2ED4E4E}" type="datetimeFigureOut">
               <a:rPr lang="en-US" smtClean="0"/>
-              <a:t>9/17/2021</a:t>
+              <a:t>9/20/2021</a:t>
             </a:fld>
             <a:endParaRPr lang="en-US"/>
           </a:p>
@@ -8694,7 +8992,7 @@
           <a:p>
             <a:fld id="{9D59679A-5BAB-426D-A7FE-68F3C2ED4E4E}" type="datetimeFigureOut">
               <a:rPr lang="en-US" smtClean="0"/>
-              <a:t>9/17/2021</a:t>
+              <a:t>9/20/2021</a:t>
             </a:fld>
             <a:endParaRPr lang="en-US"/>
           </a:p>
@@ -8947,7 +9245,7 @@
           <a:p>
             <a:fld id="{9D59679A-5BAB-426D-A7FE-68F3C2ED4E4E}" type="datetimeFigureOut">
               <a:rPr lang="en-US" smtClean="0"/>
-              <a:t>9/17/2021</a:t>
+              <a:t>9/20/2021</a:t>
             </a:fld>
             <a:endParaRPr lang="en-US"/>
           </a:p>
@@ -9055,7 +9353,7 @@
           <a:graphicData uri="http://schemas.openxmlformats.org/presentationml/2006/ole">
             <mc:AlternateContent xmlns:mc="http://schemas.openxmlformats.org/markup-compatibility/2006">
               <mc:Choice xmlns:v="urn:schemas-microsoft-com:vml" Requires="v">
-                <p:oleObj spid="_x0000_s1084" name="think-cell Slide" r:id="rId15" imgW="444" imgH="443" progId="TCLayout.ActiveDocument.1">
+                <p:oleObj spid="_x0000_s1096" name="think-cell Slide" r:id="rId15" imgW="444" imgH="443" progId="TCLayout.ActiveDocument.1">
                   <p:embed/>
                 </p:oleObj>
               </mc:Choice>
@@ -9220,7 +9518,7 @@
           <a:p>
             <a:fld id="{9D59679A-5BAB-426D-A7FE-68F3C2ED4E4E}" type="datetimeFigureOut">
               <a:rPr lang="en-US" smtClean="0"/>
-              <a:t>9/17/2021</a:t>
+              <a:t>9/20/2021</a:t>
             </a:fld>
             <a:endParaRPr lang="en-US"/>
           </a:p>
@@ -9651,7 +9949,7 @@
             </p:custDataLst>
             <p:extLst>
               <p:ext uri="{D42A27DB-BD31-4B8C-83A1-F6EECF244321}">
-                <p14:modId xmlns:p14="http://schemas.microsoft.com/office/powerpoint/2010/main" val="2580170000"/>
+                <p14:modId xmlns:p14="http://schemas.microsoft.com/office/powerpoint/2010/main" val="3564909207"/>
               </p:ext>
             </p:extLst>
           </p:nvPr>
@@ -9664,7 +9962,7 @@
           <a:graphicData uri="http://schemas.openxmlformats.org/presentationml/2006/ole">
             <mc:AlternateContent xmlns:mc="http://schemas.openxmlformats.org/markup-compatibility/2006">
               <mc:Choice xmlns:v="urn:schemas-microsoft-com:vml" Requires="v">
-                <p:oleObj spid="_x0000_s3108" name="think-cell Slide" r:id="rId5" imgW="444" imgH="443" progId="TCLayout.ActiveDocument.1">
+                <p:oleObj spid="_x0000_s14346" name="think-cell Slide" r:id="rId5" imgW="444" imgH="443" progId="TCLayout.ActiveDocument.1">
                   <p:embed/>
                 </p:oleObj>
               </mc:Choice>
@@ -9699,274 +9997,10 @@
           </a:graphicData>
         </a:graphic>
       </p:graphicFrame>
-      <p:grpSp>
-        <p:nvGrpSpPr>
-          <p:cNvPr id="2" name="Group 1"/>
-          <p:cNvGrpSpPr/>
-          <p:nvPr/>
-        </p:nvGrpSpPr>
-        <p:grpSpPr>
-          <a:xfrm>
-            <a:off x="0" y="535581"/>
-            <a:ext cx="12192000" cy="5090862"/>
-            <a:chOff x="0" y="535581"/>
-            <a:chExt cx="12192000" cy="5090862"/>
-          </a:xfrm>
-        </p:grpSpPr>
-        <p:pic>
-          <p:nvPicPr>
-            <p:cNvPr id="8" name="Picture 7"/>
-            <p:cNvPicPr>
-              <a:picLocks noChangeAspect="1"/>
-            </p:cNvPicPr>
-            <p:nvPr/>
-          </p:nvPicPr>
-          <p:blipFill rotWithShape="1">
-            <a:blip r:embed="rId7" cstate="print">
-              <a:extLst>
-                <a:ext uri="{28A0092B-C50C-407E-A947-70E740481C1C}">
-                  <a14:useLocalDpi xmlns:a14="http://schemas.microsoft.com/office/drawing/2010/main" val="0"/>
-                </a:ext>
-              </a:extLst>
-            </a:blip>
-            <a:srcRect l="16841" t="39461" r="17185" b="18999"/>
-            <a:stretch/>
-          </p:blipFill>
-          <p:spPr>
-            <a:xfrm>
-              <a:off x="9862457" y="535581"/>
-              <a:ext cx="1750423" cy="313506"/>
-            </a:xfrm>
-            <a:prstGeom prst="rect">
-              <a:avLst/>
-            </a:prstGeom>
-          </p:spPr>
-        </p:pic>
-        <p:sp>
-          <p:nvSpPr>
-            <p:cNvPr id="9" name="Rectangle 8"/>
-            <p:cNvSpPr/>
-            <p:nvPr/>
-          </p:nvSpPr>
-          <p:spPr>
-            <a:xfrm>
-              <a:off x="1959429" y="2913017"/>
-              <a:ext cx="8177348" cy="2651761"/>
-            </a:xfrm>
-            <a:prstGeom prst="rect">
-              <a:avLst/>
-            </a:prstGeom>
-            <a:solidFill>
-              <a:srgbClr val="1F1F1F"/>
-            </a:solidFill>
-            <a:ln>
-              <a:noFill/>
-            </a:ln>
-          </p:spPr>
-          <p:style>
-            <a:lnRef idx="2">
-              <a:schemeClr val="accent1">
-                <a:shade val="50000"/>
-              </a:schemeClr>
-            </a:lnRef>
-            <a:fillRef idx="1">
-              <a:schemeClr val="accent1"/>
-            </a:fillRef>
-            <a:effectRef idx="0">
-              <a:schemeClr val="accent1"/>
-            </a:effectRef>
-            <a:fontRef idx="minor">
-              <a:schemeClr val="lt1"/>
-            </a:fontRef>
-          </p:style>
-          <p:txBody>
-            <a:bodyPr rtlCol="0" anchor="ctr"/>
-            <a:lstStyle/>
-            <a:p>
-              <a:pPr algn="ctr"/>
-              <a:endParaRPr lang="en-US"/>
-            </a:p>
-          </p:txBody>
-        </p:sp>
-        <p:sp>
-          <p:nvSpPr>
-            <p:cNvPr id="10" name="Rectangle 9"/>
-            <p:cNvSpPr/>
-            <p:nvPr/>
-          </p:nvSpPr>
-          <p:spPr>
-            <a:xfrm>
-              <a:off x="1750423" y="2037804"/>
-              <a:ext cx="8595360" cy="875211"/>
-            </a:xfrm>
-            <a:prstGeom prst="rect">
-              <a:avLst/>
-            </a:prstGeom>
-            <a:solidFill>
-              <a:schemeClr val="bg1"/>
-            </a:solidFill>
-            <a:ln>
-              <a:solidFill>
-                <a:schemeClr val="bg1"/>
-              </a:solidFill>
-            </a:ln>
-          </p:spPr>
-          <p:style>
-            <a:lnRef idx="2">
-              <a:schemeClr val="accent1">
-                <a:shade val="50000"/>
-              </a:schemeClr>
-            </a:lnRef>
-            <a:fillRef idx="1">
-              <a:schemeClr val="accent1"/>
-            </a:fillRef>
-            <a:effectRef idx="0">
-              <a:schemeClr val="accent1"/>
-            </a:effectRef>
-            <a:fontRef idx="minor">
-              <a:schemeClr val="lt1"/>
-            </a:fontRef>
-          </p:style>
-          <p:txBody>
-            <a:bodyPr rtlCol="0" anchor="ctr"/>
-            <a:lstStyle/>
-            <a:p>
-              <a:pPr algn="ctr"/>
-              <a:endParaRPr lang="en-US"/>
-            </a:p>
-          </p:txBody>
-        </p:sp>
-        <p:sp>
-          <p:nvSpPr>
-            <p:cNvPr id="7" name="Rectangle 6"/>
-            <p:cNvSpPr/>
-            <p:nvPr/>
-          </p:nvSpPr>
-          <p:spPr>
-            <a:xfrm>
-              <a:off x="0" y="2913017"/>
-              <a:ext cx="12192000" cy="2713426"/>
-            </a:xfrm>
-            <a:prstGeom prst="rect">
-              <a:avLst/>
-            </a:prstGeom>
-            <a:gradFill flip="none" rotWithShape="1">
-              <a:gsLst>
-                <a:gs pos="0">
-                  <a:schemeClr val="accent1">
-                    <a:shade val="30000"/>
-                    <a:satMod val="115000"/>
-                  </a:schemeClr>
-                </a:gs>
-                <a:gs pos="50000">
-                  <a:schemeClr val="accent1">
-                    <a:shade val="67500"/>
-                    <a:satMod val="115000"/>
-                  </a:schemeClr>
-                </a:gs>
-                <a:gs pos="100000">
-                  <a:schemeClr val="accent1">
-                    <a:shade val="100000"/>
-                    <a:satMod val="115000"/>
-                  </a:schemeClr>
-                </a:gs>
-              </a:gsLst>
-              <a:lin ang="0" scaled="1"/>
-              <a:tileRect/>
-            </a:gradFill>
-            <a:ln>
-              <a:noFill/>
-            </a:ln>
-            <a:effectLst>
-              <a:outerShdw blurRad="44450" dist="27940" dir="5400000" algn="ctr">
-                <a:srgbClr val="000000">
-                  <a:alpha val="32000"/>
-                </a:srgbClr>
-              </a:outerShdw>
-            </a:effectLst>
-            <a:scene3d>
-              <a:camera prst="orthographicFront">
-                <a:rot lat="0" lon="0" rev="0"/>
-              </a:camera>
-              <a:lightRig rig="balanced" dir="t">
-                <a:rot lat="0" lon="0" rev="8700000"/>
-              </a:lightRig>
-            </a:scene3d>
-            <a:sp3d>
-              <a:bevelT w="190500" h="38100"/>
-            </a:sp3d>
-          </p:spPr>
-          <p:style>
-            <a:lnRef idx="2">
-              <a:schemeClr val="accent1">
-                <a:shade val="50000"/>
-              </a:schemeClr>
-            </a:lnRef>
-            <a:fillRef idx="1">
-              <a:schemeClr val="accent1"/>
-            </a:fillRef>
-            <a:effectRef idx="0">
-              <a:schemeClr val="accent1"/>
-            </a:effectRef>
-            <a:fontRef idx="minor">
-              <a:schemeClr val="lt1"/>
-            </a:fontRef>
-          </p:style>
-          <p:txBody>
-            <a:bodyPr rtlCol="0" anchor="ctr"/>
-            <a:lstStyle/>
-            <a:p>
-              <a:pPr algn="ctr"/>
-              <a:endParaRPr lang="en-US"/>
-            </a:p>
-          </p:txBody>
-        </p:sp>
-        <p:sp>
-          <p:nvSpPr>
-            <p:cNvPr id="11" name="TextBox 10"/>
-            <p:cNvSpPr txBox="1"/>
-            <p:nvPr/>
-          </p:nvSpPr>
-          <p:spPr>
-            <a:xfrm>
-              <a:off x="2651504" y="3563426"/>
-              <a:ext cx="6426926" cy="1200329"/>
-            </a:xfrm>
-            <a:prstGeom prst="rect">
-              <a:avLst/>
-            </a:prstGeom>
-            <a:noFill/>
-          </p:spPr>
-          <p:txBody>
-            <a:bodyPr wrap="square" rtlCol="0">
-              <a:spAutoFit/>
-            </a:bodyPr>
-            <a:lstStyle/>
-            <a:p>
-              <a:pPr lvl="0" algn="ctr"/>
-              <a:r>
-                <a:rPr lang="en-US" sz="3600" dirty="0" smtClean="0">
-                  <a:solidFill>
-                    <a:srgbClr val="37D8A5"/>
-                  </a:solidFill>
-                  <a:latin typeface="Corbel" panose="020B0503020204020204" pitchFamily="34" charset="0"/>
-                </a:rPr>
-                <a:t>LIBRARY BOOKS LATE RETURN ANALYTICS REPORT</a:t>
-              </a:r>
-              <a:endParaRPr lang="en-US" sz="3600" dirty="0">
-                <a:solidFill>
-                  <a:srgbClr val="37D8A5"/>
-                </a:solidFill>
-                <a:latin typeface="Corbel" panose="020B0503020204020204" pitchFamily="34" charset="0"/>
-              </a:endParaRPr>
-            </a:p>
-          </p:txBody>
-        </p:sp>
-      </p:grpSp>
     </p:spTree>
     <p:extLst>
       <p:ext uri="{BB962C8B-B14F-4D97-AF65-F5344CB8AC3E}">
-        <p14:creationId xmlns:p14="http://schemas.microsoft.com/office/powerpoint/2010/main" val="3111754918"/>
+        <p14:creationId xmlns:p14="http://schemas.microsoft.com/office/powerpoint/2010/main" val="244289868"/>
       </p:ext>
     </p:extLst>
   </p:cSld>
@@ -10026,7 +10060,7 @@
             </p:custDataLst>
             <p:extLst>
               <p:ext uri="{D42A27DB-BD31-4B8C-83A1-F6EECF244321}">
-                <p14:modId xmlns:p14="http://schemas.microsoft.com/office/powerpoint/2010/main" val="1346709851"/>
+                <p14:modId xmlns:p14="http://schemas.microsoft.com/office/powerpoint/2010/main" val="307786852"/>
               </p:ext>
             </p:extLst>
           </p:nvPr>
@@ -10039,7 +10073,7 @@
           <a:graphicData uri="http://schemas.openxmlformats.org/presentationml/2006/ole">
             <mc:AlternateContent xmlns:mc="http://schemas.openxmlformats.org/markup-compatibility/2006">
               <mc:Choice xmlns:v="urn:schemas-microsoft-com:vml" Requires="v">
-                <p:oleObj spid="_x0000_s4171" name="think-cell Slide" r:id="rId61" imgW="444" imgH="443" progId="TCLayout.ActiveDocument.1">
+                <p:oleObj spid="_x0000_s4186" name="think-cell Slide" r:id="rId61" imgW="444" imgH="443" progId="TCLayout.ActiveDocument.1">
                   <p:embed/>
                 </p:oleObj>
               </mc:Choice>
@@ -10116,7 +10150,7 @@
             </p:custDataLst>
             <p:extLst>
               <p:ext uri="{D42A27DB-BD31-4B8C-83A1-F6EECF244321}">
-                <p14:modId xmlns:p14="http://schemas.microsoft.com/office/powerpoint/2010/main" val="1860989593"/>
+                <p14:modId xmlns:p14="http://schemas.microsoft.com/office/powerpoint/2010/main" val="2531179350"/>
               </p:ext>
             </p:extLst>
           </p:nvPr>
@@ -10141,7 +10175,7 @@
             </p:custDataLst>
             <p:extLst>
               <p:ext uri="{D42A27DB-BD31-4B8C-83A1-F6EECF244321}">
-                <p14:modId xmlns:p14="http://schemas.microsoft.com/office/powerpoint/2010/main" val="3939741074"/>
+                <p14:modId xmlns:p14="http://schemas.microsoft.com/office/powerpoint/2010/main" val="3963867204"/>
               </p:ext>
             </p:extLst>
           </p:nvPr>
@@ -10246,7 +10280,7 @@
       </p:sp>
       <p:sp>
         <p:nvSpPr>
-          <p:cNvPr id="441" name="Rectangle 440">
+          <p:cNvPr id="143" name="Rectangle 142">
             <a:extLst>
               <a:ext uri="{FF2B5EF4-FFF2-40B4-BE49-F238E27FC236}">
                 <a16:creationId xmlns:a16="http://schemas.microsoft.com/office/drawing/2014/main" id="{3FD692A4-7DC9-4A09-BEA2-3D667A3316F4}"/>
@@ -10257,152 +10291,6 @@
           <p:nvPr>
             <p:custDataLst>
               <p:tags r:id="rId6"/>
-            </p:custDataLst>
-          </p:nvPr>
-        </p:nvSpPr>
-        <p:spPr bwMode="gray">
-          <a:xfrm>
-            <a:off x="7027863" y="2476500"/>
-            <a:ext cx="536575" cy="150813"/>
-          </a:xfrm>
-          <a:prstGeom prst="rect">
-            <a:avLst/>
-          </a:prstGeom>
-          <a:noFill/>
-          <a:ln w="12700" cap="flat" cmpd="sng" algn="ctr">
-            <a:noFill/>
-            <a:prstDash val="solid"/>
-            <a:miter lim="800000"/>
-            <a:headEnd type="none" w="med" len="med"/>
-            <a:tailEnd type="none" w="med" len="med"/>
-          </a:ln>
-          <a:effectLst/>
-          <a:extLst>
-            <a:ext uri="{909E8E84-426E-40DD-AFC4-6F175D3DCCD1}">
-              <a14:hiddenFill xmlns:a14="http://schemas.microsoft.com/office/drawing/2010/main">
-                <a:solidFill>
-                  <a:schemeClr val="accent2"/>
-                </a:solidFill>
-              </a14:hiddenFill>
-            </a:ext>
-            <a:ext uri="{91240B29-F687-4F45-9708-019B960494DF}">
-              <a14:hiddenLine xmlns:a14="http://schemas.microsoft.com/office/drawing/2010/main" w="12700" cap="flat" cmpd="sng" algn="ctr">
-                <a:solidFill>
-                  <a:schemeClr val="accent1">
-                    <a:shade val="50000"/>
-                  </a:schemeClr>
-                </a:solidFill>
-                <a:prstDash val="solid"/>
-                <a:miter lim="800000"/>
-                <a:headEnd type="none" w="med" len="med"/>
-                <a:tailEnd type="none" w="med" len="med"/>
-              </a14:hiddenLine>
-            </a:ext>
-          </a:extLst>
-        </p:spPr>
-        <p:style>
-          <a:lnRef idx="2">
-            <a:schemeClr val="accent1">
-              <a:shade val="50000"/>
-            </a:schemeClr>
-          </a:lnRef>
-          <a:fillRef idx="1">
-            <a:schemeClr val="accent1"/>
-          </a:fillRef>
-          <a:effectRef idx="0">
-            <a:schemeClr val="accent1"/>
-          </a:effectRef>
-          <a:fontRef idx="minor">
-            <a:schemeClr val="lt1"/>
-          </a:fontRef>
-        </p:style>
-        <p:txBody>
-          <a:bodyPr vert="horz" wrap="none" lIns="20638" tIns="0" rIns="20638" bIns="0" rtlCol="0" anchor="ctr"/>
-          <a:lstStyle/>
-          <a:p>
-            <a:pPr lvl="0" algn="ctr">
-              <a:lnSpc>
-                <a:spcPct val="90000"/>
-              </a:lnSpc>
-              <a:defRPr/>
-            </a:pPr>
-            <a:fld id="{24B216DC-8EA2-4336-9925-0FD7B2ABD46B}" type="datetime'''''''''1''0''''''''''''''2'''''''''''''''''''''''''">
-              <a:rPr lang="en-US" altLang="en-US" sz="1100" smtClean="0">
-                <a:solidFill>
-                  <a:srgbClr val="FFFFFF"/>
-                </a:solidFill>
-                <a:latin typeface="Corbel" panose="020B0503020204020204" pitchFamily="34" charset="0"/>
-                <a:sym typeface="Corbel" panose="020B0503020204020204" pitchFamily="34" charset="0"/>
-              </a:rPr>
-              <a:pPr/>
-              <a:t>102</a:t>
-            </a:fld>
-            <a:r>
-              <a:rPr lang="en-US" altLang="en-US" sz="1100" dirty="0" smtClean="0">
-                <a:solidFill>
-                  <a:srgbClr val="FFFFFF"/>
-                </a:solidFill>
-                <a:latin typeface="Corbel" panose="020B0503020204020204" pitchFamily="34" charset="0"/>
-                <a:sym typeface="Corbel" panose="020B0503020204020204" pitchFamily="34" charset="0"/>
-              </a:rPr>
-              <a:t> (</a:t>
-            </a:r>
-            <a:fld id="{0B8C4E28-B2A2-4839-BDB8-538F38B4BFA1}" type="datetime'''''''''''''''''''''''''''''5''''''%'''''''''''''''''''">
-              <a:rPr lang="en-US" altLang="en-US" sz="1100" smtClean="0">
-                <a:solidFill>
-                  <a:srgbClr val="FFFFFF"/>
-                </a:solidFill>
-                <a:latin typeface="Corbel" panose="020B0503020204020204" pitchFamily="34" charset="0"/>
-                <a:sym typeface="Corbel" panose="020B0503020204020204" pitchFamily="34" charset="0"/>
-              </a:rPr>
-              <a:pPr/>
-              <a:t>5%</a:t>
-            </a:fld>
-            <a:r>
-              <a:rPr lang="en-US" sz="1100" u="none" strike="noStrike" normalizeH="0" noProof="0" dirty="0" smtClean="0">
-                <a:ln>
-                  <a:noFill/>
-                </a:ln>
-                <a:solidFill>
-                  <a:srgbClr val="FFFFFF"/>
-                </a:solidFill>
-                <a:effectLst/>
-                <a:uLnTx/>
-                <a:uFillTx/>
-                <a:latin typeface="Corbel" panose="020B0503020204020204" pitchFamily="34" charset="0"/>
-                <a:sym typeface="Corbel" panose="020B0503020204020204" pitchFamily="34" charset="0"/>
-              </a:rPr>
-              <a:t>)</a:t>
-            </a:r>
-            <a:endParaRPr lang="en-US" sz="1100" u="none" strike="noStrike" normalizeH="0" noProof="0" dirty="0">
-              <a:ln>
-                <a:noFill/>
-              </a:ln>
-              <a:solidFill>
-                <a:srgbClr val="FFFFFF"/>
-              </a:solidFill>
-              <a:effectLst/>
-              <a:uLnTx/>
-              <a:uFillTx/>
-              <a:latin typeface="Corbel" panose="020B0503020204020204" pitchFamily="34" charset="0"/>
-              <a:sym typeface="Corbel" panose="020B0503020204020204" pitchFamily="34" charset="0"/>
-            </a:endParaRPr>
-          </a:p>
-        </p:txBody>
-      </p:sp>
-      <p:sp>
-        <p:nvSpPr>
-          <p:cNvPr id="143" name="Rectangle 142">
-            <a:extLst>
-              <a:ext uri="{FF2B5EF4-FFF2-40B4-BE49-F238E27FC236}">
-                <a16:creationId xmlns:a16="http://schemas.microsoft.com/office/drawing/2014/main" id="{3FD692A4-7DC9-4A09-BEA2-3D667A3316F4}"/>
-              </a:ext>
-            </a:extLst>
-          </p:cNvPr>
-          <p:cNvSpPr/>
-          <p:nvPr>
-            <p:custDataLst>
-              <p:tags r:id="rId7"/>
             </p:custDataLst>
           </p:nvPr>
         </p:nvSpPr>
@@ -10560,7 +10448,7 @@
           </p:cNvSpPr>
           <p:nvPr>
             <p:custDataLst>
-              <p:tags r:id="rId8"/>
+              <p:tags r:id="rId7"/>
             </p:custDataLst>
           </p:nvPr>
         </p:nvSpPr>
@@ -10796,13 +10684,305 @@
       </p:sp>
       <p:sp>
         <p:nvSpPr>
+          <p:cNvPr id="441" name="Rectangle 440">
+            <a:extLst>
+              <a:ext uri="{FF2B5EF4-FFF2-40B4-BE49-F238E27FC236}">
+                <a16:creationId xmlns:a16="http://schemas.microsoft.com/office/drawing/2014/main" id="{3FD692A4-7DC9-4A09-BEA2-3D667A3316F4}"/>
+              </a:ext>
+            </a:extLst>
+          </p:cNvPr>
+          <p:cNvSpPr/>
+          <p:nvPr>
+            <p:custDataLst>
+              <p:tags r:id="rId8"/>
+            </p:custDataLst>
+          </p:nvPr>
+        </p:nvSpPr>
+        <p:spPr bwMode="gray">
+          <a:xfrm>
+            <a:off x="7027863" y="2476500"/>
+            <a:ext cx="536575" cy="150813"/>
+          </a:xfrm>
+          <a:prstGeom prst="rect">
+            <a:avLst/>
+          </a:prstGeom>
+          <a:noFill/>
+          <a:ln w="12700" cap="flat" cmpd="sng" algn="ctr">
+            <a:noFill/>
+            <a:prstDash val="solid"/>
+            <a:miter lim="800000"/>
+            <a:headEnd type="none" w="med" len="med"/>
+            <a:tailEnd type="none" w="med" len="med"/>
+          </a:ln>
+          <a:effectLst/>
+          <a:extLst>
+            <a:ext uri="{909E8E84-426E-40DD-AFC4-6F175D3DCCD1}">
+              <a14:hiddenFill xmlns:a14="http://schemas.microsoft.com/office/drawing/2010/main">
+                <a:solidFill>
+                  <a:schemeClr val="accent2"/>
+                </a:solidFill>
+              </a14:hiddenFill>
+            </a:ext>
+            <a:ext uri="{91240B29-F687-4F45-9708-019B960494DF}">
+              <a14:hiddenLine xmlns:a14="http://schemas.microsoft.com/office/drawing/2010/main" w="12700" cap="flat" cmpd="sng" algn="ctr">
+                <a:solidFill>
+                  <a:schemeClr val="accent1">
+                    <a:shade val="50000"/>
+                  </a:schemeClr>
+                </a:solidFill>
+                <a:prstDash val="solid"/>
+                <a:miter lim="800000"/>
+                <a:headEnd type="none" w="med" len="med"/>
+                <a:tailEnd type="none" w="med" len="med"/>
+              </a14:hiddenLine>
+            </a:ext>
+          </a:extLst>
+        </p:spPr>
+        <p:style>
+          <a:lnRef idx="2">
+            <a:schemeClr val="accent1">
+              <a:shade val="50000"/>
+            </a:schemeClr>
+          </a:lnRef>
+          <a:fillRef idx="1">
+            <a:schemeClr val="accent1"/>
+          </a:fillRef>
+          <a:effectRef idx="0">
+            <a:schemeClr val="accent1"/>
+          </a:effectRef>
+          <a:fontRef idx="minor">
+            <a:schemeClr val="lt1"/>
+          </a:fontRef>
+        </p:style>
+        <p:txBody>
+          <a:bodyPr vert="horz" wrap="none" lIns="20638" tIns="0" rIns="20638" bIns="0" rtlCol="0" anchor="ctr"/>
+          <a:lstStyle/>
+          <a:p>
+            <a:pPr lvl="0" algn="ctr">
+              <a:lnSpc>
+                <a:spcPct val="90000"/>
+              </a:lnSpc>
+              <a:defRPr/>
+            </a:pPr>
+            <a:fld id="{24B216DC-8EA2-4336-9925-0FD7B2ABD46B}" type="datetime'''''''''1''0''''''''''''''2'''''''''''''''''''''''''">
+              <a:rPr lang="en-US" altLang="en-US" sz="1100" smtClean="0">
+                <a:solidFill>
+                  <a:srgbClr val="FFFFFF"/>
+                </a:solidFill>
+                <a:latin typeface="Corbel" panose="020B0503020204020204" pitchFamily="34" charset="0"/>
+                <a:sym typeface="Corbel" panose="020B0503020204020204" pitchFamily="34" charset="0"/>
+              </a:rPr>
+              <a:pPr/>
+              <a:t>102</a:t>
+            </a:fld>
+            <a:r>
+              <a:rPr lang="en-US" altLang="en-US" sz="1100" dirty="0" smtClean="0">
+                <a:solidFill>
+                  <a:srgbClr val="FFFFFF"/>
+                </a:solidFill>
+                <a:latin typeface="Corbel" panose="020B0503020204020204" pitchFamily="34" charset="0"/>
+                <a:sym typeface="Corbel" panose="020B0503020204020204" pitchFamily="34" charset="0"/>
+              </a:rPr>
+              <a:t> (</a:t>
+            </a:r>
+            <a:fld id="{0B8C4E28-B2A2-4839-BDB8-538F38B4BFA1}" type="datetime'''''''''''''''''''''''''''''5''''''%'''''''''''''''''''">
+              <a:rPr lang="en-US" altLang="en-US" sz="1100" smtClean="0">
+                <a:solidFill>
+                  <a:srgbClr val="FFFFFF"/>
+                </a:solidFill>
+                <a:latin typeface="Corbel" panose="020B0503020204020204" pitchFamily="34" charset="0"/>
+                <a:sym typeface="Corbel" panose="020B0503020204020204" pitchFamily="34" charset="0"/>
+              </a:rPr>
+              <a:pPr/>
+              <a:t>5%</a:t>
+            </a:fld>
+            <a:r>
+              <a:rPr lang="en-US" sz="1100" u="none" strike="noStrike" normalizeH="0" noProof="0" dirty="0" smtClean="0">
+                <a:ln>
+                  <a:noFill/>
+                </a:ln>
+                <a:solidFill>
+                  <a:srgbClr val="FFFFFF"/>
+                </a:solidFill>
+                <a:effectLst/>
+                <a:uLnTx/>
+                <a:uFillTx/>
+                <a:latin typeface="Corbel" panose="020B0503020204020204" pitchFamily="34" charset="0"/>
+                <a:sym typeface="Corbel" panose="020B0503020204020204" pitchFamily="34" charset="0"/>
+              </a:rPr>
+              <a:t>)</a:t>
+            </a:r>
+            <a:endParaRPr lang="en-US" sz="1100" u="none" strike="noStrike" normalizeH="0" noProof="0" dirty="0">
+              <a:ln>
+                <a:noFill/>
+              </a:ln>
+              <a:solidFill>
+                <a:srgbClr val="FFFFFF"/>
+              </a:solidFill>
+              <a:effectLst/>
+              <a:uLnTx/>
+              <a:uFillTx/>
+              <a:latin typeface="Corbel" panose="020B0503020204020204" pitchFamily="34" charset="0"/>
+              <a:sym typeface="Corbel" panose="020B0503020204020204" pitchFamily="34" charset="0"/>
+            </a:endParaRPr>
+          </a:p>
+        </p:txBody>
+      </p:sp>
+      <p:sp>
+        <p:nvSpPr>
+          <p:cNvPr id="436" name="Rectangle 435">
+            <a:extLst>
+              <a:ext uri="{FF2B5EF4-FFF2-40B4-BE49-F238E27FC236}">
+                <a16:creationId xmlns:a16="http://schemas.microsoft.com/office/drawing/2014/main" id="{3FD692A4-7DC9-4A09-BEA2-3D667A3316F4}"/>
+              </a:ext>
+            </a:extLst>
+          </p:cNvPr>
+          <p:cNvSpPr/>
+          <p:nvPr>
+            <p:custDataLst>
+              <p:tags r:id="rId9"/>
+            </p:custDataLst>
+          </p:nvPr>
+        </p:nvSpPr>
+        <p:spPr bwMode="gray">
+          <a:xfrm>
+            <a:off x="6770688" y="2765425"/>
+            <a:ext cx="468313" cy="150813"/>
+          </a:xfrm>
+          <a:prstGeom prst="rect">
+            <a:avLst/>
+          </a:prstGeom>
+          <a:noFill/>
+          <a:ln w="12700" cap="flat" cmpd="sng" algn="ctr">
+            <a:noFill/>
+            <a:prstDash val="solid"/>
+            <a:miter lim="800000"/>
+            <a:headEnd type="none" w="med" len="med"/>
+            <a:tailEnd type="none" w="med" len="med"/>
+          </a:ln>
+          <a:effectLst/>
+          <a:extLst>
+            <a:ext uri="{909E8E84-426E-40DD-AFC4-6F175D3DCCD1}">
+              <a14:hiddenFill xmlns:a14="http://schemas.microsoft.com/office/drawing/2010/main">
+                <a:solidFill>
+                  <a:schemeClr val="accent1"/>
+                </a:solidFill>
+              </a14:hiddenFill>
+            </a:ext>
+            <a:ext uri="{91240B29-F687-4F45-9708-019B960494DF}">
+              <a14:hiddenLine xmlns:a14="http://schemas.microsoft.com/office/drawing/2010/main" w="12700" cap="flat" cmpd="sng" algn="ctr">
+                <a:solidFill>
+                  <a:schemeClr val="accent1">
+                    <a:shade val="50000"/>
+                  </a:schemeClr>
+                </a:solidFill>
+                <a:prstDash val="solid"/>
+                <a:miter lim="800000"/>
+                <a:headEnd type="none" w="med" len="med"/>
+                <a:tailEnd type="none" w="med" len="med"/>
+              </a14:hiddenLine>
+            </a:ext>
+          </a:extLst>
+        </p:spPr>
+        <p:style>
+          <a:lnRef idx="2">
+            <a:schemeClr val="accent1">
+              <a:shade val="50000"/>
+            </a:schemeClr>
+          </a:lnRef>
+          <a:fillRef idx="1">
+            <a:schemeClr val="accent1"/>
+          </a:fillRef>
+          <a:effectRef idx="0">
+            <a:schemeClr val="accent1"/>
+          </a:effectRef>
+          <a:fontRef idx="minor">
+            <a:schemeClr val="lt1"/>
+          </a:fontRef>
+        </p:style>
+        <p:txBody>
+          <a:bodyPr vert="horz" wrap="none" lIns="20638" tIns="0" rIns="20638" bIns="0" rtlCol="0" anchor="ctr"/>
+          <a:lstStyle/>
+          <a:p>
+            <a:pPr lvl="0" algn="ctr">
+              <a:lnSpc>
+                <a:spcPct val="90000"/>
+              </a:lnSpc>
+              <a:defRPr/>
+            </a:pPr>
+            <a:fld id="{8515DC99-30C2-4E94-92F1-6D817AEED5AB}" type="datetime'''''''''4''7'">
+              <a:rPr lang="en-US" altLang="en-US" sz="1100" smtClean="0">
+                <a:solidFill>
+                  <a:srgbClr val="FFFFFF"/>
+                </a:solidFill>
+                <a:latin typeface="Corbel" panose="020B0503020204020204" pitchFamily="34" charset="0"/>
+                <a:sym typeface="Corbel" panose="020B0503020204020204" pitchFamily="34" charset="0"/>
+              </a:rPr>
+              <a:pPr/>
+              <a:t>47</a:t>
+            </a:fld>
+            <a:r>
+              <a:rPr lang="en-US" altLang="en-US" sz="1100" smtClean="0">
+                <a:solidFill>
+                  <a:srgbClr val="FFFFFF"/>
+                </a:solidFill>
+                <a:latin typeface="Corbel" panose="020B0503020204020204" pitchFamily="34" charset="0"/>
+                <a:sym typeface="Corbel" panose="020B0503020204020204" pitchFamily="34" charset="0"/>
+              </a:rPr>
+              <a:t> (</a:t>
+            </a:r>
+            <a:fld id="{65169CA2-5C45-480D-B668-36F030556FDB}" type="datetime'''''''''''''''''''''''''''''''''''''2''''''''%'''''''''''''''">
+              <a:rPr lang="en-US" altLang="en-US" sz="1100" smtClean="0">
+                <a:solidFill>
+                  <a:srgbClr val="FFFFFF"/>
+                </a:solidFill>
+                <a:latin typeface="Corbel" panose="020B0503020204020204" pitchFamily="34" charset="0"/>
+                <a:sym typeface="Corbel" panose="020B0503020204020204" pitchFamily="34" charset="0"/>
+              </a:rPr>
+              <a:pPr/>
+              <a:t>2%</a:t>
+            </a:fld>
+            <a:r>
+              <a:rPr lang="en-US" sz="1100" u="none" strike="noStrike" normalizeH="0" noProof="0" smtClean="0">
+                <a:ln>
+                  <a:noFill/>
+                </a:ln>
+                <a:solidFill>
+                  <a:srgbClr val="FFFFFF"/>
+                </a:solidFill>
+                <a:effectLst/>
+                <a:uLnTx/>
+                <a:uFillTx/>
+                <a:latin typeface="Corbel" panose="020B0503020204020204" pitchFamily="34" charset="0"/>
+                <a:sym typeface="Corbel" panose="020B0503020204020204" pitchFamily="34" charset="0"/>
+              </a:rPr>
+              <a:t>)</a:t>
+            </a:r>
+            <a:endParaRPr lang="en-US" sz="1100" u="none" strike="noStrike" normalizeH="0" noProof="0" dirty="0">
+              <a:ln>
+                <a:noFill/>
+              </a:ln>
+              <a:solidFill>
+                <a:srgbClr val="FFFFFF"/>
+              </a:solidFill>
+              <a:effectLst/>
+              <a:uLnTx/>
+              <a:uFillTx/>
+              <a:latin typeface="Corbel" panose="020B0503020204020204" pitchFamily="34" charset="0"/>
+              <a:sym typeface="Corbel" panose="020B0503020204020204" pitchFamily="34" charset="0"/>
+            </a:endParaRPr>
+          </a:p>
+        </p:txBody>
+      </p:sp>
+      <p:sp>
+        <p:nvSpPr>
           <p:cNvPr id="502" name="Text Placeholder 2"/>
           <p:cNvSpPr>
             <a:spLocks noGrp="1"/>
           </p:cNvSpPr>
           <p:nvPr>
             <p:custDataLst>
-              <p:tags r:id="rId9"/>
+              <p:tags r:id="rId10"/>
             </p:custDataLst>
           </p:nvPr>
         </p:nvSpPr>
@@ -11044,7 +11224,7 @@
           </p:cNvSpPr>
           <p:nvPr>
             <p:custDataLst>
-              <p:tags r:id="rId10"/>
+              <p:tags r:id="rId11"/>
             </p:custDataLst>
           </p:nvPr>
         </p:nvSpPr>
@@ -11272,152 +11452,6 @@
               <a:solidFill>
                 <a:srgbClr val="06486E"/>
               </a:solidFill>
-              <a:latin typeface="Corbel" panose="020B0503020204020204" pitchFamily="34" charset="0"/>
-              <a:sym typeface="Corbel" panose="020B0503020204020204" pitchFamily="34" charset="0"/>
-            </a:endParaRPr>
-          </a:p>
-        </p:txBody>
-      </p:sp>
-      <p:sp>
-        <p:nvSpPr>
-          <p:cNvPr id="436" name="Rectangle 435">
-            <a:extLst>
-              <a:ext uri="{FF2B5EF4-FFF2-40B4-BE49-F238E27FC236}">
-                <a16:creationId xmlns:a16="http://schemas.microsoft.com/office/drawing/2014/main" id="{3FD692A4-7DC9-4A09-BEA2-3D667A3316F4}"/>
-              </a:ext>
-            </a:extLst>
-          </p:cNvPr>
-          <p:cNvSpPr/>
-          <p:nvPr>
-            <p:custDataLst>
-              <p:tags r:id="rId11"/>
-            </p:custDataLst>
-          </p:nvPr>
-        </p:nvSpPr>
-        <p:spPr bwMode="gray">
-          <a:xfrm>
-            <a:off x="6770688" y="2765425"/>
-            <a:ext cx="468313" cy="150813"/>
-          </a:xfrm>
-          <a:prstGeom prst="rect">
-            <a:avLst/>
-          </a:prstGeom>
-          <a:noFill/>
-          <a:ln w="12700" cap="flat" cmpd="sng" algn="ctr">
-            <a:noFill/>
-            <a:prstDash val="solid"/>
-            <a:miter lim="800000"/>
-            <a:headEnd type="none" w="med" len="med"/>
-            <a:tailEnd type="none" w="med" len="med"/>
-          </a:ln>
-          <a:effectLst/>
-          <a:extLst>
-            <a:ext uri="{909E8E84-426E-40DD-AFC4-6F175D3DCCD1}">
-              <a14:hiddenFill xmlns:a14="http://schemas.microsoft.com/office/drawing/2010/main">
-                <a:solidFill>
-                  <a:schemeClr val="accent1"/>
-                </a:solidFill>
-              </a14:hiddenFill>
-            </a:ext>
-            <a:ext uri="{91240B29-F687-4F45-9708-019B960494DF}">
-              <a14:hiddenLine xmlns:a14="http://schemas.microsoft.com/office/drawing/2010/main" w="12700" cap="flat" cmpd="sng" algn="ctr">
-                <a:solidFill>
-                  <a:schemeClr val="accent1">
-                    <a:shade val="50000"/>
-                  </a:schemeClr>
-                </a:solidFill>
-                <a:prstDash val="solid"/>
-                <a:miter lim="800000"/>
-                <a:headEnd type="none" w="med" len="med"/>
-                <a:tailEnd type="none" w="med" len="med"/>
-              </a14:hiddenLine>
-            </a:ext>
-          </a:extLst>
-        </p:spPr>
-        <p:style>
-          <a:lnRef idx="2">
-            <a:schemeClr val="accent1">
-              <a:shade val="50000"/>
-            </a:schemeClr>
-          </a:lnRef>
-          <a:fillRef idx="1">
-            <a:schemeClr val="accent1"/>
-          </a:fillRef>
-          <a:effectRef idx="0">
-            <a:schemeClr val="accent1"/>
-          </a:effectRef>
-          <a:fontRef idx="minor">
-            <a:schemeClr val="lt1"/>
-          </a:fontRef>
-        </p:style>
-        <p:txBody>
-          <a:bodyPr vert="horz" wrap="none" lIns="20638" tIns="0" rIns="20638" bIns="0" rtlCol="0" anchor="ctr"/>
-          <a:lstStyle/>
-          <a:p>
-            <a:pPr lvl="0" algn="ctr">
-              <a:lnSpc>
-                <a:spcPct val="90000"/>
-              </a:lnSpc>
-              <a:defRPr/>
-            </a:pPr>
-            <a:fld id="{8515DC99-30C2-4E94-92F1-6D817AEED5AB}" type="datetime'''''''''4''7'">
-              <a:rPr lang="en-US" altLang="en-US" sz="1100" smtClean="0">
-                <a:solidFill>
-                  <a:srgbClr val="FFFFFF"/>
-                </a:solidFill>
-                <a:latin typeface="Corbel" panose="020B0503020204020204" pitchFamily="34" charset="0"/>
-                <a:sym typeface="Corbel" panose="020B0503020204020204" pitchFamily="34" charset="0"/>
-              </a:rPr>
-              <a:pPr/>
-              <a:t>47</a:t>
-            </a:fld>
-            <a:r>
-              <a:rPr lang="en-US" altLang="en-US" sz="1100" smtClean="0">
-                <a:solidFill>
-                  <a:srgbClr val="FFFFFF"/>
-                </a:solidFill>
-                <a:latin typeface="Corbel" panose="020B0503020204020204" pitchFamily="34" charset="0"/>
-                <a:sym typeface="Corbel" panose="020B0503020204020204" pitchFamily="34" charset="0"/>
-              </a:rPr>
-              <a:t> (</a:t>
-            </a:r>
-            <a:fld id="{65169CA2-5C45-480D-B668-36F030556FDB}" type="datetime'''''''''''''''''''''''''''''''''''''2''''''''%'''''''''''''''">
-              <a:rPr lang="en-US" altLang="en-US" sz="1100" smtClean="0">
-                <a:solidFill>
-                  <a:srgbClr val="FFFFFF"/>
-                </a:solidFill>
-                <a:latin typeface="Corbel" panose="020B0503020204020204" pitchFamily="34" charset="0"/>
-                <a:sym typeface="Corbel" panose="020B0503020204020204" pitchFamily="34" charset="0"/>
-              </a:rPr>
-              <a:pPr/>
-              <a:t>2%</a:t>
-            </a:fld>
-            <a:r>
-              <a:rPr lang="en-US" sz="1100" u="none" strike="noStrike" normalizeH="0" noProof="0" smtClean="0">
-                <a:ln>
-                  <a:noFill/>
-                </a:ln>
-                <a:solidFill>
-                  <a:srgbClr val="FFFFFF"/>
-                </a:solidFill>
-                <a:effectLst/>
-                <a:uLnTx/>
-                <a:uFillTx/>
-                <a:latin typeface="Corbel" panose="020B0503020204020204" pitchFamily="34" charset="0"/>
-                <a:sym typeface="Corbel" panose="020B0503020204020204" pitchFamily="34" charset="0"/>
-              </a:rPr>
-              <a:t>)</a:t>
-            </a:r>
-            <a:endParaRPr lang="en-US" sz="1100" u="none" strike="noStrike" normalizeH="0" noProof="0" dirty="0">
-              <a:ln>
-                <a:noFill/>
-              </a:ln>
-              <a:solidFill>
-                <a:srgbClr val="FFFFFF"/>
-              </a:solidFill>
-              <a:effectLst/>
-              <a:uLnTx/>
-              <a:uFillTx/>
               <a:latin typeface="Corbel" panose="020B0503020204020204" pitchFamily="34" charset="0"/>
               <a:sym typeface="Corbel" panose="020B0503020204020204" pitchFamily="34" charset="0"/>
             </a:endParaRPr>
@@ -11816,7 +11850,7 @@
             </p:custDataLst>
             <p:extLst>
               <p:ext uri="{D42A27DB-BD31-4B8C-83A1-F6EECF244321}">
-                <p14:modId xmlns:p14="http://schemas.microsoft.com/office/powerpoint/2010/main" val="1269722725"/>
+                <p14:modId xmlns:p14="http://schemas.microsoft.com/office/powerpoint/2010/main" val="1831894765"/>
               </p:ext>
             </p:extLst>
           </p:nvPr>
@@ -12188,7 +12222,7 @@
             </p:custDataLst>
             <p:extLst>
               <p:ext uri="{D42A27DB-BD31-4B8C-83A1-F6EECF244321}">
-                <p14:modId xmlns:p14="http://schemas.microsoft.com/office/powerpoint/2010/main" val="3432331935"/>
+                <p14:modId xmlns:p14="http://schemas.microsoft.com/office/powerpoint/2010/main" val="126721524"/>
               </p:ext>
             </p:extLst>
           </p:nvPr>
@@ -12352,7 +12386,7 @@
             </p:custDataLst>
             <p:extLst>
               <p:ext uri="{D42A27DB-BD31-4B8C-83A1-F6EECF244321}">
-                <p14:modId xmlns:p14="http://schemas.microsoft.com/office/powerpoint/2010/main" val="2322102515"/>
+                <p14:modId xmlns:p14="http://schemas.microsoft.com/office/powerpoint/2010/main" val="433239433"/>
               </p:ext>
             </p:extLst>
           </p:nvPr>
@@ -12369,13 +12403,306 @@
       </p:graphicFrame>
       <p:sp>
         <p:nvSpPr>
+          <p:cNvPr id="577" name="Text Placeholder 2"/>
+          <p:cNvSpPr>
+            <a:spLocks noGrp="1"/>
+          </p:cNvSpPr>
+          <p:nvPr>
+            <p:custDataLst>
+              <p:tags r:id="rId15"/>
+            </p:custDataLst>
+          </p:nvPr>
+        </p:nvSpPr>
+        <p:spPr bwMode="gray">
+          <a:xfrm>
+            <a:off x="9201150" y="2322513"/>
+            <a:ext cx="407988" cy="330200"/>
+          </a:xfrm>
+          <a:prstGeom prst="rect">
+            <a:avLst/>
+          </a:prstGeom>
+          <a:solidFill>
+            <a:schemeClr val="hlink"/>
+          </a:solidFill>
+          <a:ln>
+            <a:noFill/>
+          </a:ln>
+          <a:effectLst/>
+        </p:spPr>
+        <p:txBody>
+          <a:bodyPr vert="horz" wrap="none" lIns="22225" tIns="0" rIns="22225" bIns="0" numCol="1" spcCol="0" rtlCol="0" anchor="ctr" anchorCtr="0">
+            <a:noAutofit/>
+          </a:bodyPr>
+          <a:lstStyle>
+            <a:lvl1pPr marL="228600" indent="-228600" algn="l" defTabSz="914400" rtl="0" eaLnBrk="1" latinLnBrk="0" hangingPunct="1">
+              <a:lnSpc>
+                <a:spcPct val="90000"/>
+              </a:lnSpc>
+              <a:spcBef>
+                <a:spcPts val="1000"/>
+              </a:spcBef>
+              <a:buFont typeface="Arial" panose="020B0604020202020204" pitchFamily="34" charset="0"/>
+              <a:buChar char="•"/>
+              <a:defRPr sz="2800" kern="1200">
+                <a:solidFill>
+                  <a:schemeClr val="tx1"/>
+                </a:solidFill>
+                <a:latin typeface="+mn-lt"/>
+                <a:ea typeface="+mn-ea"/>
+                <a:cs typeface="+mn-cs"/>
+              </a:defRPr>
+            </a:lvl1pPr>
+            <a:lvl2pPr marL="685800" indent="-228600" algn="l" defTabSz="914400" rtl="0" eaLnBrk="1" latinLnBrk="0" hangingPunct="1">
+              <a:lnSpc>
+                <a:spcPct val="90000"/>
+              </a:lnSpc>
+              <a:spcBef>
+                <a:spcPts val="500"/>
+              </a:spcBef>
+              <a:buFont typeface="Arial" panose="020B0604020202020204" pitchFamily="34" charset="0"/>
+              <a:buChar char="•"/>
+              <a:defRPr sz="2400" kern="1200">
+                <a:solidFill>
+                  <a:schemeClr val="tx1"/>
+                </a:solidFill>
+                <a:latin typeface="+mn-lt"/>
+                <a:ea typeface="+mn-ea"/>
+                <a:cs typeface="+mn-cs"/>
+              </a:defRPr>
+            </a:lvl2pPr>
+            <a:lvl3pPr marL="1143000" indent="-228600" algn="l" defTabSz="914400" rtl="0" eaLnBrk="1" latinLnBrk="0" hangingPunct="1">
+              <a:lnSpc>
+                <a:spcPct val="90000"/>
+              </a:lnSpc>
+              <a:spcBef>
+                <a:spcPts val="500"/>
+              </a:spcBef>
+              <a:buFont typeface="Arial" panose="020B0604020202020204" pitchFamily="34" charset="0"/>
+              <a:buChar char="•"/>
+              <a:defRPr sz="2000" kern="1200">
+                <a:solidFill>
+                  <a:schemeClr val="tx1"/>
+                </a:solidFill>
+                <a:latin typeface="+mn-lt"/>
+                <a:ea typeface="+mn-ea"/>
+                <a:cs typeface="+mn-cs"/>
+              </a:defRPr>
+            </a:lvl3pPr>
+            <a:lvl4pPr marL="1600200" indent="-228600" algn="l" defTabSz="914400" rtl="0" eaLnBrk="1" latinLnBrk="0" hangingPunct="1">
+              <a:lnSpc>
+                <a:spcPct val="90000"/>
+              </a:lnSpc>
+              <a:spcBef>
+                <a:spcPts val="500"/>
+              </a:spcBef>
+              <a:buFont typeface="Arial" panose="020B0604020202020204" pitchFamily="34" charset="0"/>
+              <a:buChar char="•"/>
+              <a:defRPr sz="1800" kern="1200">
+                <a:solidFill>
+                  <a:schemeClr val="tx1"/>
+                </a:solidFill>
+                <a:latin typeface="+mn-lt"/>
+                <a:ea typeface="+mn-ea"/>
+                <a:cs typeface="+mn-cs"/>
+              </a:defRPr>
+            </a:lvl4pPr>
+            <a:lvl5pPr marL="2057400" indent="-228600" algn="l" defTabSz="914400" rtl="0" eaLnBrk="1" latinLnBrk="0" hangingPunct="1">
+              <a:lnSpc>
+                <a:spcPct val="90000"/>
+              </a:lnSpc>
+              <a:spcBef>
+                <a:spcPts val="500"/>
+              </a:spcBef>
+              <a:buFont typeface="Arial" panose="020B0604020202020204" pitchFamily="34" charset="0"/>
+              <a:buChar char="•"/>
+              <a:defRPr sz="1800" kern="1200">
+                <a:solidFill>
+                  <a:schemeClr val="tx1"/>
+                </a:solidFill>
+                <a:latin typeface="+mn-lt"/>
+                <a:ea typeface="+mn-ea"/>
+                <a:cs typeface="+mn-cs"/>
+              </a:defRPr>
+            </a:lvl5pPr>
+            <a:lvl6pPr marL="2514600" indent="-228600" algn="l" defTabSz="914400" rtl="0" eaLnBrk="1" latinLnBrk="0" hangingPunct="1">
+              <a:lnSpc>
+                <a:spcPct val="90000"/>
+              </a:lnSpc>
+              <a:spcBef>
+                <a:spcPts val="500"/>
+              </a:spcBef>
+              <a:buFont typeface="Arial" panose="020B0604020202020204" pitchFamily="34" charset="0"/>
+              <a:buChar char="•"/>
+              <a:defRPr sz="1800" kern="1200">
+                <a:solidFill>
+                  <a:schemeClr val="tx1"/>
+                </a:solidFill>
+                <a:latin typeface="+mn-lt"/>
+                <a:ea typeface="+mn-ea"/>
+                <a:cs typeface="+mn-cs"/>
+              </a:defRPr>
+            </a:lvl6pPr>
+            <a:lvl7pPr marL="2971800" indent="-228600" algn="l" defTabSz="914400" rtl="0" eaLnBrk="1" latinLnBrk="0" hangingPunct="1">
+              <a:lnSpc>
+                <a:spcPct val="90000"/>
+              </a:lnSpc>
+              <a:spcBef>
+                <a:spcPts val="500"/>
+              </a:spcBef>
+              <a:buFont typeface="Arial" panose="020B0604020202020204" pitchFamily="34" charset="0"/>
+              <a:buChar char="•"/>
+              <a:defRPr sz="1800" kern="1200">
+                <a:solidFill>
+                  <a:schemeClr val="tx1"/>
+                </a:solidFill>
+                <a:latin typeface="+mn-lt"/>
+                <a:ea typeface="+mn-ea"/>
+                <a:cs typeface="+mn-cs"/>
+              </a:defRPr>
+            </a:lvl7pPr>
+            <a:lvl8pPr marL="3429000" indent="-228600" algn="l" defTabSz="914400" rtl="0" eaLnBrk="1" latinLnBrk="0" hangingPunct="1">
+              <a:lnSpc>
+                <a:spcPct val="90000"/>
+              </a:lnSpc>
+              <a:spcBef>
+                <a:spcPts val="500"/>
+              </a:spcBef>
+              <a:buFont typeface="Arial" panose="020B0604020202020204" pitchFamily="34" charset="0"/>
+              <a:buChar char="•"/>
+              <a:defRPr sz="1800" kern="1200">
+                <a:solidFill>
+                  <a:schemeClr val="tx1"/>
+                </a:solidFill>
+                <a:latin typeface="+mn-lt"/>
+                <a:ea typeface="+mn-ea"/>
+                <a:cs typeface="+mn-cs"/>
+              </a:defRPr>
+            </a:lvl8pPr>
+            <a:lvl9pPr marL="3886200" indent="-228600" algn="l" defTabSz="914400" rtl="0" eaLnBrk="1" latinLnBrk="0" hangingPunct="1">
+              <a:lnSpc>
+                <a:spcPct val="90000"/>
+              </a:lnSpc>
+              <a:spcBef>
+                <a:spcPts val="500"/>
+              </a:spcBef>
+              <a:buFont typeface="Arial" panose="020B0604020202020204" pitchFamily="34" charset="0"/>
+              <a:buChar char="•"/>
+              <a:defRPr sz="1800" kern="1200">
+                <a:solidFill>
+                  <a:schemeClr val="tx1"/>
+                </a:solidFill>
+                <a:latin typeface="+mn-lt"/>
+                <a:ea typeface="+mn-ea"/>
+                <a:cs typeface="+mn-cs"/>
+              </a:defRPr>
+            </a:lvl9pPr>
+          </a:lstStyle>
+          <a:p>
+            <a:pPr marL="0" indent="0" algn="ctr">
+              <a:spcBef>
+                <a:spcPct val="0"/>
+              </a:spcBef>
+              <a:spcAft>
+                <a:spcPct val="0"/>
+              </a:spcAft>
+              <a:buNone/>
+            </a:pPr>
+            <a:fld id="{9F19F5ED-515C-4147-8433-75E1B84A9F6B}" type="datetime'''''''''''''''''''''''''''''''''''4''''''''''''5''''3'''''''''">
+              <a:rPr lang="en-US" altLang="en-US" sz="1200" b="1" smtClean="0">
+                <a:solidFill>
+                  <a:schemeClr val="bg1"/>
+                </a:solidFill>
+                <a:latin typeface="Corbel" panose="020B0503020204020204" pitchFamily="34" charset="0"/>
+                <a:sym typeface="Corbel" panose="020B0503020204020204" pitchFamily="34" charset="0"/>
+              </a:rPr>
+              <a:pPr marL="0" indent="0" algn="ctr">
+                <a:spcBef>
+                  <a:spcPct val="0"/>
+                </a:spcBef>
+                <a:spcAft>
+                  <a:spcPct val="0"/>
+                </a:spcAft>
+                <a:buNone/>
+              </a:pPr>
+              <a:t>453</a:t>
+            </a:fld>
+            <a:r>
+              <a:rPr lang="en-US" altLang="en-US" sz="1200" b="1" smtClean="0">
+                <a:solidFill>
+                  <a:schemeClr val="bg1"/>
+                </a:solidFill>
+                <a:latin typeface="Corbel" panose="020B0503020204020204" pitchFamily="34" charset="0"/>
+                <a:sym typeface="Corbel" panose="020B0503020204020204" pitchFamily="34" charset="0"/>
+              </a:rPr>
+              <a:t/>
+            </a:r>
+            <a:br>
+              <a:rPr lang="en-US" altLang="en-US" sz="1200" b="1" smtClean="0">
+                <a:solidFill>
+                  <a:schemeClr val="bg1"/>
+                </a:solidFill>
+                <a:latin typeface="Corbel" panose="020B0503020204020204" pitchFamily="34" charset="0"/>
+                <a:sym typeface="Corbel" panose="020B0503020204020204" pitchFamily="34" charset="0"/>
+              </a:rPr>
+            </a:br>
+            <a:r>
+              <a:rPr lang="en-US" altLang="en-US" sz="1200" b="1" smtClean="0">
+                <a:solidFill>
+                  <a:schemeClr val="bg1"/>
+                </a:solidFill>
+                <a:latin typeface="Corbel" panose="020B0503020204020204" pitchFamily="34" charset="0"/>
+                <a:sym typeface="Corbel" panose="020B0503020204020204" pitchFamily="34" charset="0"/>
+              </a:rPr>
+              <a:t>(</a:t>
+            </a:r>
+            <a:fld id="{81EEE551-6B45-4799-8D1F-5B9B73671009}" type="datetime'2''''''''''''''''''''''''''''''''''''3''''''%'''''''''''''''''">
+              <a:rPr lang="en-US" altLang="en-US" sz="1200" b="1" smtClean="0">
+                <a:solidFill>
+                  <a:schemeClr val="bg1"/>
+                </a:solidFill>
+                <a:latin typeface="Corbel" panose="020B0503020204020204" pitchFamily="34" charset="0"/>
+                <a:sym typeface="Corbel" panose="020B0503020204020204" pitchFamily="34" charset="0"/>
+              </a:rPr>
+              <a:pPr marL="0" indent="0" algn="ctr">
+                <a:spcBef>
+                  <a:spcPct val="0"/>
+                </a:spcBef>
+                <a:spcAft>
+                  <a:spcPct val="0"/>
+                </a:spcAft>
+                <a:buNone/>
+              </a:pPr>
+              <a:t>23%</a:t>
+            </a:fld>
+            <a:r>
+              <a:rPr lang="en-US" sz="1200" b="1" smtClean="0">
+                <a:solidFill>
+                  <a:schemeClr val="bg1"/>
+                </a:solidFill>
+                <a:latin typeface="Corbel" panose="020B0503020204020204" pitchFamily="34" charset="0"/>
+                <a:sym typeface="Corbel" panose="020B0503020204020204" pitchFamily="34" charset="0"/>
+              </a:rPr>
+              <a:t>)</a:t>
+            </a:r>
+            <a:endParaRPr lang="en-US" sz="1200" b="1" dirty="0">
+              <a:solidFill>
+                <a:schemeClr val="bg1"/>
+              </a:solidFill>
+              <a:latin typeface="Corbel" panose="020B0503020204020204" pitchFamily="34" charset="0"/>
+              <a:sym typeface="Corbel" panose="020B0503020204020204" pitchFamily="34" charset="0"/>
+            </a:endParaRPr>
+          </a:p>
+        </p:txBody>
+      </p:sp>
+      <p:sp>
+        <p:nvSpPr>
           <p:cNvPr id="567" name="Text Placeholder 2"/>
           <p:cNvSpPr>
             <a:spLocks noGrp="1"/>
           </p:cNvSpPr>
           <p:nvPr>
             <p:custDataLst>
-              <p:tags r:id="rId15"/>
+              <p:tags r:id="rId16"/>
             </p:custDataLst>
           </p:nvPr>
         </p:nvSpPr>
@@ -12650,7 +12977,7 @@
           </p:cNvSpPr>
           <p:nvPr>
             <p:custDataLst>
-              <p:tags r:id="rId16"/>
+              <p:tags r:id="rId17"/>
             </p:custDataLst>
           </p:nvPr>
         </p:nvSpPr>
@@ -12937,26 +13264,26 @@
       </p:sp>
       <p:sp>
         <p:nvSpPr>
-          <p:cNvPr id="577" name="Text Placeholder 2"/>
+          <p:cNvPr id="578" name="Text Placeholder 2"/>
           <p:cNvSpPr>
             <a:spLocks noGrp="1"/>
           </p:cNvSpPr>
           <p:nvPr>
             <p:custDataLst>
-              <p:tags r:id="rId17"/>
+              <p:tags r:id="rId18"/>
             </p:custDataLst>
           </p:nvPr>
         </p:nvSpPr>
         <p:spPr bwMode="gray">
           <a:xfrm>
-            <a:off x="9201150" y="2322513"/>
-            <a:ext cx="407988" cy="330200"/>
+            <a:off x="9024938" y="1595438"/>
+            <a:ext cx="419100" cy="330200"/>
           </a:xfrm>
           <a:prstGeom prst="rect">
             <a:avLst/>
           </a:prstGeom>
           <a:solidFill>
-            <a:schemeClr val="hlink"/>
+            <a:srgbClr val="242424"/>
           </a:solidFill>
           <a:ln>
             <a:noFill/>
@@ -13141,7 +13468,7 @@
               </a:spcAft>
               <a:buNone/>
             </a:pPr>
-            <a:fld id="{9F19F5ED-515C-4147-8433-75E1B84A9F6B}" type="datetime'''''''''''''''''''''''''''''''''''4''''''''''''5''''3'''''''''">
+            <a:fld id="{E2883D6F-81A5-46D1-91C8-0011AB957DC9}" type="datetime'''''''''''''''4''''''7''''''''''''''''''''''''''''6'">
               <a:rPr lang="en-US" altLang="en-US" sz="1200" b="1" smtClean="0">
                 <a:solidFill>
                   <a:schemeClr val="bg1"/>
@@ -13158,7 +13485,7 @@
                 </a:spcAft>
                 <a:buNone/>
               </a:pPr>
-              <a:t>453</a:t>
+              <a:t>476</a:t>
             </a:fld>
             <a:r>
               <a:rPr lang="en-US" altLang="en-US" sz="1200" b="1" smtClean="0">
@@ -13189,7 +13516,7 @@
               </a:rPr>
               <a:t>(</a:t>
             </a:r>
-            <a:fld id="{81EEE551-6B45-4799-8D1F-5B9B73671009}" type="datetime'2''''''''''''''''''''''''''''''''''''3''''''%'''''''''''''''''">
+            <a:fld id="{D69D8ABD-EE6E-4E62-99B0-5CD1EA534951}" type="datetime'''''2''''''''''''''''''''''''''''''''''''''4''''''%'">
               <a:rPr lang="en-US" altLang="en-US" sz="1200" b="1" smtClean="0">
                 <a:solidFill>
                   <a:schemeClr val="bg1"/>
@@ -13206,7 +13533,7 @@
                 </a:spcAft>
                 <a:buNone/>
               </a:pPr>
-              <a:t>23%</a:t>
+              <a:t>24%</a:t>
             </a:fld>
             <a:r>
               <a:rPr lang="en-US" sz="1200" b="1" smtClean="0">
@@ -13236,7 +13563,7 @@
           </p:cNvSpPr>
           <p:nvPr>
             <p:custDataLst>
-              <p:tags r:id="rId18"/>
+              <p:tags r:id="rId19"/>
             </p:custDataLst>
           </p:nvPr>
         </p:nvSpPr>
@@ -13505,300 +13832,7 @@
       </p:sp>
       <p:sp>
         <p:nvSpPr>
-          <p:cNvPr id="578" name="Text Placeholder 2"/>
-          <p:cNvSpPr>
-            <a:spLocks noGrp="1"/>
-          </p:cNvSpPr>
-          <p:nvPr>
-            <p:custDataLst>
-              <p:tags r:id="rId19"/>
-            </p:custDataLst>
-          </p:nvPr>
-        </p:nvSpPr>
-        <p:spPr bwMode="gray">
-          <a:xfrm>
-            <a:off x="9024938" y="1595438"/>
-            <a:ext cx="419100" cy="330200"/>
-          </a:xfrm>
-          <a:prstGeom prst="rect">
-            <a:avLst/>
-          </a:prstGeom>
-          <a:solidFill>
-            <a:srgbClr val="242424"/>
-          </a:solidFill>
-          <a:ln>
-            <a:noFill/>
-          </a:ln>
-          <a:effectLst/>
-        </p:spPr>
-        <p:txBody>
-          <a:bodyPr vert="horz" wrap="none" lIns="22225" tIns="0" rIns="22225" bIns="0" numCol="1" spcCol="0" rtlCol="0" anchor="ctr" anchorCtr="0">
-            <a:noAutofit/>
-          </a:bodyPr>
-          <a:lstStyle>
-            <a:lvl1pPr marL="228600" indent="-228600" algn="l" defTabSz="914400" rtl="0" eaLnBrk="1" latinLnBrk="0" hangingPunct="1">
-              <a:lnSpc>
-                <a:spcPct val="90000"/>
-              </a:lnSpc>
-              <a:spcBef>
-                <a:spcPts val="1000"/>
-              </a:spcBef>
-              <a:buFont typeface="Arial" panose="020B0604020202020204" pitchFamily="34" charset="0"/>
-              <a:buChar char="•"/>
-              <a:defRPr sz="2800" kern="1200">
-                <a:solidFill>
-                  <a:schemeClr val="tx1"/>
-                </a:solidFill>
-                <a:latin typeface="+mn-lt"/>
-                <a:ea typeface="+mn-ea"/>
-                <a:cs typeface="+mn-cs"/>
-              </a:defRPr>
-            </a:lvl1pPr>
-            <a:lvl2pPr marL="685800" indent="-228600" algn="l" defTabSz="914400" rtl="0" eaLnBrk="1" latinLnBrk="0" hangingPunct="1">
-              <a:lnSpc>
-                <a:spcPct val="90000"/>
-              </a:lnSpc>
-              <a:spcBef>
-                <a:spcPts val="500"/>
-              </a:spcBef>
-              <a:buFont typeface="Arial" panose="020B0604020202020204" pitchFamily="34" charset="0"/>
-              <a:buChar char="•"/>
-              <a:defRPr sz="2400" kern="1200">
-                <a:solidFill>
-                  <a:schemeClr val="tx1"/>
-                </a:solidFill>
-                <a:latin typeface="+mn-lt"/>
-                <a:ea typeface="+mn-ea"/>
-                <a:cs typeface="+mn-cs"/>
-              </a:defRPr>
-            </a:lvl2pPr>
-            <a:lvl3pPr marL="1143000" indent="-228600" algn="l" defTabSz="914400" rtl="0" eaLnBrk="1" latinLnBrk="0" hangingPunct="1">
-              <a:lnSpc>
-                <a:spcPct val="90000"/>
-              </a:lnSpc>
-              <a:spcBef>
-                <a:spcPts val="500"/>
-              </a:spcBef>
-              <a:buFont typeface="Arial" panose="020B0604020202020204" pitchFamily="34" charset="0"/>
-              <a:buChar char="•"/>
-              <a:defRPr sz="2000" kern="1200">
-                <a:solidFill>
-                  <a:schemeClr val="tx1"/>
-                </a:solidFill>
-                <a:latin typeface="+mn-lt"/>
-                <a:ea typeface="+mn-ea"/>
-                <a:cs typeface="+mn-cs"/>
-              </a:defRPr>
-            </a:lvl3pPr>
-            <a:lvl4pPr marL="1600200" indent="-228600" algn="l" defTabSz="914400" rtl="0" eaLnBrk="1" latinLnBrk="0" hangingPunct="1">
-              <a:lnSpc>
-                <a:spcPct val="90000"/>
-              </a:lnSpc>
-              <a:spcBef>
-                <a:spcPts val="500"/>
-              </a:spcBef>
-              <a:buFont typeface="Arial" panose="020B0604020202020204" pitchFamily="34" charset="0"/>
-              <a:buChar char="•"/>
-              <a:defRPr sz="1800" kern="1200">
-                <a:solidFill>
-                  <a:schemeClr val="tx1"/>
-                </a:solidFill>
-                <a:latin typeface="+mn-lt"/>
-                <a:ea typeface="+mn-ea"/>
-                <a:cs typeface="+mn-cs"/>
-              </a:defRPr>
-            </a:lvl4pPr>
-            <a:lvl5pPr marL="2057400" indent="-228600" algn="l" defTabSz="914400" rtl="0" eaLnBrk="1" latinLnBrk="0" hangingPunct="1">
-              <a:lnSpc>
-                <a:spcPct val="90000"/>
-              </a:lnSpc>
-              <a:spcBef>
-                <a:spcPts val="500"/>
-              </a:spcBef>
-              <a:buFont typeface="Arial" panose="020B0604020202020204" pitchFamily="34" charset="0"/>
-              <a:buChar char="•"/>
-              <a:defRPr sz="1800" kern="1200">
-                <a:solidFill>
-                  <a:schemeClr val="tx1"/>
-                </a:solidFill>
-                <a:latin typeface="+mn-lt"/>
-                <a:ea typeface="+mn-ea"/>
-                <a:cs typeface="+mn-cs"/>
-              </a:defRPr>
-            </a:lvl5pPr>
-            <a:lvl6pPr marL="2514600" indent="-228600" algn="l" defTabSz="914400" rtl="0" eaLnBrk="1" latinLnBrk="0" hangingPunct="1">
-              <a:lnSpc>
-                <a:spcPct val="90000"/>
-              </a:lnSpc>
-              <a:spcBef>
-                <a:spcPts val="500"/>
-              </a:spcBef>
-              <a:buFont typeface="Arial" panose="020B0604020202020204" pitchFamily="34" charset="0"/>
-              <a:buChar char="•"/>
-              <a:defRPr sz="1800" kern="1200">
-                <a:solidFill>
-                  <a:schemeClr val="tx1"/>
-                </a:solidFill>
-                <a:latin typeface="+mn-lt"/>
-                <a:ea typeface="+mn-ea"/>
-                <a:cs typeface="+mn-cs"/>
-              </a:defRPr>
-            </a:lvl6pPr>
-            <a:lvl7pPr marL="2971800" indent="-228600" algn="l" defTabSz="914400" rtl="0" eaLnBrk="1" latinLnBrk="0" hangingPunct="1">
-              <a:lnSpc>
-                <a:spcPct val="90000"/>
-              </a:lnSpc>
-              <a:spcBef>
-                <a:spcPts val="500"/>
-              </a:spcBef>
-              <a:buFont typeface="Arial" panose="020B0604020202020204" pitchFamily="34" charset="0"/>
-              <a:buChar char="•"/>
-              <a:defRPr sz="1800" kern="1200">
-                <a:solidFill>
-                  <a:schemeClr val="tx1"/>
-                </a:solidFill>
-                <a:latin typeface="+mn-lt"/>
-                <a:ea typeface="+mn-ea"/>
-                <a:cs typeface="+mn-cs"/>
-              </a:defRPr>
-            </a:lvl7pPr>
-            <a:lvl8pPr marL="3429000" indent="-228600" algn="l" defTabSz="914400" rtl="0" eaLnBrk="1" latinLnBrk="0" hangingPunct="1">
-              <a:lnSpc>
-                <a:spcPct val="90000"/>
-              </a:lnSpc>
-              <a:spcBef>
-                <a:spcPts val="500"/>
-              </a:spcBef>
-              <a:buFont typeface="Arial" panose="020B0604020202020204" pitchFamily="34" charset="0"/>
-              <a:buChar char="•"/>
-              <a:defRPr sz="1800" kern="1200">
-                <a:solidFill>
-                  <a:schemeClr val="tx1"/>
-                </a:solidFill>
-                <a:latin typeface="+mn-lt"/>
-                <a:ea typeface="+mn-ea"/>
-                <a:cs typeface="+mn-cs"/>
-              </a:defRPr>
-            </a:lvl8pPr>
-            <a:lvl9pPr marL="3886200" indent="-228600" algn="l" defTabSz="914400" rtl="0" eaLnBrk="1" latinLnBrk="0" hangingPunct="1">
-              <a:lnSpc>
-                <a:spcPct val="90000"/>
-              </a:lnSpc>
-              <a:spcBef>
-                <a:spcPts val="500"/>
-              </a:spcBef>
-              <a:buFont typeface="Arial" panose="020B0604020202020204" pitchFamily="34" charset="0"/>
-              <a:buChar char="•"/>
-              <a:defRPr sz="1800" kern="1200">
-                <a:solidFill>
-                  <a:schemeClr val="tx1"/>
-                </a:solidFill>
-                <a:latin typeface="+mn-lt"/>
-                <a:ea typeface="+mn-ea"/>
-                <a:cs typeface="+mn-cs"/>
-              </a:defRPr>
-            </a:lvl9pPr>
-          </a:lstStyle>
-          <a:p>
-            <a:pPr marL="0" indent="0" algn="ctr">
-              <a:spcBef>
-                <a:spcPct val="0"/>
-              </a:spcBef>
-              <a:spcAft>
-                <a:spcPct val="0"/>
-              </a:spcAft>
-              <a:buNone/>
-            </a:pPr>
-            <a:fld id="{E2883D6F-81A5-46D1-91C8-0011AB957DC9}" type="datetime'''''''''''''''4''''''7''''''''''''''''''''''''''''6'">
-              <a:rPr lang="en-US" altLang="en-US" sz="1200" b="1" smtClean="0">
-                <a:solidFill>
-                  <a:schemeClr val="bg1"/>
-                </a:solidFill>
-                <a:latin typeface="Corbel" panose="020B0503020204020204" pitchFamily="34" charset="0"/>
-                <a:sym typeface="Corbel" panose="020B0503020204020204" pitchFamily="34" charset="0"/>
-              </a:rPr>
-              <a:pPr marL="0" indent="0" algn="ctr">
-                <a:spcBef>
-                  <a:spcPct val="0"/>
-                </a:spcBef>
-                <a:spcAft>
-                  <a:spcPct val="0"/>
-                </a:spcAft>
-                <a:buNone/>
-              </a:pPr>
-              <a:t>476</a:t>
-            </a:fld>
-            <a:r>
-              <a:rPr lang="en-US" altLang="en-US" sz="1200" b="1" smtClean="0">
-                <a:solidFill>
-                  <a:schemeClr val="bg1"/>
-                </a:solidFill>
-                <a:latin typeface="Corbel" panose="020B0503020204020204" pitchFamily="34" charset="0"/>
-                <a:sym typeface="Corbel" panose="020B0503020204020204" pitchFamily="34" charset="0"/>
-              </a:rPr>
-              <a:t/>
-            </a:r>
-            <a:br>
-              <a:rPr lang="en-US" altLang="en-US" sz="1200" b="1" smtClean="0">
-                <a:solidFill>
-                  <a:schemeClr val="bg1"/>
-                </a:solidFill>
-                <a:latin typeface="Corbel" panose="020B0503020204020204" pitchFamily="34" charset="0"/>
-                <a:sym typeface="Corbel" panose="020B0503020204020204" pitchFamily="34" charset="0"/>
-              </a:rPr>
-            </a:br>
-            <a:r>
-              <a:rPr lang="en-US" altLang="en-US" sz="1200" b="1" smtClean="0">
-                <a:solidFill>
-                  <a:schemeClr val="bg1"/>
-                </a:solidFill>
-                <a:latin typeface="Corbel" panose="020B0503020204020204" pitchFamily="34" charset="0"/>
-                <a:sym typeface="Corbel" panose="020B0503020204020204" pitchFamily="34" charset="0"/>
-              </a:rPr>
-              <a:t>(</a:t>
-            </a:r>
-            <a:fld id="{D69D8ABD-EE6E-4E62-99B0-5CD1EA534951}" type="datetime'''''2''''''''''''''''''''''''''''''''''''''4''''''%'">
-              <a:rPr lang="en-US" altLang="en-US" sz="1200" b="1" smtClean="0">
-                <a:solidFill>
-                  <a:schemeClr val="bg1"/>
-                </a:solidFill>
-                <a:latin typeface="Corbel" panose="020B0503020204020204" pitchFamily="34" charset="0"/>
-                <a:sym typeface="Corbel" panose="020B0503020204020204" pitchFamily="34" charset="0"/>
-              </a:rPr>
-              <a:pPr marL="0" indent="0" algn="ctr">
-                <a:spcBef>
-                  <a:spcPct val="0"/>
-                </a:spcBef>
-                <a:spcAft>
-                  <a:spcPct val="0"/>
-                </a:spcAft>
-                <a:buNone/>
-              </a:pPr>
-              <a:t>24%</a:t>
-            </a:fld>
-            <a:r>
-              <a:rPr lang="en-US" sz="1200" b="1" smtClean="0">
-                <a:solidFill>
-                  <a:schemeClr val="bg1"/>
-                </a:solidFill>
-                <a:latin typeface="Corbel" panose="020B0503020204020204" pitchFamily="34" charset="0"/>
-                <a:sym typeface="Corbel" panose="020B0503020204020204" pitchFamily="34" charset="0"/>
-              </a:rPr>
-              <a:t>)</a:t>
-            </a:r>
-            <a:endParaRPr lang="en-US" sz="1200" b="1" dirty="0">
-              <a:solidFill>
-                <a:schemeClr val="bg1"/>
-              </a:solidFill>
-              <a:latin typeface="Corbel" panose="020B0503020204020204" pitchFamily="34" charset="0"/>
-              <a:sym typeface="Corbel" panose="020B0503020204020204" pitchFamily="34" charset="0"/>
-            </a:endParaRPr>
-          </a:p>
-        </p:txBody>
-      </p:sp>
-      <p:sp>
-        <p:nvSpPr>
-          <p:cNvPr id="404" name="Rectangle 403"/>
+          <p:cNvPr id="401" name="Rectangle 400"/>
           <p:cNvSpPr/>
           <p:nvPr>
             <p:custDataLst>
@@ -13808,14 +13842,84 @@
         </p:nvSpPr>
         <p:spPr bwMode="auto">
           <a:xfrm>
-            <a:off x="10615613" y="2103438"/>
+            <a:off x="10615613" y="1474788"/>
             <a:ext cx="196850" cy="147638"/>
           </a:xfrm>
           <a:prstGeom prst="rect">
             <a:avLst/>
           </a:prstGeom>
           <a:solidFill>
-            <a:schemeClr val="accent5"/>
+            <a:srgbClr val="2F6869"/>
+          </a:solidFill>
+          <a:ln w="12700" cap="flat" cmpd="sng" algn="ctr">
+            <a:noFill/>
+            <a:prstDash val="solid"/>
+            <a:miter lim="800000"/>
+            <a:headEnd type="none" w="med" len="med"/>
+            <a:tailEnd type="none" w="med" len="med"/>
+          </a:ln>
+          <a:effectLst/>
+          <a:extLst>
+            <a:ext uri="{91240B29-F687-4F45-9708-019B960494DF}">
+              <a14:hiddenLine xmlns:a14="http://schemas.microsoft.com/office/drawing/2010/main" w="12700" cap="flat" cmpd="sng" algn="ctr">
+                <a:solidFill>
+                  <a:schemeClr val="accent1">
+                    <a:shade val="50000"/>
+                  </a:schemeClr>
+                </a:solidFill>
+                <a:prstDash val="solid"/>
+                <a:miter lim="800000"/>
+                <a:headEnd type="none" w="med" len="med"/>
+                <a:tailEnd type="none" w="med" len="med"/>
+              </a14:hiddenLine>
+            </a:ext>
+          </a:extLst>
+        </p:spPr>
+        <p:style>
+          <a:lnRef idx="2">
+            <a:schemeClr val="accent1">
+              <a:shade val="50000"/>
+            </a:schemeClr>
+          </a:lnRef>
+          <a:fillRef idx="1">
+            <a:schemeClr val="accent1"/>
+          </a:fillRef>
+          <a:effectRef idx="0">
+            <a:schemeClr val="accent1"/>
+          </a:effectRef>
+          <a:fontRef idx="minor">
+            <a:schemeClr val="lt1"/>
+          </a:fontRef>
+        </p:style>
+        <p:txBody>
+          <a:bodyPr rtlCol="0" anchor="ctr"/>
+          <a:lstStyle/>
+          <a:p>
+            <a:pPr algn="ctr"/>
+            <a:endParaRPr lang="en-US"/>
+          </a:p>
+        </p:txBody>
+      </p:sp>
+      <p:sp>
+        <p:nvSpPr>
+          <p:cNvPr id="400" name="Rectangle 399"/>
+          <p:cNvSpPr/>
+          <p:nvPr>
+            <p:custDataLst>
+              <p:tags r:id="rId21"/>
+            </p:custDataLst>
+          </p:nvPr>
+        </p:nvSpPr>
+        <p:spPr bwMode="auto">
+          <a:xfrm>
+            <a:off x="10615613" y="1265238"/>
+            <a:ext cx="196850" cy="147638"/>
+          </a:xfrm>
+          <a:prstGeom prst="rect">
+            <a:avLst/>
+          </a:prstGeom>
+          <a:solidFill>
+            <a:schemeClr val="accent1"/>
           </a:solidFill>
           <a:ln w="12700" cap="flat" cmpd="sng" algn="ctr">
             <a:noFill/>
@@ -13872,7 +13976,7 @@
           <p:cNvSpPr/>
           <p:nvPr>
             <p:custDataLst>
-              <p:tags r:id="rId21"/>
+              <p:tags r:id="rId22"/>
             </p:custDataLst>
           </p:nvPr>
         </p:nvSpPr>
@@ -13886,146 +13990,6 @@
           </a:prstGeom>
           <a:solidFill>
             <a:schemeClr val="hlink"/>
-          </a:solidFill>
-          <a:ln w="12700" cap="flat" cmpd="sng" algn="ctr">
-            <a:noFill/>
-            <a:prstDash val="solid"/>
-            <a:miter lim="800000"/>
-            <a:headEnd type="none" w="med" len="med"/>
-            <a:tailEnd type="none" w="med" len="med"/>
-          </a:ln>
-          <a:effectLst/>
-          <a:extLst>
-            <a:ext uri="{91240B29-F687-4F45-9708-019B960494DF}">
-              <a14:hiddenLine xmlns:a14="http://schemas.microsoft.com/office/drawing/2010/main" w="12700" cap="flat" cmpd="sng" algn="ctr">
-                <a:solidFill>
-                  <a:schemeClr val="accent1">
-                    <a:shade val="50000"/>
-                  </a:schemeClr>
-                </a:solidFill>
-                <a:prstDash val="solid"/>
-                <a:miter lim="800000"/>
-                <a:headEnd type="none" w="med" len="med"/>
-                <a:tailEnd type="none" w="med" len="med"/>
-              </a14:hiddenLine>
-            </a:ext>
-          </a:extLst>
-        </p:spPr>
-        <p:style>
-          <a:lnRef idx="2">
-            <a:schemeClr val="accent1">
-              <a:shade val="50000"/>
-            </a:schemeClr>
-          </a:lnRef>
-          <a:fillRef idx="1">
-            <a:schemeClr val="accent1"/>
-          </a:fillRef>
-          <a:effectRef idx="0">
-            <a:schemeClr val="accent1"/>
-          </a:effectRef>
-          <a:fontRef idx="minor">
-            <a:schemeClr val="lt1"/>
-          </a:fontRef>
-        </p:style>
-        <p:txBody>
-          <a:bodyPr rtlCol="0" anchor="ctr"/>
-          <a:lstStyle/>
-          <a:p>
-            <a:pPr algn="ctr"/>
-            <a:endParaRPr lang="en-US"/>
-          </a:p>
-        </p:txBody>
-      </p:sp>
-      <p:sp>
-        <p:nvSpPr>
-          <p:cNvPr id="400" name="Rectangle 399"/>
-          <p:cNvSpPr/>
-          <p:nvPr>
-            <p:custDataLst>
-              <p:tags r:id="rId22"/>
-            </p:custDataLst>
-          </p:nvPr>
-        </p:nvSpPr>
-        <p:spPr bwMode="auto">
-          <a:xfrm>
-            <a:off x="10615613" y="1265238"/>
-            <a:ext cx="196850" cy="147638"/>
-          </a:xfrm>
-          <a:prstGeom prst="rect">
-            <a:avLst/>
-          </a:prstGeom>
-          <a:solidFill>
-            <a:schemeClr val="accent1"/>
-          </a:solidFill>
-          <a:ln w="12700" cap="flat" cmpd="sng" algn="ctr">
-            <a:noFill/>
-            <a:prstDash val="solid"/>
-            <a:miter lim="800000"/>
-            <a:headEnd type="none" w="med" len="med"/>
-            <a:tailEnd type="none" w="med" len="med"/>
-          </a:ln>
-          <a:effectLst/>
-          <a:extLst>
-            <a:ext uri="{91240B29-F687-4F45-9708-019B960494DF}">
-              <a14:hiddenLine xmlns:a14="http://schemas.microsoft.com/office/drawing/2010/main" w="12700" cap="flat" cmpd="sng" algn="ctr">
-                <a:solidFill>
-                  <a:schemeClr val="accent1">
-                    <a:shade val="50000"/>
-                  </a:schemeClr>
-                </a:solidFill>
-                <a:prstDash val="solid"/>
-                <a:miter lim="800000"/>
-                <a:headEnd type="none" w="med" len="med"/>
-                <a:tailEnd type="none" w="med" len="med"/>
-              </a14:hiddenLine>
-            </a:ext>
-          </a:extLst>
-        </p:spPr>
-        <p:style>
-          <a:lnRef idx="2">
-            <a:schemeClr val="accent1">
-              <a:shade val="50000"/>
-            </a:schemeClr>
-          </a:lnRef>
-          <a:fillRef idx="1">
-            <a:schemeClr val="accent1"/>
-          </a:fillRef>
-          <a:effectRef idx="0">
-            <a:schemeClr val="accent1"/>
-          </a:effectRef>
-          <a:fontRef idx="minor">
-            <a:schemeClr val="lt1"/>
-          </a:fontRef>
-        </p:style>
-        <p:txBody>
-          <a:bodyPr rtlCol="0" anchor="ctr"/>
-          <a:lstStyle/>
-          <a:p>
-            <a:pPr algn="ctr"/>
-            <a:endParaRPr lang="en-US"/>
-          </a:p>
-        </p:txBody>
-      </p:sp>
-      <p:sp>
-        <p:nvSpPr>
-          <p:cNvPr id="401" name="Rectangle 400"/>
-          <p:cNvSpPr/>
-          <p:nvPr>
-            <p:custDataLst>
-              <p:tags r:id="rId23"/>
-            </p:custDataLst>
-          </p:nvPr>
-        </p:nvSpPr>
-        <p:spPr bwMode="auto">
-          <a:xfrm>
-            <a:off x="10615613" y="1474788"/>
-            <a:ext cx="196850" cy="147638"/>
-          </a:xfrm>
-          <a:prstGeom prst="rect">
-            <a:avLst/>
-          </a:prstGeom>
-          <a:solidFill>
-            <a:srgbClr val="2F6869"/>
           </a:solidFill>
           <a:ln w="12700" cap="flat" cmpd="sng" algn="ctr">
             <a:noFill/>
@@ -14082,7 +14046,7 @@
           <p:cNvSpPr/>
           <p:nvPr>
             <p:custDataLst>
-              <p:tags r:id="rId24"/>
+              <p:tags r:id="rId23"/>
             </p:custDataLst>
           </p:nvPr>
         </p:nvSpPr>
@@ -14148,239 +14112,71 @@
       </p:sp>
       <p:sp>
         <p:nvSpPr>
-          <p:cNvPr id="372" name="Text Placeholder 2"/>
-          <p:cNvSpPr>
-            <a:spLocks noGrp="1"/>
-          </p:cNvSpPr>
+          <p:cNvPr id="404" name="Rectangle 403"/>
+          <p:cNvSpPr/>
           <p:nvPr>
             <p:custDataLst>
-              <p:tags r:id="rId25"/>
+              <p:tags r:id="rId24"/>
             </p:custDataLst>
           </p:nvPr>
         </p:nvSpPr>
         <p:spPr bwMode="auto">
           <a:xfrm>
-            <a:off x="10863263" y="1482726"/>
-            <a:ext cx="415925" cy="150813"/>
+            <a:off x="10615613" y="2103438"/>
+            <a:ext cx="196850" cy="147638"/>
           </a:xfrm>
           <a:prstGeom prst="rect">
             <a:avLst/>
           </a:prstGeom>
-          <a:noFill/>
-          <a:ln>
+          <a:solidFill>
+            <a:schemeClr val="accent5"/>
+          </a:solidFill>
+          <a:ln w="12700" cap="flat" cmpd="sng" algn="ctr">
             <a:noFill/>
+            <a:prstDash val="solid"/>
+            <a:miter lim="800000"/>
+            <a:headEnd type="none" w="med" len="med"/>
+            <a:tailEnd type="none" w="med" len="med"/>
           </a:ln>
           <a:effectLst/>
           <a:extLst>
-            <a:ext uri="{909E8E84-426E-40DD-AFC4-6F175D3DCCD1}">
-              <a14:hiddenFill xmlns:a14="http://schemas.microsoft.com/office/drawing/2010/main">
-                <a:solidFill>
-                  <a:scrgbClr r="0" g="0" b="0"/>
-                </a:solidFill>
-              </a14:hiddenFill>
+            <a:ext uri="{91240B29-F687-4F45-9708-019B960494DF}">
+              <a14:hiddenLine xmlns:a14="http://schemas.microsoft.com/office/drawing/2010/main" w="12700" cap="flat" cmpd="sng" algn="ctr">
+                <a:solidFill>
+                  <a:schemeClr val="accent1">
+                    <a:shade val="50000"/>
+                  </a:schemeClr>
+                </a:solidFill>
+                <a:prstDash val="solid"/>
+                <a:miter lim="800000"/>
+                <a:headEnd type="none" w="med" len="med"/>
+                <a:tailEnd type="none" w="med" len="med"/>
+              </a14:hiddenLine>
             </a:ext>
           </a:extLst>
         </p:spPr>
+        <p:style>
+          <a:lnRef idx="2">
+            <a:schemeClr val="accent1">
+              <a:shade val="50000"/>
+            </a:schemeClr>
+          </a:lnRef>
+          <a:fillRef idx="1">
+            <a:schemeClr val="accent1"/>
+          </a:fillRef>
+          <a:effectRef idx="0">
+            <a:schemeClr val="accent1"/>
+          </a:effectRef>
+          <a:fontRef idx="minor">
+            <a:schemeClr val="lt1"/>
+          </a:fontRef>
+        </p:style>
         <p:txBody>
-          <a:bodyPr vert="horz" wrap="none" lIns="0" tIns="0" rIns="0" bIns="0" numCol="1" spcCol="0" rtlCol="0" anchor="ctr" anchorCtr="0">
-            <a:noAutofit/>
-          </a:bodyPr>
-          <a:lstStyle>
-            <a:lvl1pPr marL="228600" indent="-228600" algn="l" defTabSz="914400" rtl="0" eaLnBrk="1" latinLnBrk="0" hangingPunct="1">
-              <a:lnSpc>
-                <a:spcPct val="90000"/>
-              </a:lnSpc>
-              <a:spcBef>
-                <a:spcPts val="1000"/>
-              </a:spcBef>
-              <a:buFont typeface="Arial" panose="020B0604020202020204" pitchFamily="34" charset="0"/>
-              <a:buChar char="•"/>
-              <a:defRPr sz="2800" kern="1200">
-                <a:solidFill>
-                  <a:schemeClr val="tx1"/>
-                </a:solidFill>
-                <a:latin typeface="+mn-lt"/>
-                <a:ea typeface="+mn-ea"/>
-                <a:cs typeface="+mn-cs"/>
-              </a:defRPr>
-            </a:lvl1pPr>
-            <a:lvl2pPr marL="685800" indent="-228600" algn="l" defTabSz="914400" rtl="0" eaLnBrk="1" latinLnBrk="0" hangingPunct="1">
-              <a:lnSpc>
-                <a:spcPct val="90000"/>
-              </a:lnSpc>
-              <a:spcBef>
-                <a:spcPts val="500"/>
-              </a:spcBef>
-              <a:buFont typeface="Arial" panose="020B0604020202020204" pitchFamily="34" charset="0"/>
-              <a:buChar char="•"/>
-              <a:defRPr sz="2400" kern="1200">
-                <a:solidFill>
-                  <a:schemeClr val="tx1"/>
-                </a:solidFill>
-                <a:latin typeface="+mn-lt"/>
-                <a:ea typeface="+mn-ea"/>
-                <a:cs typeface="+mn-cs"/>
-              </a:defRPr>
-            </a:lvl2pPr>
-            <a:lvl3pPr marL="1143000" indent="-228600" algn="l" defTabSz="914400" rtl="0" eaLnBrk="1" latinLnBrk="0" hangingPunct="1">
-              <a:lnSpc>
-                <a:spcPct val="90000"/>
-              </a:lnSpc>
-              <a:spcBef>
-                <a:spcPts val="500"/>
-              </a:spcBef>
-              <a:buFont typeface="Arial" panose="020B0604020202020204" pitchFamily="34" charset="0"/>
-              <a:buChar char="•"/>
-              <a:defRPr sz="2000" kern="1200">
-                <a:solidFill>
-                  <a:schemeClr val="tx1"/>
-                </a:solidFill>
-                <a:latin typeface="+mn-lt"/>
-                <a:ea typeface="+mn-ea"/>
-                <a:cs typeface="+mn-cs"/>
-              </a:defRPr>
-            </a:lvl3pPr>
-            <a:lvl4pPr marL="1600200" indent="-228600" algn="l" defTabSz="914400" rtl="0" eaLnBrk="1" latinLnBrk="0" hangingPunct="1">
-              <a:lnSpc>
-                <a:spcPct val="90000"/>
-              </a:lnSpc>
-              <a:spcBef>
-                <a:spcPts val="500"/>
-              </a:spcBef>
-              <a:buFont typeface="Arial" panose="020B0604020202020204" pitchFamily="34" charset="0"/>
-              <a:buChar char="•"/>
-              <a:defRPr sz="1800" kern="1200">
-                <a:solidFill>
-                  <a:schemeClr val="tx1"/>
-                </a:solidFill>
-                <a:latin typeface="+mn-lt"/>
-                <a:ea typeface="+mn-ea"/>
-                <a:cs typeface="+mn-cs"/>
-              </a:defRPr>
-            </a:lvl4pPr>
-            <a:lvl5pPr marL="2057400" indent="-228600" algn="l" defTabSz="914400" rtl="0" eaLnBrk="1" latinLnBrk="0" hangingPunct="1">
-              <a:lnSpc>
-                <a:spcPct val="90000"/>
-              </a:lnSpc>
-              <a:spcBef>
-                <a:spcPts val="500"/>
-              </a:spcBef>
-              <a:buFont typeface="Arial" panose="020B0604020202020204" pitchFamily="34" charset="0"/>
-              <a:buChar char="•"/>
-              <a:defRPr sz="1800" kern="1200">
-                <a:solidFill>
-                  <a:schemeClr val="tx1"/>
-                </a:solidFill>
-                <a:latin typeface="+mn-lt"/>
-                <a:ea typeface="+mn-ea"/>
-                <a:cs typeface="+mn-cs"/>
-              </a:defRPr>
-            </a:lvl5pPr>
-            <a:lvl6pPr marL="2514600" indent="-228600" algn="l" defTabSz="914400" rtl="0" eaLnBrk="1" latinLnBrk="0" hangingPunct="1">
-              <a:lnSpc>
-                <a:spcPct val="90000"/>
-              </a:lnSpc>
-              <a:spcBef>
-                <a:spcPts val="500"/>
-              </a:spcBef>
-              <a:buFont typeface="Arial" panose="020B0604020202020204" pitchFamily="34" charset="0"/>
-              <a:buChar char="•"/>
-              <a:defRPr sz="1800" kern="1200">
-                <a:solidFill>
-                  <a:schemeClr val="tx1"/>
-                </a:solidFill>
-                <a:latin typeface="+mn-lt"/>
-                <a:ea typeface="+mn-ea"/>
-                <a:cs typeface="+mn-cs"/>
-              </a:defRPr>
-            </a:lvl6pPr>
-            <a:lvl7pPr marL="2971800" indent="-228600" algn="l" defTabSz="914400" rtl="0" eaLnBrk="1" latinLnBrk="0" hangingPunct="1">
-              <a:lnSpc>
-                <a:spcPct val="90000"/>
-              </a:lnSpc>
-              <a:spcBef>
-                <a:spcPts val="500"/>
-              </a:spcBef>
-              <a:buFont typeface="Arial" panose="020B0604020202020204" pitchFamily="34" charset="0"/>
-              <a:buChar char="•"/>
-              <a:defRPr sz="1800" kern="1200">
-                <a:solidFill>
-                  <a:schemeClr val="tx1"/>
-                </a:solidFill>
-                <a:latin typeface="+mn-lt"/>
-                <a:ea typeface="+mn-ea"/>
-                <a:cs typeface="+mn-cs"/>
-              </a:defRPr>
-            </a:lvl7pPr>
-            <a:lvl8pPr marL="3429000" indent="-228600" algn="l" defTabSz="914400" rtl="0" eaLnBrk="1" latinLnBrk="0" hangingPunct="1">
-              <a:lnSpc>
-                <a:spcPct val="90000"/>
-              </a:lnSpc>
-              <a:spcBef>
-                <a:spcPts val="500"/>
-              </a:spcBef>
-              <a:buFont typeface="Arial" panose="020B0604020202020204" pitchFamily="34" charset="0"/>
-              <a:buChar char="•"/>
-              <a:defRPr sz="1800" kern="1200">
-                <a:solidFill>
-                  <a:schemeClr val="tx1"/>
-                </a:solidFill>
-                <a:latin typeface="+mn-lt"/>
-                <a:ea typeface="+mn-ea"/>
-                <a:cs typeface="+mn-cs"/>
-              </a:defRPr>
-            </a:lvl8pPr>
-            <a:lvl9pPr marL="3886200" indent="-228600" algn="l" defTabSz="914400" rtl="0" eaLnBrk="1" latinLnBrk="0" hangingPunct="1">
-              <a:lnSpc>
-                <a:spcPct val="90000"/>
-              </a:lnSpc>
-              <a:spcBef>
-                <a:spcPts val="500"/>
-              </a:spcBef>
-              <a:buFont typeface="Arial" panose="020B0604020202020204" pitchFamily="34" charset="0"/>
-              <a:buChar char="•"/>
-              <a:defRPr sz="1800" kern="1200">
-                <a:solidFill>
-                  <a:schemeClr val="tx1"/>
-                </a:solidFill>
-                <a:latin typeface="+mn-lt"/>
-                <a:ea typeface="+mn-ea"/>
-                <a:cs typeface="+mn-cs"/>
-              </a:defRPr>
-            </a:lvl9pPr>
-          </a:lstStyle>
+          <a:bodyPr rtlCol="0" anchor="ctr"/>
+          <a:lstStyle/>
           <a:p>
-            <a:pPr marL="0" indent="0">
-              <a:spcBef>
-                <a:spcPct val="0"/>
-              </a:spcBef>
-              <a:spcAft>
-                <a:spcPct val="0"/>
-              </a:spcAft>
-              <a:buNone/>
-            </a:pPr>
-            <a:fld id="{0CA53FB5-4A63-4861-A274-AD7B62647B41}" type="datetime'''''C''''''''''''''''''o''''''l''''''''lege'''''''">
-              <a:rPr lang="en-US" altLang="en-US" sz="1100" smtClean="0">
-                <a:solidFill>
-                  <a:srgbClr val="06486E"/>
-                </a:solidFill>
-              </a:rPr>
-              <a:pPr marL="0" indent="0">
-                <a:spcBef>
-                  <a:spcPct val="0"/>
-                </a:spcBef>
-                <a:spcAft>
-                  <a:spcPct val="0"/>
-                </a:spcAft>
-                <a:buNone/>
-              </a:pPr>
-              <a:t>College</a:t>
-            </a:fld>
-            <a:endParaRPr lang="en-US" sz="1100" dirty="0">
-              <a:solidFill>
-                <a:srgbClr val="06486E"/>
-              </a:solidFill>
-            </a:endParaRPr>
+            <a:pPr algn="ctr"/>
+            <a:endParaRPr lang="en-US"/>
           </a:p>
         </p:txBody>
       </p:sp>
@@ -14392,7 +14188,7 @@
           </p:cNvSpPr>
           <p:nvPr>
             <p:custDataLst>
-              <p:tags r:id="rId26"/>
+              <p:tags r:id="rId25"/>
             </p:custDataLst>
           </p:nvPr>
         </p:nvSpPr>
@@ -14605,6 +14401,244 @@
               </a:rPr>
               <a:pPr/>
               <a:t>High School</a:t>
+            </a:fld>
+            <a:endParaRPr lang="en-US" sz="1100" dirty="0">
+              <a:solidFill>
+                <a:srgbClr val="06486E"/>
+              </a:solidFill>
+            </a:endParaRPr>
+          </a:p>
+        </p:txBody>
+      </p:sp>
+      <p:sp>
+        <p:nvSpPr>
+          <p:cNvPr id="377" name="Text Placeholder 2"/>
+          <p:cNvSpPr>
+            <a:spLocks noGrp="1"/>
+          </p:cNvSpPr>
+          <p:nvPr>
+            <p:custDataLst>
+              <p:tags r:id="rId26"/>
+            </p:custDataLst>
+          </p:nvPr>
+        </p:nvSpPr>
+        <p:spPr bwMode="auto">
+          <a:xfrm>
+            <a:off x="10863263" y="1901826"/>
+            <a:ext cx="384175" cy="150813"/>
+          </a:xfrm>
+          <a:prstGeom prst="rect">
+            <a:avLst/>
+          </a:prstGeom>
+          <a:noFill/>
+          <a:ln>
+            <a:noFill/>
+          </a:ln>
+          <a:effectLst/>
+          <a:extLst>
+            <a:ext uri="{909E8E84-426E-40DD-AFC4-6F175D3DCCD1}">
+              <a14:hiddenFill xmlns:a14="http://schemas.microsoft.com/office/drawing/2010/main">
+                <a:solidFill>
+                  <a:scrgbClr r="0" g="0" b="0"/>
+                </a:solidFill>
+              </a14:hiddenFill>
+            </a:ext>
+          </a:extLst>
+        </p:spPr>
+        <p:txBody>
+          <a:bodyPr vert="horz" wrap="none" lIns="0" tIns="0" rIns="0" bIns="0" numCol="1" spcCol="0" rtlCol="0" anchor="ctr" anchorCtr="0">
+            <a:noAutofit/>
+          </a:bodyPr>
+          <a:lstStyle>
+            <a:lvl1pPr marL="228600" indent="-228600" algn="l" defTabSz="914400" rtl="0" eaLnBrk="1" latinLnBrk="0" hangingPunct="1">
+              <a:lnSpc>
+                <a:spcPct val="90000"/>
+              </a:lnSpc>
+              <a:spcBef>
+                <a:spcPts val="1000"/>
+              </a:spcBef>
+              <a:buFont typeface="Arial" panose="020B0604020202020204" pitchFamily="34" charset="0"/>
+              <a:buChar char="•"/>
+              <a:defRPr sz="2800" kern="1200">
+                <a:solidFill>
+                  <a:schemeClr val="tx1"/>
+                </a:solidFill>
+                <a:latin typeface="+mn-lt"/>
+                <a:ea typeface="+mn-ea"/>
+                <a:cs typeface="+mn-cs"/>
+              </a:defRPr>
+            </a:lvl1pPr>
+            <a:lvl2pPr marL="685800" indent="-228600" algn="l" defTabSz="914400" rtl="0" eaLnBrk="1" latinLnBrk="0" hangingPunct="1">
+              <a:lnSpc>
+                <a:spcPct val="90000"/>
+              </a:lnSpc>
+              <a:spcBef>
+                <a:spcPts val="500"/>
+              </a:spcBef>
+              <a:buFont typeface="Arial" panose="020B0604020202020204" pitchFamily="34" charset="0"/>
+              <a:buChar char="•"/>
+              <a:defRPr sz="2400" kern="1200">
+                <a:solidFill>
+                  <a:schemeClr val="tx1"/>
+                </a:solidFill>
+                <a:latin typeface="+mn-lt"/>
+                <a:ea typeface="+mn-ea"/>
+                <a:cs typeface="+mn-cs"/>
+              </a:defRPr>
+            </a:lvl2pPr>
+            <a:lvl3pPr marL="1143000" indent="-228600" algn="l" defTabSz="914400" rtl="0" eaLnBrk="1" latinLnBrk="0" hangingPunct="1">
+              <a:lnSpc>
+                <a:spcPct val="90000"/>
+              </a:lnSpc>
+              <a:spcBef>
+                <a:spcPts val="500"/>
+              </a:spcBef>
+              <a:buFont typeface="Arial" panose="020B0604020202020204" pitchFamily="34" charset="0"/>
+              <a:buChar char="•"/>
+              <a:defRPr sz="2000" kern="1200">
+                <a:solidFill>
+                  <a:schemeClr val="tx1"/>
+                </a:solidFill>
+                <a:latin typeface="+mn-lt"/>
+                <a:ea typeface="+mn-ea"/>
+                <a:cs typeface="+mn-cs"/>
+              </a:defRPr>
+            </a:lvl3pPr>
+            <a:lvl4pPr marL="1600200" indent="-228600" algn="l" defTabSz="914400" rtl="0" eaLnBrk="1" latinLnBrk="0" hangingPunct="1">
+              <a:lnSpc>
+                <a:spcPct val="90000"/>
+              </a:lnSpc>
+              <a:spcBef>
+                <a:spcPts val="500"/>
+              </a:spcBef>
+              <a:buFont typeface="Arial" panose="020B0604020202020204" pitchFamily="34" charset="0"/>
+              <a:buChar char="•"/>
+              <a:defRPr sz="1800" kern="1200">
+                <a:solidFill>
+                  <a:schemeClr val="tx1"/>
+                </a:solidFill>
+                <a:latin typeface="+mn-lt"/>
+                <a:ea typeface="+mn-ea"/>
+                <a:cs typeface="+mn-cs"/>
+              </a:defRPr>
+            </a:lvl4pPr>
+            <a:lvl5pPr marL="2057400" indent="-228600" algn="l" defTabSz="914400" rtl="0" eaLnBrk="1" latinLnBrk="0" hangingPunct="1">
+              <a:lnSpc>
+                <a:spcPct val="90000"/>
+              </a:lnSpc>
+              <a:spcBef>
+                <a:spcPts val="500"/>
+              </a:spcBef>
+              <a:buFont typeface="Arial" panose="020B0604020202020204" pitchFamily="34" charset="0"/>
+              <a:buChar char="•"/>
+              <a:defRPr sz="1800" kern="1200">
+                <a:solidFill>
+                  <a:schemeClr val="tx1"/>
+                </a:solidFill>
+                <a:latin typeface="+mn-lt"/>
+                <a:ea typeface="+mn-ea"/>
+                <a:cs typeface="+mn-cs"/>
+              </a:defRPr>
+            </a:lvl5pPr>
+            <a:lvl6pPr marL="2514600" indent="-228600" algn="l" defTabSz="914400" rtl="0" eaLnBrk="1" latinLnBrk="0" hangingPunct="1">
+              <a:lnSpc>
+                <a:spcPct val="90000"/>
+              </a:lnSpc>
+              <a:spcBef>
+                <a:spcPts val="500"/>
+              </a:spcBef>
+              <a:buFont typeface="Arial" panose="020B0604020202020204" pitchFamily="34" charset="0"/>
+              <a:buChar char="•"/>
+              <a:defRPr sz="1800" kern="1200">
+                <a:solidFill>
+                  <a:schemeClr val="tx1"/>
+                </a:solidFill>
+                <a:latin typeface="+mn-lt"/>
+                <a:ea typeface="+mn-ea"/>
+                <a:cs typeface="+mn-cs"/>
+              </a:defRPr>
+            </a:lvl6pPr>
+            <a:lvl7pPr marL="2971800" indent="-228600" algn="l" defTabSz="914400" rtl="0" eaLnBrk="1" latinLnBrk="0" hangingPunct="1">
+              <a:lnSpc>
+                <a:spcPct val="90000"/>
+              </a:lnSpc>
+              <a:spcBef>
+                <a:spcPts val="500"/>
+              </a:spcBef>
+              <a:buFont typeface="Arial" panose="020B0604020202020204" pitchFamily="34" charset="0"/>
+              <a:buChar char="•"/>
+              <a:defRPr sz="1800" kern="1200">
+                <a:solidFill>
+                  <a:schemeClr val="tx1"/>
+                </a:solidFill>
+                <a:latin typeface="+mn-lt"/>
+                <a:ea typeface="+mn-ea"/>
+                <a:cs typeface="+mn-cs"/>
+              </a:defRPr>
+            </a:lvl7pPr>
+            <a:lvl8pPr marL="3429000" indent="-228600" algn="l" defTabSz="914400" rtl="0" eaLnBrk="1" latinLnBrk="0" hangingPunct="1">
+              <a:lnSpc>
+                <a:spcPct val="90000"/>
+              </a:lnSpc>
+              <a:spcBef>
+                <a:spcPts val="500"/>
+              </a:spcBef>
+              <a:buFont typeface="Arial" panose="020B0604020202020204" pitchFamily="34" charset="0"/>
+              <a:buChar char="•"/>
+              <a:defRPr sz="1800" kern="1200">
+                <a:solidFill>
+                  <a:schemeClr val="tx1"/>
+                </a:solidFill>
+                <a:latin typeface="+mn-lt"/>
+                <a:ea typeface="+mn-ea"/>
+                <a:cs typeface="+mn-cs"/>
+              </a:defRPr>
+            </a:lvl8pPr>
+            <a:lvl9pPr marL="3886200" indent="-228600" algn="l" defTabSz="914400" rtl="0" eaLnBrk="1" latinLnBrk="0" hangingPunct="1">
+              <a:lnSpc>
+                <a:spcPct val="90000"/>
+              </a:lnSpc>
+              <a:spcBef>
+                <a:spcPts val="500"/>
+              </a:spcBef>
+              <a:buFont typeface="Arial" panose="020B0604020202020204" pitchFamily="34" charset="0"/>
+              <a:buChar char="•"/>
+              <a:defRPr sz="1800" kern="1200">
+                <a:solidFill>
+                  <a:schemeClr val="tx1"/>
+                </a:solidFill>
+                <a:latin typeface="+mn-lt"/>
+                <a:ea typeface="+mn-ea"/>
+                <a:cs typeface="+mn-cs"/>
+              </a:defRPr>
+            </a:lvl9pPr>
+          </a:lstStyle>
+          <a:p>
+            <a:pPr marL="0" indent="0">
+              <a:spcBef>
+                <a:spcPct val="0"/>
+              </a:spcBef>
+              <a:spcAft>
+                <a:spcPct val="0"/>
+              </a:spcAft>
+              <a:buNone/>
+            </a:pPr>
+            <a:fld id="{5BD5FF57-E2A2-4D74-A991-53EAF6DBAB99}" type="datetime'''O''''th''''''''''''''''''''''''e''''r''''''''''s'''''''''''">
+              <a:rPr lang="en-US" altLang="en-US" sz="1100" smtClean="0">
+                <a:solidFill>
+                  <a:srgbClr val="06486E"/>
+                </a:solidFill>
+              </a:rPr>
+              <a:pPr marL="0" indent="0">
+                <a:spcBef>
+                  <a:spcPct val="0"/>
+                </a:spcBef>
+                <a:spcAft>
+                  <a:spcPct val="0"/>
+                </a:spcAft>
+                <a:buNone/>
+              </a:pPr>
+              <a:t>Others</a:t>
             </a:fld>
             <a:endParaRPr lang="en-US" sz="1100" dirty="0">
               <a:solidFill>
@@ -14854,13 +14888,251 @@
       </p:sp>
       <p:sp>
         <p:nvSpPr>
+          <p:cNvPr id="372" name="Text Placeholder 2"/>
+          <p:cNvSpPr>
+            <a:spLocks noGrp="1"/>
+          </p:cNvSpPr>
+          <p:nvPr>
+            <p:custDataLst>
+              <p:tags r:id="rId28"/>
+            </p:custDataLst>
+          </p:nvPr>
+        </p:nvSpPr>
+        <p:spPr bwMode="auto">
+          <a:xfrm>
+            <a:off x="10863263" y="1482726"/>
+            <a:ext cx="415925" cy="150813"/>
+          </a:xfrm>
+          <a:prstGeom prst="rect">
+            <a:avLst/>
+          </a:prstGeom>
+          <a:noFill/>
+          <a:ln>
+            <a:noFill/>
+          </a:ln>
+          <a:effectLst/>
+          <a:extLst>
+            <a:ext uri="{909E8E84-426E-40DD-AFC4-6F175D3DCCD1}">
+              <a14:hiddenFill xmlns:a14="http://schemas.microsoft.com/office/drawing/2010/main">
+                <a:solidFill>
+                  <a:scrgbClr r="0" g="0" b="0"/>
+                </a:solidFill>
+              </a14:hiddenFill>
+            </a:ext>
+          </a:extLst>
+        </p:spPr>
+        <p:txBody>
+          <a:bodyPr vert="horz" wrap="none" lIns="0" tIns="0" rIns="0" bIns="0" numCol="1" spcCol="0" rtlCol="0" anchor="ctr" anchorCtr="0">
+            <a:noAutofit/>
+          </a:bodyPr>
+          <a:lstStyle>
+            <a:lvl1pPr marL="228600" indent="-228600" algn="l" defTabSz="914400" rtl="0" eaLnBrk="1" latinLnBrk="0" hangingPunct="1">
+              <a:lnSpc>
+                <a:spcPct val="90000"/>
+              </a:lnSpc>
+              <a:spcBef>
+                <a:spcPts val="1000"/>
+              </a:spcBef>
+              <a:buFont typeface="Arial" panose="020B0604020202020204" pitchFamily="34" charset="0"/>
+              <a:buChar char="•"/>
+              <a:defRPr sz="2800" kern="1200">
+                <a:solidFill>
+                  <a:schemeClr val="tx1"/>
+                </a:solidFill>
+                <a:latin typeface="+mn-lt"/>
+                <a:ea typeface="+mn-ea"/>
+                <a:cs typeface="+mn-cs"/>
+              </a:defRPr>
+            </a:lvl1pPr>
+            <a:lvl2pPr marL="685800" indent="-228600" algn="l" defTabSz="914400" rtl="0" eaLnBrk="1" latinLnBrk="0" hangingPunct="1">
+              <a:lnSpc>
+                <a:spcPct val="90000"/>
+              </a:lnSpc>
+              <a:spcBef>
+                <a:spcPts val="500"/>
+              </a:spcBef>
+              <a:buFont typeface="Arial" panose="020B0604020202020204" pitchFamily="34" charset="0"/>
+              <a:buChar char="•"/>
+              <a:defRPr sz="2400" kern="1200">
+                <a:solidFill>
+                  <a:schemeClr val="tx1"/>
+                </a:solidFill>
+                <a:latin typeface="+mn-lt"/>
+                <a:ea typeface="+mn-ea"/>
+                <a:cs typeface="+mn-cs"/>
+              </a:defRPr>
+            </a:lvl2pPr>
+            <a:lvl3pPr marL="1143000" indent="-228600" algn="l" defTabSz="914400" rtl="0" eaLnBrk="1" latinLnBrk="0" hangingPunct="1">
+              <a:lnSpc>
+                <a:spcPct val="90000"/>
+              </a:lnSpc>
+              <a:spcBef>
+                <a:spcPts val="500"/>
+              </a:spcBef>
+              <a:buFont typeface="Arial" panose="020B0604020202020204" pitchFamily="34" charset="0"/>
+              <a:buChar char="•"/>
+              <a:defRPr sz="2000" kern="1200">
+                <a:solidFill>
+                  <a:schemeClr val="tx1"/>
+                </a:solidFill>
+                <a:latin typeface="+mn-lt"/>
+                <a:ea typeface="+mn-ea"/>
+                <a:cs typeface="+mn-cs"/>
+              </a:defRPr>
+            </a:lvl3pPr>
+            <a:lvl4pPr marL="1600200" indent="-228600" algn="l" defTabSz="914400" rtl="0" eaLnBrk="1" latinLnBrk="0" hangingPunct="1">
+              <a:lnSpc>
+                <a:spcPct val="90000"/>
+              </a:lnSpc>
+              <a:spcBef>
+                <a:spcPts val="500"/>
+              </a:spcBef>
+              <a:buFont typeface="Arial" panose="020B0604020202020204" pitchFamily="34" charset="0"/>
+              <a:buChar char="•"/>
+              <a:defRPr sz="1800" kern="1200">
+                <a:solidFill>
+                  <a:schemeClr val="tx1"/>
+                </a:solidFill>
+                <a:latin typeface="+mn-lt"/>
+                <a:ea typeface="+mn-ea"/>
+                <a:cs typeface="+mn-cs"/>
+              </a:defRPr>
+            </a:lvl4pPr>
+            <a:lvl5pPr marL="2057400" indent="-228600" algn="l" defTabSz="914400" rtl="0" eaLnBrk="1" latinLnBrk="0" hangingPunct="1">
+              <a:lnSpc>
+                <a:spcPct val="90000"/>
+              </a:lnSpc>
+              <a:spcBef>
+                <a:spcPts val="500"/>
+              </a:spcBef>
+              <a:buFont typeface="Arial" panose="020B0604020202020204" pitchFamily="34" charset="0"/>
+              <a:buChar char="•"/>
+              <a:defRPr sz="1800" kern="1200">
+                <a:solidFill>
+                  <a:schemeClr val="tx1"/>
+                </a:solidFill>
+                <a:latin typeface="+mn-lt"/>
+                <a:ea typeface="+mn-ea"/>
+                <a:cs typeface="+mn-cs"/>
+              </a:defRPr>
+            </a:lvl5pPr>
+            <a:lvl6pPr marL="2514600" indent="-228600" algn="l" defTabSz="914400" rtl="0" eaLnBrk="1" latinLnBrk="0" hangingPunct="1">
+              <a:lnSpc>
+                <a:spcPct val="90000"/>
+              </a:lnSpc>
+              <a:spcBef>
+                <a:spcPts val="500"/>
+              </a:spcBef>
+              <a:buFont typeface="Arial" panose="020B0604020202020204" pitchFamily="34" charset="0"/>
+              <a:buChar char="•"/>
+              <a:defRPr sz="1800" kern="1200">
+                <a:solidFill>
+                  <a:schemeClr val="tx1"/>
+                </a:solidFill>
+                <a:latin typeface="+mn-lt"/>
+                <a:ea typeface="+mn-ea"/>
+                <a:cs typeface="+mn-cs"/>
+              </a:defRPr>
+            </a:lvl6pPr>
+            <a:lvl7pPr marL="2971800" indent="-228600" algn="l" defTabSz="914400" rtl="0" eaLnBrk="1" latinLnBrk="0" hangingPunct="1">
+              <a:lnSpc>
+                <a:spcPct val="90000"/>
+              </a:lnSpc>
+              <a:spcBef>
+                <a:spcPts val="500"/>
+              </a:spcBef>
+              <a:buFont typeface="Arial" panose="020B0604020202020204" pitchFamily="34" charset="0"/>
+              <a:buChar char="•"/>
+              <a:defRPr sz="1800" kern="1200">
+                <a:solidFill>
+                  <a:schemeClr val="tx1"/>
+                </a:solidFill>
+                <a:latin typeface="+mn-lt"/>
+                <a:ea typeface="+mn-ea"/>
+                <a:cs typeface="+mn-cs"/>
+              </a:defRPr>
+            </a:lvl7pPr>
+            <a:lvl8pPr marL="3429000" indent="-228600" algn="l" defTabSz="914400" rtl="0" eaLnBrk="1" latinLnBrk="0" hangingPunct="1">
+              <a:lnSpc>
+                <a:spcPct val="90000"/>
+              </a:lnSpc>
+              <a:spcBef>
+                <a:spcPts val="500"/>
+              </a:spcBef>
+              <a:buFont typeface="Arial" panose="020B0604020202020204" pitchFamily="34" charset="0"/>
+              <a:buChar char="•"/>
+              <a:defRPr sz="1800" kern="1200">
+                <a:solidFill>
+                  <a:schemeClr val="tx1"/>
+                </a:solidFill>
+                <a:latin typeface="+mn-lt"/>
+                <a:ea typeface="+mn-ea"/>
+                <a:cs typeface="+mn-cs"/>
+              </a:defRPr>
+            </a:lvl8pPr>
+            <a:lvl9pPr marL="3886200" indent="-228600" algn="l" defTabSz="914400" rtl="0" eaLnBrk="1" latinLnBrk="0" hangingPunct="1">
+              <a:lnSpc>
+                <a:spcPct val="90000"/>
+              </a:lnSpc>
+              <a:spcBef>
+                <a:spcPts val="500"/>
+              </a:spcBef>
+              <a:buFont typeface="Arial" panose="020B0604020202020204" pitchFamily="34" charset="0"/>
+              <a:buChar char="•"/>
+              <a:defRPr sz="1800" kern="1200">
+                <a:solidFill>
+                  <a:schemeClr val="tx1"/>
+                </a:solidFill>
+                <a:latin typeface="+mn-lt"/>
+                <a:ea typeface="+mn-ea"/>
+                <a:cs typeface="+mn-cs"/>
+              </a:defRPr>
+            </a:lvl9pPr>
+          </a:lstStyle>
+          <a:p>
+            <a:pPr marL="0" indent="0">
+              <a:spcBef>
+                <a:spcPct val="0"/>
+              </a:spcBef>
+              <a:spcAft>
+                <a:spcPct val="0"/>
+              </a:spcAft>
+              <a:buNone/>
+            </a:pPr>
+            <a:fld id="{0CA53FB5-4A63-4861-A274-AD7B62647B41}" type="datetime'''''C''''''''''''''''''o''''''l''''''''lege'''''''">
+              <a:rPr lang="en-US" altLang="en-US" sz="1100" smtClean="0">
+                <a:solidFill>
+                  <a:srgbClr val="06486E"/>
+                </a:solidFill>
+              </a:rPr>
+              <a:pPr marL="0" indent="0">
+                <a:spcBef>
+                  <a:spcPct val="0"/>
+                </a:spcBef>
+                <a:spcAft>
+                  <a:spcPct val="0"/>
+                </a:spcAft>
+                <a:buNone/>
+              </a:pPr>
+              <a:t>College</a:t>
+            </a:fld>
+            <a:endParaRPr lang="en-US" sz="1100" dirty="0">
+              <a:solidFill>
+                <a:srgbClr val="06486E"/>
+              </a:solidFill>
+            </a:endParaRPr>
+          </a:p>
+        </p:txBody>
+      </p:sp>
+      <p:sp>
+        <p:nvSpPr>
           <p:cNvPr id="378" name="Text Placeholder 2"/>
           <p:cNvSpPr>
             <a:spLocks noGrp="1"/>
           </p:cNvSpPr>
           <p:nvPr>
             <p:custDataLst>
-              <p:tags r:id="rId28"/>
+              <p:tags r:id="rId29"/>
             </p:custDataLst>
           </p:nvPr>
         </p:nvSpPr>
@@ -15081,244 +15353,6 @@
                 <a:buNone/>
               </a:pPr>
               <a:t>Undefined</a:t>
-            </a:fld>
-            <a:endParaRPr lang="en-US" sz="1100" dirty="0">
-              <a:solidFill>
-                <a:srgbClr val="06486E"/>
-              </a:solidFill>
-            </a:endParaRPr>
-          </a:p>
-        </p:txBody>
-      </p:sp>
-      <p:sp>
-        <p:nvSpPr>
-          <p:cNvPr id="377" name="Text Placeholder 2"/>
-          <p:cNvSpPr>
-            <a:spLocks noGrp="1"/>
-          </p:cNvSpPr>
-          <p:nvPr>
-            <p:custDataLst>
-              <p:tags r:id="rId29"/>
-            </p:custDataLst>
-          </p:nvPr>
-        </p:nvSpPr>
-        <p:spPr bwMode="auto">
-          <a:xfrm>
-            <a:off x="10863263" y="1901826"/>
-            <a:ext cx="384175" cy="150813"/>
-          </a:xfrm>
-          <a:prstGeom prst="rect">
-            <a:avLst/>
-          </a:prstGeom>
-          <a:noFill/>
-          <a:ln>
-            <a:noFill/>
-          </a:ln>
-          <a:effectLst/>
-          <a:extLst>
-            <a:ext uri="{909E8E84-426E-40DD-AFC4-6F175D3DCCD1}">
-              <a14:hiddenFill xmlns:a14="http://schemas.microsoft.com/office/drawing/2010/main">
-                <a:solidFill>
-                  <a:scrgbClr r="0" g="0" b="0"/>
-                </a:solidFill>
-              </a14:hiddenFill>
-            </a:ext>
-          </a:extLst>
-        </p:spPr>
-        <p:txBody>
-          <a:bodyPr vert="horz" wrap="none" lIns="0" tIns="0" rIns="0" bIns="0" numCol="1" spcCol="0" rtlCol="0" anchor="ctr" anchorCtr="0">
-            <a:noAutofit/>
-          </a:bodyPr>
-          <a:lstStyle>
-            <a:lvl1pPr marL="228600" indent="-228600" algn="l" defTabSz="914400" rtl="0" eaLnBrk="1" latinLnBrk="0" hangingPunct="1">
-              <a:lnSpc>
-                <a:spcPct val="90000"/>
-              </a:lnSpc>
-              <a:spcBef>
-                <a:spcPts val="1000"/>
-              </a:spcBef>
-              <a:buFont typeface="Arial" panose="020B0604020202020204" pitchFamily="34" charset="0"/>
-              <a:buChar char="•"/>
-              <a:defRPr sz="2800" kern="1200">
-                <a:solidFill>
-                  <a:schemeClr val="tx1"/>
-                </a:solidFill>
-                <a:latin typeface="+mn-lt"/>
-                <a:ea typeface="+mn-ea"/>
-                <a:cs typeface="+mn-cs"/>
-              </a:defRPr>
-            </a:lvl1pPr>
-            <a:lvl2pPr marL="685800" indent="-228600" algn="l" defTabSz="914400" rtl="0" eaLnBrk="1" latinLnBrk="0" hangingPunct="1">
-              <a:lnSpc>
-                <a:spcPct val="90000"/>
-              </a:lnSpc>
-              <a:spcBef>
-                <a:spcPts val="500"/>
-              </a:spcBef>
-              <a:buFont typeface="Arial" panose="020B0604020202020204" pitchFamily="34" charset="0"/>
-              <a:buChar char="•"/>
-              <a:defRPr sz="2400" kern="1200">
-                <a:solidFill>
-                  <a:schemeClr val="tx1"/>
-                </a:solidFill>
-                <a:latin typeface="+mn-lt"/>
-                <a:ea typeface="+mn-ea"/>
-                <a:cs typeface="+mn-cs"/>
-              </a:defRPr>
-            </a:lvl2pPr>
-            <a:lvl3pPr marL="1143000" indent="-228600" algn="l" defTabSz="914400" rtl="0" eaLnBrk="1" latinLnBrk="0" hangingPunct="1">
-              <a:lnSpc>
-                <a:spcPct val="90000"/>
-              </a:lnSpc>
-              <a:spcBef>
-                <a:spcPts val="500"/>
-              </a:spcBef>
-              <a:buFont typeface="Arial" panose="020B0604020202020204" pitchFamily="34" charset="0"/>
-              <a:buChar char="•"/>
-              <a:defRPr sz="2000" kern="1200">
-                <a:solidFill>
-                  <a:schemeClr val="tx1"/>
-                </a:solidFill>
-                <a:latin typeface="+mn-lt"/>
-                <a:ea typeface="+mn-ea"/>
-                <a:cs typeface="+mn-cs"/>
-              </a:defRPr>
-            </a:lvl3pPr>
-            <a:lvl4pPr marL="1600200" indent="-228600" algn="l" defTabSz="914400" rtl="0" eaLnBrk="1" latinLnBrk="0" hangingPunct="1">
-              <a:lnSpc>
-                <a:spcPct val="90000"/>
-              </a:lnSpc>
-              <a:spcBef>
-                <a:spcPts val="500"/>
-              </a:spcBef>
-              <a:buFont typeface="Arial" panose="020B0604020202020204" pitchFamily="34" charset="0"/>
-              <a:buChar char="•"/>
-              <a:defRPr sz="1800" kern="1200">
-                <a:solidFill>
-                  <a:schemeClr val="tx1"/>
-                </a:solidFill>
-                <a:latin typeface="+mn-lt"/>
-                <a:ea typeface="+mn-ea"/>
-                <a:cs typeface="+mn-cs"/>
-              </a:defRPr>
-            </a:lvl4pPr>
-            <a:lvl5pPr marL="2057400" indent="-228600" algn="l" defTabSz="914400" rtl="0" eaLnBrk="1" latinLnBrk="0" hangingPunct="1">
-              <a:lnSpc>
-                <a:spcPct val="90000"/>
-              </a:lnSpc>
-              <a:spcBef>
-                <a:spcPts val="500"/>
-              </a:spcBef>
-              <a:buFont typeface="Arial" panose="020B0604020202020204" pitchFamily="34" charset="0"/>
-              <a:buChar char="•"/>
-              <a:defRPr sz="1800" kern="1200">
-                <a:solidFill>
-                  <a:schemeClr val="tx1"/>
-                </a:solidFill>
-                <a:latin typeface="+mn-lt"/>
-                <a:ea typeface="+mn-ea"/>
-                <a:cs typeface="+mn-cs"/>
-              </a:defRPr>
-            </a:lvl5pPr>
-            <a:lvl6pPr marL="2514600" indent="-228600" algn="l" defTabSz="914400" rtl="0" eaLnBrk="1" latinLnBrk="0" hangingPunct="1">
-              <a:lnSpc>
-                <a:spcPct val="90000"/>
-              </a:lnSpc>
-              <a:spcBef>
-                <a:spcPts val="500"/>
-              </a:spcBef>
-              <a:buFont typeface="Arial" panose="020B0604020202020204" pitchFamily="34" charset="0"/>
-              <a:buChar char="•"/>
-              <a:defRPr sz="1800" kern="1200">
-                <a:solidFill>
-                  <a:schemeClr val="tx1"/>
-                </a:solidFill>
-                <a:latin typeface="+mn-lt"/>
-                <a:ea typeface="+mn-ea"/>
-                <a:cs typeface="+mn-cs"/>
-              </a:defRPr>
-            </a:lvl6pPr>
-            <a:lvl7pPr marL="2971800" indent="-228600" algn="l" defTabSz="914400" rtl="0" eaLnBrk="1" latinLnBrk="0" hangingPunct="1">
-              <a:lnSpc>
-                <a:spcPct val="90000"/>
-              </a:lnSpc>
-              <a:spcBef>
-                <a:spcPts val="500"/>
-              </a:spcBef>
-              <a:buFont typeface="Arial" panose="020B0604020202020204" pitchFamily="34" charset="0"/>
-              <a:buChar char="•"/>
-              <a:defRPr sz="1800" kern="1200">
-                <a:solidFill>
-                  <a:schemeClr val="tx1"/>
-                </a:solidFill>
-                <a:latin typeface="+mn-lt"/>
-                <a:ea typeface="+mn-ea"/>
-                <a:cs typeface="+mn-cs"/>
-              </a:defRPr>
-            </a:lvl7pPr>
-            <a:lvl8pPr marL="3429000" indent="-228600" algn="l" defTabSz="914400" rtl="0" eaLnBrk="1" latinLnBrk="0" hangingPunct="1">
-              <a:lnSpc>
-                <a:spcPct val="90000"/>
-              </a:lnSpc>
-              <a:spcBef>
-                <a:spcPts val="500"/>
-              </a:spcBef>
-              <a:buFont typeface="Arial" panose="020B0604020202020204" pitchFamily="34" charset="0"/>
-              <a:buChar char="•"/>
-              <a:defRPr sz="1800" kern="1200">
-                <a:solidFill>
-                  <a:schemeClr val="tx1"/>
-                </a:solidFill>
-                <a:latin typeface="+mn-lt"/>
-                <a:ea typeface="+mn-ea"/>
-                <a:cs typeface="+mn-cs"/>
-              </a:defRPr>
-            </a:lvl8pPr>
-            <a:lvl9pPr marL="3886200" indent="-228600" algn="l" defTabSz="914400" rtl="0" eaLnBrk="1" latinLnBrk="0" hangingPunct="1">
-              <a:lnSpc>
-                <a:spcPct val="90000"/>
-              </a:lnSpc>
-              <a:spcBef>
-                <a:spcPts val="500"/>
-              </a:spcBef>
-              <a:buFont typeface="Arial" panose="020B0604020202020204" pitchFamily="34" charset="0"/>
-              <a:buChar char="•"/>
-              <a:defRPr sz="1800" kern="1200">
-                <a:solidFill>
-                  <a:schemeClr val="tx1"/>
-                </a:solidFill>
-                <a:latin typeface="+mn-lt"/>
-                <a:ea typeface="+mn-ea"/>
-                <a:cs typeface="+mn-cs"/>
-              </a:defRPr>
-            </a:lvl9pPr>
-          </a:lstStyle>
-          <a:p>
-            <a:pPr marL="0" indent="0">
-              <a:spcBef>
-                <a:spcPct val="0"/>
-              </a:spcBef>
-              <a:spcAft>
-                <a:spcPct val="0"/>
-              </a:spcAft>
-              <a:buNone/>
-            </a:pPr>
-            <a:fld id="{5BD5FF57-E2A2-4D74-A991-53EAF6DBAB99}" type="datetime'''O''''th''''''''''''''''''''''''e''''r''''''''''s'''''''''''">
-              <a:rPr lang="en-US" altLang="en-US" sz="1100" smtClean="0">
-                <a:solidFill>
-                  <a:srgbClr val="06486E"/>
-                </a:solidFill>
-              </a:rPr>
-              <a:pPr marL="0" indent="0">
-                <a:spcBef>
-                  <a:spcPct val="0"/>
-                </a:spcBef>
-                <a:spcAft>
-                  <a:spcPct val="0"/>
-                </a:spcAft>
-                <a:buNone/>
-              </a:pPr>
-              <a:t>Others</a:t>
             </a:fld>
             <a:endParaRPr lang="en-US" sz="1100" dirty="0">
               <a:solidFill>
@@ -15666,7 +15700,7 @@
       </p:cxnSp>
       <p:cxnSp>
         <p:nvCxnSpPr>
-          <p:cNvPr id="69" name="Straight Connector 68"/>
+          <p:cNvPr id="19" name="Straight Connector 18"/>
           <p:cNvCxnSpPr/>
           <p:nvPr>
             <p:custDataLst>
@@ -15676,7 +15710,7 @@
         </p:nvCxnSpPr>
         <p:spPr bwMode="auto">
           <a:xfrm>
-            <a:off x="2830513" y="3616325"/>
+            <a:off x="1957388" y="3367088"/>
             <a:ext cx="387350" cy="0"/>
           </a:xfrm>
           <a:prstGeom prst="line">
@@ -15710,7 +15744,7 @@
       </p:cxnSp>
       <p:cxnSp>
         <p:nvCxnSpPr>
-          <p:cNvPr id="19" name="Straight Connector 18"/>
+          <p:cNvPr id="69" name="Straight Connector 68"/>
           <p:cNvCxnSpPr/>
           <p:nvPr>
             <p:custDataLst>
@@ -15720,7 +15754,7 @@
         </p:nvCxnSpPr>
         <p:spPr bwMode="auto">
           <a:xfrm>
-            <a:off x="1957388" y="3367088"/>
+            <a:off x="2830513" y="3616325"/>
             <a:ext cx="387350" cy="0"/>
           </a:xfrm>
           <a:prstGeom prst="line">
@@ -15762,7 +15796,7 @@
             </p:custDataLst>
             <p:extLst>
               <p:ext uri="{D42A27DB-BD31-4B8C-83A1-F6EECF244321}">
-                <p14:modId xmlns:p14="http://schemas.microsoft.com/office/powerpoint/2010/main" val="3999562676"/>
+                <p14:modId xmlns:p14="http://schemas.microsoft.com/office/powerpoint/2010/main" val="1389969546"/>
               </p:ext>
             </p:extLst>
           </p:nvPr>
@@ -15955,11 +15989,99 @@
       </p:sp>
       <p:sp useBgFill="1">
         <p:nvSpPr>
+          <p:cNvPr id="50" name="Freeform 49"/>
+          <p:cNvSpPr/>
+          <p:nvPr>
+            <p:custDataLst>
+              <p:tags r:id="rId36"/>
+            </p:custDataLst>
+          </p:nvPr>
+        </p:nvSpPr>
+        <p:spPr bwMode="auto">
+          <a:xfrm>
+            <a:off x="579439" y="3144838"/>
+            <a:ext cx="523875" cy="198438"/>
+          </a:xfrm>
+          <a:custGeom>
+            <a:avLst/>
+            <a:gdLst/>
+            <a:ahLst/>
+            <a:cxnLst/>
+            <a:rect l="0" t="0" r="0" b="0"/>
+            <a:pathLst>
+              <a:path w="523876" h="198439">
+                <a:moveTo>
+                  <a:pt x="0" y="141288"/>
+                </a:moveTo>
+                <a:lnTo>
+                  <a:pt x="523875" y="0"/>
+                </a:lnTo>
+                <a:lnTo>
+                  <a:pt x="523875" y="57150"/>
+                </a:lnTo>
+                <a:lnTo>
+                  <a:pt x="0" y="198438"/>
+                </a:lnTo>
+                <a:close/>
+              </a:path>
+            </a:pathLst>
+          </a:custGeom>
+          <a:ln w="12700" cap="flat" cmpd="sng" algn="ctr">
+            <a:noFill/>
+            <a:prstDash val="solid"/>
+            <a:miter lim="800000"/>
+            <a:headEnd type="none" w="med" len="med"/>
+            <a:tailEnd type="none" w="med" len="med"/>
+          </a:ln>
+          <a:effectLst/>
+          <a:extLst>
+            <a:ext uri="{91240B29-F687-4F45-9708-019B960494DF}">
+              <a14:hiddenLine xmlns:a14="http://schemas.microsoft.com/office/drawing/2010/main" w="12700" cap="flat" cmpd="sng" algn="ctr">
+                <a:solidFill>
+                  <a:schemeClr val="accent1">
+                    <a:shade val="50000"/>
+                  </a:schemeClr>
+                </a:solidFill>
+                <a:prstDash val="solid"/>
+                <a:miter lim="800000"/>
+                <a:headEnd type="none" w="med" len="med"/>
+                <a:tailEnd type="none" w="med" len="med"/>
+              </a14:hiddenLine>
+            </a:ext>
+          </a:extLst>
+        </p:spPr>
+        <p:style>
+          <a:lnRef idx="2">
+            <a:schemeClr val="accent1">
+              <a:shade val="50000"/>
+            </a:schemeClr>
+          </a:lnRef>
+          <a:fillRef idx="1">
+            <a:schemeClr val="accent1"/>
+          </a:fillRef>
+          <a:effectRef idx="0">
+            <a:schemeClr val="accent1"/>
+          </a:effectRef>
+          <a:fontRef idx="minor">
+            <a:schemeClr val="lt1"/>
+          </a:fontRef>
+        </p:style>
+        <p:txBody>
+          <a:bodyPr rtlCol="0" anchor="ctr"/>
+          <a:lstStyle/>
+          <a:p>
+            <a:pPr algn="ctr"/>
+            <a:endParaRPr lang="en-US"/>
+          </a:p>
+        </p:txBody>
+      </p:sp>
+      <p:sp useBgFill="1">
+        <p:nvSpPr>
           <p:cNvPr id="53" name="Freeform 52"/>
           <p:cNvSpPr/>
           <p:nvPr>
             <p:custDataLst>
-              <p:tags r:id="rId36"/>
+              <p:tags r:id="rId37"/>
             </p:custDataLst>
           </p:nvPr>
         </p:nvSpPr>
@@ -16041,97 +16163,9 @@
           </a:p>
         </p:txBody>
       </p:sp>
-      <p:sp useBgFill="1">
-        <p:nvSpPr>
-          <p:cNvPr id="50" name="Freeform 49"/>
-          <p:cNvSpPr/>
-          <p:nvPr>
-            <p:custDataLst>
-              <p:tags r:id="rId37"/>
-            </p:custDataLst>
-          </p:nvPr>
-        </p:nvSpPr>
-        <p:spPr bwMode="auto">
-          <a:xfrm>
-            <a:off x="579439" y="3144838"/>
-            <a:ext cx="523875" cy="198438"/>
-          </a:xfrm>
-          <a:custGeom>
-            <a:avLst/>
-            <a:gdLst/>
-            <a:ahLst/>
-            <a:cxnLst/>
-            <a:rect l="0" t="0" r="0" b="0"/>
-            <a:pathLst>
-              <a:path w="523876" h="198439">
-                <a:moveTo>
-                  <a:pt x="0" y="141288"/>
-                </a:moveTo>
-                <a:lnTo>
-                  <a:pt x="523875" y="0"/>
-                </a:lnTo>
-                <a:lnTo>
-                  <a:pt x="523875" y="57150"/>
-                </a:lnTo>
-                <a:lnTo>
-                  <a:pt x="0" y="198438"/>
-                </a:lnTo>
-                <a:close/>
-              </a:path>
-            </a:pathLst>
-          </a:custGeom>
-          <a:ln w="12700" cap="flat" cmpd="sng" algn="ctr">
-            <a:noFill/>
-            <a:prstDash val="solid"/>
-            <a:miter lim="800000"/>
-            <a:headEnd type="none" w="med" len="med"/>
-            <a:tailEnd type="none" w="med" len="med"/>
-          </a:ln>
-          <a:effectLst/>
-          <a:extLst>
-            <a:ext uri="{91240B29-F687-4F45-9708-019B960494DF}">
-              <a14:hiddenLine xmlns:a14="http://schemas.microsoft.com/office/drawing/2010/main" w="12700" cap="flat" cmpd="sng" algn="ctr">
-                <a:solidFill>
-                  <a:schemeClr val="accent1">
-                    <a:shade val="50000"/>
-                  </a:schemeClr>
-                </a:solidFill>
-                <a:prstDash val="solid"/>
-                <a:miter lim="800000"/>
-                <a:headEnd type="none" w="med" len="med"/>
-                <a:tailEnd type="none" w="med" len="med"/>
-              </a14:hiddenLine>
-            </a:ext>
-          </a:extLst>
-        </p:spPr>
-        <p:style>
-          <a:lnRef idx="2">
-            <a:schemeClr val="accent1">
-              <a:shade val="50000"/>
-            </a:schemeClr>
-          </a:lnRef>
-          <a:fillRef idx="1">
-            <a:schemeClr val="accent1"/>
-          </a:fillRef>
-          <a:effectRef idx="0">
-            <a:schemeClr val="accent1"/>
-          </a:effectRef>
-          <a:fontRef idx="minor">
-            <a:schemeClr val="lt1"/>
-          </a:fontRef>
-        </p:style>
-        <p:txBody>
-          <a:bodyPr rtlCol="0" anchor="ctr"/>
-          <a:lstStyle/>
-          <a:p>
-            <a:pPr algn="ctr"/>
-            <a:endParaRPr lang="en-US"/>
-          </a:p>
-        </p:txBody>
-      </p:sp>
       <p:sp>
         <p:nvSpPr>
-          <p:cNvPr id="363" name="Text Placeholder 2"/>
+          <p:cNvPr id="291" name="Text Placeholder 2"/>
           <p:cNvSpPr>
             <a:spLocks noGrp="1"/>
           </p:cNvSpPr>
@@ -16141,24 +16175,31 @@
             </p:custDataLst>
           </p:nvPr>
         </p:nvSpPr>
-        <p:spPr bwMode="gray">
+        <p:spPr bwMode="auto">
           <a:xfrm>
-            <a:off x="1590675" y="3167063"/>
-            <a:ext cx="247650" cy="150813"/>
+            <a:off x="1566863" y="3944938"/>
+            <a:ext cx="296863" cy="150813"/>
           </a:xfrm>
           <a:prstGeom prst="rect">
             <a:avLst/>
           </a:prstGeom>
-          <a:solidFill>
-            <a:srgbClr val="3A5B24"/>
-          </a:solidFill>
+          <a:noFill/>
           <a:ln>
             <a:noFill/>
           </a:ln>
           <a:effectLst/>
+          <a:extLst>
+            <a:ext uri="{909E8E84-426E-40DD-AFC4-6F175D3DCCD1}">
+              <a14:hiddenFill xmlns:a14="http://schemas.microsoft.com/office/drawing/2010/main">
+                <a:solidFill>
+                  <a:scrgbClr r="0" g="0" b="0"/>
+                </a:solidFill>
+              </a14:hiddenFill>
+            </a:ext>
+          </a:extLst>
         </p:spPr>
         <p:txBody>
-          <a:bodyPr vert="horz" wrap="none" lIns="20638" tIns="0" rIns="20638" bIns="0" numCol="1" spcCol="0" rtlCol="0" anchor="ctr" anchorCtr="0">
+          <a:bodyPr vert="horz" wrap="none" lIns="0" tIns="0" rIns="0" bIns="0" numCol="1" spcCol="0" rtlCol="0" anchor="t" anchorCtr="0">
             <a:noAutofit/>
           </a:bodyPr>
           <a:lstStyle>
@@ -16335,11 +16376,8 @@
               </a:spcAft>
               <a:buNone/>
             </a:pPr>
-            <a:fld id="{29DEA31B-7F35-4E25-8762-16D6F67C1260}" type="datetime'''''''''''''''9''''6''''''''''''''''''''7'''''''''''">
+            <a:fld id="{F1BBBCF8-2918-44F8-9BAC-F6DE973449DA}" type="datetime'''''''''''''''''''''M''a''l''''''''''''''''e'''''''''''''''">
               <a:rPr lang="en-US" altLang="en-US" sz="1100" smtClean="0">
-                <a:solidFill>
-                  <a:schemeClr val="bg1"/>
-                </a:solidFill>
                 <a:latin typeface="Corbel" panose="020B0503020204020204" pitchFamily="34" charset="0"/>
                 <a:sym typeface="Corbel" panose="020B0503020204020204" pitchFamily="34" charset="0"/>
               </a:rPr>
@@ -16352,7 +16390,246 @@
                 </a:spcAft>
                 <a:buNone/>
               </a:pPr>
-              <a:t>967</a:t>
+              <a:t>Male</a:t>
+            </a:fld>
+            <a:endParaRPr lang="en-US" sz="1100" dirty="0">
+              <a:latin typeface="Corbel" panose="020B0503020204020204" pitchFamily="34" charset="0"/>
+              <a:sym typeface="Corbel" panose="020B0503020204020204" pitchFamily="34" charset="0"/>
+            </a:endParaRPr>
+          </a:p>
+        </p:txBody>
+      </p:sp>
+      <p:sp>
+        <p:nvSpPr>
+          <p:cNvPr id="360" name="Text Placeholder 2"/>
+          <p:cNvSpPr>
+            <a:spLocks noGrp="1"/>
+          </p:cNvSpPr>
+          <p:nvPr>
+            <p:custDataLst>
+              <p:tags r:id="rId39"/>
+            </p:custDataLst>
+          </p:nvPr>
+        </p:nvSpPr>
+        <p:spPr bwMode="gray">
+          <a:xfrm>
+            <a:off x="660400" y="3627438"/>
+            <a:ext cx="363538" cy="150813"/>
+          </a:xfrm>
+          <a:prstGeom prst="rect">
+            <a:avLst/>
+          </a:prstGeom>
+          <a:noFill/>
+          <a:ln>
+            <a:noFill/>
+          </a:ln>
+          <a:effectLst/>
+          <a:extLst>
+            <a:ext uri="{909E8E84-426E-40DD-AFC4-6F175D3DCCD1}">
+              <a14:hiddenFill xmlns:a14="http://schemas.microsoft.com/office/drawing/2010/main">
+                <a:solidFill>
+                  <a:schemeClr val="accent1"/>
+                </a:solidFill>
+              </a14:hiddenFill>
+            </a:ext>
+          </a:extLst>
+        </p:spPr>
+        <p:txBody>
+          <a:bodyPr vert="horz" wrap="none" lIns="20638" tIns="0" rIns="20638" bIns="0" numCol="1" spcCol="0" rtlCol="0" anchor="ctr" anchorCtr="0">
+            <a:noAutofit/>
+          </a:bodyPr>
+          <a:lstStyle>
+            <a:lvl1pPr marL="228600" indent="-228600" algn="l" defTabSz="914400" rtl="0" eaLnBrk="1" latinLnBrk="0" hangingPunct="1">
+              <a:lnSpc>
+                <a:spcPct val="90000"/>
+              </a:lnSpc>
+              <a:spcBef>
+                <a:spcPts val="1000"/>
+              </a:spcBef>
+              <a:buFont typeface="Arial" panose="020B0604020202020204" pitchFamily="34" charset="0"/>
+              <a:buChar char="•"/>
+              <a:defRPr sz="2800" kern="1200">
+                <a:solidFill>
+                  <a:schemeClr val="tx1"/>
+                </a:solidFill>
+                <a:latin typeface="+mn-lt"/>
+                <a:ea typeface="+mn-ea"/>
+                <a:cs typeface="+mn-cs"/>
+              </a:defRPr>
+            </a:lvl1pPr>
+            <a:lvl2pPr marL="685800" indent="-228600" algn="l" defTabSz="914400" rtl="0" eaLnBrk="1" latinLnBrk="0" hangingPunct="1">
+              <a:lnSpc>
+                <a:spcPct val="90000"/>
+              </a:lnSpc>
+              <a:spcBef>
+                <a:spcPts val="500"/>
+              </a:spcBef>
+              <a:buFont typeface="Arial" panose="020B0604020202020204" pitchFamily="34" charset="0"/>
+              <a:buChar char="•"/>
+              <a:defRPr sz="2400" kern="1200">
+                <a:solidFill>
+                  <a:schemeClr val="tx1"/>
+                </a:solidFill>
+                <a:latin typeface="+mn-lt"/>
+                <a:ea typeface="+mn-ea"/>
+                <a:cs typeface="+mn-cs"/>
+              </a:defRPr>
+            </a:lvl2pPr>
+            <a:lvl3pPr marL="1143000" indent="-228600" algn="l" defTabSz="914400" rtl="0" eaLnBrk="1" latinLnBrk="0" hangingPunct="1">
+              <a:lnSpc>
+                <a:spcPct val="90000"/>
+              </a:lnSpc>
+              <a:spcBef>
+                <a:spcPts val="500"/>
+              </a:spcBef>
+              <a:buFont typeface="Arial" panose="020B0604020202020204" pitchFamily="34" charset="0"/>
+              <a:buChar char="•"/>
+              <a:defRPr sz="2000" kern="1200">
+                <a:solidFill>
+                  <a:schemeClr val="tx1"/>
+                </a:solidFill>
+                <a:latin typeface="+mn-lt"/>
+                <a:ea typeface="+mn-ea"/>
+                <a:cs typeface="+mn-cs"/>
+              </a:defRPr>
+            </a:lvl3pPr>
+            <a:lvl4pPr marL="1600200" indent="-228600" algn="l" defTabSz="914400" rtl="0" eaLnBrk="1" latinLnBrk="0" hangingPunct="1">
+              <a:lnSpc>
+                <a:spcPct val="90000"/>
+              </a:lnSpc>
+              <a:spcBef>
+                <a:spcPts val="500"/>
+              </a:spcBef>
+              <a:buFont typeface="Arial" panose="020B0604020202020204" pitchFamily="34" charset="0"/>
+              <a:buChar char="•"/>
+              <a:defRPr sz="1800" kern="1200">
+                <a:solidFill>
+                  <a:schemeClr val="tx1"/>
+                </a:solidFill>
+                <a:latin typeface="+mn-lt"/>
+                <a:ea typeface="+mn-ea"/>
+                <a:cs typeface="+mn-cs"/>
+              </a:defRPr>
+            </a:lvl4pPr>
+            <a:lvl5pPr marL="2057400" indent="-228600" algn="l" defTabSz="914400" rtl="0" eaLnBrk="1" latinLnBrk="0" hangingPunct="1">
+              <a:lnSpc>
+                <a:spcPct val="90000"/>
+              </a:lnSpc>
+              <a:spcBef>
+                <a:spcPts val="500"/>
+              </a:spcBef>
+              <a:buFont typeface="Arial" panose="020B0604020202020204" pitchFamily="34" charset="0"/>
+              <a:buChar char="•"/>
+              <a:defRPr sz="1800" kern="1200">
+                <a:solidFill>
+                  <a:schemeClr val="tx1"/>
+                </a:solidFill>
+                <a:latin typeface="+mn-lt"/>
+                <a:ea typeface="+mn-ea"/>
+                <a:cs typeface="+mn-cs"/>
+              </a:defRPr>
+            </a:lvl5pPr>
+            <a:lvl6pPr marL="2514600" indent="-228600" algn="l" defTabSz="914400" rtl="0" eaLnBrk="1" latinLnBrk="0" hangingPunct="1">
+              <a:lnSpc>
+                <a:spcPct val="90000"/>
+              </a:lnSpc>
+              <a:spcBef>
+                <a:spcPts val="500"/>
+              </a:spcBef>
+              <a:buFont typeface="Arial" panose="020B0604020202020204" pitchFamily="34" charset="0"/>
+              <a:buChar char="•"/>
+              <a:defRPr sz="1800" kern="1200">
+                <a:solidFill>
+                  <a:schemeClr val="tx1"/>
+                </a:solidFill>
+                <a:latin typeface="+mn-lt"/>
+                <a:ea typeface="+mn-ea"/>
+                <a:cs typeface="+mn-cs"/>
+              </a:defRPr>
+            </a:lvl6pPr>
+            <a:lvl7pPr marL="2971800" indent="-228600" algn="l" defTabSz="914400" rtl="0" eaLnBrk="1" latinLnBrk="0" hangingPunct="1">
+              <a:lnSpc>
+                <a:spcPct val="90000"/>
+              </a:lnSpc>
+              <a:spcBef>
+                <a:spcPts val="500"/>
+              </a:spcBef>
+              <a:buFont typeface="Arial" panose="020B0604020202020204" pitchFamily="34" charset="0"/>
+              <a:buChar char="•"/>
+              <a:defRPr sz="1800" kern="1200">
+                <a:solidFill>
+                  <a:schemeClr val="tx1"/>
+                </a:solidFill>
+                <a:latin typeface="+mn-lt"/>
+                <a:ea typeface="+mn-ea"/>
+                <a:cs typeface="+mn-cs"/>
+              </a:defRPr>
+            </a:lvl7pPr>
+            <a:lvl8pPr marL="3429000" indent="-228600" algn="l" defTabSz="914400" rtl="0" eaLnBrk="1" latinLnBrk="0" hangingPunct="1">
+              <a:lnSpc>
+                <a:spcPct val="90000"/>
+              </a:lnSpc>
+              <a:spcBef>
+                <a:spcPts val="500"/>
+              </a:spcBef>
+              <a:buFont typeface="Arial" panose="020B0604020202020204" pitchFamily="34" charset="0"/>
+              <a:buChar char="•"/>
+              <a:defRPr sz="1800" kern="1200">
+                <a:solidFill>
+                  <a:schemeClr val="tx1"/>
+                </a:solidFill>
+                <a:latin typeface="+mn-lt"/>
+                <a:ea typeface="+mn-ea"/>
+                <a:cs typeface="+mn-cs"/>
+              </a:defRPr>
+            </a:lvl8pPr>
+            <a:lvl9pPr marL="3886200" indent="-228600" algn="l" defTabSz="914400" rtl="0" eaLnBrk="1" latinLnBrk="0" hangingPunct="1">
+              <a:lnSpc>
+                <a:spcPct val="90000"/>
+              </a:lnSpc>
+              <a:spcBef>
+                <a:spcPts val="500"/>
+              </a:spcBef>
+              <a:buFont typeface="Arial" panose="020B0604020202020204" pitchFamily="34" charset="0"/>
+              <a:buChar char="•"/>
+              <a:defRPr sz="1800" kern="1200">
+                <a:solidFill>
+                  <a:schemeClr val="tx1"/>
+                </a:solidFill>
+                <a:latin typeface="+mn-lt"/>
+                <a:ea typeface="+mn-ea"/>
+                <a:cs typeface="+mn-cs"/>
+              </a:defRPr>
+            </a:lvl9pPr>
+          </a:lstStyle>
+          <a:p>
+            <a:pPr marL="0" indent="0" algn="ctr">
+              <a:spcBef>
+                <a:spcPct val="0"/>
+              </a:spcBef>
+              <a:spcAft>
+                <a:spcPct val="0"/>
+              </a:spcAft>
+              <a:buNone/>
+            </a:pPr>
+            <a:fld id="{75E65F80-E0DC-45FA-94FF-072A9524AA9C}" type="datetime'''''''''''''''2,''''''''''''''''''0''''''''00'''''''''''''''''">
+              <a:rPr lang="en-US" altLang="en-US" sz="1100" smtClean="0">
+                <a:solidFill>
+                  <a:schemeClr val="bg1"/>
+                </a:solidFill>
+                <a:latin typeface="Corbel" panose="020B0503020204020204" pitchFamily="34" charset="0"/>
+                <a:sym typeface="Corbel" panose="020B0503020204020204" pitchFamily="34" charset="0"/>
+              </a:rPr>
+              <a:pPr marL="0" indent="0" algn="ctr">
+                <a:spcBef>
+                  <a:spcPct val="0"/>
+                </a:spcBef>
+                <a:spcAft>
+                  <a:spcPct val="0"/>
+                </a:spcAft>
+                <a:buNone/>
+              </a:pPr>
+              <a:t>2,000</a:t>
             </a:fld>
             <a:endParaRPr lang="en-US" sz="1100" dirty="0">
               <a:solidFill>
@@ -16372,7 +16649,7 @@
           </p:cNvSpPr>
           <p:nvPr>
             <p:custDataLst>
-              <p:tags r:id="rId39"/>
+              <p:tags r:id="rId40"/>
             </p:custDataLst>
           </p:nvPr>
         </p:nvSpPr>
@@ -16602,38 +16879,31 @@
       </p:sp>
       <p:sp>
         <p:nvSpPr>
-          <p:cNvPr id="360" name="Text Placeholder 2"/>
+          <p:cNvPr id="363" name="Text Placeholder 2"/>
           <p:cNvSpPr>
             <a:spLocks noGrp="1"/>
           </p:cNvSpPr>
           <p:nvPr>
             <p:custDataLst>
-              <p:tags r:id="rId40"/>
+              <p:tags r:id="rId41"/>
             </p:custDataLst>
           </p:nvPr>
         </p:nvSpPr>
         <p:spPr bwMode="gray">
           <a:xfrm>
-            <a:off x="660400" y="3627438"/>
-            <a:ext cx="363538" cy="150813"/>
+            <a:off x="1590675" y="3167063"/>
+            <a:ext cx="247650" cy="150813"/>
           </a:xfrm>
           <a:prstGeom prst="rect">
             <a:avLst/>
           </a:prstGeom>
-          <a:noFill/>
+          <a:solidFill>
+            <a:srgbClr val="3A5B24"/>
+          </a:solidFill>
           <a:ln>
             <a:noFill/>
           </a:ln>
           <a:effectLst/>
-          <a:extLst>
-            <a:ext uri="{909E8E84-426E-40DD-AFC4-6F175D3DCCD1}">
-              <a14:hiddenFill xmlns:a14="http://schemas.microsoft.com/office/drawing/2010/main">
-                <a:solidFill>
-                  <a:schemeClr val="accent1"/>
-                </a:solidFill>
-              </a14:hiddenFill>
-            </a:ext>
-          </a:extLst>
         </p:spPr>
         <p:txBody>
           <a:bodyPr vert="horz" wrap="none" lIns="20638" tIns="0" rIns="20638" bIns="0" numCol="1" spcCol="0" rtlCol="0" anchor="ctr" anchorCtr="0">
@@ -16813,7 +17083,7 @@
               </a:spcAft>
               <a:buNone/>
             </a:pPr>
-            <a:fld id="{75E65F80-E0DC-45FA-94FF-072A9524AA9C}" type="datetime'''''''''''''''2,''''''''''''''''''0''''''''00'''''''''''''''''">
+            <a:fld id="{29DEA31B-7F35-4E25-8762-16D6F67C1260}" type="datetime'''''''''''''''9''''6''''''''''''''''''''7'''''''''''">
               <a:rPr lang="en-US" altLang="en-US" sz="1100" smtClean="0">
                 <a:solidFill>
                   <a:schemeClr val="bg1"/>
@@ -16830,248 +17100,12 @@
                 </a:spcAft>
                 <a:buNone/>
               </a:pPr>
-              <a:t>2,000</a:t>
+              <a:t>967</a:t>
             </a:fld>
             <a:endParaRPr lang="en-US" sz="1100" dirty="0">
               <a:solidFill>
                 <a:schemeClr val="bg1"/>
               </a:solidFill>
-              <a:latin typeface="Corbel" panose="020B0503020204020204" pitchFamily="34" charset="0"/>
-              <a:sym typeface="Corbel" panose="020B0503020204020204" pitchFamily="34" charset="0"/>
-            </a:endParaRPr>
-          </a:p>
-        </p:txBody>
-      </p:sp>
-      <p:sp>
-        <p:nvSpPr>
-          <p:cNvPr id="291" name="Text Placeholder 2"/>
-          <p:cNvSpPr>
-            <a:spLocks noGrp="1"/>
-          </p:cNvSpPr>
-          <p:nvPr>
-            <p:custDataLst>
-              <p:tags r:id="rId41"/>
-            </p:custDataLst>
-          </p:nvPr>
-        </p:nvSpPr>
-        <p:spPr bwMode="auto">
-          <a:xfrm>
-            <a:off x="1566863" y="3944938"/>
-            <a:ext cx="296863" cy="150813"/>
-          </a:xfrm>
-          <a:prstGeom prst="rect">
-            <a:avLst/>
-          </a:prstGeom>
-          <a:noFill/>
-          <a:ln>
-            <a:noFill/>
-          </a:ln>
-          <a:effectLst/>
-          <a:extLst>
-            <a:ext uri="{909E8E84-426E-40DD-AFC4-6F175D3DCCD1}">
-              <a14:hiddenFill xmlns:a14="http://schemas.microsoft.com/office/drawing/2010/main">
-                <a:solidFill>
-                  <a:scrgbClr r="0" g="0" b="0"/>
-                </a:solidFill>
-              </a14:hiddenFill>
-            </a:ext>
-          </a:extLst>
-        </p:spPr>
-        <p:txBody>
-          <a:bodyPr vert="horz" wrap="none" lIns="0" tIns="0" rIns="0" bIns="0" numCol="1" spcCol="0" rtlCol="0" anchor="t" anchorCtr="0">
-            <a:noAutofit/>
-          </a:bodyPr>
-          <a:lstStyle>
-            <a:lvl1pPr marL="228600" indent="-228600" algn="l" defTabSz="914400" rtl="0" eaLnBrk="1" latinLnBrk="0" hangingPunct="1">
-              <a:lnSpc>
-                <a:spcPct val="90000"/>
-              </a:lnSpc>
-              <a:spcBef>
-                <a:spcPts val="1000"/>
-              </a:spcBef>
-              <a:buFont typeface="Arial" panose="020B0604020202020204" pitchFamily="34" charset="0"/>
-              <a:buChar char="•"/>
-              <a:defRPr sz="2800" kern="1200">
-                <a:solidFill>
-                  <a:schemeClr val="tx1"/>
-                </a:solidFill>
-                <a:latin typeface="+mn-lt"/>
-                <a:ea typeface="+mn-ea"/>
-                <a:cs typeface="+mn-cs"/>
-              </a:defRPr>
-            </a:lvl1pPr>
-            <a:lvl2pPr marL="685800" indent="-228600" algn="l" defTabSz="914400" rtl="0" eaLnBrk="1" latinLnBrk="0" hangingPunct="1">
-              <a:lnSpc>
-                <a:spcPct val="90000"/>
-              </a:lnSpc>
-              <a:spcBef>
-                <a:spcPts val="500"/>
-              </a:spcBef>
-              <a:buFont typeface="Arial" panose="020B0604020202020204" pitchFamily="34" charset="0"/>
-              <a:buChar char="•"/>
-              <a:defRPr sz="2400" kern="1200">
-                <a:solidFill>
-                  <a:schemeClr val="tx1"/>
-                </a:solidFill>
-                <a:latin typeface="+mn-lt"/>
-                <a:ea typeface="+mn-ea"/>
-                <a:cs typeface="+mn-cs"/>
-              </a:defRPr>
-            </a:lvl2pPr>
-            <a:lvl3pPr marL="1143000" indent="-228600" algn="l" defTabSz="914400" rtl="0" eaLnBrk="1" latinLnBrk="0" hangingPunct="1">
-              <a:lnSpc>
-                <a:spcPct val="90000"/>
-              </a:lnSpc>
-              <a:spcBef>
-                <a:spcPts val="500"/>
-              </a:spcBef>
-              <a:buFont typeface="Arial" panose="020B0604020202020204" pitchFamily="34" charset="0"/>
-              <a:buChar char="•"/>
-              <a:defRPr sz="2000" kern="1200">
-                <a:solidFill>
-                  <a:schemeClr val="tx1"/>
-                </a:solidFill>
-                <a:latin typeface="+mn-lt"/>
-                <a:ea typeface="+mn-ea"/>
-                <a:cs typeface="+mn-cs"/>
-              </a:defRPr>
-            </a:lvl3pPr>
-            <a:lvl4pPr marL="1600200" indent="-228600" algn="l" defTabSz="914400" rtl="0" eaLnBrk="1" latinLnBrk="0" hangingPunct="1">
-              <a:lnSpc>
-                <a:spcPct val="90000"/>
-              </a:lnSpc>
-              <a:spcBef>
-                <a:spcPts val="500"/>
-              </a:spcBef>
-              <a:buFont typeface="Arial" panose="020B0604020202020204" pitchFamily="34" charset="0"/>
-              <a:buChar char="•"/>
-              <a:defRPr sz="1800" kern="1200">
-                <a:solidFill>
-                  <a:schemeClr val="tx1"/>
-                </a:solidFill>
-                <a:latin typeface="+mn-lt"/>
-                <a:ea typeface="+mn-ea"/>
-                <a:cs typeface="+mn-cs"/>
-              </a:defRPr>
-            </a:lvl4pPr>
-            <a:lvl5pPr marL="2057400" indent="-228600" algn="l" defTabSz="914400" rtl="0" eaLnBrk="1" latinLnBrk="0" hangingPunct="1">
-              <a:lnSpc>
-                <a:spcPct val="90000"/>
-              </a:lnSpc>
-              <a:spcBef>
-                <a:spcPts val="500"/>
-              </a:spcBef>
-              <a:buFont typeface="Arial" panose="020B0604020202020204" pitchFamily="34" charset="0"/>
-              <a:buChar char="•"/>
-              <a:defRPr sz="1800" kern="1200">
-                <a:solidFill>
-                  <a:schemeClr val="tx1"/>
-                </a:solidFill>
-                <a:latin typeface="+mn-lt"/>
-                <a:ea typeface="+mn-ea"/>
-                <a:cs typeface="+mn-cs"/>
-              </a:defRPr>
-            </a:lvl5pPr>
-            <a:lvl6pPr marL="2514600" indent="-228600" algn="l" defTabSz="914400" rtl="0" eaLnBrk="1" latinLnBrk="0" hangingPunct="1">
-              <a:lnSpc>
-                <a:spcPct val="90000"/>
-              </a:lnSpc>
-              <a:spcBef>
-                <a:spcPts val="500"/>
-              </a:spcBef>
-              <a:buFont typeface="Arial" panose="020B0604020202020204" pitchFamily="34" charset="0"/>
-              <a:buChar char="•"/>
-              <a:defRPr sz="1800" kern="1200">
-                <a:solidFill>
-                  <a:schemeClr val="tx1"/>
-                </a:solidFill>
-                <a:latin typeface="+mn-lt"/>
-                <a:ea typeface="+mn-ea"/>
-                <a:cs typeface="+mn-cs"/>
-              </a:defRPr>
-            </a:lvl6pPr>
-            <a:lvl7pPr marL="2971800" indent="-228600" algn="l" defTabSz="914400" rtl="0" eaLnBrk="1" latinLnBrk="0" hangingPunct="1">
-              <a:lnSpc>
-                <a:spcPct val="90000"/>
-              </a:lnSpc>
-              <a:spcBef>
-                <a:spcPts val="500"/>
-              </a:spcBef>
-              <a:buFont typeface="Arial" panose="020B0604020202020204" pitchFamily="34" charset="0"/>
-              <a:buChar char="•"/>
-              <a:defRPr sz="1800" kern="1200">
-                <a:solidFill>
-                  <a:schemeClr val="tx1"/>
-                </a:solidFill>
-                <a:latin typeface="+mn-lt"/>
-                <a:ea typeface="+mn-ea"/>
-                <a:cs typeface="+mn-cs"/>
-              </a:defRPr>
-            </a:lvl7pPr>
-            <a:lvl8pPr marL="3429000" indent="-228600" algn="l" defTabSz="914400" rtl="0" eaLnBrk="1" latinLnBrk="0" hangingPunct="1">
-              <a:lnSpc>
-                <a:spcPct val="90000"/>
-              </a:lnSpc>
-              <a:spcBef>
-                <a:spcPts val="500"/>
-              </a:spcBef>
-              <a:buFont typeface="Arial" panose="020B0604020202020204" pitchFamily="34" charset="0"/>
-              <a:buChar char="•"/>
-              <a:defRPr sz="1800" kern="1200">
-                <a:solidFill>
-                  <a:schemeClr val="tx1"/>
-                </a:solidFill>
-                <a:latin typeface="+mn-lt"/>
-                <a:ea typeface="+mn-ea"/>
-                <a:cs typeface="+mn-cs"/>
-              </a:defRPr>
-            </a:lvl8pPr>
-            <a:lvl9pPr marL="3886200" indent="-228600" algn="l" defTabSz="914400" rtl="0" eaLnBrk="1" latinLnBrk="0" hangingPunct="1">
-              <a:lnSpc>
-                <a:spcPct val="90000"/>
-              </a:lnSpc>
-              <a:spcBef>
-                <a:spcPts val="500"/>
-              </a:spcBef>
-              <a:buFont typeface="Arial" panose="020B0604020202020204" pitchFamily="34" charset="0"/>
-              <a:buChar char="•"/>
-              <a:defRPr sz="1800" kern="1200">
-                <a:solidFill>
-                  <a:schemeClr val="tx1"/>
-                </a:solidFill>
-                <a:latin typeface="+mn-lt"/>
-                <a:ea typeface="+mn-ea"/>
-                <a:cs typeface="+mn-cs"/>
-              </a:defRPr>
-            </a:lvl9pPr>
-          </a:lstStyle>
-          <a:p>
-            <a:pPr marL="0" indent="0" algn="ctr">
-              <a:spcBef>
-                <a:spcPct val="0"/>
-              </a:spcBef>
-              <a:spcAft>
-                <a:spcPct val="0"/>
-              </a:spcAft>
-              <a:buNone/>
-            </a:pPr>
-            <a:fld id="{F1BBBCF8-2918-44F8-9BAC-F6DE973449DA}" type="datetime'''''''''''''''''''''M''a''l''''''''''''''''e'''''''''''''''">
-              <a:rPr lang="en-US" altLang="en-US" sz="1100" smtClean="0">
-                <a:latin typeface="Corbel" panose="020B0503020204020204" pitchFamily="34" charset="0"/>
-                <a:sym typeface="Corbel" panose="020B0503020204020204" pitchFamily="34" charset="0"/>
-              </a:rPr>
-              <a:pPr marL="0" indent="0" algn="ctr">
-                <a:spcBef>
-                  <a:spcPct val="0"/>
-                </a:spcBef>
-                <a:spcAft>
-                  <a:spcPct val="0"/>
-                </a:spcAft>
-                <a:buNone/>
-              </a:pPr>
-              <a:t>Male</a:t>
-            </a:fld>
-            <a:endParaRPr lang="en-US" sz="1100" dirty="0">
               <a:latin typeface="Corbel" panose="020B0503020204020204" pitchFamily="34" charset="0"/>
               <a:sym typeface="Corbel" panose="020B0503020204020204" pitchFamily="34" charset="0"/>
             </a:endParaRPr>
@@ -17906,7 +17940,7 @@
           <p:nvPr>
             <p:extLst>
               <p:ext uri="{D42A27DB-BD31-4B8C-83A1-F6EECF244321}">
-                <p14:modId xmlns:p14="http://schemas.microsoft.com/office/powerpoint/2010/main" val="262854250"/>
+                <p14:modId xmlns:p14="http://schemas.microsoft.com/office/powerpoint/2010/main" val="1230096099"/>
               </p:ext>
             </p:extLst>
           </p:nvPr>
@@ -18107,7 +18141,7 @@
             </p:custDataLst>
             <p:extLst>
               <p:ext uri="{D42A27DB-BD31-4B8C-83A1-F6EECF244321}">
-                <p14:modId xmlns:p14="http://schemas.microsoft.com/office/powerpoint/2010/main" val="3356124414"/>
+                <p14:modId xmlns:p14="http://schemas.microsoft.com/office/powerpoint/2010/main" val="2564763931"/>
               </p:ext>
             </p:extLst>
           </p:nvPr>
@@ -18124,11 +18158,99 @@
       </p:graphicFrame>
       <p:sp useBgFill="1">
         <p:nvSpPr>
+          <p:cNvPr id="469" name="Freeform 468"/>
+          <p:cNvSpPr/>
+          <p:nvPr>
+            <p:custDataLst>
+              <p:tags r:id="rId50"/>
+            </p:custDataLst>
+          </p:nvPr>
+        </p:nvSpPr>
+        <p:spPr bwMode="auto">
+          <a:xfrm>
+            <a:off x="539750" y="4881563"/>
+            <a:ext cx="427039" cy="171450"/>
+          </a:xfrm>
+          <a:custGeom>
+            <a:avLst/>
+            <a:gdLst/>
+            <a:ahLst/>
+            <a:cxnLst/>
+            <a:rect l="0" t="0" r="0" b="0"/>
+            <a:pathLst>
+              <a:path w="427039" h="171451">
+                <a:moveTo>
+                  <a:pt x="0" y="114300"/>
+                </a:moveTo>
+                <a:lnTo>
+                  <a:pt x="427038" y="0"/>
+                </a:lnTo>
+                <a:lnTo>
+                  <a:pt x="427038" y="57150"/>
+                </a:lnTo>
+                <a:lnTo>
+                  <a:pt x="0" y="171450"/>
+                </a:lnTo>
+                <a:close/>
+              </a:path>
+            </a:pathLst>
+          </a:custGeom>
+          <a:ln w="12700" cap="flat" cmpd="sng" algn="ctr">
+            <a:noFill/>
+            <a:prstDash val="solid"/>
+            <a:miter lim="800000"/>
+            <a:headEnd type="none" w="med" len="med"/>
+            <a:tailEnd type="none" w="med" len="med"/>
+          </a:ln>
+          <a:effectLst/>
+          <a:extLst>
+            <a:ext uri="{91240B29-F687-4F45-9708-019B960494DF}">
+              <a14:hiddenLine xmlns:a14="http://schemas.microsoft.com/office/drawing/2010/main" w="12700" cap="flat" cmpd="sng" algn="ctr">
+                <a:solidFill>
+                  <a:schemeClr val="accent1">
+                    <a:shade val="50000"/>
+                  </a:schemeClr>
+                </a:solidFill>
+                <a:prstDash val="solid"/>
+                <a:miter lim="800000"/>
+                <a:headEnd type="none" w="med" len="med"/>
+                <a:tailEnd type="none" w="med" len="med"/>
+              </a14:hiddenLine>
+            </a:ext>
+          </a:extLst>
+        </p:spPr>
+        <p:style>
+          <a:lnRef idx="2">
+            <a:schemeClr val="accent1">
+              <a:shade val="50000"/>
+            </a:schemeClr>
+          </a:lnRef>
+          <a:fillRef idx="1">
+            <a:schemeClr val="accent1"/>
+          </a:fillRef>
+          <a:effectRef idx="0">
+            <a:schemeClr val="accent1"/>
+          </a:effectRef>
+          <a:fontRef idx="minor">
+            <a:schemeClr val="lt1"/>
+          </a:fontRef>
+        </p:style>
+        <p:txBody>
+          <a:bodyPr rtlCol="0" anchor="ctr"/>
+          <a:lstStyle/>
+          <a:p>
+            <a:pPr algn="ctr"/>
+            <a:endParaRPr lang="en-US"/>
+          </a:p>
+        </p:txBody>
+      </p:sp>
+      <p:sp useBgFill="1">
+        <p:nvSpPr>
           <p:cNvPr id="470" name="Freeform 469"/>
           <p:cNvSpPr/>
           <p:nvPr>
             <p:custDataLst>
-              <p:tags r:id="rId50"/>
+              <p:tags r:id="rId51"/>
             </p:custDataLst>
           </p:nvPr>
         </p:nvSpPr>
@@ -18210,321 +18332,6 @@
           </a:p>
         </p:txBody>
       </p:sp>
-      <p:sp useBgFill="1">
-        <p:nvSpPr>
-          <p:cNvPr id="469" name="Freeform 468"/>
-          <p:cNvSpPr/>
-          <p:nvPr>
-            <p:custDataLst>
-              <p:tags r:id="rId51"/>
-            </p:custDataLst>
-          </p:nvPr>
-        </p:nvSpPr>
-        <p:spPr bwMode="auto">
-          <a:xfrm>
-            <a:off x="539750" y="4881563"/>
-            <a:ext cx="427039" cy="171450"/>
-          </a:xfrm>
-          <a:custGeom>
-            <a:avLst/>
-            <a:gdLst/>
-            <a:ahLst/>
-            <a:cxnLst/>
-            <a:rect l="0" t="0" r="0" b="0"/>
-            <a:pathLst>
-              <a:path w="427039" h="171451">
-                <a:moveTo>
-                  <a:pt x="0" y="114300"/>
-                </a:moveTo>
-                <a:lnTo>
-                  <a:pt x="427038" y="0"/>
-                </a:lnTo>
-                <a:lnTo>
-                  <a:pt x="427038" y="57150"/>
-                </a:lnTo>
-                <a:lnTo>
-                  <a:pt x="0" y="171450"/>
-                </a:lnTo>
-                <a:close/>
-              </a:path>
-            </a:pathLst>
-          </a:custGeom>
-          <a:ln w="12700" cap="flat" cmpd="sng" algn="ctr">
-            <a:noFill/>
-            <a:prstDash val="solid"/>
-            <a:miter lim="800000"/>
-            <a:headEnd type="none" w="med" len="med"/>
-            <a:tailEnd type="none" w="med" len="med"/>
-          </a:ln>
-          <a:effectLst/>
-          <a:extLst>
-            <a:ext uri="{91240B29-F687-4F45-9708-019B960494DF}">
-              <a14:hiddenLine xmlns:a14="http://schemas.microsoft.com/office/drawing/2010/main" w="12700" cap="flat" cmpd="sng" algn="ctr">
-                <a:solidFill>
-                  <a:schemeClr val="accent1">
-                    <a:shade val="50000"/>
-                  </a:schemeClr>
-                </a:solidFill>
-                <a:prstDash val="solid"/>
-                <a:miter lim="800000"/>
-                <a:headEnd type="none" w="med" len="med"/>
-                <a:tailEnd type="none" w="med" len="med"/>
-              </a14:hiddenLine>
-            </a:ext>
-          </a:extLst>
-        </p:spPr>
-        <p:style>
-          <a:lnRef idx="2">
-            <a:schemeClr val="accent1">
-              <a:shade val="50000"/>
-            </a:schemeClr>
-          </a:lnRef>
-          <a:fillRef idx="1">
-            <a:schemeClr val="accent1"/>
-          </a:fillRef>
-          <a:effectRef idx="0">
-            <a:schemeClr val="accent1"/>
-          </a:effectRef>
-          <a:fontRef idx="minor">
-            <a:schemeClr val="lt1"/>
-          </a:fontRef>
-        </p:style>
-        <p:txBody>
-          <a:bodyPr rtlCol="0" anchor="ctr"/>
-          <a:lstStyle/>
-          <a:p>
-            <a:pPr algn="ctr"/>
-            <a:endParaRPr lang="en-US"/>
-          </a:p>
-        </p:txBody>
-      </p:sp>
-      <p:sp>
-        <p:nvSpPr>
-          <p:cNvPr id="140" name="Text Placeholder 2"/>
-          <p:cNvSpPr>
-            <a:spLocks noGrp="1"/>
-          </p:cNvSpPr>
-          <p:nvPr>
-            <p:custDataLst>
-              <p:tags r:id="rId52"/>
-            </p:custDataLst>
-          </p:nvPr>
-        </p:nvSpPr>
-        <p:spPr bwMode="auto">
-          <a:xfrm>
-            <a:off x="2546350" y="5514975"/>
-            <a:ext cx="603250" cy="150813"/>
-          </a:xfrm>
-          <a:prstGeom prst="rect">
-            <a:avLst/>
-          </a:prstGeom>
-          <a:noFill/>
-          <a:ln>
-            <a:noFill/>
-          </a:ln>
-          <a:effectLst/>
-          <a:extLst>
-            <a:ext uri="{909E8E84-426E-40DD-AFC4-6F175D3DCCD1}">
-              <a14:hiddenFill xmlns:a14="http://schemas.microsoft.com/office/drawing/2010/main">
-                <a:solidFill>
-                  <a:scrgbClr r="0" g="0" b="0"/>
-                </a:solidFill>
-              </a14:hiddenFill>
-            </a:ext>
-          </a:extLst>
-        </p:spPr>
-        <p:txBody>
-          <a:bodyPr vert="horz" wrap="none" lIns="0" tIns="0" rIns="0" bIns="0" numCol="1" spcCol="0" rtlCol="0" anchor="t" anchorCtr="0">
-            <a:noAutofit/>
-          </a:bodyPr>
-          <a:lstStyle>
-            <a:lvl1pPr marL="228600" indent="-228600" algn="l" defTabSz="914400" rtl="0" eaLnBrk="1" latinLnBrk="0" hangingPunct="1">
-              <a:lnSpc>
-                <a:spcPct val="90000"/>
-              </a:lnSpc>
-              <a:spcBef>
-                <a:spcPts val="1000"/>
-              </a:spcBef>
-              <a:buFont typeface="Arial" panose="020B0604020202020204" pitchFamily="34" charset="0"/>
-              <a:buChar char="•"/>
-              <a:defRPr sz="2800" kern="1200">
-                <a:solidFill>
-                  <a:schemeClr val="tx1"/>
-                </a:solidFill>
-                <a:latin typeface="+mn-lt"/>
-                <a:ea typeface="+mn-ea"/>
-                <a:cs typeface="+mn-cs"/>
-              </a:defRPr>
-            </a:lvl1pPr>
-            <a:lvl2pPr marL="685800" indent="-228600" algn="l" defTabSz="914400" rtl="0" eaLnBrk="1" latinLnBrk="0" hangingPunct="1">
-              <a:lnSpc>
-                <a:spcPct val="90000"/>
-              </a:lnSpc>
-              <a:spcBef>
-                <a:spcPts val="500"/>
-              </a:spcBef>
-              <a:buFont typeface="Arial" panose="020B0604020202020204" pitchFamily="34" charset="0"/>
-              <a:buChar char="•"/>
-              <a:defRPr sz="2400" kern="1200">
-                <a:solidFill>
-                  <a:schemeClr val="tx1"/>
-                </a:solidFill>
-                <a:latin typeface="+mn-lt"/>
-                <a:ea typeface="+mn-ea"/>
-                <a:cs typeface="+mn-cs"/>
-              </a:defRPr>
-            </a:lvl2pPr>
-            <a:lvl3pPr marL="1143000" indent="-228600" algn="l" defTabSz="914400" rtl="0" eaLnBrk="1" latinLnBrk="0" hangingPunct="1">
-              <a:lnSpc>
-                <a:spcPct val="90000"/>
-              </a:lnSpc>
-              <a:spcBef>
-                <a:spcPts val="500"/>
-              </a:spcBef>
-              <a:buFont typeface="Arial" panose="020B0604020202020204" pitchFamily="34" charset="0"/>
-              <a:buChar char="•"/>
-              <a:defRPr sz="2000" kern="1200">
-                <a:solidFill>
-                  <a:schemeClr val="tx1"/>
-                </a:solidFill>
-                <a:latin typeface="+mn-lt"/>
-                <a:ea typeface="+mn-ea"/>
-                <a:cs typeface="+mn-cs"/>
-              </a:defRPr>
-            </a:lvl3pPr>
-            <a:lvl4pPr marL="1600200" indent="-228600" algn="l" defTabSz="914400" rtl="0" eaLnBrk="1" latinLnBrk="0" hangingPunct="1">
-              <a:lnSpc>
-                <a:spcPct val="90000"/>
-              </a:lnSpc>
-              <a:spcBef>
-                <a:spcPts val="500"/>
-              </a:spcBef>
-              <a:buFont typeface="Arial" panose="020B0604020202020204" pitchFamily="34" charset="0"/>
-              <a:buChar char="•"/>
-              <a:defRPr sz="1800" kern="1200">
-                <a:solidFill>
-                  <a:schemeClr val="tx1"/>
-                </a:solidFill>
-                <a:latin typeface="+mn-lt"/>
-                <a:ea typeface="+mn-ea"/>
-                <a:cs typeface="+mn-cs"/>
-              </a:defRPr>
-            </a:lvl4pPr>
-            <a:lvl5pPr marL="2057400" indent="-228600" algn="l" defTabSz="914400" rtl="0" eaLnBrk="1" latinLnBrk="0" hangingPunct="1">
-              <a:lnSpc>
-                <a:spcPct val="90000"/>
-              </a:lnSpc>
-              <a:spcBef>
-                <a:spcPts val="500"/>
-              </a:spcBef>
-              <a:buFont typeface="Arial" panose="020B0604020202020204" pitchFamily="34" charset="0"/>
-              <a:buChar char="•"/>
-              <a:defRPr sz="1800" kern="1200">
-                <a:solidFill>
-                  <a:schemeClr val="tx1"/>
-                </a:solidFill>
-                <a:latin typeface="+mn-lt"/>
-                <a:ea typeface="+mn-ea"/>
-                <a:cs typeface="+mn-cs"/>
-              </a:defRPr>
-            </a:lvl5pPr>
-            <a:lvl6pPr marL="2514600" indent="-228600" algn="l" defTabSz="914400" rtl="0" eaLnBrk="1" latinLnBrk="0" hangingPunct="1">
-              <a:lnSpc>
-                <a:spcPct val="90000"/>
-              </a:lnSpc>
-              <a:spcBef>
-                <a:spcPts val="500"/>
-              </a:spcBef>
-              <a:buFont typeface="Arial" panose="020B0604020202020204" pitchFamily="34" charset="0"/>
-              <a:buChar char="•"/>
-              <a:defRPr sz="1800" kern="1200">
-                <a:solidFill>
-                  <a:schemeClr val="tx1"/>
-                </a:solidFill>
-                <a:latin typeface="+mn-lt"/>
-                <a:ea typeface="+mn-ea"/>
-                <a:cs typeface="+mn-cs"/>
-              </a:defRPr>
-            </a:lvl6pPr>
-            <a:lvl7pPr marL="2971800" indent="-228600" algn="l" defTabSz="914400" rtl="0" eaLnBrk="1" latinLnBrk="0" hangingPunct="1">
-              <a:lnSpc>
-                <a:spcPct val="90000"/>
-              </a:lnSpc>
-              <a:spcBef>
-                <a:spcPts val="500"/>
-              </a:spcBef>
-              <a:buFont typeface="Arial" panose="020B0604020202020204" pitchFamily="34" charset="0"/>
-              <a:buChar char="•"/>
-              <a:defRPr sz="1800" kern="1200">
-                <a:solidFill>
-                  <a:schemeClr val="tx1"/>
-                </a:solidFill>
-                <a:latin typeface="+mn-lt"/>
-                <a:ea typeface="+mn-ea"/>
-                <a:cs typeface="+mn-cs"/>
-              </a:defRPr>
-            </a:lvl7pPr>
-            <a:lvl8pPr marL="3429000" indent="-228600" algn="l" defTabSz="914400" rtl="0" eaLnBrk="1" latinLnBrk="0" hangingPunct="1">
-              <a:lnSpc>
-                <a:spcPct val="90000"/>
-              </a:lnSpc>
-              <a:spcBef>
-                <a:spcPts val="500"/>
-              </a:spcBef>
-              <a:buFont typeface="Arial" panose="020B0604020202020204" pitchFamily="34" charset="0"/>
-              <a:buChar char="•"/>
-              <a:defRPr sz="1800" kern="1200">
-                <a:solidFill>
-                  <a:schemeClr val="tx1"/>
-                </a:solidFill>
-                <a:latin typeface="+mn-lt"/>
-                <a:ea typeface="+mn-ea"/>
-                <a:cs typeface="+mn-cs"/>
-              </a:defRPr>
-            </a:lvl8pPr>
-            <a:lvl9pPr marL="3886200" indent="-228600" algn="l" defTabSz="914400" rtl="0" eaLnBrk="1" latinLnBrk="0" hangingPunct="1">
-              <a:lnSpc>
-                <a:spcPct val="90000"/>
-              </a:lnSpc>
-              <a:spcBef>
-                <a:spcPts val="500"/>
-              </a:spcBef>
-              <a:buFont typeface="Arial" panose="020B0604020202020204" pitchFamily="34" charset="0"/>
-              <a:buChar char="•"/>
-              <a:defRPr sz="1800" kern="1200">
-                <a:solidFill>
-                  <a:schemeClr val="tx1"/>
-                </a:solidFill>
-                <a:latin typeface="+mn-lt"/>
-                <a:ea typeface="+mn-ea"/>
-                <a:cs typeface="+mn-cs"/>
-              </a:defRPr>
-            </a:lvl9pPr>
-          </a:lstStyle>
-          <a:p>
-            <a:pPr marL="0" indent="0" algn="ctr">
-              <a:spcBef>
-                <a:spcPct val="0"/>
-              </a:spcBef>
-              <a:spcAft>
-                <a:spcPct val="0"/>
-              </a:spcAft>
-              <a:buNone/>
-            </a:pPr>
-            <a:fld id="{46AA8566-B44B-4EBB-A6CC-18FF365CB7F0}" type="datetime'&gt;''50'''' ''Y''''e''ar''''''s'''''''''''' '''''''''">
-              <a:rPr lang="en-US" altLang="en-US" sz="1100" smtClean="0">
-                <a:latin typeface="Corbel" panose="020B0503020204020204" pitchFamily="34" charset="0"/>
-              </a:rPr>
-              <a:pPr/>
-              <a:t>&gt;50 Years </a:t>
-            </a:fld>
-            <a:endParaRPr lang="en-US" sz="1100" dirty="0">
-              <a:latin typeface="Corbel" panose="020B0503020204020204" pitchFamily="34" charset="0"/>
-              <a:sym typeface="Corbel" panose="020B0503020204020204" pitchFamily="34" charset="0"/>
-            </a:endParaRPr>
-          </a:p>
-        </p:txBody>
-      </p:sp>
       <p:sp>
         <p:nvSpPr>
           <p:cNvPr id="136" name="Text Placeholder 2"/>
@@ -18533,7 +18340,7 @@
           </p:cNvSpPr>
           <p:nvPr>
             <p:custDataLst>
-              <p:tags r:id="rId53"/>
+              <p:tags r:id="rId52"/>
             </p:custDataLst>
           </p:nvPr>
         </p:nvSpPr>
@@ -18754,240 +18561,13 @@
       </p:sp>
       <p:sp>
         <p:nvSpPr>
-          <p:cNvPr id="137" name="Text Placeholder 2"/>
-          <p:cNvSpPr>
-            <a:spLocks noGrp="1"/>
-          </p:cNvSpPr>
-          <p:nvPr>
-            <p:custDataLst>
-              <p:tags r:id="rId54"/>
-            </p:custDataLst>
-          </p:nvPr>
-        </p:nvSpPr>
-        <p:spPr bwMode="auto">
-          <a:xfrm>
-            <a:off x="569913" y="5514975"/>
-            <a:ext cx="365125" cy="150813"/>
-          </a:xfrm>
-          <a:prstGeom prst="rect">
-            <a:avLst/>
-          </a:prstGeom>
-          <a:noFill/>
-          <a:ln>
-            <a:noFill/>
-          </a:ln>
-          <a:effectLst/>
-          <a:extLst>
-            <a:ext uri="{909E8E84-426E-40DD-AFC4-6F175D3DCCD1}">
-              <a14:hiddenFill xmlns:a14="http://schemas.microsoft.com/office/drawing/2010/main">
-                <a:solidFill>
-                  <a:scrgbClr r="0" g="0" b="0"/>
-                </a:solidFill>
-              </a14:hiddenFill>
-            </a:ext>
-          </a:extLst>
-        </p:spPr>
-        <p:txBody>
-          <a:bodyPr vert="horz" wrap="none" lIns="0" tIns="0" rIns="0" bIns="0" numCol="1" spcCol="0" rtlCol="0" anchor="t" anchorCtr="0">
-            <a:noAutofit/>
-          </a:bodyPr>
-          <a:lstStyle>
-            <a:lvl1pPr marL="228600" indent="-228600" algn="l" defTabSz="914400" rtl="0" eaLnBrk="1" latinLnBrk="0" hangingPunct="1">
-              <a:lnSpc>
-                <a:spcPct val="90000"/>
-              </a:lnSpc>
-              <a:spcBef>
-                <a:spcPts val="1000"/>
-              </a:spcBef>
-              <a:buFont typeface="Arial" panose="020B0604020202020204" pitchFamily="34" charset="0"/>
-              <a:buChar char="•"/>
-              <a:defRPr sz="2800" kern="1200">
-                <a:solidFill>
-                  <a:schemeClr val="tx1"/>
-                </a:solidFill>
-                <a:latin typeface="+mn-lt"/>
-                <a:ea typeface="+mn-ea"/>
-                <a:cs typeface="+mn-cs"/>
-              </a:defRPr>
-            </a:lvl1pPr>
-            <a:lvl2pPr marL="685800" indent="-228600" algn="l" defTabSz="914400" rtl="0" eaLnBrk="1" latinLnBrk="0" hangingPunct="1">
-              <a:lnSpc>
-                <a:spcPct val="90000"/>
-              </a:lnSpc>
-              <a:spcBef>
-                <a:spcPts val="500"/>
-              </a:spcBef>
-              <a:buFont typeface="Arial" panose="020B0604020202020204" pitchFamily="34" charset="0"/>
-              <a:buChar char="•"/>
-              <a:defRPr sz="2400" kern="1200">
-                <a:solidFill>
-                  <a:schemeClr val="tx1"/>
-                </a:solidFill>
-                <a:latin typeface="+mn-lt"/>
-                <a:ea typeface="+mn-ea"/>
-                <a:cs typeface="+mn-cs"/>
-              </a:defRPr>
-            </a:lvl2pPr>
-            <a:lvl3pPr marL="1143000" indent="-228600" algn="l" defTabSz="914400" rtl="0" eaLnBrk="1" latinLnBrk="0" hangingPunct="1">
-              <a:lnSpc>
-                <a:spcPct val="90000"/>
-              </a:lnSpc>
-              <a:spcBef>
-                <a:spcPts val="500"/>
-              </a:spcBef>
-              <a:buFont typeface="Arial" panose="020B0604020202020204" pitchFamily="34" charset="0"/>
-              <a:buChar char="•"/>
-              <a:defRPr sz="2000" kern="1200">
-                <a:solidFill>
-                  <a:schemeClr val="tx1"/>
-                </a:solidFill>
-                <a:latin typeface="+mn-lt"/>
-                <a:ea typeface="+mn-ea"/>
-                <a:cs typeface="+mn-cs"/>
-              </a:defRPr>
-            </a:lvl3pPr>
-            <a:lvl4pPr marL="1600200" indent="-228600" algn="l" defTabSz="914400" rtl="0" eaLnBrk="1" latinLnBrk="0" hangingPunct="1">
-              <a:lnSpc>
-                <a:spcPct val="90000"/>
-              </a:lnSpc>
-              <a:spcBef>
-                <a:spcPts val="500"/>
-              </a:spcBef>
-              <a:buFont typeface="Arial" panose="020B0604020202020204" pitchFamily="34" charset="0"/>
-              <a:buChar char="•"/>
-              <a:defRPr sz="1800" kern="1200">
-                <a:solidFill>
-                  <a:schemeClr val="tx1"/>
-                </a:solidFill>
-                <a:latin typeface="+mn-lt"/>
-                <a:ea typeface="+mn-ea"/>
-                <a:cs typeface="+mn-cs"/>
-              </a:defRPr>
-            </a:lvl4pPr>
-            <a:lvl5pPr marL="2057400" indent="-228600" algn="l" defTabSz="914400" rtl="0" eaLnBrk="1" latinLnBrk="0" hangingPunct="1">
-              <a:lnSpc>
-                <a:spcPct val="90000"/>
-              </a:lnSpc>
-              <a:spcBef>
-                <a:spcPts val="500"/>
-              </a:spcBef>
-              <a:buFont typeface="Arial" panose="020B0604020202020204" pitchFamily="34" charset="0"/>
-              <a:buChar char="•"/>
-              <a:defRPr sz="1800" kern="1200">
-                <a:solidFill>
-                  <a:schemeClr val="tx1"/>
-                </a:solidFill>
-                <a:latin typeface="+mn-lt"/>
-                <a:ea typeface="+mn-ea"/>
-                <a:cs typeface="+mn-cs"/>
-              </a:defRPr>
-            </a:lvl5pPr>
-            <a:lvl6pPr marL="2514600" indent="-228600" algn="l" defTabSz="914400" rtl="0" eaLnBrk="1" latinLnBrk="0" hangingPunct="1">
-              <a:lnSpc>
-                <a:spcPct val="90000"/>
-              </a:lnSpc>
-              <a:spcBef>
-                <a:spcPts val="500"/>
-              </a:spcBef>
-              <a:buFont typeface="Arial" panose="020B0604020202020204" pitchFamily="34" charset="0"/>
-              <a:buChar char="•"/>
-              <a:defRPr sz="1800" kern="1200">
-                <a:solidFill>
-                  <a:schemeClr val="tx1"/>
-                </a:solidFill>
-                <a:latin typeface="+mn-lt"/>
-                <a:ea typeface="+mn-ea"/>
-                <a:cs typeface="+mn-cs"/>
-              </a:defRPr>
-            </a:lvl6pPr>
-            <a:lvl7pPr marL="2971800" indent="-228600" algn="l" defTabSz="914400" rtl="0" eaLnBrk="1" latinLnBrk="0" hangingPunct="1">
-              <a:lnSpc>
-                <a:spcPct val="90000"/>
-              </a:lnSpc>
-              <a:spcBef>
-                <a:spcPts val="500"/>
-              </a:spcBef>
-              <a:buFont typeface="Arial" panose="020B0604020202020204" pitchFamily="34" charset="0"/>
-              <a:buChar char="•"/>
-              <a:defRPr sz="1800" kern="1200">
-                <a:solidFill>
-                  <a:schemeClr val="tx1"/>
-                </a:solidFill>
-                <a:latin typeface="+mn-lt"/>
-                <a:ea typeface="+mn-ea"/>
-                <a:cs typeface="+mn-cs"/>
-              </a:defRPr>
-            </a:lvl7pPr>
-            <a:lvl8pPr marL="3429000" indent="-228600" algn="l" defTabSz="914400" rtl="0" eaLnBrk="1" latinLnBrk="0" hangingPunct="1">
-              <a:lnSpc>
-                <a:spcPct val="90000"/>
-              </a:lnSpc>
-              <a:spcBef>
-                <a:spcPts val="500"/>
-              </a:spcBef>
-              <a:buFont typeface="Arial" panose="020B0604020202020204" pitchFamily="34" charset="0"/>
-              <a:buChar char="•"/>
-              <a:defRPr sz="1800" kern="1200">
-                <a:solidFill>
-                  <a:schemeClr val="tx1"/>
-                </a:solidFill>
-                <a:latin typeface="+mn-lt"/>
-                <a:ea typeface="+mn-ea"/>
-                <a:cs typeface="+mn-cs"/>
-              </a:defRPr>
-            </a:lvl8pPr>
-            <a:lvl9pPr marL="3886200" indent="-228600" algn="l" defTabSz="914400" rtl="0" eaLnBrk="1" latinLnBrk="0" hangingPunct="1">
-              <a:lnSpc>
-                <a:spcPct val="90000"/>
-              </a:lnSpc>
-              <a:spcBef>
-                <a:spcPts val="500"/>
-              </a:spcBef>
-              <a:buFont typeface="Arial" panose="020B0604020202020204" pitchFamily="34" charset="0"/>
-              <a:buChar char="•"/>
-              <a:defRPr sz="1800" kern="1200">
-                <a:solidFill>
-                  <a:schemeClr val="tx1"/>
-                </a:solidFill>
-                <a:latin typeface="+mn-lt"/>
-                <a:ea typeface="+mn-ea"/>
-                <a:cs typeface="+mn-cs"/>
-              </a:defRPr>
-            </a:lvl9pPr>
-          </a:lstStyle>
-          <a:p>
-            <a:pPr marL="0" indent="0" algn="ctr">
-              <a:spcBef>
-                <a:spcPct val="0"/>
-              </a:spcBef>
-              <a:spcAft>
-                <a:spcPct val="0"/>
-              </a:spcAft>
-              <a:buNone/>
-            </a:pPr>
-            <a:fld id="{387218C4-0D1B-4F13-AFC6-419A3860B7B0}" type="datetime'''''''''''''''C''''''''''o''u''n''''t'''''">
-              <a:rPr lang="en-US" altLang="en-US" sz="1100" smtClean="0">
-                <a:latin typeface="Corbel" panose="020B0503020204020204" pitchFamily="34" charset="0"/>
-              </a:rPr>
-              <a:pPr/>
-              <a:t>Count</a:t>
-            </a:fld>
-            <a:endParaRPr lang="en-US" sz="1100" dirty="0">
-              <a:latin typeface="Corbel" panose="020B0503020204020204" pitchFamily="34" charset="0"/>
-              <a:sym typeface="Corbel" panose="020B0503020204020204" pitchFamily="34" charset="0"/>
-            </a:endParaRPr>
-          </a:p>
-        </p:txBody>
-      </p:sp>
-      <p:sp>
-        <p:nvSpPr>
           <p:cNvPr id="139" name="Text Placeholder 2"/>
           <p:cNvSpPr>
             <a:spLocks noGrp="1"/>
           </p:cNvSpPr>
           <p:nvPr>
             <p:custDataLst>
-              <p:tags r:id="rId55"/>
+              <p:tags r:id="rId53"/>
             </p:custDataLst>
           </p:nvPr>
         </p:nvSpPr>
@@ -19208,240 +18788,13 @@
       </p:sp>
       <p:sp>
         <p:nvSpPr>
-          <p:cNvPr id="172" name="Text Placeholder 2"/>
-          <p:cNvSpPr>
-            <a:spLocks noGrp="1"/>
-          </p:cNvSpPr>
-          <p:nvPr>
-            <p:custDataLst>
-              <p:tags r:id="rId56"/>
-            </p:custDataLst>
-          </p:nvPr>
-        </p:nvSpPr>
-        <p:spPr bwMode="auto">
-          <a:xfrm>
-            <a:off x="3238500" y="5514975"/>
-            <a:ext cx="617538" cy="150813"/>
-          </a:xfrm>
-          <a:prstGeom prst="rect">
-            <a:avLst/>
-          </a:prstGeom>
-          <a:noFill/>
-          <a:ln>
-            <a:noFill/>
-          </a:ln>
-          <a:effectLst/>
-          <a:extLst>
-            <a:ext uri="{909E8E84-426E-40DD-AFC4-6F175D3DCCD1}">
-              <a14:hiddenFill xmlns:a14="http://schemas.microsoft.com/office/drawing/2010/main">
-                <a:solidFill>
-                  <a:scrgbClr r="0" g="0" b="0"/>
-                </a:solidFill>
-              </a14:hiddenFill>
-            </a:ext>
-          </a:extLst>
-        </p:spPr>
-        <p:txBody>
-          <a:bodyPr vert="horz" wrap="none" lIns="0" tIns="0" rIns="0" bIns="0" numCol="1" spcCol="0" rtlCol="0" anchor="t" anchorCtr="0">
-            <a:noAutofit/>
-          </a:bodyPr>
-          <a:lstStyle>
-            <a:lvl1pPr marL="228600" indent="-228600" algn="l" defTabSz="914400" rtl="0" eaLnBrk="1" latinLnBrk="0" hangingPunct="1">
-              <a:lnSpc>
-                <a:spcPct val="90000"/>
-              </a:lnSpc>
-              <a:spcBef>
-                <a:spcPts val="1000"/>
-              </a:spcBef>
-              <a:buFont typeface="Arial" panose="020B0604020202020204" pitchFamily="34" charset="0"/>
-              <a:buChar char="•"/>
-              <a:defRPr sz="2800" kern="1200">
-                <a:solidFill>
-                  <a:schemeClr val="tx1"/>
-                </a:solidFill>
-                <a:latin typeface="+mn-lt"/>
-                <a:ea typeface="+mn-ea"/>
-                <a:cs typeface="+mn-cs"/>
-              </a:defRPr>
-            </a:lvl1pPr>
-            <a:lvl2pPr marL="685800" indent="-228600" algn="l" defTabSz="914400" rtl="0" eaLnBrk="1" latinLnBrk="0" hangingPunct="1">
-              <a:lnSpc>
-                <a:spcPct val="90000"/>
-              </a:lnSpc>
-              <a:spcBef>
-                <a:spcPts val="500"/>
-              </a:spcBef>
-              <a:buFont typeface="Arial" panose="020B0604020202020204" pitchFamily="34" charset="0"/>
-              <a:buChar char="•"/>
-              <a:defRPr sz="2400" kern="1200">
-                <a:solidFill>
-                  <a:schemeClr val="tx1"/>
-                </a:solidFill>
-                <a:latin typeface="+mn-lt"/>
-                <a:ea typeface="+mn-ea"/>
-                <a:cs typeface="+mn-cs"/>
-              </a:defRPr>
-            </a:lvl2pPr>
-            <a:lvl3pPr marL="1143000" indent="-228600" algn="l" defTabSz="914400" rtl="0" eaLnBrk="1" latinLnBrk="0" hangingPunct="1">
-              <a:lnSpc>
-                <a:spcPct val="90000"/>
-              </a:lnSpc>
-              <a:spcBef>
-                <a:spcPts val="500"/>
-              </a:spcBef>
-              <a:buFont typeface="Arial" panose="020B0604020202020204" pitchFamily="34" charset="0"/>
-              <a:buChar char="•"/>
-              <a:defRPr sz="2000" kern="1200">
-                <a:solidFill>
-                  <a:schemeClr val="tx1"/>
-                </a:solidFill>
-                <a:latin typeface="+mn-lt"/>
-                <a:ea typeface="+mn-ea"/>
-                <a:cs typeface="+mn-cs"/>
-              </a:defRPr>
-            </a:lvl3pPr>
-            <a:lvl4pPr marL="1600200" indent="-228600" algn="l" defTabSz="914400" rtl="0" eaLnBrk="1" latinLnBrk="0" hangingPunct="1">
-              <a:lnSpc>
-                <a:spcPct val="90000"/>
-              </a:lnSpc>
-              <a:spcBef>
-                <a:spcPts val="500"/>
-              </a:spcBef>
-              <a:buFont typeface="Arial" panose="020B0604020202020204" pitchFamily="34" charset="0"/>
-              <a:buChar char="•"/>
-              <a:defRPr sz="1800" kern="1200">
-                <a:solidFill>
-                  <a:schemeClr val="tx1"/>
-                </a:solidFill>
-                <a:latin typeface="+mn-lt"/>
-                <a:ea typeface="+mn-ea"/>
-                <a:cs typeface="+mn-cs"/>
-              </a:defRPr>
-            </a:lvl4pPr>
-            <a:lvl5pPr marL="2057400" indent="-228600" algn="l" defTabSz="914400" rtl="0" eaLnBrk="1" latinLnBrk="0" hangingPunct="1">
-              <a:lnSpc>
-                <a:spcPct val="90000"/>
-              </a:lnSpc>
-              <a:spcBef>
-                <a:spcPts val="500"/>
-              </a:spcBef>
-              <a:buFont typeface="Arial" panose="020B0604020202020204" pitchFamily="34" charset="0"/>
-              <a:buChar char="•"/>
-              <a:defRPr sz="1800" kern="1200">
-                <a:solidFill>
-                  <a:schemeClr val="tx1"/>
-                </a:solidFill>
-                <a:latin typeface="+mn-lt"/>
-                <a:ea typeface="+mn-ea"/>
-                <a:cs typeface="+mn-cs"/>
-              </a:defRPr>
-            </a:lvl5pPr>
-            <a:lvl6pPr marL="2514600" indent="-228600" algn="l" defTabSz="914400" rtl="0" eaLnBrk="1" latinLnBrk="0" hangingPunct="1">
-              <a:lnSpc>
-                <a:spcPct val="90000"/>
-              </a:lnSpc>
-              <a:spcBef>
-                <a:spcPts val="500"/>
-              </a:spcBef>
-              <a:buFont typeface="Arial" panose="020B0604020202020204" pitchFamily="34" charset="0"/>
-              <a:buChar char="•"/>
-              <a:defRPr sz="1800" kern="1200">
-                <a:solidFill>
-                  <a:schemeClr val="tx1"/>
-                </a:solidFill>
-                <a:latin typeface="+mn-lt"/>
-                <a:ea typeface="+mn-ea"/>
-                <a:cs typeface="+mn-cs"/>
-              </a:defRPr>
-            </a:lvl6pPr>
-            <a:lvl7pPr marL="2971800" indent="-228600" algn="l" defTabSz="914400" rtl="0" eaLnBrk="1" latinLnBrk="0" hangingPunct="1">
-              <a:lnSpc>
-                <a:spcPct val="90000"/>
-              </a:lnSpc>
-              <a:spcBef>
-                <a:spcPts val="500"/>
-              </a:spcBef>
-              <a:buFont typeface="Arial" panose="020B0604020202020204" pitchFamily="34" charset="0"/>
-              <a:buChar char="•"/>
-              <a:defRPr sz="1800" kern="1200">
-                <a:solidFill>
-                  <a:schemeClr val="tx1"/>
-                </a:solidFill>
-                <a:latin typeface="+mn-lt"/>
-                <a:ea typeface="+mn-ea"/>
-                <a:cs typeface="+mn-cs"/>
-              </a:defRPr>
-            </a:lvl7pPr>
-            <a:lvl8pPr marL="3429000" indent="-228600" algn="l" defTabSz="914400" rtl="0" eaLnBrk="1" latinLnBrk="0" hangingPunct="1">
-              <a:lnSpc>
-                <a:spcPct val="90000"/>
-              </a:lnSpc>
-              <a:spcBef>
-                <a:spcPts val="500"/>
-              </a:spcBef>
-              <a:buFont typeface="Arial" panose="020B0604020202020204" pitchFamily="34" charset="0"/>
-              <a:buChar char="•"/>
-              <a:defRPr sz="1800" kern="1200">
-                <a:solidFill>
-                  <a:schemeClr val="tx1"/>
-                </a:solidFill>
-                <a:latin typeface="+mn-lt"/>
-                <a:ea typeface="+mn-ea"/>
-                <a:cs typeface="+mn-cs"/>
-              </a:defRPr>
-            </a:lvl8pPr>
-            <a:lvl9pPr marL="3886200" indent="-228600" algn="l" defTabSz="914400" rtl="0" eaLnBrk="1" latinLnBrk="0" hangingPunct="1">
-              <a:lnSpc>
-                <a:spcPct val="90000"/>
-              </a:lnSpc>
-              <a:spcBef>
-                <a:spcPts val="500"/>
-              </a:spcBef>
-              <a:buFont typeface="Arial" panose="020B0604020202020204" pitchFamily="34" charset="0"/>
-              <a:buChar char="•"/>
-              <a:defRPr sz="1800" kern="1200">
-                <a:solidFill>
-                  <a:schemeClr val="tx1"/>
-                </a:solidFill>
-                <a:latin typeface="+mn-lt"/>
-                <a:ea typeface="+mn-ea"/>
-                <a:cs typeface="+mn-cs"/>
-              </a:defRPr>
-            </a:lvl9pPr>
-          </a:lstStyle>
-          <a:p>
-            <a:pPr marL="0" indent="0" algn="ctr">
-              <a:spcBef>
-                <a:spcPct val="0"/>
-              </a:spcBef>
-              <a:spcAft>
-                <a:spcPct val="0"/>
-              </a:spcAft>
-              <a:buNone/>
-            </a:pPr>
-            <a:fld id="{E385C8C0-7D8E-4C45-9E7F-5C376D21E2D7}" type="datetime'''U''''''''''''n''''''''''''defi''n''''''e''''''''''''d'''''''">
-              <a:rPr lang="en-US" altLang="en-US" sz="1100" smtClean="0">
-                <a:latin typeface="Corbel" panose="020B0503020204020204" pitchFamily="34" charset="0"/>
-              </a:rPr>
-              <a:pPr/>
-              <a:t>Undefined</a:t>
-            </a:fld>
-            <a:endParaRPr lang="en-US" sz="1100" dirty="0">
-              <a:latin typeface="Corbel" panose="020B0503020204020204" pitchFamily="34" charset="0"/>
-              <a:sym typeface="Corbel" panose="020B0503020204020204" pitchFamily="34" charset="0"/>
-            </a:endParaRPr>
-          </a:p>
-        </p:txBody>
-      </p:sp>
-      <p:sp>
-        <p:nvSpPr>
           <p:cNvPr id="268" name="Text Placeholder 2"/>
           <p:cNvSpPr>
             <a:spLocks noGrp="1"/>
           </p:cNvSpPr>
           <p:nvPr>
             <p:custDataLst>
-              <p:tags r:id="rId57"/>
+              <p:tags r:id="rId54"/>
             </p:custDataLst>
           </p:nvPr>
         </p:nvSpPr>
@@ -19677,13 +19030,467 @@
       </p:sp>
       <p:sp>
         <p:nvSpPr>
+          <p:cNvPr id="140" name="Text Placeholder 2"/>
+          <p:cNvSpPr>
+            <a:spLocks noGrp="1"/>
+          </p:cNvSpPr>
+          <p:nvPr>
+            <p:custDataLst>
+              <p:tags r:id="rId55"/>
+            </p:custDataLst>
+          </p:nvPr>
+        </p:nvSpPr>
+        <p:spPr bwMode="auto">
+          <a:xfrm>
+            <a:off x="2546350" y="5514975"/>
+            <a:ext cx="603250" cy="150813"/>
+          </a:xfrm>
+          <a:prstGeom prst="rect">
+            <a:avLst/>
+          </a:prstGeom>
+          <a:noFill/>
+          <a:ln>
+            <a:noFill/>
+          </a:ln>
+          <a:effectLst/>
+          <a:extLst>
+            <a:ext uri="{909E8E84-426E-40DD-AFC4-6F175D3DCCD1}">
+              <a14:hiddenFill xmlns:a14="http://schemas.microsoft.com/office/drawing/2010/main">
+                <a:solidFill>
+                  <a:scrgbClr r="0" g="0" b="0"/>
+                </a:solidFill>
+              </a14:hiddenFill>
+            </a:ext>
+          </a:extLst>
+        </p:spPr>
+        <p:txBody>
+          <a:bodyPr vert="horz" wrap="none" lIns="0" tIns="0" rIns="0" bIns="0" numCol="1" spcCol="0" rtlCol="0" anchor="t" anchorCtr="0">
+            <a:noAutofit/>
+          </a:bodyPr>
+          <a:lstStyle>
+            <a:lvl1pPr marL="228600" indent="-228600" algn="l" defTabSz="914400" rtl="0" eaLnBrk="1" latinLnBrk="0" hangingPunct="1">
+              <a:lnSpc>
+                <a:spcPct val="90000"/>
+              </a:lnSpc>
+              <a:spcBef>
+                <a:spcPts val="1000"/>
+              </a:spcBef>
+              <a:buFont typeface="Arial" panose="020B0604020202020204" pitchFamily="34" charset="0"/>
+              <a:buChar char="•"/>
+              <a:defRPr sz="2800" kern="1200">
+                <a:solidFill>
+                  <a:schemeClr val="tx1"/>
+                </a:solidFill>
+                <a:latin typeface="+mn-lt"/>
+                <a:ea typeface="+mn-ea"/>
+                <a:cs typeface="+mn-cs"/>
+              </a:defRPr>
+            </a:lvl1pPr>
+            <a:lvl2pPr marL="685800" indent="-228600" algn="l" defTabSz="914400" rtl="0" eaLnBrk="1" latinLnBrk="0" hangingPunct="1">
+              <a:lnSpc>
+                <a:spcPct val="90000"/>
+              </a:lnSpc>
+              <a:spcBef>
+                <a:spcPts val="500"/>
+              </a:spcBef>
+              <a:buFont typeface="Arial" panose="020B0604020202020204" pitchFamily="34" charset="0"/>
+              <a:buChar char="•"/>
+              <a:defRPr sz="2400" kern="1200">
+                <a:solidFill>
+                  <a:schemeClr val="tx1"/>
+                </a:solidFill>
+                <a:latin typeface="+mn-lt"/>
+                <a:ea typeface="+mn-ea"/>
+                <a:cs typeface="+mn-cs"/>
+              </a:defRPr>
+            </a:lvl2pPr>
+            <a:lvl3pPr marL="1143000" indent="-228600" algn="l" defTabSz="914400" rtl="0" eaLnBrk="1" latinLnBrk="0" hangingPunct="1">
+              <a:lnSpc>
+                <a:spcPct val="90000"/>
+              </a:lnSpc>
+              <a:spcBef>
+                <a:spcPts val="500"/>
+              </a:spcBef>
+              <a:buFont typeface="Arial" panose="020B0604020202020204" pitchFamily="34" charset="0"/>
+              <a:buChar char="•"/>
+              <a:defRPr sz="2000" kern="1200">
+                <a:solidFill>
+                  <a:schemeClr val="tx1"/>
+                </a:solidFill>
+                <a:latin typeface="+mn-lt"/>
+                <a:ea typeface="+mn-ea"/>
+                <a:cs typeface="+mn-cs"/>
+              </a:defRPr>
+            </a:lvl3pPr>
+            <a:lvl4pPr marL="1600200" indent="-228600" algn="l" defTabSz="914400" rtl="0" eaLnBrk="1" latinLnBrk="0" hangingPunct="1">
+              <a:lnSpc>
+                <a:spcPct val="90000"/>
+              </a:lnSpc>
+              <a:spcBef>
+                <a:spcPts val="500"/>
+              </a:spcBef>
+              <a:buFont typeface="Arial" panose="020B0604020202020204" pitchFamily="34" charset="0"/>
+              <a:buChar char="•"/>
+              <a:defRPr sz="1800" kern="1200">
+                <a:solidFill>
+                  <a:schemeClr val="tx1"/>
+                </a:solidFill>
+                <a:latin typeface="+mn-lt"/>
+                <a:ea typeface="+mn-ea"/>
+                <a:cs typeface="+mn-cs"/>
+              </a:defRPr>
+            </a:lvl4pPr>
+            <a:lvl5pPr marL="2057400" indent="-228600" algn="l" defTabSz="914400" rtl="0" eaLnBrk="1" latinLnBrk="0" hangingPunct="1">
+              <a:lnSpc>
+                <a:spcPct val="90000"/>
+              </a:lnSpc>
+              <a:spcBef>
+                <a:spcPts val="500"/>
+              </a:spcBef>
+              <a:buFont typeface="Arial" panose="020B0604020202020204" pitchFamily="34" charset="0"/>
+              <a:buChar char="•"/>
+              <a:defRPr sz="1800" kern="1200">
+                <a:solidFill>
+                  <a:schemeClr val="tx1"/>
+                </a:solidFill>
+                <a:latin typeface="+mn-lt"/>
+                <a:ea typeface="+mn-ea"/>
+                <a:cs typeface="+mn-cs"/>
+              </a:defRPr>
+            </a:lvl5pPr>
+            <a:lvl6pPr marL="2514600" indent="-228600" algn="l" defTabSz="914400" rtl="0" eaLnBrk="1" latinLnBrk="0" hangingPunct="1">
+              <a:lnSpc>
+                <a:spcPct val="90000"/>
+              </a:lnSpc>
+              <a:spcBef>
+                <a:spcPts val="500"/>
+              </a:spcBef>
+              <a:buFont typeface="Arial" panose="020B0604020202020204" pitchFamily="34" charset="0"/>
+              <a:buChar char="•"/>
+              <a:defRPr sz="1800" kern="1200">
+                <a:solidFill>
+                  <a:schemeClr val="tx1"/>
+                </a:solidFill>
+                <a:latin typeface="+mn-lt"/>
+                <a:ea typeface="+mn-ea"/>
+                <a:cs typeface="+mn-cs"/>
+              </a:defRPr>
+            </a:lvl6pPr>
+            <a:lvl7pPr marL="2971800" indent="-228600" algn="l" defTabSz="914400" rtl="0" eaLnBrk="1" latinLnBrk="0" hangingPunct="1">
+              <a:lnSpc>
+                <a:spcPct val="90000"/>
+              </a:lnSpc>
+              <a:spcBef>
+                <a:spcPts val="500"/>
+              </a:spcBef>
+              <a:buFont typeface="Arial" panose="020B0604020202020204" pitchFamily="34" charset="0"/>
+              <a:buChar char="•"/>
+              <a:defRPr sz="1800" kern="1200">
+                <a:solidFill>
+                  <a:schemeClr val="tx1"/>
+                </a:solidFill>
+                <a:latin typeface="+mn-lt"/>
+                <a:ea typeface="+mn-ea"/>
+                <a:cs typeface="+mn-cs"/>
+              </a:defRPr>
+            </a:lvl7pPr>
+            <a:lvl8pPr marL="3429000" indent="-228600" algn="l" defTabSz="914400" rtl="0" eaLnBrk="1" latinLnBrk="0" hangingPunct="1">
+              <a:lnSpc>
+                <a:spcPct val="90000"/>
+              </a:lnSpc>
+              <a:spcBef>
+                <a:spcPts val="500"/>
+              </a:spcBef>
+              <a:buFont typeface="Arial" panose="020B0604020202020204" pitchFamily="34" charset="0"/>
+              <a:buChar char="•"/>
+              <a:defRPr sz="1800" kern="1200">
+                <a:solidFill>
+                  <a:schemeClr val="tx1"/>
+                </a:solidFill>
+                <a:latin typeface="+mn-lt"/>
+                <a:ea typeface="+mn-ea"/>
+                <a:cs typeface="+mn-cs"/>
+              </a:defRPr>
+            </a:lvl8pPr>
+            <a:lvl9pPr marL="3886200" indent="-228600" algn="l" defTabSz="914400" rtl="0" eaLnBrk="1" latinLnBrk="0" hangingPunct="1">
+              <a:lnSpc>
+                <a:spcPct val="90000"/>
+              </a:lnSpc>
+              <a:spcBef>
+                <a:spcPts val="500"/>
+              </a:spcBef>
+              <a:buFont typeface="Arial" panose="020B0604020202020204" pitchFamily="34" charset="0"/>
+              <a:buChar char="•"/>
+              <a:defRPr sz="1800" kern="1200">
+                <a:solidFill>
+                  <a:schemeClr val="tx1"/>
+                </a:solidFill>
+                <a:latin typeface="+mn-lt"/>
+                <a:ea typeface="+mn-ea"/>
+                <a:cs typeface="+mn-cs"/>
+              </a:defRPr>
+            </a:lvl9pPr>
+          </a:lstStyle>
+          <a:p>
+            <a:pPr marL="0" indent="0" algn="ctr">
+              <a:spcBef>
+                <a:spcPct val="0"/>
+              </a:spcBef>
+              <a:spcAft>
+                <a:spcPct val="0"/>
+              </a:spcAft>
+              <a:buNone/>
+            </a:pPr>
+            <a:fld id="{46AA8566-B44B-4EBB-A6CC-18FF365CB7F0}" type="datetime'&gt;''50'''' ''Y''''e''ar''''''s'''''''''''' '''''''''">
+              <a:rPr lang="en-US" altLang="en-US" sz="1100" smtClean="0">
+                <a:latin typeface="Corbel" panose="020B0503020204020204" pitchFamily="34" charset="0"/>
+              </a:rPr>
+              <a:pPr/>
+              <a:t>&gt;50 Years </a:t>
+            </a:fld>
+            <a:endParaRPr lang="en-US" sz="1100" dirty="0">
+              <a:latin typeface="Corbel" panose="020B0503020204020204" pitchFamily="34" charset="0"/>
+              <a:sym typeface="Corbel" panose="020B0503020204020204" pitchFamily="34" charset="0"/>
+            </a:endParaRPr>
+          </a:p>
+        </p:txBody>
+      </p:sp>
+      <p:sp>
+        <p:nvSpPr>
+          <p:cNvPr id="137" name="Text Placeholder 2"/>
+          <p:cNvSpPr>
+            <a:spLocks noGrp="1"/>
+          </p:cNvSpPr>
+          <p:nvPr>
+            <p:custDataLst>
+              <p:tags r:id="rId56"/>
+            </p:custDataLst>
+          </p:nvPr>
+        </p:nvSpPr>
+        <p:spPr bwMode="auto">
+          <a:xfrm>
+            <a:off x="569913" y="5514975"/>
+            <a:ext cx="365125" cy="150813"/>
+          </a:xfrm>
+          <a:prstGeom prst="rect">
+            <a:avLst/>
+          </a:prstGeom>
+          <a:noFill/>
+          <a:ln>
+            <a:noFill/>
+          </a:ln>
+          <a:effectLst/>
+          <a:extLst>
+            <a:ext uri="{909E8E84-426E-40DD-AFC4-6F175D3DCCD1}">
+              <a14:hiddenFill xmlns:a14="http://schemas.microsoft.com/office/drawing/2010/main">
+                <a:solidFill>
+                  <a:scrgbClr r="0" g="0" b="0"/>
+                </a:solidFill>
+              </a14:hiddenFill>
+            </a:ext>
+          </a:extLst>
+        </p:spPr>
+        <p:txBody>
+          <a:bodyPr vert="horz" wrap="none" lIns="0" tIns="0" rIns="0" bIns="0" numCol="1" spcCol="0" rtlCol="0" anchor="t" anchorCtr="0">
+            <a:noAutofit/>
+          </a:bodyPr>
+          <a:lstStyle>
+            <a:lvl1pPr marL="228600" indent="-228600" algn="l" defTabSz="914400" rtl="0" eaLnBrk="1" latinLnBrk="0" hangingPunct="1">
+              <a:lnSpc>
+                <a:spcPct val="90000"/>
+              </a:lnSpc>
+              <a:spcBef>
+                <a:spcPts val="1000"/>
+              </a:spcBef>
+              <a:buFont typeface="Arial" panose="020B0604020202020204" pitchFamily="34" charset="0"/>
+              <a:buChar char="•"/>
+              <a:defRPr sz="2800" kern="1200">
+                <a:solidFill>
+                  <a:schemeClr val="tx1"/>
+                </a:solidFill>
+                <a:latin typeface="+mn-lt"/>
+                <a:ea typeface="+mn-ea"/>
+                <a:cs typeface="+mn-cs"/>
+              </a:defRPr>
+            </a:lvl1pPr>
+            <a:lvl2pPr marL="685800" indent="-228600" algn="l" defTabSz="914400" rtl="0" eaLnBrk="1" latinLnBrk="0" hangingPunct="1">
+              <a:lnSpc>
+                <a:spcPct val="90000"/>
+              </a:lnSpc>
+              <a:spcBef>
+                <a:spcPts val="500"/>
+              </a:spcBef>
+              <a:buFont typeface="Arial" panose="020B0604020202020204" pitchFamily="34" charset="0"/>
+              <a:buChar char="•"/>
+              <a:defRPr sz="2400" kern="1200">
+                <a:solidFill>
+                  <a:schemeClr val="tx1"/>
+                </a:solidFill>
+                <a:latin typeface="+mn-lt"/>
+                <a:ea typeface="+mn-ea"/>
+                <a:cs typeface="+mn-cs"/>
+              </a:defRPr>
+            </a:lvl2pPr>
+            <a:lvl3pPr marL="1143000" indent="-228600" algn="l" defTabSz="914400" rtl="0" eaLnBrk="1" latinLnBrk="0" hangingPunct="1">
+              <a:lnSpc>
+                <a:spcPct val="90000"/>
+              </a:lnSpc>
+              <a:spcBef>
+                <a:spcPts val="500"/>
+              </a:spcBef>
+              <a:buFont typeface="Arial" panose="020B0604020202020204" pitchFamily="34" charset="0"/>
+              <a:buChar char="•"/>
+              <a:defRPr sz="2000" kern="1200">
+                <a:solidFill>
+                  <a:schemeClr val="tx1"/>
+                </a:solidFill>
+                <a:latin typeface="+mn-lt"/>
+                <a:ea typeface="+mn-ea"/>
+                <a:cs typeface="+mn-cs"/>
+              </a:defRPr>
+            </a:lvl3pPr>
+            <a:lvl4pPr marL="1600200" indent="-228600" algn="l" defTabSz="914400" rtl="0" eaLnBrk="1" latinLnBrk="0" hangingPunct="1">
+              <a:lnSpc>
+                <a:spcPct val="90000"/>
+              </a:lnSpc>
+              <a:spcBef>
+                <a:spcPts val="500"/>
+              </a:spcBef>
+              <a:buFont typeface="Arial" panose="020B0604020202020204" pitchFamily="34" charset="0"/>
+              <a:buChar char="•"/>
+              <a:defRPr sz="1800" kern="1200">
+                <a:solidFill>
+                  <a:schemeClr val="tx1"/>
+                </a:solidFill>
+                <a:latin typeface="+mn-lt"/>
+                <a:ea typeface="+mn-ea"/>
+                <a:cs typeface="+mn-cs"/>
+              </a:defRPr>
+            </a:lvl4pPr>
+            <a:lvl5pPr marL="2057400" indent="-228600" algn="l" defTabSz="914400" rtl="0" eaLnBrk="1" latinLnBrk="0" hangingPunct="1">
+              <a:lnSpc>
+                <a:spcPct val="90000"/>
+              </a:lnSpc>
+              <a:spcBef>
+                <a:spcPts val="500"/>
+              </a:spcBef>
+              <a:buFont typeface="Arial" panose="020B0604020202020204" pitchFamily="34" charset="0"/>
+              <a:buChar char="•"/>
+              <a:defRPr sz="1800" kern="1200">
+                <a:solidFill>
+                  <a:schemeClr val="tx1"/>
+                </a:solidFill>
+                <a:latin typeface="+mn-lt"/>
+                <a:ea typeface="+mn-ea"/>
+                <a:cs typeface="+mn-cs"/>
+              </a:defRPr>
+            </a:lvl5pPr>
+            <a:lvl6pPr marL="2514600" indent="-228600" algn="l" defTabSz="914400" rtl="0" eaLnBrk="1" latinLnBrk="0" hangingPunct="1">
+              <a:lnSpc>
+                <a:spcPct val="90000"/>
+              </a:lnSpc>
+              <a:spcBef>
+                <a:spcPts val="500"/>
+              </a:spcBef>
+              <a:buFont typeface="Arial" panose="020B0604020202020204" pitchFamily="34" charset="0"/>
+              <a:buChar char="•"/>
+              <a:defRPr sz="1800" kern="1200">
+                <a:solidFill>
+                  <a:schemeClr val="tx1"/>
+                </a:solidFill>
+                <a:latin typeface="+mn-lt"/>
+                <a:ea typeface="+mn-ea"/>
+                <a:cs typeface="+mn-cs"/>
+              </a:defRPr>
+            </a:lvl6pPr>
+            <a:lvl7pPr marL="2971800" indent="-228600" algn="l" defTabSz="914400" rtl="0" eaLnBrk="1" latinLnBrk="0" hangingPunct="1">
+              <a:lnSpc>
+                <a:spcPct val="90000"/>
+              </a:lnSpc>
+              <a:spcBef>
+                <a:spcPts val="500"/>
+              </a:spcBef>
+              <a:buFont typeface="Arial" panose="020B0604020202020204" pitchFamily="34" charset="0"/>
+              <a:buChar char="•"/>
+              <a:defRPr sz="1800" kern="1200">
+                <a:solidFill>
+                  <a:schemeClr val="tx1"/>
+                </a:solidFill>
+                <a:latin typeface="+mn-lt"/>
+                <a:ea typeface="+mn-ea"/>
+                <a:cs typeface="+mn-cs"/>
+              </a:defRPr>
+            </a:lvl7pPr>
+            <a:lvl8pPr marL="3429000" indent="-228600" algn="l" defTabSz="914400" rtl="0" eaLnBrk="1" latinLnBrk="0" hangingPunct="1">
+              <a:lnSpc>
+                <a:spcPct val="90000"/>
+              </a:lnSpc>
+              <a:spcBef>
+                <a:spcPts val="500"/>
+              </a:spcBef>
+              <a:buFont typeface="Arial" panose="020B0604020202020204" pitchFamily="34" charset="0"/>
+              <a:buChar char="•"/>
+              <a:defRPr sz="1800" kern="1200">
+                <a:solidFill>
+                  <a:schemeClr val="tx1"/>
+                </a:solidFill>
+                <a:latin typeface="+mn-lt"/>
+                <a:ea typeface="+mn-ea"/>
+                <a:cs typeface="+mn-cs"/>
+              </a:defRPr>
+            </a:lvl8pPr>
+            <a:lvl9pPr marL="3886200" indent="-228600" algn="l" defTabSz="914400" rtl="0" eaLnBrk="1" latinLnBrk="0" hangingPunct="1">
+              <a:lnSpc>
+                <a:spcPct val="90000"/>
+              </a:lnSpc>
+              <a:spcBef>
+                <a:spcPts val="500"/>
+              </a:spcBef>
+              <a:buFont typeface="Arial" panose="020B0604020202020204" pitchFamily="34" charset="0"/>
+              <a:buChar char="•"/>
+              <a:defRPr sz="1800" kern="1200">
+                <a:solidFill>
+                  <a:schemeClr val="tx1"/>
+                </a:solidFill>
+                <a:latin typeface="+mn-lt"/>
+                <a:ea typeface="+mn-ea"/>
+                <a:cs typeface="+mn-cs"/>
+              </a:defRPr>
+            </a:lvl9pPr>
+          </a:lstStyle>
+          <a:p>
+            <a:pPr marL="0" indent="0" algn="ctr">
+              <a:spcBef>
+                <a:spcPct val="0"/>
+              </a:spcBef>
+              <a:spcAft>
+                <a:spcPct val="0"/>
+              </a:spcAft>
+              <a:buNone/>
+            </a:pPr>
+            <a:fld id="{387218C4-0D1B-4F13-AFC6-419A3860B7B0}" type="datetime'''''''''''''''C''''''''''o''u''n''''t'''''">
+              <a:rPr lang="en-US" altLang="en-US" sz="1100" smtClean="0">
+                <a:latin typeface="Corbel" panose="020B0503020204020204" pitchFamily="34" charset="0"/>
+              </a:rPr>
+              <a:pPr/>
+              <a:t>Count</a:t>
+            </a:fld>
+            <a:endParaRPr lang="en-US" sz="1100" dirty="0">
+              <a:latin typeface="Corbel" panose="020B0503020204020204" pitchFamily="34" charset="0"/>
+              <a:sym typeface="Corbel" panose="020B0503020204020204" pitchFamily="34" charset="0"/>
+            </a:endParaRPr>
+          </a:p>
+        </p:txBody>
+      </p:sp>
+      <p:sp>
+        <p:nvSpPr>
           <p:cNvPr id="270" name="Text Placeholder 2"/>
           <p:cNvSpPr>
             <a:spLocks noGrp="1"/>
           </p:cNvSpPr>
           <p:nvPr>
             <p:custDataLst>
-              <p:tags r:id="rId58"/>
+              <p:tags r:id="rId57"/>
             </p:custDataLst>
           </p:nvPr>
         </p:nvSpPr>
@@ -19904,6 +19711,233 @@
               <a:solidFill>
                 <a:schemeClr val="bg1"/>
               </a:solidFill>
+              <a:latin typeface="Corbel" panose="020B0503020204020204" pitchFamily="34" charset="0"/>
+              <a:sym typeface="Corbel" panose="020B0503020204020204" pitchFamily="34" charset="0"/>
+            </a:endParaRPr>
+          </a:p>
+        </p:txBody>
+      </p:sp>
+      <p:sp>
+        <p:nvSpPr>
+          <p:cNvPr id="172" name="Text Placeholder 2"/>
+          <p:cNvSpPr>
+            <a:spLocks noGrp="1"/>
+          </p:cNvSpPr>
+          <p:nvPr>
+            <p:custDataLst>
+              <p:tags r:id="rId58"/>
+            </p:custDataLst>
+          </p:nvPr>
+        </p:nvSpPr>
+        <p:spPr bwMode="auto">
+          <a:xfrm>
+            <a:off x="3238500" y="5514975"/>
+            <a:ext cx="617538" cy="150813"/>
+          </a:xfrm>
+          <a:prstGeom prst="rect">
+            <a:avLst/>
+          </a:prstGeom>
+          <a:noFill/>
+          <a:ln>
+            <a:noFill/>
+          </a:ln>
+          <a:effectLst/>
+          <a:extLst>
+            <a:ext uri="{909E8E84-426E-40DD-AFC4-6F175D3DCCD1}">
+              <a14:hiddenFill xmlns:a14="http://schemas.microsoft.com/office/drawing/2010/main">
+                <a:solidFill>
+                  <a:scrgbClr r="0" g="0" b="0"/>
+                </a:solidFill>
+              </a14:hiddenFill>
+            </a:ext>
+          </a:extLst>
+        </p:spPr>
+        <p:txBody>
+          <a:bodyPr vert="horz" wrap="none" lIns="0" tIns="0" rIns="0" bIns="0" numCol="1" spcCol="0" rtlCol="0" anchor="t" anchorCtr="0">
+            <a:noAutofit/>
+          </a:bodyPr>
+          <a:lstStyle>
+            <a:lvl1pPr marL="228600" indent="-228600" algn="l" defTabSz="914400" rtl="0" eaLnBrk="1" latinLnBrk="0" hangingPunct="1">
+              <a:lnSpc>
+                <a:spcPct val="90000"/>
+              </a:lnSpc>
+              <a:spcBef>
+                <a:spcPts val="1000"/>
+              </a:spcBef>
+              <a:buFont typeface="Arial" panose="020B0604020202020204" pitchFamily="34" charset="0"/>
+              <a:buChar char="•"/>
+              <a:defRPr sz="2800" kern="1200">
+                <a:solidFill>
+                  <a:schemeClr val="tx1"/>
+                </a:solidFill>
+                <a:latin typeface="+mn-lt"/>
+                <a:ea typeface="+mn-ea"/>
+                <a:cs typeface="+mn-cs"/>
+              </a:defRPr>
+            </a:lvl1pPr>
+            <a:lvl2pPr marL="685800" indent="-228600" algn="l" defTabSz="914400" rtl="0" eaLnBrk="1" latinLnBrk="0" hangingPunct="1">
+              <a:lnSpc>
+                <a:spcPct val="90000"/>
+              </a:lnSpc>
+              <a:spcBef>
+                <a:spcPts val="500"/>
+              </a:spcBef>
+              <a:buFont typeface="Arial" panose="020B0604020202020204" pitchFamily="34" charset="0"/>
+              <a:buChar char="•"/>
+              <a:defRPr sz="2400" kern="1200">
+                <a:solidFill>
+                  <a:schemeClr val="tx1"/>
+                </a:solidFill>
+                <a:latin typeface="+mn-lt"/>
+                <a:ea typeface="+mn-ea"/>
+                <a:cs typeface="+mn-cs"/>
+              </a:defRPr>
+            </a:lvl2pPr>
+            <a:lvl3pPr marL="1143000" indent="-228600" algn="l" defTabSz="914400" rtl="0" eaLnBrk="1" latinLnBrk="0" hangingPunct="1">
+              <a:lnSpc>
+                <a:spcPct val="90000"/>
+              </a:lnSpc>
+              <a:spcBef>
+                <a:spcPts val="500"/>
+              </a:spcBef>
+              <a:buFont typeface="Arial" panose="020B0604020202020204" pitchFamily="34" charset="0"/>
+              <a:buChar char="•"/>
+              <a:defRPr sz="2000" kern="1200">
+                <a:solidFill>
+                  <a:schemeClr val="tx1"/>
+                </a:solidFill>
+                <a:latin typeface="+mn-lt"/>
+                <a:ea typeface="+mn-ea"/>
+                <a:cs typeface="+mn-cs"/>
+              </a:defRPr>
+            </a:lvl3pPr>
+            <a:lvl4pPr marL="1600200" indent="-228600" algn="l" defTabSz="914400" rtl="0" eaLnBrk="1" latinLnBrk="0" hangingPunct="1">
+              <a:lnSpc>
+                <a:spcPct val="90000"/>
+              </a:lnSpc>
+              <a:spcBef>
+                <a:spcPts val="500"/>
+              </a:spcBef>
+              <a:buFont typeface="Arial" panose="020B0604020202020204" pitchFamily="34" charset="0"/>
+              <a:buChar char="•"/>
+              <a:defRPr sz="1800" kern="1200">
+                <a:solidFill>
+                  <a:schemeClr val="tx1"/>
+                </a:solidFill>
+                <a:latin typeface="+mn-lt"/>
+                <a:ea typeface="+mn-ea"/>
+                <a:cs typeface="+mn-cs"/>
+              </a:defRPr>
+            </a:lvl4pPr>
+            <a:lvl5pPr marL="2057400" indent="-228600" algn="l" defTabSz="914400" rtl="0" eaLnBrk="1" latinLnBrk="0" hangingPunct="1">
+              <a:lnSpc>
+                <a:spcPct val="90000"/>
+              </a:lnSpc>
+              <a:spcBef>
+                <a:spcPts val="500"/>
+              </a:spcBef>
+              <a:buFont typeface="Arial" panose="020B0604020202020204" pitchFamily="34" charset="0"/>
+              <a:buChar char="•"/>
+              <a:defRPr sz="1800" kern="1200">
+                <a:solidFill>
+                  <a:schemeClr val="tx1"/>
+                </a:solidFill>
+                <a:latin typeface="+mn-lt"/>
+                <a:ea typeface="+mn-ea"/>
+                <a:cs typeface="+mn-cs"/>
+              </a:defRPr>
+            </a:lvl5pPr>
+            <a:lvl6pPr marL="2514600" indent="-228600" algn="l" defTabSz="914400" rtl="0" eaLnBrk="1" latinLnBrk="0" hangingPunct="1">
+              <a:lnSpc>
+                <a:spcPct val="90000"/>
+              </a:lnSpc>
+              <a:spcBef>
+                <a:spcPts val="500"/>
+              </a:spcBef>
+              <a:buFont typeface="Arial" panose="020B0604020202020204" pitchFamily="34" charset="0"/>
+              <a:buChar char="•"/>
+              <a:defRPr sz="1800" kern="1200">
+                <a:solidFill>
+                  <a:schemeClr val="tx1"/>
+                </a:solidFill>
+                <a:latin typeface="+mn-lt"/>
+                <a:ea typeface="+mn-ea"/>
+                <a:cs typeface="+mn-cs"/>
+              </a:defRPr>
+            </a:lvl6pPr>
+            <a:lvl7pPr marL="2971800" indent="-228600" algn="l" defTabSz="914400" rtl="0" eaLnBrk="1" latinLnBrk="0" hangingPunct="1">
+              <a:lnSpc>
+                <a:spcPct val="90000"/>
+              </a:lnSpc>
+              <a:spcBef>
+                <a:spcPts val="500"/>
+              </a:spcBef>
+              <a:buFont typeface="Arial" panose="020B0604020202020204" pitchFamily="34" charset="0"/>
+              <a:buChar char="•"/>
+              <a:defRPr sz="1800" kern="1200">
+                <a:solidFill>
+                  <a:schemeClr val="tx1"/>
+                </a:solidFill>
+                <a:latin typeface="+mn-lt"/>
+                <a:ea typeface="+mn-ea"/>
+                <a:cs typeface="+mn-cs"/>
+              </a:defRPr>
+            </a:lvl7pPr>
+            <a:lvl8pPr marL="3429000" indent="-228600" algn="l" defTabSz="914400" rtl="0" eaLnBrk="1" latinLnBrk="0" hangingPunct="1">
+              <a:lnSpc>
+                <a:spcPct val="90000"/>
+              </a:lnSpc>
+              <a:spcBef>
+                <a:spcPts val="500"/>
+              </a:spcBef>
+              <a:buFont typeface="Arial" panose="020B0604020202020204" pitchFamily="34" charset="0"/>
+              <a:buChar char="•"/>
+              <a:defRPr sz="1800" kern="1200">
+                <a:solidFill>
+                  <a:schemeClr val="tx1"/>
+                </a:solidFill>
+                <a:latin typeface="+mn-lt"/>
+                <a:ea typeface="+mn-ea"/>
+                <a:cs typeface="+mn-cs"/>
+              </a:defRPr>
+            </a:lvl8pPr>
+            <a:lvl9pPr marL="3886200" indent="-228600" algn="l" defTabSz="914400" rtl="0" eaLnBrk="1" latinLnBrk="0" hangingPunct="1">
+              <a:lnSpc>
+                <a:spcPct val="90000"/>
+              </a:lnSpc>
+              <a:spcBef>
+                <a:spcPts val="500"/>
+              </a:spcBef>
+              <a:buFont typeface="Arial" panose="020B0604020202020204" pitchFamily="34" charset="0"/>
+              <a:buChar char="•"/>
+              <a:defRPr sz="1800" kern="1200">
+                <a:solidFill>
+                  <a:schemeClr val="tx1"/>
+                </a:solidFill>
+                <a:latin typeface="+mn-lt"/>
+                <a:ea typeface="+mn-ea"/>
+                <a:cs typeface="+mn-cs"/>
+              </a:defRPr>
+            </a:lvl9pPr>
+          </a:lstStyle>
+          <a:p>
+            <a:pPr marL="0" indent="0" algn="ctr">
+              <a:spcBef>
+                <a:spcPct val="0"/>
+              </a:spcBef>
+              <a:spcAft>
+                <a:spcPct val="0"/>
+              </a:spcAft>
+              <a:buNone/>
+            </a:pPr>
+            <a:fld id="{E385C8C0-7D8E-4C45-9E7F-5C376D21E2D7}" type="datetime'''U''''''''''''n''''''''''''defi''n''''''e''''''''''''d'''''''">
+              <a:rPr lang="en-US" altLang="en-US" sz="1100" smtClean="0">
+                <a:latin typeface="Corbel" panose="020B0503020204020204" pitchFamily="34" charset="0"/>
+              </a:rPr>
+              <a:pPr/>
+              <a:t>Undefined</a:t>
+            </a:fld>
+            <a:endParaRPr lang="en-US" sz="1100" dirty="0">
               <a:latin typeface="Corbel" panose="020B0503020204020204" pitchFamily="34" charset="0"/>
               <a:sym typeface="Corbel" panose="020B0503020204020204" pitchFamily="34" charset="0"/>
             </a:endParaRPr>
@@ -19963,7 +19997,7 @@
           <p:nvPr>
             <p:extLst>
               <p:ext uri="{D42A27DB-BD31-4B8C-83A1-F6EECF244321}">
-                <p14:modId xmlns:p14="http://schemas.microsoft.com/office/powerpoint/2010/main" val="857133602"/>
+                <p14:modId xmlns:p14="http://schemas.microsoft.com/office/powerpoint/2010/main" val="2470679282"/>
               </p:ext>
             </p:extLst>
           </p:nvPr>
@@ -20274,7 +20308,7 @@
           <a:graphicData uri="http://schemas.openxmlformats.org/presentationml/2006/ole">
             <mc:AlternateContent xmlns:mc="http://schemas.openxmlformats.org/markup-compatibility/2006">
               <mc:Choice xmlns:v="urn:schemas-microsoft-com:vml" Requires="v">
-                <p:oleObj spid="_x0000_s12331" name="think-cell Slide" r:id="rId50" imgW="444" imgH="443" progId="TCLayout.ActiveDocument.1">
+                <p:oleObj spid="_x0000_s12356" name="think-cell Slide" r:id="rId50" imgW="444" imgH="443" progId="TCLayout.ActiveDocument.1">
                   <p:embed/>
                 </p:oleObj>
               </mc:Choice>
@@ -20324,7 +20358,7 @@
           <p:nvPr>
             <p:extLst>
               <p:ext uri="{D42A27DB-BD31-4B8C-83A1-F6EECF244321}">
-                <p14:modId xmlns:p14="http://schemas.microsoft.com/office/powerpoint/2010/main" val="686848482"/>
+                <p14:modId xmlns:p14="http://schemas.microsoft.com/office/powerpoint/2010/main" val="634444422"/>
               </p:ext>
             </p:extLst>
           </p:nvPr>
@@ -20379,6 +20413,7 @@
                       <a:r>
                         <a:rPr lang="en-US" sz="1100" u="none" strike="noStrike" dirty="0" smtClean="0">
                           <a:effectLst/>
+                          <a:latin typeface="Corbel" panose="020B0503020204020204" pitchFamily="34" charset="0"/>
                         </a:rPr>
                         <a:t>Occupation</a:t>
                       </a:r>
@@ -20402,11 +20437,13 @@
                       <a:r>
                         <a:rPr lang="en-US" sz="1100" u="none" strike="noStrike" dirty="0">
                           <a:effectLst/>
+                          <a:latin typeface="Corbel" panose="020B0503020204020204" pitchFamily="34" charset="0"/>
                         </a:rPr>
                         <a:t>&lt;=28days </a:t>
                       </a:r>
                       <a:endParaRPr lang="en-US" sz="1100" u="none" strike="noStrike" dirty="0" smtClean="0">
                         <a:effectLst/>
+                        <a:latin typeface="Corbel" panose="020B0503020204020204" pitchFamily="34" charset="0"/>
                       </a:endParaRPr>
                     </a:p>
                     <a:p>
@@ -20414,12 +20451,14 @@
                       <a:r>
                         <a:rPr lang="en-US" sz="1100" u="none" strike="noStrike" dirty="0" smtClean="0">
                           <a:effectLst/>
+                          <a:latin typeface="Corbel" panose="020B0503020204020204" pitchFamily="34" charset="0"/>
                         </a:rPr>
                         <a:t>(</a:t>
                       </a:r>
                       <a:r>
                         <a:rPr lang="en-US" sz="1100" u="none" strike="noStrike" dirty="0">
                           <a:effectLst/>
+                          <a:latin typeface="Corbel" panose="020B0503020204020204" pitchFamily="34" charset="0"/>
                         </a:rPr>
                         <a:t>Early Return)</a:t>
                       </a:r>
@@ -20443,11 +20482,13 @@
                       <a:r>
                         <a:rPr lang="en-US" sz="1100" u="none" strike="noStrike" dirty="0">
                           <a:effectLst/>
+                          <a:latin typeface="Corbel" panose="020B0503020204020204" pitchFamily="34" charset="0"/>
                         </a:rPr>
                         <a:t>&gt;28days </a:t>
                       </a:r>
                       <a:endParaRPr lang="en-US" sz="1100" u="none" strike="noStrike" dirty="0" smtClean="0">
                         <a:effectLst/>
+                        <a:latin typeface="Corbel" panose="020B0503020204020204" pitchFamily="34" charset="0"/>
                       </a:endParaRPr>
                     </a:p>
                     <a:p>
@@ -20455,12 +20496,14 @@
                       <a:r>
                         <a:rPr lang="en-US" sz="1100" u="none" strike="noStrike" dirty="0" smtClean="0">
                           <a:effectLst/>
+                          <a:latin typeface="Corbel" panose="020B0503020204020204" pitchFamily="34" charset="0"/>
                         </a:rPr>
                         <a:t>(</a:t>
                       </a:r>
                       <a:r>
                         <a:rPr lang="en-US" sz="1100" u="none" strike="noStrike" dirty="0">
                           <a:effectLst/>
+                          <a:latin typeface="Corbel" panose="020B0503020204020204" pitchFamily="34" charset="0"/>
                         </a:rPr>
                         <a:t>Late Return)</a:t>
                       </a:r>
@@ -20484,8 +20527,9 @@
                       <a:r>
                         <a:rPr lang="en-US" sz="1100" u="none" strike="noStrike" dirty="0" smtClean="0">
                           <a:effectLst/>
+                          <a:latin typeface="Corbel" panose="020B0503020204020204" pitchFamily="34" charset="0"/>
                         </a:rPr>
-                        <a:t>Undefined</a:t>
+                        <a:t>Total</a:t>
                       </a:r>
                       <a:endParaRPr lang="en-US" sz="1100" b="1" i="0" u="none" strike="noStrike" dirty="0">
                         <a:solidFill>
@@ -20512,33 +20556,11 @@
                     <a:p>
                       <a:pPr algn="l" fontAlgn="b"/>
                       <a:r>
-                        <a:rPr lang="en-US" sz="1100" u="none" strike="noStrike">
+                        <a:rPr lang="en-US" sz="1100" u="none" strike="noStrike" dirty="0">
                           <a:effectLst/>
+                          <a:latin typeface="Corbel" panose="020B0503020204020204" pitchFamily="34" charset="0"/>
                         </a:rPr>
                         <a:t>Admin &amp; Support</a:t>
-                      </a:r>
-                      <a:endParaRPr lang="en-US" sz="1100" b="0" i="0" u="none" strike="noStrike">
-                        <a:solidFill>
-                          <a:srgbClr val="000000"/>
-                        </a:solidFill>
-                        <a:effectLst/>
-                        <a:latin typeface="Corbel" panose="020B0503020204020204" pitchFamily="34" charset="0"/>
-                      </a:endParaRPr>
-                    </a:p>
-                  </a:txBody>
-                  <a:tcPr marL="9525" marR="9525" marT="9525" marB="0" anchor="b"/>
-                </a:tc>
-                <a:tc>
-                  <a:txBody>
-                    <a:bodyPr/>
-                    <a:lstStyle/>
-                    <a:p>
-                      <a:pPr algn="r" fontAlgn="b"/>
-                      <a:r>
-                        <a:rPr lang="en-US" sz="1100" u="none" strike="noStrike" dirty="0">
-                          <a:effectLst/>
-                        </a:rPr>
-                        <a:t>194</a:t>
                       </a:r>
                       <a:endParaRPr lang="en-US" sz="1100" b="0" i="0" u="none" strike="noStrike" dirty="0">
                         <a:solidFill>
@@ -20558,705 +20580,13 @@
                     <a:p>
                       <a:pPr algn="r" fontAlgn="b"/>
                       <a:r>
-                        <a:rPr lang="en-US" sz="1100" u="none" strike="noStrike">
+                        <a:rPr lang="en-US" sz="1100" u="none" strike="noStrike" dirty="0" smtClean="0">
                           <a:effectLst/>
+                          <a:latin typeface="Corbel" panose="020B0503020204020204" pitchFamily="34" charset="0"/>
                         </a:rPr>
-                        <a:t>21</a:t>
+                        <a:t>194 (90%)</a:t>
                       </a:r>
-                      <a:endParaRPr lang="en-US" sz="1100" b="0" i="0" u="none" strike="noStrike">
-                        <a:solidFill>
-                          <a:srgbClr val="000000"/>
-                        </a:solidFill>
-                        <a:effectLst/>
-                        <a:latin typeface="Corbel" panose="020B0503020204020204" pitchFamily="34" charset="0"/>
-                      </a:endParaRPr>
-                    </a:p>
-                  </a:txBody>
-                  <a:tcPr marL="9525" marR="9525" marT="9525" marB="0" anchor="b"/>
-                </a:tc>
-                <a:tc>
-                  <a:txBody>
-                    <a:bodyPr/>
-                    <a:lstStyle/>
-                    <a:p>
-                      <a:pPr algn="r" fontAlgn="b"/>
-                      <a:r>
-                        <a:rPr lang="en-US" sz="1100" u="none" strike="noStrike">
-                          <a:effectLst/>
-                        </a:rPr>
-                        <a:t>86</a:t>
-                      </a:r>
-                      <a:endParaRPr lang="en-US" sz="1100" b="0" i="0" u="none" strike="noStrike">
-                        <a:solidFill>
-                          <a:srgbClr val="000000"/>
-                        </a:solidFill>
-                        <a:effectLst/>
-                        <a:latin typeface="Corbel" panose="020B0503020204020204" pitchFamily="34" charset="0"/>
-                      </a:endParaRPr>
-                    </a:p>
-                  </a:txBody>
-                  <a:tcPr marL="9525" marR="9525" marT="9525" marB="0" anchor="b"/>
-                </a:tc>
-                <a:extLst>
-                  <a:ext uri="{0D108BD9-81ED-4DB2-BD59-A6C34878D82A}">
-                    <a16:rowId xmlns:a16="http://schemas.microsoft.com/office/drawing/2014/main" val="2165806104"/>
-                  </a:ext>
-                </a:extLst>
-              </a:tr>
-              <a:tr h="103475">
-                <a:tc>
-                  <a:txBody>
-                    <a:bodyPr/>
-                    <a:lstStyle/>
-                    <a:p>
-                      <a:pPr algn="l" fontAlgn="b"/>
-                      <a:r>
-                        <a:rPr lang="en-US" sz="1100" u="none" strike="noStrike">
-                          <a:effectLst/>
-                        </a:rPr>
-                        <a:t>Blue Collar</a:t>
-                      </a:r>
-                      <a:endParaRPr lang="en-US" sz="1100" b="0" i="0" u="none" strike="noStrike">
-                        <a:solidFill>
-                          <a:srgbClr val="000000"/>
-                        </a:solidFill>
-                        <a:effectLst/>
-                        <a:latin typeface="Corbel" panose="020B0503020204020204" pitchFamily="34" charset="0"/>
-                      </a:endParaRPr>
-                    </a:p>
-                  </a:txBody>
-                  <a:tcPr marL="9525" marR="9525" marT="9525" marB="0" anchor="b"/>
-                </a:tc>
-                <a:tc>
-                  <a:txBody>
-                    <a:bodyPr/>
-                    <a:lstStyle/>
-                    <a:p>
-                      <a:pPr algn="r" fontAlgn="b"/>
-                      <a:r>
-                        <a:rPr lang="en-US" sz="1100" u="none" strike="noStrike">
-                          <a:effectLst/>
-                        </a:rPr>
-                        <a:t>170</a:t>
-                      </a:r>
-                      <a:endParaRPr lang="en-US" sz="1100" b="0" i="0" u="none" strike="noStrike">
-                        <a:solidFill>
-                          <a:srgbClr val="000000"/>
-                        </a:solidFill>
-                        <a:effectLst/>
-                        <a:latin typeface="Corbel" panose="020B0503020204020204" pitchFamily="34" charset="0"/>
-                      </a:endParaRPr>
-                    </a:p>
-                  </a:txBody>
-                  <a:tcPr marL="9525" marR="9525" marT="9525" marB="0" anchor="b"/>
-                </a:tc>
-                <a:tc>
-                  <a:txBody>
-                    <a:bodyPr/>
-                    <a:lstStyle/>
-                    <a:p>
-                      <a:pPr algn="r" fontAlgn="b"/>
-                      <a:r>
-                        <a:rPr lang="en-US" sz="1100" u="none" strike="noStrike">
-                          <a:effectLst/>
-                        </a:rPr>
-                        <a:t>15</a:t>
-                      </a:r>
-                      <a:endParaRPr lang="en-US" sz="1100" b="0" i="0" u="none" strike="noStrike">
-                        <a:solidFill>
-                          <a:srgbClr val="000000"/>
-                        </a:solidFill>
-                        <a:effectLst/>
-                        <a:latin typeface="Corbel" panose="020B0503020204020204" pitchFamily="34" charset="0"/>
-                      </a:endParaRPr>
-                    </a:p>
-                  </a:txBody>
-                  <a:tcPr marL="9525" marR="9525" marT="9525" marB="0" anchor="b"/>
-                </a:tc>
-                <a:tc>
-                  <a:txBody>
-                    <a:bodyPr/>
-                    <a:lstStyle/>
-                    <a:p>
-                      <a:pPr algn="r" fontAlgn="b"/>
-                      <a:r>
-                        <a:rPr lang="en-US" sz="1100" u="none" strike="noStrike">
-                          <a:effectLst/>
-                        </a:rPr>
-                        <a:t>80</a:t>
-                      </a:r>
-                      <a:endParaRPr lang="en-US" sz="1100" b="0" i="0" u="none" strike="noStrike">
-                        <a:solidFill>
-                          <a:srgbClr val="000000"/>
-                        </a:solidFill>
-                        <a:effectLst/>
-                        <a:latin typeface="Corbel" panose="020B0503020204020204" pitchFamily="34" charset="0"/>
-                      </a:endParaRPr>
-                    </a:p>
-                  </a:txBody>
-                  <a:tcPr marL="9525" marR="9525" marT="9525" marB="0" anchor="b"/>
-                </a:tc>
-                <a:extLst>
-                  <a:ext uri="{0D108BD9-81ED-4DB2-BD59-A6C34878D82A}">
-                    <a16:rowId xmlns:a16="http://schemas.microsoft.com/office/drawing/2014/main" val="1850696048"/>
-                  </a:ext>
-                </a:extLst>
-              </a:tr>
-              <a:tr h="201387">
-                <a:tc>
-                  <a:txBody>
-                    <a:bodyPr/>
-                    <a:lstStyle/>
-                    <a:p>
-                      <a:pPr algn="l" fontAlgn="b"/>
-                      <a:r>
-                        <a:rPr lang="en-US" sz="1100" u="none" strike="noStrike">
-                          <a:effectLst/>
-                        </a:rPr>
-                        <a:t>Business &amp; Finance</a:t>
-                      </a:r>
-                      <a:endParaRPr lang="en-US" sz="1100" b="0" i="0" u="none" strike="noStrike">
-                        <a:solidFill>
-                          <a:srgbClr val="000000"/>
-                        </a:solidFill>
-                        <a:effectLst/>
-                        <a:latin typeface="Corbel" panose="020B0503020204020204" pitchFamily="34" charset="0"/>
-                      </a:endParaRPr>
-                    </a:p>
-                  </a:txBody>
-                  <a:tcPr marL="9525" marR="9525" marT="9525" marB="0" anchor="b"/>
-                </a:tc>
-                <a:tc>
-                  <a:txBody>
-                    <a:bodyPr/>
-                    <a:lstStyle/>
-                    <a:p>
-                      <a:pPr algn="r" fontAlgn="b"/>
-                      <a:r>
-                        <a:rPr lang="en-US" sz="1100" u="none" strike="noStrike">
-                          <a:effectLst/>
-                        </a:rPr>
-                        <a:t>171</a:t>
-                      </a:r>
-                      <a:endParaRPr lang="en-US" sz="1100" b="0" i="0" u="none" strike="noStrike">
-                        <a:solidFill>
-                          <a:srgbClr val="000000"/>
-                        </a:solidFill>
-                        <a:effectLst/>
-                        <a:latin typeface="Corbel" panose="020B0503020204020204" pitchFamily="34" charset="0"/>
-                      </a:endParaRPr>
-                    </a:p>
-                  </a:txBody>
-                  <a:tcPr marL="9525" marR="9525" marT="9525" marB="0" anchor="b"/>
-                </a:tc>
-                <a:tc>
-                  <a:txBody>
-                    <a:bodyPr/>
-                    <a:lstStyle/>
-                    <a:p>
-                      <a:pPr algn="r" fontAlgn="b"/>
-                      <a:r>
-                        <a:rPr lang="en-US" sz="1100" u="none" strike="noStrike">
-                          <a:effectLst/>
-                        </a:rPr>
-                        <a:t>23</a:t>
-                      </a:r>
-                      <a:endParaRPr lang="en-US" sz="1100" b="0" i="0" u="none" strike="noStrike">
-                        <a:solidFill>
-                          <a:srgbClr val="000000"/>
-                        </a:solidFill>
-                        <a:effectLst/>
-                        <a:latin typeface="Corbel" panose="020B0503020204020204" pitchFamily="34" charset="0"/>
-                      </a:endParaRPr>
-                    </a:p>
-                  </a:txBody>
-                  <a:tcPr marL="9525" marR="9525" marT="9525" marB="0" anchor="b"/>
-                </a:tc>
-                <a:tc>
-                  <a:txBody>
-                    <a:bodyPr/>
-                    <a:lstStyle/>
-                    <a:p>
-                      <a:pPr algn="r" fontAlgn="b"/>
-                      <a:r>
-                        <a:rPr lang="en-US" sz="1100" u="none" strike="noStrike">
-                          <a:effectLst/>
-                        </a:rPr>
-                        <a:t>65</a:t>
-                      </a:r>
-                      <a:endParaRPr lang="en-US" sz="1100" b="0" i="0" u="none" strike="noStrike">
-                        <a:solidFill>
-                          <a:srgbClr val="000000"/>
-                        </a:solidFill>
-                        <a:effectLst/>
-                        <a:latin typeface="Corbel" panose="020B0503020204020204" pitchFamily="34" charset="0"/>
-                      </a:endParaRPr>
-                    </a:p>
-                  </a:txBody>
-                  <a:tcPr marL="9525" marR="9525" marT="9525" marB="0" anchor="b"/>
-                </a:tc>
-                <a:extLst>
-                  <a:ext uri="{0D108BD9-81ED-4DB2-BD59-A6C34878D82A}">
-                    <a16:rowId xmlns:a16="http://schemas.microsoft.com/office/drawing/2014/main" val="754948889"/>
-                  </a:ext>
-                </a:extLst>
-              </a:tr>
-              <a:tr h="201387">
-                <a:tc>
-                  <a:txBody>
-                    <a:bodyPr/>
-                    <a:lstStyle/>
-                    <a:p>
-                      <a:pPr algn="l" fontAlgn="b"/>
-                      <a:r>
-                        <a:rPr lang="en-US" sz="1100" u="none" strike="noStrike">
-                          <a:effectLst/>
-                        </a:rPr>
-                        <a:t>Education &amp; Health</a:t>
-                      </a:r>
-                      <a:endParaRPr lang="en-US" sz="1100" b="0" i="0" u="none" strike="noStrike">
-                        <a:solidFill>
-                          <a:srgbClr val="000000"/>
-                        </a:solidFill>
-                        <a:effectLst/>
-                        <a:latin typeface="Corbel" panose="020B0503020204020204" pitchFamily="34" charset="0"/>
-                      </a:endParaRPr>
-                    </a:p>
-                  </a:txBody>
-                  <a:tcPr marL="9525" marR="9525" marT="9525" marB="0" anchor="b"/>
-                </a:tc>
-                <a:tc>
-                  <a:txBody>
-                    <a:bodyPr/>
-                    <a:lstStyle/>
-                    <a:p>
-                      <a:pPr algn="r" fontAlgn="b"/>
-                      <a:r>
-                        <a:rPr lang="en-US" sz="1100" u="none" strike="noStrike">
-                          <a:effectLst/>
-                        </a:rPr>
-                        <a:t>191</a:t>
-                      </a:r>
-                      <a:endParaRPr lang="en-US" sz="1100" b="0" i="0" u="none" strike="noStrike">
-                        <a:solidFill>
-                          <a:srgbClr val="000000"/>
-                        </a:solidFill>
-                        <a:effectLst/>
-                        <a:latin typeface="Corbel" panose="020B0503020204020204" pitchFamily="34" charset="0"/>
-                      </a:endParaRPr>
-                    </a:p>
-                  </a:txBody>
-                  <a:tcPr marL="9525" marR="9525" marT="9525" marB="0" anchor="b"/>
-                </a:tc>
-                <a:tc>
-                  <a:txBody>
-                    <a:bodyPr/>
-                    <a:lstStyle/>
-                    <a:p>
-                      <a:pPr algn="r" fontAlgn="b"/>
-                      <a:r>
-                        <a:rPr lang="en-US" sz="1100" u="none" strike="noStrike">
-                          <a:effectLst/>
-                        </a:rPr>
-                        <a:t>17</a:t>
-                      </a:r>
-                      <a:endParaRPr lang="en-US" sz="1100" b="0" i="0" u="none" strike="noStrike">
-                        <a:solidFill>
-                          <a:srgbClr val="000000"/>
-                        </a:solidFill>
-                        <a:effectLst/>
-                        <a:latin typeface="Corbel" panose="020B0503020204020204" pitchFamily="34" charset="0"/>
-                      </a:endParaRPr>
-                    </a:p>
-                  </a:txBody>
-                  <a:tcPr marL="9525" marR="9525" marT="9525" marB="0" anchor="b"/>
-                </a:tc>
-                <a:tc>
-                  <a:txBody>
-                    <a:bodyPr/>
-                    <a:lstStyle/>
-                    <a:p>
-                      <a:pPr algn="r" fontAlgn="b"/>
-                      <a:r>
-                        <a:rPr lang="en-US" sz="1100" u="none" strike="noStrike">
-                          <a:effectLst/>
-                        </a:rPr>
-                        <a:t>67</a:t>
-                      </a:r>
-                      <a:endParaRPr lang="en-US" sz="1100" b="0" i="0" u="none" strike="noStrike">
-                        <a:solidFill>
-                          <a:srgbClr val="000000"/>
-                        </a:solidFill>
-                        <a:effectLst/>
-                        <a:latin typeface="Corbel" panose="020B0503020204020204" pitchFamily="34" charset="0"/>
-                      </a:endParaRPr>
-                    </a:p>
-                  </a:txBody>
-                  <a:tcPr marL="9525" marR="9525" marT="9525" marB="0" anchor="b"/>
-                </a:tc>
-                <a:extLst>
-                  <a:ext uri="{0D108BD9-81ED-4DB2-BD59-A6C34878D82A}">
-                    <a16:rowId xmlns:a16="http://schemas.microsoft.com/office/drawing/2014/main" val="3620029822"/>
-                  </a:ext>
-                </a:extLst>
-              </a:tr>
-              <a:tr h="223752">
-                <a:tc>
-                  <a:txBody>
-                    <a:bodyPr/>
-                    <a:lstStyle/>
-                    <a:p>
-                      <a:pPr algn="l" fontAlgn="b"/>
-                      <a:r>
-                        <a:rPr lang="en-US" sz="1100" u="none" strike="noStrike">
-                          <a:effectLst/>
-                        </a:rPr>
-                        <a:t>Others</a:t>
-                      </a:r>
-                      <a:endParaRPr lang="en-US" sz="1100" b="0" i="0" u="none" strike="noStrike">
-                        <a:solidFill>
-                          <a:srgbClr val="000000"/>
-                        </a:solidFill>
-                        <a:effectLst/>
-                        <a:latin typeface="Corbel" panose="020B0503020204020204" pitchFamily="34" charset="0"/>
-                      </a:endParaRPr>
-                    </a:p>
-                  </a:txBody>
-                  <a:tcPr marL="9525" marR="9525" marT="9525" marB="0" anchor="b"/>
-                </a:tc>
-                <a:tc>
-                  <a:txBody>
-                    <a:bodyPr/>
-                    <a:lstStyle/>
-                    <a:p>
-                      <a:pPr algn="r" fontAlgn="b"/>
-                      <a:r>
-                        <a:rPr lang="en-US" sz="1100" u="none" strike="noStrike">
-                          <a:effectLst/>
-                        </a:rPr>
-                        <a:t>173</a:t>
-                      </a:r>
-                      <a:endParaRPr lang="en-US" sz="1100" b="0" i="0" u="none" strike="noStrike">
-                        <a:solidFill>
-                          <a:srgbClr val="000000"/>
-                        </a:solidFill>
-                        <a:effectLst/>
-                        <a:latin typeface="Corbel" panose="020B0503020204020204" pitchFamily="34" charset="0"/>
-                      </a:endParaRPr>
-                    </a:p>
-                  </a:txBody>
-                  <a:tcPr marL="9525" marR="9525" marT="9525" marB="0" anchor="b"/>
-                </a:tc>
-                <a:tc>
-                  <a:txBody>
-                    <a:bodyPr/>
-                    <a:lstStyle/>
-                    <a:p>
-                      <a:pPr algn="r" fontAlgn="b"/>
-                      <a:r>
-                        <a:rPr lang="en-US" sz="1100" u="none" strike="noStrike">
-                          <a:effectLst/>
-                        </a:rPr>
-                        <a:t>15</a:t>
-                      </a:r>
-                      <a:endParaRPr lang="en-US" sz="1100" b="0" i="0" u="none" strike="noStrike">
-                        <a:solidFill>
-                          <a:srgbClr val="000000"/>
-                        </a:solidFill>
-                        <a:effectLst/>
-                        <a:latin typeface="Corbel" panose="020B0503020204020204" pitchFamily="34" charset="0"/>
-                      </a:endParaRPr>
-                    </a:p>
-                  </a:txBody>
-                  <a:tcPr marL="9525" marR="9525" marT="9525" marB="0" anchor="b"/>
-                </a:tc>
-                <a:tc>
-                  <a:txBody>
-                    <a:bodyPr/>
-                    <a:lstStyle/>
-                    <a:p>
-                      <a:pPr algn="r" fontAlgn="b"/>
-                      <a:r>
-                        <a:rPr lang="en-US" sz="1100" u="none" strike="noStrike">
-                          <a:effectLst/>
-                        </a:rPr>
-                        <a:t>81</a:t>
-                      </a:r>
-                      <a:endParaRPr lang="en-US" sz="1100" b="0" i="0" u="none" strike="noStrike">
-                        <a:solidFill>
-                          <a:srgbClr val="000000"/>
-                        </a:solidFill>
-                        <a:effectLst/>
-                        <a:latin typeface="Corbel" panose="020B0503020204020204" pitchFamily="34" charset="0"/>
-                      </a:endParaRPr>
-                    </a:p>
-                  </a:txBody>
-                  <a:tcPr marL="9525" marR="9525" marT="9525" marB="0" anchor="b"/>
-                </a:tc>
-                <a:extLst>
-                  <a:ext uri="{0D108BD9-81ED-4DB2-BD59-A6C34878D82A}">
-                    <a16:rowId xmlns:a16="http://schemas.microsoft.com/office/drawing/2014/main" val="2621419432"/>
-                  </a:ext>
-                </a:extLst>
-              </a:tr>
-              <a:tr h="149414">
-                <a:tc>
-                  <a:txBody>
-                    <a:bodyPr/>
-                    <a:lstStyle/>
-                    <a:p>
-                      <a:pPr algn="l" fontAlgn="b"/>
-                      <a:r>
-                        <a:rPr lang="en-US" sz="1100" u="none" strike="noStrike">
-                          <a:effectLst/>
-                        </a:rPr>
-                        <a:t>Sales</a:t>
-                      </a:r>
-                      <a:endParaRPr lang="en-US" sz="1100" b="0" i="0" u="none" strike="noStrike">
-                        <a:solidFill>
-                          <a:srgbClr val="000000"/>
-                        </a:solidFill>
-                        <a:effectLst/>
-                        <a:latin typeface="Corbel" panose="020B0503020204020204" pitchFamily="34" charset="0"/>
-                      </a:endParaRPr>
-                    </a:p>
-                  </a:txBody>
-                  <a:tcPr marL="9525" marR="9525" marT="9525" marB="0" anchor="b"/>
-                </a:tc>
-                <a:tc>
-                  <a:txBody>
-                    <a:bodyPr/>
-                    <a:lstStyle/>
-                    <a:p>
-                      <a:pPr algn="r" fontAlgn="b"/>
-                      <a:r>
-                        <a:rPr lang="en-US" sz="1100" u="none" strike="noStrike">
-                          <a:effectLst/>
-                        </a:rPr>
-                        <a:t>164</a:t>
-                      </a:r>
-                      <a:endParaRPr lang="en-US" sz="1100" b="0" i="0" u="none" strike="noStrike">
-                        <a:solidFill>
-                          <a:srgbClr val="000000"/>
-                        </a:solidFill>
-                        <a:effectLst/>
-                        <a:latin typeface="Corbel" panose="020B0503020204020204" pitchFamily="34" charset="0"/>
-                      </a:endParaRPr>
-                    </a:p>
-                  </a:txBody>
-                  <a:tcPr marL="9525" marR="9525" marT="9525" marB="0" anchor="b"/>
-                </a:tc>
-                <a:tc>
-                  <a:txBody>
-                    <a:bodyPr/>
-                    <a:lstStyle/>
-                    <a:p>
-                      <a:pPr algn="r" fontAlgn="b"/>
-                      <a:r>
-                        <a:rPr lang="en-US" sz="1100" u="none" strike="noStrike">
-                          <a:effectLst/>
-                        </a:rPr>
-                        <a:t>18</a:t>
-                      </a:r>
-                      <a:endParaRPr lang="en-US" sz="1100" b="0" i="0" u="none" strike="noStrike">
-                        <a:solidFill>
-                          <a:srgbClr val="000000"/>
-                        </a:solidFill>
-                        <a:effectLst/>
-                        <a:latin typeface="Corbel" panose="020B0503020204020204" pitchFamily="34" charset="0"/>
-                      </a:endParaRPr>
-                    </a:p>
-                  </a:txBody>
-                  <a:tcPr marL="9525" marR="9525" marT="9525" marB="0" anchor="b"/>
-                </a:tc>
-                <a:tc>
-                  <a:txBody>
-                    <a:bodyPr/>
-                    <a:lstStyle/>
-                    <a:p>
-                      <a:pPr algn="r" fontAlgn="b"/>
-                      <a:r>
-                        <a:rPr lang="en-US" sz="1100" u="none" strike="noStrike">
-                          <a:effectLst/>
-                        </a:rPr>
-                        <a:t>79</a:t>
-                      </a:r>
-                      <a:endParaRPr lang="en-US" sz="1100" b="0" i="0" u="none" strike="noStrike">
-                        <a:solidFill>
-                          <a:srgbClr val="000000"/>
-                        </a:solidFill>
-                        <a:effectLst/>
-                        <a:latin typeface="Corbel" panose="020B0503020204020204" pitchFamily="34" charset="0"/>
-                      </a:endParaRPr>
-                    </a:p>
-                  </a:txBody>
-                  <a:tcPr marL="9525" marR="9525" marT="9525" marB="0" anchor="b"/>
-                </a:tc>
-                <a:extLst>
-                  <a:ext uri="{0D108BD9-81ED-4DB2-BD59-A6C34878D82A}">
-                    <a16:rowId xmlns:a16="http://schemas.microsoft.com/office/drawing/2014/main" val="1765392169"/>
-                  </a:ext>
-                </a:extLst>
-              </a:tr>
-              <a:tr h="158765">
-                <a:tc>
-                  <a:txBody>
-                    <a:bodyPr/>
-                    <a:lstStyle/>
-                    <a:p>
-                      <a:pPr algn="l" fontAlgn="b"/>
-                      <a:r>
-                        <a:rPr lang="en-US" sz="1100" u="none" strike="noStrike">
-                          <a:effectLst/>
-                        </a:rPr>
-                        <a:t>Tech</a:t>
-                      </a:r>
-                      <a:endParaRPr lang="en-US" sz="1100" b="0" i="0" u="none" strike="noStrike">
-                        <a:solidFill>
-                          <a:srgbClr val="000000"/>
-                        </a:solidFill>
-                        <a:effectLst/>
-                        <a:latin typeface="Corbel" panose="020B0503020204020204" pitchFamily="34" charset="0"/>
-                      </a:endParaRPr>
-                    </a:p>
-                  </a:txBody>
-                  <a:tcPr marL="9525" marR="9525" marT="9525" marB="0" anchor="b"/>
-                </a:tc>
-                <a:tc>
-                  <a:txBody>
-                    <a:bodyPr/>
-                    <a:lstStyle/>
-                    <a:p>
-                      <a:pPr algn="r" fontAlgn="b"/>
-                      <a:r>
-                        <a:rPr lang="en-US" sz="1100" u="none" strike="noStrike">
-                          <a:effectLst/>
-                        </a:rPr>
-                        <a:t>178</a:t>
-                      </a:r>
-                      <a:endParaRPr lang="en-US" sz="1100" b="0" i="0" u="none" strike="noStrike">
-                        <a:solidFill>
-                          <a:srgbClr val="000000"/>
-                        </a:solidFill>
-                        <a:effectLst/>
-                        <a:latin typeface="Corbel" panose="020B0503020204020204" pitchFamily="34" charset="0"/>
-                      </a:endParaRPr>
-                    </a:p>
-                  </a:txBody>
-                  <a:tcPr marL="9525" marR="9525" marT="9525" marB="0" anchor="b"/>
-                </a:tc>
-                <a:tc>
-                  <a:txBody>
-                    <a:bodyPr/>
-                    <a:lstStyle/>
-                    <a:p>
-                      <a:pPr algn="r" fontAlgn="b"/>
-                      <a:r>
-                        <a:rPr lang="en-US" sz="1100" u="none" strike="noStrike">
-                          <a:effectLst/>
-                        </a:rPr>
-                        <a:t>19</a:t>
-                      </a:r>
-                      <a:endParaRPr lang="en-US" sz="1100" b="0" i="0" u="none" strike="noStrike">
-                        <a:solidFill>
-                          <a:srgbClr val="000000"/>
-                        </a:solidFill>
-                        <a:effectLst/>
-                        <a:latin typeface="Corbel" panose="020B0503020204020204" pitchFamily="34" charset="0"/>
-                      </a:endParaRPr>
-                    </a:p>
-                  </a:txBody>
-                  <a:tcPr marL="9525" marR="9525" marT="9525" marB="0" anchor="b"/>
-                </a:tc>
-                <a:tc>
-                  <a:txBody>
-                    <a:bodyPr/>
-                    <a:lstStyle/>
-                    <a:p>
-                      <a:pPr algn="r" fontAlgn="b"/>
-                      <a:r>
-                        <a:rPr lang="en-US" sz="1100" u="none" strike="noStrike">
-                          <a:effectLst/>
-                        </a:rPr>
-                        <a:t>66</a:t>
-                      </a:r>
-                      <a:endParaRPr lang="en-US" sz="1100" b="0" i="0" u="none" strike="noStrike">
-                        <a:solidFill>
-                          <a:srgbClr val="000000"/>
-                        </a:solidFill>
-                        <a:effectLst/>
-                        <a:latin typeface="Corbel" panose="020B0503020204020204" pitchFamily="34" charset="0"/>
-                      </a:endParaRPr>
-                    </a:p>
-                  </a:txBody>
-                  <a:tcPr marL="9525" marR="9525" marT="9525" marB="0" anchor="b"/>
-                </a:tc>
-                <a:extLst>
-                  <a:ext uri="{0D108BD9-81ED-4DB2-BD59-A6C34878D82A}">
-                    <a16:rowId xmlns:a16="http://schemas.microsoft.com/office/drawing/2014/main" val="2607766861"/>
-                  </a:ext>
-                </a:extLst>
-              </a:tr>
-              <a:tr h="149311">
-                <a:tc>
-                  <a:txBody>
-                    <a:bodyPr/>
-                    <a:lstStyle/>
-                    <a:p>
-                      <a:pPr algn="l" fontAlgn="b"/>
-                      <a:r>
-                        <a:rPr lang="en-US" sz="1100" u="none" strike="noStrike">
-                          <a:effectLst/>
-                        </a:rPr>
-                        <a:t>Undefined</a:t>
-                      </a:r>
-                      <a:endParaRPr lang="en-US" sz="1100" b="0" i="0" u="none" strike="noStrike">
-                        <a:solidFill>
-                          <a:srgbClr val="000000"/>
-                        </a:solidFill>
-                        <a:effectLst/>
-                        <a:latin typeface="Corbel" panose="020B0503020204020204" pitchFamily="34" charset="0"/>
-                      </a:endParaRPr>
-                    </a:p>
-                  </a:txBody>
-                  <a:tcPr marL="9525" marR="9525" marT="9525" marB="0" anchor="b"/>
-                </a:tc>
-                <a:tc>
-                  <a:txBody>
-                    <a:bodyPr/>
-                    <a:lstStyle/>
-                    <a:p>
-                      <a:pPr algn="r" fontAlgn="b"/>
-                      <a:r>
-                        <a:rPr lang="en-US" sz="1100" u="none" strike="noStrike">
-                          <a:effectLst/>
-                        </a:rPr>
-                        <a:t>77</a:t>
-                      </a:r>
-                      <a:endParaRPr lang="en-US" sz="1100" b="0" i="0" u="none" strike="noStrike">
-                        <a:solidFill>
-                          <a:srgbClr val="000000"/>
-                        </a:solidFill>
-                        <a:effectLst/>
-                        <a:latin typeface="Corbel" panose="020B0503020204020204" pitchFamily="34" charset="0"/>
-                      </a:endParaRPr>
-                    </a:p>
-                  </a:txBody>
-                  <a:tcPr marL="9525" marR="9525" marT="9525" marB="0" anchor="b"/>
-                </a:tc>
-                <a:tc>
-                  <a:txBody>
-                    <a:bodyPr/>
-                    <a:lstStyle/>
-                    <a:p>
-                      <a:pPr algn="r" fontAlgn="b"/>
-                      <a:r>
-                        <a:rPr lang="en-US" sz="1100" u="none" strike="noStrike">
-                          <a:effectLst/>
-                        </a:rPr>
-                        <a:t>4</a:t>
-                      </a:r>
-                      <a:endParaRPr lang="en-US" sz="1100" b="0" i="0" u="none" strike="noStrike">
+                      <a:endParaRPr lang="en-US" sz="1100" b="0" i="0" u="none" strike="noStrike" dirty="0">
                         <a:solidFill>
                           <a:srgbClr val="000000"/>
                         </a:solidFill>
@@ -21276,8 +20606,9 @@
                       <a:r>
                         <a:rPr lang="en-US" sz="1100" u="none" strike="noStrike" dirty="0" smtClean="0">
                           <a:effectLst/>
+                          <a:latin typeface="Corbel" panose="020B0503020204020204" pitchFamily="34" charset="0"/>
                         </a:rPr>
-                        <a:t>26</a:t>
+                        <a:t>21 (10%)</a:t>
                       </a:r>
                       <a:endParaRPr lang="en-US" sz="1100" b="0" i="0" u="none" strike="noStrike" dirty="0">
                         <a:solidFill>
@@ -21286,6 +20617,719 @@
                         <a:effectLst/>
                         <a:latin typeface="Corbel" panose="020B0503020204020204" pitchFamily="34" charset="0"/>
                       </a:endParaRPr>
+                    </a:p>
+                  </a:txBody>
+                  <a:tcPr marL="9525" marR="9525" marT="9525" marB="0" anchor="b"/>
+                </a:tc>
+                <a:tc>
+                  <a:txBody>
+                    <a:bodyPr/>
+                    <a:lstStyle/>
+                    <a:p>
+                      <a:pPr algn="r" rtl="0" fontAlgn="b"/>
+                      <a:r>
+                        <a:rPr lang="en-US" sz="1100" b="0" i="0" u="none" strike="noStrike">
+                          <a:solidFill>
+                            <a:srgbClr val="000000"/>
+                          </a:solidFill>
+                          <a:effectLst/>
+                          <a:latin typeface="Calibri" panose="020F0502020204030204" pitchFamily="34" charset="0"/>
+                        </a:rPr>
+                        <a:t>215</a:t>
+                      </a:r>
+                    </a:p>
+                  </a:txBody>
+                  <a:tcPr marL="9525" marR="9525" marT="9525" marB="0" anchor="b"/>
+                </a:tc>
+                <a:extLst>
+                  <a:ext uri="{0D108BD9-81ED-4DB2-BD59-A6C34878D82A}">
+                    <a16:rowId xmlns:a16="http://schemas.microsoft.com/office/drawing/2014/main" val="2165806104"/>
+                  </a:ext>
+                </a:extLst>
+              </a:tr>
+              <a:tr h="103475">
+                <a:tc>
+                  <a:txBody>
+                    <a:bodyPr/>
+                    <a:lstStyle/>
+                    <a:p>
+                      <a:pPr algn="l" fontAlgn="b"/>
+                      <a:r>
+                        <a:rPr lang="en-US" sz="1100" u="none" strike="noStrike" dirty="0">
+                          <a:effectLst/>
+                          <a:latin typeface="Corbel" panose="020B0503020204020204" pitchFamily="34" charset="0"/>
+                        </a:rPr>
+                        <a:t>Blue Collar</a:t>
+                      </a:r>
+                      <a:endParaRPr lang="en-US" sz="1100" b="0" i="0" u="none" strike="noStrike" dirty="0">
+                        <a:solidFill>
+                          <a:srgbClr val="000000"/>
+                        </a:solidFill>
+                        <a:effectLst/>
+                        <a:latin typeface="Corbel" panose="020B0503020204020204" pitchFamily="34" charset="0"/>
+                      </a:endParaRPr>
+                    </a:p>
+                  </a:txBody>
+                  <a:tcPr marL="9525" marR="9525" marT="9525" marB="0" anchor="b"/>
+                </a:tc>
+                <a:tc>
+                  <a:txBody>
+                    <a:bodyPr/>
+                    <a:lstStyle/>
+                    <a:p>
+                      <a:pPr algn="r" fontAlgn="b"/>
+                      <a:r>
+                        <a:rPr lang="en-US" sz="1100" u="none" strike="noStrike" dirty="0" smtClean="0">
+                          <a:effectLst/>
+                          <a:latin typeface="Corbel" panose="020B0503020204020204" pitchFamily="34" charset="0"/>
+                        </a:rPr>
+                        <a:t>170 (92%)</a:t>
+                      </a:r>
+                      <a:endParaRPr lang="en-US" sz="1100" b="0" i="0" u="none" strike="noStrike" dirty="0">
+                        <a:solidFill>
+                          <a:srgbClr val="000000"/>
+                        </a:solidFill>
+                        <a:effectLst/>
+                        <a:latin typeface="Corbel" panose="020B0503020204020204" pitchFamily="34" charset="0"/>
+                      </a:endParaRPr>
+                    </a:p>
+                  </a:txBody>
+                  <a:tcPr marL="9525" marR="9525" marT="9525" marB="0" anchor="b"/>
+                </a:tc>
+                <a:tc>
+                  <a:txBody>
+                    <a:bodyPr/>
+                    <a:lstStyle/>
+                    <a:p>
+                      <a:pPr algn="r" fontAlgn="b"/>
+                      <a:r>
+                        <a:rPr lang="en-US" sz="1100" u="none" strike="noStrike" dirty="0" smtClean="0">
+                          <a:effectLst/>
+                          <a:latin typeface="Corbel" panose="020B0503020204020204" pitchFamily="34" charset="0"/>
+                        </a:rPr>
+                        <a:t>15 (8%)</a:t>
+                      </a:r>
+                      <a:endParaRPr lang="en-US" sz="1100" b="0" i="0" u="none" strike="noStrike" dirty="0">
+                        <a:solidFill>
+                          <a:srgbClr val="000000"/>
+                        </a:solidFill>
+                        <a:effectLst/>
+                        <a:latin typeface="Corbel" panose="020B0503020204020204" pitchFamily="34" charset="0"/>
+                      </a:endParaRPr>
+                    </a:p>
+                  </a:txBody>
+                  <a:tcPr marL="9525" marR="9525" marT="9525" marB="0" anchor="b"/>
+                </a:tc>
+                <a:tc>
+                  <a:txBody>
+                    <a:bodyPr/>
+                    <a:lstStyle/>
+                    <a:p>
+                      <a:pPr algn="r" rtl="0" fontAlgn="b"/>
+                      <a:r>
+                        <a:rPr lang="en-US" sz="1100" b="0" i="0" u="none" strike="noStrike">
+                          <a:solidFill>
+                            <a:srgbClr val="000000"/>
+                          </a:solidFill>
+                          <a:effectLst/>
+                          <a:latin typeface="Calibri" panose="020F0502020204030204" pitchFamily="34" charset="0"/>
+                        </a:rPr>
+                        <a:t>185</a:t>
+                      </a:r>
+                    </a:p>
+                  </a:txBody>
+                  <a:tcPr marL="9525" marR="9525" marT="9525" marB="0" anchor="b"/>
+                </a:tc>
+                <a:extLst>
+                  <a:ext uri="{0D108BD9-81ED-4DB2-BD59-A6C34878D82A}">
+                    <a16:rowId xmlns:a16="http://schemas.microsoft.com/office/drawing/2014/main" val="1850696048"/>
+                  </a:ext>
+                </a:extLst>
+              </a:tr>
+              <a:tr h="201387">
+                <a:tc>
+                  <a:txBody>
+                    <a:bodyPr/>
+                    <a:lstStyle/>
+                    <a:p>
+                      <a:pPr algn="l" fontAlgn="b"/>
+                      <a:r>
+                        <a:rPr lang="en-US" sz="1100" u="none" strike="noStrike" dirty="0">
+                          <a:effectLst/>
+                          <a:latin typeface="Corbel" panose="020B0503020204020204" pitchFamily="34" charset="0"/>
+                        </a:rPr>
+                        <a:t>Business &amp; Finance</a:t>
+                      </a:r>
+                      <a:endParaRPr lang="en-US" sz="1100" b="0" i="0" u="none" strike="noStrike" dirty="0">
+                        <a:solidFill>
+                          <a:srgbClr val="000000"/>
+                        </a:solidFill>
+                        <a:effectLst/>
+                        <a:latin typeface="Corbel" panose="020B0503020204020204" pitchFamily="34" charset="0"/>
+                      </a:endParaRPr>
+                    </a:p>
+                  </a:txBody>
+                  <a:tcPr marL="9525" marR="9525" marT="9525" marB="0" anchor="b"/>
+                </a:tc>
+                <a:tc>
+                  <a:txBody>
+                    <a:bodyPr/>
+                    <a:lstStyle/>
+                    <a:p>
+                      <a:pPr algn="r" fontAlgn="b"/>
+                      <a:r>
+                        <a:rPr lang="en-US" sz="1100" u="none" strike="noStrike" dirty="0" smtClean="0">
+                          <a:effectLst/>
+                          <a:latin typeface="Corbel" panose="020B0503020204020204" pitchFamily="34" charset="0"/>
+                        </a:rPr>
+                        <a:t>171 (88%)</a:t>
+                      </a:r>
+                      <a:endParaRPr lang="en-US" sz="1100" b="0" i="0" u="none" strike="noStrike" dirty="0">
+                        <a:solidFill>
+                          <a:srgbClr val="000000"/>
+                        </a:solidFill>
+                        <a:effectLst/>
+                        <a:latin typeface="Corbel" panose="020B0503020204020204" pitchFamily="34" charset="0"/>
+                      </a:endParaRPr>
+                    </a:p>
+                  </a:txBody>
+                  <a:tcPr marL="9525" marR="9525" marT="9525" marB="0" anchor="b"/>
+                </a:tc>
+                <a:tc>
+                  <a:txBody>
+                    <a:bodyPr/>
+                    <a:lstStyle/>
+                    <a:p>
+                      <a:pPr algn="r" fontAlgn="b"/>
+                      <a:r>
+                        <a:rPr lang="en-US" sz="1100" u="none" strike="noStrike" dirty="0" smtClean="0">
+                          <a:effectLst/>
+                          <a:latin typeface="Corbel" panose="020B0503020204020204" pitchFamily="34" charset="0"/>
+                        </a:rPr>
+                        <a:t>23 (12%)</a:t>
+                      </a:r>
+                      <a:endParaRPr lang="en-US" sz="1100" b="0" i="0" u="none" strike="noStrike" dirty="0">
+                        <a:solidFill>
+                          <a:srgbClr val="000000"/>
+                        </a:solidFill>
+                        <a:effectLst/>
+                        <a:latin typeface="Corbel" panose="020B0503020204020204" pitchFamily="34" charset="0"/>
+                      </a:endParaRPr>
+                    </a:p>
+                  </a:txBody>
+                  <a:tcPr marL="9525" marR="9525" marT="9525" marB="0" anchor="b"/>
+                </a:tc>
+                <a:tc>
+                  <a:txBody>
+                    <a:bodyPr/>
+                    <a:lstStyle/>
+                    <a:p>
+                      <a:pPr algn="r" rtl="0" fontAlgn="b"/>
+                      <a:r>
+                        <a:rPr lang="en-US" sz="1100" b="0" i="0" u="none" strike="noStrike">
+                          <a:solidFill>
+                            <a:srgbClr val="000000"/>
+                          </a:solidFill>
+                          <a:effectLst/>
+                          <a:latin typeface="Calibri" panose="020F0502020204030204" pitchFamily="34" charset="0"/>
+                        </a:rPr>
+                        <a:t>194</a:t>
+                      </a:r>
+                    </a:p>
+                  </a:txBody>
+                  <a:tcPr marL="9525" marR="9525" marT="9525" marB="0" anchor="b"/>
+                </a:tc>
+                <a:extLst>
+                  <a:ext uri="{0D108BD9-81ED-4DB2-BD59-A6C34878D82A}">
+                    <a16:rowId xmlns:a16="http://schemas.microsoft.com/office/drawing/2014/main" val="754948889"/>
+                  </a:ext>
+                </a:extLst>
+              </a:tr>
+              <a:tr h="201387">
+                <a:tc>
+                  <a:txBody>
+                    <a:bodyPr/>
+                    <a:lstStyle/>
+                    <a:p>
+                      <a:pPr algn="l" fontAlgn="b"/>
+                      <a:r>
+                        <a:rPr lang="en-US" sz="1100" u="none" strike="noStrike" dirty="0">
+                          <a:effectLst/>
+                          <a:latin typeface="Corbel" panose="020B0503020204020204" pitchFamily="34" charset="0"/>
+                        </a:rPr>
+                        <a:t>Education &amp; Health</a:t>
+                      </a:r>
+                      <a:endParaRPr lang="en-US" sz="1100" b="0" i="0" u="none" strike="noStrike" dirty="0">
+                        <a:solidFill>
+                          <a:srgbClr val="000000"/>
+                        </a:solidFill>
+                        <a:effectLst/>
+                        <a:latin typeface="Corbel" panose="020B0503020204020204" pitchFamily="34" charset="0"/>
+                      </a:endParaRPr>
+                    </a:p>
+                  </a:txBody>
+                  <a:tcPr marL="9525" marR="9525" marT="9525" marB="0" anchor="b"/>
+                </a:tc>
+                <a:tc>
+                  <a:txBody>
+                    <a:bodyPr/>
+                    <a:lstStyle/>
+                    <a:p>
+                      <a:pPr algn="r" fontAlgn="b"/>
+                      <a:r>
+                        <a:rPr lang="en-US" sz="1100" u="none" strike="noStrike" dirty="0" smtClean="0">
+                          <a:effectLst/>
+                          <a:latin typeface="Corbel" panose="020B0503020204020204" pitchFamily="34" charset="0"/>
+                        </a:rPr>
+                        <a:t>191 (92%)</a:t>
+                      </a:r>
+                      <a:endParaRPr lang="en-US" sz="1100" b="0" i="0" u="none" strike="noStrike" dirty="0">
+                        <a:solidFill>
+                          <a:srgbClr val="000000"/>
+                        </a:solidFill>
+                        <a:effectLst/>
+                        <a:latin typeface="Corbel" panose="020B0503020204020204" pitchFamily="34" charset="0"/>
+                      </a:endParaRPr>
+                    </a:p>
+                  </a:txBody>
+                  <a:tcPr marL="9525" marR="9525" marT="9525" marB="0" anchor="b"/>
+                </a:tc>
+                <a:tc>
+                  <a:txBody>
+                    <a:bodyPr/>
+                    <a:lstStyle/>
+                    <a:p>
+                      <a:pPr algn="r" fontAlgn="b"/>
+                      <a:r>
+                        <a:rPr lang="en-US" sz="1100" u="none" strike="noStrike" dirty="0" smtClean="0">
+                          <a:effectLst/>
+                          <a:latin typeface="Corbel" panose="020B0503020204020204" pitchFamily="34" charset="0"/>
+                        </a:rPr>
+                        <a:t>17 (8%)</a:t>
+                      </a:r>
+                      <a:endParaRPr lang="en-US" sz="1100" b="0" i="0" u="none" strike="noStrike" dirty="0">
+                        <a:solidFill>
+                          <a:srgbClr val="000000"/>
+                        </a:solidFill>
+                        <a:effectLst/>
+                        <a:latin typeface="Corbel" panose="020B0503020204020204" pitchFamily="34" charset="0"/>
+                      </a:endParaRPr>
+                    </a:p>
+                  </a:txBody>
+                  <a:tcPr marL="9525" marR="9525" marT="9525" marB="0" anchor="b"/>
+                </a:tc>
+                <a:tc>
+                  <a:txBody>
+                    <a:bodyPr/>
+                    <a:lstStyle/>
+                    <a:p>
+                      <a:pPr algn="r" rtl="0" fontAlgn="b"/>
+                      <a:r>
+                        <a:rPr lang="en-US" sz="1100" b="0" i="0" u="none" strike="noStrike">
+                          <a:solidFill>
+                            <a:srgbClr val="000000"/>
+                          </a:solidFill>
+                          <a:effectLst/>
+                          <a:latin typeface="Calibri" panose="020F0502020204030204" pitchFamily="34" charset="0"/>
+                        </a:rPr>
+                        <a:t>208</a:t>
+                      </a:r>
+                    </a:p>
+                  </a:txBody>
+                  <a:tcPr marL="9525" marR="9525" marT="9525" marB="0" anchor="b"/>
+                </a:tc>
+                <a:extLst>
+                  <a:ext uri="{0D108BD9-81ED-4DB2-BD59-A6C34878D82A}">
+                    <a16:rowId xmlns:a16="http://schemas.microsoft.com/office/drawing/2014/main" val="3620029822"/>
+                  </a:ext>
+                </a:extLst>
+              </a:tr>
+              <a:tr h="223752">
+                <a:tc>
+                  <a:txBody>
+                    <a:bodyPr/>
+                    <a:lstStyle/>
+                    <a:p>
+                      <a:pPr algn="l" fontAlgn="b"/>
+                      <a:r>
+                        <a:rPr lang="en-US" sz="1100" u="none" strike="noStrike" dirty="0">
+                          <a:effectLst/>
+                          <a:latin typeface="Corbel" panose="020B0503020204020204" pitchFamily="34" charset="0"/>
+                        </a:rPr>
+                        <a:t>Others</a:t>
+                      </a:r>
+                      <a:endParaRPr lang="en-US" sz="1100" b="0" i="0" u="none" strike="noStrike" dirty="0">
+                        <a:solidFill>
+                          <a:srgbClr val="000000"/>
+                        </a:solidFill>
+                        <a:effectLst/>
+                        <a:latin typeface="Corbel" panose="020B0503020204020204" pitchFamily="34" charset="0"/>
+                      </a:endParaRPr>
+                    </a:p>
+                  </a:txBody>
+                  <a:tcPr marL="9525" marR="9525" marT="9525" marB="0" anchor="b"/>
+                </a:tc>
+                <a:tc>
+                  <a:txBody>
+                    <a:bodyPr/>
+                    <a:lstStyle/>
+                    <a:p>
+                      <a:pPr algn="r" fontAlgn="b"/>
+                      <a:r>
+                        <a:rPr lang="en-US" sz="1100" u="none" strike="noStrike" dirty="0" smtClean="0">
+                          <a:effectLst/>
+                          <a:latin typeface="Corbel" panose="020B0503020204020204" pitchFamily="34" charset="0"/>
+                        </a:rPr>
+                        <a:t>173 (92%)</a:t>
+                      </a:r>
+                      <a:endParaRPr lang="en-US" sz="1100" b="0" i="0" u="none" strike="noStrike" dirty="0">
+                        <a:solidFill>
+                          <a:srgbClr val="000000"/>
+                        </a:solidFill>
+                        <a:effectLst/>
+                        <a:latin typeface="Corbel" panose="020B0503020204020204" pitchFamily="34" charset="0"/>
+                      </a:endParaRPr>
+                    </a:p>
+                  </a:txBody>
+                  <a:tcPr marL="9525" marR="9525" marT="9525" marB="0" anchor="b"/>
+                </a:tc>
+                <a:tc>
+                  <a:txBody>
+                    <a:bodyPr/>
+                    <a:lstStyle/>
+                    <a:p>
+                      <a:pPr algn="r" fontAlgn="b"/>
+                      <a:r>
+                        <a:rPr lang="en-US" sz="1100" u="none" strike="noStrike" dirty="0" smtClean="0">
+                          <a:effectLst/>
+                          <a:latin typeface="Corbel" panose="020B0503020204020204" pitchFamily="34" charset="0"/>
+                        </a:rPr>
+                        <a:t>15 (8%)</a:t>
+                      </a:r>
+                      <a:endParaRPr lang="en-US" sz="1100" b="0" i="0" u="none" strike="noStrike" dirty="0">
+                        <a:solidFill>
+                          <a:srgbClr val="000000"/>
+                        </a:solidFill>
+                        <a:effectLst/>
+                        <a:latin typeface="Corbel" panose="020B0503020204020204" pitchFamily="34" charset="0"/>
+                      </a:endParaRPr>
+                    </a:p>
+                  </a:txBody>
+                  <a:tcPr marL="9525" marR="9525" marT="9525" marB="0" anchor="b"/>
+                </a:tc>
+                <a:tc>
+                  <a:txBody>
+                    <a:bodyPr/>
+                    <a:lstStyle/>
+                    <a:p>
+                      <a:pPr algn="r" rtl="0" fontAlgn="b"/>
+                      <a:r>
+                        <a:rPr lang="en-US" sz="1100" b="0" i="0" u="none" strike="noStrike">
+                          <a:solidFill>
+                            <a:srgbClr val="000000"/>
+                          </a:solidFill>
+                          <a:effectLst/>
+                          <a:latin typeface="Calibri" panose="020F0502020204030204" pitchFamily="34" charset="0"/>
+                        </a:rPr>
+                        <a:t>188</a:t>
+                      </a:r>
+                    </a:p>
+                  </a:txBody>
+                  <a:tcPr marL="9525" marR="9525" marT="9525" marB="0" anchor="b"/>
+                </a:tc>
+                <a:extLst>
+                  <a:ext uri="{0D108BD9-81ED-4DB2-BD59-A6C34878D82A}">
+                    <a16:rowId xmlns:a16="http://schemas.microsoft.com/office/drawing/2014/main" val="2621419432"/>
+                  </a:ext>
+                </a:extLst>
+              </a:tr>
+              <a:tr h="149414">
+                <a:tc>
+                  <a:txBody>
+                    <a:bodyPr/>
+                    <a:lstStyle/>
+                    <a:p>
+                      <a:pPr algn="l" fontAlgn="b"/>
+                      <a:r>
+                        <a:rPr lang="en-US" sz="1100" u="none" strike="noStrike" dirty="0">
+                          <a:effectLst/>
+                          <a:latin typeface="Corbel" panose="020B0503020204020204" pitchFamily="34" charset="0"/>
+                        </a:rPr>
+                        <a:t>Sales</a:t>
+                      </a:r>
+                      <a:endParaRPr lang="en-US" sz="1100" b="0" i="0" u="none" strike="noStrike" dirty="0">
+                        <a:solidFill>
+                          <a:srgbClr val="000000"/>
+                        </a:solidFill>
+                        <a:effectLst/>
+                        <a:latin typeface="Corbel" panose="020B0503020204020204" pitchFamily="34" charset="0"/>
+                      </a:endParaRPr>
+                    </a:p>
+                  </a:txBody>
+                  <a:tcPr marL="9525" marR="9525" marT="9525" marB="0" anchor="b"/>
+                </a:tc>
+                <a:tc>
+                  <a:txBody>
+                    <a:bodyPr/>
+                    <a:lstStyle/>
+                    <a:p>
+                      <a:pPr algn="r" fontAlgn="b"/>
+                      <a:r>
+                        <a:rPr lang="en-US" sz="1100" u="none" strike="noStrike" dirty="0" smtClean="0">
+                          <a:effectLst/>
+                          <a:latin typeface="Corbel" panose="020B0503020204020204" pitchFamily="34" charset="0"/>
+                        </a:rPr>
+                        <a:t>164 (90%)</a:t>
+                      </a:r>
+                      <a:endParaRPr lang="en-US" sz="1100" b="0" i="0" u="none" strike="noStrike" dirty="0">
+                        <a:solidFill>
+                          <a:srgbClr val="000000"/>
+                        </a:solidFill>
+                        <a:effectLst/>
+                        <a:latin typeface="Corbel" panose="020B0503020204020204" pitchFamily="34" charset="0"/>
+                      </a:endParaRPr>
+                    </a:p>
+                  </a:txBody>
+                  <a:tcPr marL="9525" marR="9525" marT="9525" marB="0" anchor="b"/>
+                </a:tc>
+                <a:tc>
+                  <a:txBody>
+                    <a:bodyPr/>
+                    <a:lstStyle/>
+                    <a:p>
+                      <a:pPr algn="r" fontAlgn="b"/>
+                      <a:r>
+                        <a:rPr lang="en-US" sz="1100" u="none" strike="noStrike" dirty="0" smtClean="0">
+                          <a:effectLst/>
+                          <a:latin typeface="Corbel" panose="020B0503020204020204" pitchFamily="34" charset="0"/>
+                        </a:rPr>
+                        <a:t>18 (10%)</a:t>
+                      </a:r>
+                      <a:endParaRPr lang="en-US" sz="1100" b="0" i="0" u="none" strike="noStrike" dirty="0">
+                        <a:solidFill>
+                          <a:srgbClr val="000000"/>
+                        </a:solidFill>
+                        <a:effectLst/>
+                        <a:latin typeface="Corbel" panose="020B0503020204020204" pitchFamily="34" charset="0"/>
+                      </a:endParaRPr>
+                    </a:p>
+                  </a:txBody>
+                  <a:tcPr marL="9525" marR="9525" marT="9525" marB="0" anchor="b"/>
+                </a:tc>
+                <a:tc>
+                  <a:txBody>
+                    <a:bodyPr/>
+                    <a:lstStyle/>
+                    <a:p>
+                      <a:pPr algn="r" rtl="0" fontAlgn="b"/>
+                      <a:r>
+                        <a:rPr lang="en-US" sz="1100" b="0" i="0" u="none" strike="noStrike">
+                          <a:solidFill>
+                            <a:srgbClr val="000000"/>
+                          </a:solidFill>
+                          <a:effectLst/>
+                          <a:latin typeface="Calibri" panose="020F0502020204030204" pitchFamily="34" charset="0"/>
+                        </a:rPr>
+                        <a:t>182</a:t>
+                      </a:r>
+                    </a:p>
+                  </a:txBody>
+                  <a:tcPr marL="9525" marR="9525" marT="9525" marB="0" anchor="b"/>
+                </a:tc>
+                <a:extLst>
+                  <a:ext uri="{0D108BD9-81ED-4DB2-BD59-A6C34878D82A}">
+                    <a16:rowId xmlns:a16="http://schemas.microsoft.com/office/drawing/2014/main" val="1765392169"/>
+                  </a:ext>
+                </a:extLst>
+              </a:tr>
+              <a:tr h="158765">
+                <a:tc>
+                  <a:txBody>
+                    <a:bodyPr/>
+                    <a:lstStyle/>
+                    <a:p>
+                      <a:pPr algn="l" fontAlgn="b"/>
+                      <a:r>
+                        <a:rPr lang="en-US" sz="1100" u="none" strike="noStrike" dirty="0">
+                          <a:effectLst/>
+                          <a:latin typeface="Corbel" panose="020B0503020204020204" pitchFamily="34" charset="0"/>
+                        </a:rPr>
+                        <a:t>Tech</a:t>
+                      </a:r>
+                      <a:endParaRPr lang="en-US" sz="1100" b="0" i="0" u="none" strike="noStrike" dirty="0">
+                        <a:solidFill>
+                          <a:srgbClr val="000000"/>
+                        </a:solidFill>
+                        <a:effectLst/>
+                        <a:latin typeface="Corbel" panose="020B0503020204020204" pitchFamily="34" charset="0"/>
+                      </a:endParaRPr>
+                    </a:p>
+                  </a:txBody>
+                  <a:tcPr marL="9525" marR="9525" marT="9525" marB="0" anchor="b"/>
+                </a:tc>
+                <a:tc>
+                  <a:txBody>
+                    <a:bodyPr/>
+                    <a:lstStyle/>
+                    <a:p>
+                      <a:pPr algn="r" fontAlgn="b"/>
+                      <a:r>
+                        <a:rPr lang="en-US" sz="1100" u="none" strike="noStrike" dirty="0" smtClean="0">
+                          <a:effectLst/>
+                          <a:latin typeface="Corbel" panose="020B0503020204020204" pitchFamily="34" charset="0"/>
+                        </a:rPr>
+                        <a:t>178 (90%)</a:t>
+                      </a:r>
+                      <a:endParaRPr lang="en-US" sz="1100" b="0" i="0" u="none" strike="noStrike" dirty="0">
+                        <a:solidFill>
+                          <a:srgbClr val="000000"/>
+                        </a:solidFill>
+                        <a:effectLst/>
+                        <a:latin typeface="Corbel" panose="020B0503020204020204" pitchFamily="34" charset="0"/>
+                      </a:endParaRPr>
+                    </a:p>
+                  </a:txBody>
+                  <a:tcPr marL="9525" marR="9525" marT="9525" marB="0" anchor="b"/>
+                </a:tc>
+                <a:tc>
+                  <a:txBody>
+                    <a:bodyPr/>
+                    <a:lstStyle/>
+                    <a:p>
+                      <a:pPr algn="r" fontAlgn="b"/>
+                      <a:r>
+                        <a:rPr lang="en-US" sz="1100" u="none" strike="noStrike" dirty="0" smtClean="0">
+                          <a:effectLst/>
+                          <a:latin typeface="Corbel" panose="020B0503020204020204" pitchFamily="34" charset="0"/>
+                        </a:rPr>
+                        <a:t>19 (10%)</a:t>
+                      </a:r>
+                      <a:endParaRPr lang="en-US" sz="1100" b="0" i="0" u="none" strike="noStrike" dirty="0">
+                        <a:solidFill>
+                          <a:srgbClr val="000000"/>
+                        </a:solidFill>
+                        <a:effectLst/>
+                        <a:latin typeface="Corbel" panose="020B0503020204020204" pitchFamily="34" charset="0"/>
+                      </a:endParaRPr>
+                    </a:p>
+                  </a:txBody>
+                  <a:tcPr marL="9525" marR="9525" marT="9525" marB="0" anchor="b"/>
+                </a:tc>
+                <a:tc>
+                  <a:txBody>
+                    <a:bodyPr/>
+                    <a:lstStyle/>
+                    <a:p>
+                      <a:pPr algn="r" rtl="0" fontAlgn="b"/>
+                      <a:r>
+                        <a:rPr lang="en-US" sz="1100" b="0" i="0" u="none" strike="noStrike">
+                          <a:solidFill>
+                            <a:srgbClr val="000000"/>
+                          </a:solidFill>
+                          <a:effectLst/>
+                          <a:latin typeface="Calibri" panose="020F0502020204030204" pitchFamily="34" charset="0"/>
+                        </a:rPr>
+                        <a:t>197</a:t>
+                      </a:r>
+                    </a:p>
+                  </a:txBody>
+                  <a:tcPr marL="9525" marR="9525" marT="9525" marB="0" anchor="b"/>
+                </a:tc>
+                <a:extLst>
+                  <a:ext uri="{0D108BD9-81ED-4DB2-BD59-A6C34878D82A}">
+                    <a16:rowId xmlns:a16="http://schemas.microsoft.com/office/drawing/2014/main" val="2607766861"/>
+                  </a:ext>
+                </a:extLst>
+              </a:tr>
+              <a:tr h="149311">
+                <a:tc>
+                  <a:txBody>
+                    <a:bodyPr/>
+                    <a:lstStyle/>
+                    <a:p>
+                      <a:pPr algn="l" fontAlgn="b"/>
+                      <a:r>
+                        <a:rPr lang="en-US" sz="1100" u="none" strike="noStrike" dirty="0">
+                          <a:effectLst/>
+                          <a:latin typeface="Corbel" panose="020B0503020204020204" pitchFamily="34" charset="0"/>
+                        </a:rPr>
+                        <a:t>Undefined</a:t>
+                      </a:r>
+                      <a:endParaRPr lang="en-US" sz="1100" b="0" i="0" u="none" strike="noStrike" dirty="0">
+                        <a:solidFill>
+                          <a:srgbClr val="000000"/>
+                        </a:solidFill>
+                        <a:effectLst/>
+                        <a:latin typeface="Corbel" panose="020B0503020204020204" pitchFamily="34" charset="0"/>
+                      </a:endParaRPr>
+                    </a:p>
+                  </a:txBody>
+                  <a:tcPr marL="9525" marR="9525" marT="9525" marB="0" anchor="b"/>
+                </a:tc>
+                <a:tc>
+                  <a:txBody>
+                    <a:bodyPr/>
+                    <a:lstStyle/>
+                    <a:p>
+                      <a:pPr algn="r" fontAlgn="b"/>
+                      <a:r>
+                        <a:rPr lang="en-US" sz="1100" u="none" strike="noStrike" dirty="0" smtClean="0">
+                          <a:effectLst/>
+                          <a:latin typeface="Corbel" panose="020B0503020204020204" pitchFamily="34" charset="0"/>
+                        </a:rPr>
+                        <a:t>77 (95%)</a:t>
+                      </a:r>
+                      <a:endParaRPr lang="en-US" sz="1100" b="0" i="0" u="none" strike="noStrike" dirty="0">
+                        <a:solidFill>
+                          <a:srgbClr val="000000"/>
+                        </a:solidFill>
+                        <a:effectLst/>
+                        <a:latin typeface="Corbel" panose="020B0503020204020204" pitchFamily="34" charset="0"/>
+                      </a:endParaRPr>
+                    </a:p>
+                  </a:txBody>
+                  <a:tcPr marL="9525" marR="9525" marT="9525" marB="0" anchor="b"/>
+                </a:tc>
+                <a:tc>
+                  <a:txBody>
+                    <a:bodyPr/>
+                    <a:lstStyle/>
+                    <a:p>
+                      <a:pPr algn="r" fontAlgn="b"/>
+                      <a:r>
+                        <a:rPr lang="en-US" sz="1100" u="none" strike="noStrike" dirty="0" smtClean="0">
+                          <a:effectLst/>
+                          <a:latin typeface="Corbel" panose="020B0503020204020204" pitchFamily="34" charset="0"/>
+                        </a:rPr>
+                        <a:t>4 (5%)</a:t>
+                      </a:r>
+                      <a:endParaRPr lang="en-US" sz="1100" b="0" i="0" u="none" strike="noStrike" dirty="0">
+                        <a:solidFill>
+                          <a:srgbClr val="000000"/>
+                        </a:solidFill>
+                        <a:effectLst/>
+                        <a:latin typeface="Corbel" panose="020B0503020204020204" pitchFamily="34" charset="0"/>
+                      </a:endParaRPr>
+                    </a:p>
+                  </a:txBody>
+                  <a:tcPr marL="9525" marR="9525" marT="9525" marB="0" anchor="b"/>
+                </a:tc>
+                <a:tc>
+                  <a:txBody>
+                    <a:bodyPr/>
+                    <a:lstStyle/>
+                    <a:p>
+                      <a:pPr algn="r" rtl="0" fontAlgn="b"/>
+                      <a:r>
+                        <a:rPr lang="en-US" sz="1100" b="0" i="0" u="none" strike="noStrike" dirty="0">
+                          <a:solidFill>
+                            <a:srgbClr val="000000"/>
+                          </a:solidFill>
+                          <a:effectLst/>
+                          <a:latin typeface="Calibri" panose="020F0502020204030204" pitchFamily="34" charset="0"/>
+                        </a:rPr>
+                        <a:t>81</a:t>
+                      </a:r>
                     </a:p>
                   </a:txBody>
                   <a:tcPr marL="9525" marR="9525" marT="9525" marB="0" anchor="b"/>
@@ -21304,10 +21348,11 @@
                     <a:p>
                       <a:pPr algn="l" fontAlgn="b"/>
                       <a:r>
-                        <a:rPr lang="en-US" sz="1100" u="none" strike="noStrike" dirty="0">
+                        <a:rPr lang="en-US" sz="1100" u="none" strike="noStrike" dirty="0" smtClean="0">
                           <a:effectLst/>
+                          <a:latin typeface="Corbel" panose="020B0503020204020204" pitchFamily="34" charset="0"/>
                         </a:rPr>
-                        <a:t>Grand Total</a:t>
+                        <a:t>Total</a:t>
                       </a:r>
                       <a:endParaRPr lang="en-US" sz="1100" b="1" i="0" u="none" strike="noStrike" dirty="0">
                         <a:solidFill>
@@ -21329,6 +21374,7 @@
                       <a:r>
                         <a:rPr lang="en-US" sz="1100" u="none" strike="noStrike" dirty="0">
                           <a:effectLst/>
+                          <a:latin typeface="Corbel" panose="020B0503020204020204" pitchFamily="34" charset="0"/>
                         </a:rPr>
                         <a:t>1318</a:t>
                       </a:r>
@@ -21352,6 +21398,7 @@
                       <a:r>
                         <a:rPr lang="en-US" sz="1100" u="none" strike="noStrike" dirty="0">
                           <a:effectLst/>
+                          <a:latin typeface="Corbel" panose="020B0503020204020204" pitchFamily="34" charset="0"/>
                         </a:rPr>
                         <a:t>132</a:t>
                       </a:r>
@@ -21373,14 +21420,22 @@
                     <a:p>
                       <a:pPr algn="r" fontAlgn="b"/>
                       <a:r>
-                        <a:rPr lang="en-US" sz="1100" u="none" strike="noStrike" dirty="0">
+                        <a:rPr lang="en-US" sz="1100" b="1" i="0" u="none" strike="noStrike" dirty="0" smtClean="0">
+                          <a:solidFill>
+                            <a:schemeClr val="accent5">
+                              <a:lumMod val="50000"/>
+                            </a:schemeClr>
+                          </a:solidFill>
                           <a:effectLst/>
+                          <a:latin typeface="Corbel" panose="020B0503020204020204" pitchFamily="34" charset="0"/>
                         </a:rPr>
-                        <a:t>550</a:t>
+                        <a:t>1450</a:t>
                       </a:r>
                       <a:endParaRPr lang="en-US" sz="1100" b="1" i="0" u="none" strike="noStrike" dirty="0">
                         <a:solidFill>
-                          <a:srgbClr val="000000"/>
+                          <a:schemeClr val="accent5">
+                            <a:lumMod val="50000"/>
+                          </a:schemeClr>
                         </a:solidFill>
                         <a:effectLst/>
                         <a:latin typeface="Corbel" panose="020B0503020204020204" pitchFamily="34" charset="0"/>
@@ -22169,7 +22224,7 @@
         </p:nvSpPr>
         <p:spPr>
           <a:xfrm flipH="1">
-            <a:off x="195812" y="1632064"/>
+            <a:off x="219258" y="1632064"/>
             <a:ext cx="3665833" cy="276999"/>
           </a:xfrm>
           <a:prstGeom prst="rect">
@@ -22280,7 +22335,7 @@
           <p:nvPr>
             <p:extLst>
               <p:ext uri="{D42A27DB-BD31-4B8C-83A1-F6EECF244321}">
-                <p14:modId xmlns:p14="http://schemas.microsoft.com/office/powerpoint/2010/main" val="3826257278"/>
+                <p14:modId xmlns:p14="http://schemas.microsoft.com/office/powerpoint/2010/main" val="1576157042"/>
               </p:ext>
             </p:extLst>
           </p:nvPr>
@@ -22335,6 +22390,7 @@
                       <a:r>
                         <a:rPr lang="en-US" sz="1100" u="none" strike="noStrike" dirty="0" smtClean="0">
                           <a:effectLst/>
+                          <a:latin typeface="Corbel" panose="020B0503020204020204" pitchFamily="34" charset="0"/>
                         </a:rPr>
                         <a:t>Education</a:t>
                       </a:r>
@@ -22358,11 +22414,13 @@
                       <a:r>
                         <a:rPr lang="en-US" sz="1100" u="none" strike="noStrike" dirty="0">
                           <a:effectLst/>
+                          <a:latin typeface="Corbel" panose="020B0503020204020204" pitchFamily="34" charset="0"/>
                         </a:rPr>
                         <a:t>&lt;=28days </a:t>
                       </a:r>
                       <a:endParaRPr lang="en-US" sz="1100" u="none" strike="noStrike" dirty="0" smtClean="0">
                         <a:effectLst/>
+                        <a:latin typeface="Corbel" panose="020B0503020204020204" pitchFamily="34" charset="0"/>
                       </a:endParaRPr>
                     </a:p>
                     <a:p>
@@ -22370,12 +22428,14 @@
                       <a:r>
                         <a:rPr lang="en-US" sz="1100" u="none" strike="noStrike" dirty="0" smtClean="0">
                           <a:effectLst/>
+                          <a:latin typeface="Corbel" panose="020B0503020204020204" pitchFamily="34" charset="0"/>
                         </a:rPr>
                         <a:t>(</a:t>
                       </a:r>
                       <a:r>
                         <a:rPr lang="en-US" sz="1100" u="none" strike="noStrike" dirty="0">
                           <a:effectLst/>
+                          <a:latin typeface="Corbel" panose="020B0503020204020204" pitchFamily="34" charset="0"/>
                         </a:rPr>
                         <a:t>Early Return)</a:t>
                       </a:r>
@@ -22399,11 +22459,13 @@
                       <a:r>
                         <a:rPr lang="en-US" sz="1100" u="none" strike="noStrike" dirty="0">
                           <a:effectLst/>
+                          <a:latin typeface="Corbel" panose="020B0503020204020204" pitchFamily="34" charset="0"/>
                         </a:rPr>
                         <a:t>&gt;28days </a:t>
                       </a:r>
                       <a:endParaRPr lang="en-US" sz="1100" u="none" strike="noStrike" dirty="0" smtClean="0">
                         <a:effectLst/>
+                        <a:latin typeface="Corbel" panose="020B0503020204020204" pitchFamily="34" charset="0"/>
                       </a:endParaRPr>
                     </a:p>
                     <a:p>
@@ -22411,12 +22473,14 @@
                       <a:r>
                         <a:rPr lang="en-US" sz="1100" u="none" strike="noStrike" dirty="0" smtClean="0">
                           <a:effectLst/>
+                          <a:latin typeface="Corbel" panose="020B0503020204020204" pitchFamily="34" charset="0"/>
                         </a:rPr>
                         <a:t>(</a:t>
                       </a:r>
                       <a:r>
                         <a:rPr lang="en-US" sz="1100" u="none" strike="noStrike" dirty="0">
                           <a:effectLst/>
+                          <a:latin typeface="Corbel" panose="020B0503020204020204" pitchFamily="34" charset="0"/>
                         </a:rPr>
                         <a:t>Late Return)</a:t>
                       </a:r>
@@ -22440,8 +22504,9 @@
                       <a:r>
                         <a:rPr lang="en-US" sz="1100" u="none" strike="noStrike" dirty="0" smtClean="0">
                           <a:effectLst/>
+                          <a:latin typeface="Corbel" panose="020B0503020204020204" pitchFamily="34" charset="0"/>
                         </a:rPr>
-                        <a:t>Undefined</a:t>
+                        <a:t>Total</a:t>
                       </a:r>
                       <a:endParaRPr lang="en-US" sz="1100" b="1" i="0" u="none" strike="noStrike" dirty="0">
                         <a:solidFill>
@@ -22470,6 +22535,7 @@
                       <a:r>
                         <a:rPr lang="en-US" sz="1100" u="none" strike="noStrike" dirty="0">
                           <a:effectLst/>
+                          <a:latin typeface="Corbel" panose="020B0503020204020204" pitchFamily="34" charset="0"/>
                         </a:rPr>
                         <a:t>College</a:t>
                       </a:r>
@@ -22491,12 +22557,13 @@
                     <a:p>
                       <a:pPr algn="r" fontAlgn="b"/>
                       <a:r>
-                        <a:rPr lang="en-US" sz="1100" u="none" strike="noStrike">
+                        <a:rPr lang="en-US" sz="1100" u="none" strike="noStrike" dirty="0" smtClean="0">
                           <a:effectLst/>
+                          <a:latin typeface="Corbel" panose="020B0503020204020204" pitchFamily="34" charset="0"/>
                         </a:rPr>
-                        <a:t>305</a:t>
+                        <a:t>305 (89%)</a:t>
                       </a:r>
-                      <a:endParaRPr lang="en-US" sz="1100" b="0" i="0" u="none" strike="noStrike">
+                      <a:endParaRPr lang="en-US" sz="1100" b="0" i="0" u="none" strike="noStrike" dirty="0">
                         <a:solidFill>
                           <a:srgbClr val="000000"/>
                         </a:solidFill>
@@ -22514,12 +22581,13 @@
                     <a:p>
                       <a:pPr algn="r" fontAlgn="b"/>
                       <a:r>
-                        <a:rPr lang="en-US" sz="1100" u="none" strike="noStrike">
+                        <a:rPr lang="en-US" sz="1100" u="none" strike="noStrike" dirty="0" smtClean="0">
                           <a:effectLst/>
+                          <a:latin typeface="Corbel" panose="020B0503020204020204" pitchFamily="34" charset="0"/>
                         </a:rPr>
-                        <a:t>38</a:t>
+                        <a:t>38 (11%)</a:t>
                       </a:r>
-                      <a:endParaRPr lang="en-US" sz="1100" b="0" i="0" u="none" strike="noStrike">
+                      <a:endParaRPr lang="en-US" sz="1100" b="0" i="0" u="none" strike="noStrike" dirty="0">
                         <a:solidFill>
                           <a:srgbClr val="000000"/>
                         </a:solidFill>
@@ -22537,18 +22605,15 @@
                     <a:p>
                       <a:pPr algn="r" fontAlgn="b"/>
                       <a:r>
-                        <a:rPr lang="en-US" sz="1100" u="none" strike="noStrike">
+                        <a:rPr lang="en-US" sz="1100" b="0" i="0" u="none" strike="noStrike">
+                          <a:solidFill>
+                            <a:srgbClr val="000000"/>
+                          </a:solidFill>
                           <a:effectLst/>
+                          <a:latin typeface="Corbel" panose="020B0503020204020204" pitchFamily="34" charset="0"/>
                         </a:rPr>
-                        <a:t>118</a:t>
+                        <a:t>343</a:t>
                       </a:r>
-                      <a:endParaRPr lang="en-US" sz="1100" b="0" i="0" u="none" strike="noStrike">
-                        <a:solidFill>
-                          <a:srgbClr val="000000"/>
-                        </a:solidFill>
-                        <a:effectLst/>
-                        <a:latin typeface="Corbel" panose="020B0503020204020204" pitchFamily="34" charset="0"/>
-                      </a:endParaRPr>
                     </a:p>
                   </a:txBody>
                   <a:tcPr marL="9525" marR="9525" marT="9525" marB="0" anchor="b"/>
@@ -22569,6 +22634,7 @@
                       <a:r>
                         <a:rPr lang="en-US" sz="1100" u="none" strike="noStrike">
                           <a:effectLst/>
+                          <a:latin typeface="Corbel" panose="020B0503020204020204" pitchFamily="34" charset="0"/>
                         </a:rPr>
                         <a:t>Graduate Degree</a:t>
                       </a:r>
@@ -22590,12 +22656,13 @@
                     <a:p>
                       <a:pPr algn="r" fontAlgn="b"/>
                       <a:r>
-                        <a:rPr lang="en-US" sz="1100" u="none" strike="noStrike">
+                        <a:rPr lang="en-US" sz="1100" u="none" strike="noStrike" dirty="0" smtClean="0">
                           <a:effectLst/>
+                          <a:latin typeface="Corbel" panose="020B0503020204020204" pitchFamily="34" charset="0"/>
                         </a:rPr>
-                        <a:t>293</a:t>
+                        <a:t>293 (92%)</a:t>
                       </a:r>
-                      <a:endParaRPr lang="en-US" sz="1100" b="0" i="0" u="none" strike="noStrike">
+                      <a:endParaRPr lang="en-US" sz="1100" b="0" i="0" u="none" strike="noStrike" dirty="0">
                         <a:solidFill>
                           <a:srgbClr val="000000"/>
                         </a:solidFill>
@@ -22613,12 +22680,13 @@
                     <a:p>
                       <a:pPr algn="r" fontAlgn="b"/>
                       <a:r>
-                        <a:rPr lang="en-US" sz="1100" u="none" strike="noStrike">
+                        <a:rPr lang="en-US" sz="1100" u="none" strike="noStrike" dirty="0" smtClean="0">
                           <a:effectLst/>
+                          <a:latin typeface="Corbel" panose="020B0503020204020204" pitchFamily="34" charset="0"/>
                         </a:rPr>
-                        <a:t>26</a:t>
+                        <a:t>26 (8%)</a:t>
                       </a:r>
-                      <a:endParaRPr lang="en-US" sz="1100" b="0" i="0" u="none" strike="noStrike">
+                      <a:endParaRPr lang="en-US" sz="1100" b="0" i="0" u="none" strike="noStrike" dirty="0">
                         <a:solidFill>
                           <a:srgbClr val="000000"/>
                         </a:solidFill>
@@ -22636,18 +22704,15 @@
                     <a:p>
                       <a:pPr algn="r" fontAlgn="b"/>
                       <a:r>
-                        <a:rPr lang="en-US" sz="1100" u="none" strike="noStrike">
+                        <a:rPr lang="en-US" sz="1100" b="0" i="0" u="none" strike="noStrike" dirty="0">
+                          <a:solidFill>
+                            <a:srgbClr val="000000"/>
+                          </a:solidFill>
                           <a:effectLst/>
+                          <a:latin typeface="Corbel" panose="020B0503020204020204" pitchFamily="34" charset="0"/>
                         </a:rPr>
-                        <a:t>134</a:t>
+                        <a:t>319</a:t>
                       </a:r>
-                      <a:endParaRPr lang="en-US" sz="1100" b="0" i="0" u="none" strike="noStrike">
-                        <a:solidFill>
-                          <a:srgbClr val="000000"/>
-                        </a:solidFill>
-                        <a:effectLst/>
-                        <a:latin typeface="Corbel" panose="020B0503020204020204" pitchFamily="34" charset="0"/>
-                      </a:endParaRPr>
                     </a:p>
                   </a:txBody>
                   <a:tcPr marL="9525" marR="9525" marT="9525" marB="0" anchor="b"/>
@@ -22668,6 +22733,7 @@
                       <a:r>
                         <a:rPr lang="en-US" sz="1100" u="none" strike="noStrike">
                           <a:effectLst/>
+                          <a:latin typeface="Corbel" panose="020B0503020204020204" pitchFamily="34" charset="0"/>
                         </a:rPr>
                         <a:t>High School</a:t>
                       </a:r>
@@ -22689,12 +22755,13 @@
                     <a:p>
                       <a:pPr algn="r" fontAlgn="b"/>
                       <a:r>
-                        <a:rPr lang="en-US" sz="1100" u="none" strike="noStrike">
+                        <a:rPr lang="en-US" sz="1100" u="none" strike="noStrike" dirty="0" smtClean="0">
                           <a:effectLst/>
+                          <a:latin typeface="Corbel" panose="020B0503020204020204" pitchFamily="34" charset="0"/>
                         </a:rPr>
-                        <a:t>348</a:t>
+                        <a:t>348 (92%)</a:t>
                       </a:r>
-                      <a:endParaRPr lang="en-US" sz="1100" b="0" i="0" u="none" strike="noStrike">
+                      <a:endParaRPr lang="en-US" sz="1100" b="0" i="0" u="none" strike="noStrike" dirty="0">
                         <a:solidFill>
                           <a:srgbClr val="000000"/>
                         </a:solidFill>
@@ -22712,12 +22779,13 @@
                     <a:p>
                       <a:pPr algn="r" fontAlgn="b"/>
                       <a:r>
-                        <a:rPr lang="en-US" sz="1100" u="none" strike="noStrike">
+                        <a:rPr lang="en-US" sz="1100" u="none" strike="noStrike" dirty="0" smtClean="0">
                           <a:effectLst/>
+                          <a:latin typeface="Corbel" panose="020B0503020204020204" pitchFamily="34" charset="0"/>
                         </a:rPr>
-                        <a:t>30</a:t>
+                        <a:t>30 (8%)</a:t>
                       </a:r>
-                      <a:endParaRPr lang="en-US" sz="1100" b="0" i="0" u="none" strike="noStrike">
+                      <a:endParaRPr lang="en-US" sz="1100" b="0" i="0" u="none" strike="noStrike" dirty="0">
                         <a:solidFill>
                           <a:srgbClr val="000000"/>
                         </a:solidFill>
@@ -22735,18 +22803,15 @@
                     <a:p>
                       <a:pPr algn="r" fontAlgn="b"/>
                       <a:r>
-                        <a:rPr lang="en-US" sz="1100" u="none" strike="noStrike">
+                        <a:rPr lang="en-US" sz="1100" b="0" i="0" u="none" strike="noStrike">
+                          <a:solidFill>
+                            <a:srgbClr val="000000"/>
+                          </a:solidFill>
                           <a:effectLst/>
+                          <a:latin typeface="Corbel" panose="020B0503020204020204" pitchFamily="34" charset="0"/>
                         </a:rPr>
-                        <a:t>128</a:t>
+                        <a:t>378</a:t>
                       </a:r>
-                      <a:endParaRPr lang="en-US" sz="1100" b="0" i="0" u="none" strike="noStrike">
-                        <a:solidFill>
-                          <a:srgbClr val="000000"/>
-                        </a:solidFill>
-                        <a:effectLst/>
-                        <a:latin typeface="Corbel" panose="020B0503020204020204" pitchFamily="34" charset="0"/>
-                      </a:endParaRPr>
                     </a:p>
                   </a:txBody>
                   <a:tcPr marL="9525" marR="9525" marT="9525" marB="0" anchor="b"/>
@@ -22767,6 +22832,7 @@
                       <a:r>
                         <a:rPr lang="en-US" sz="1100" u="none" strike="noStrike">
                           <a:effectLst/>
+                          <a:latin typeface="Corbel" panose="020B0503020204020204" pitchFamily="34" charset="0"/>
                         </a:rPr>
                         <a:t>Others</a:t>
                       </a:r>
@@ -22788,12 +22854,13 @@
                     <a:p>
                       <a:pPr algn="r" fontAlgn="b"/>
                       <a:r>
-                        <a:rPr lang="en-US" sz="1100" u="none" strike="noStrike">
+                        <a:rPr lang="en-US" sz="1100" u="none" strike="noStrike" dirty="0" smtClean="0">
                           <a:effectLst/>
+                          <a:latin typeface="Corbel" panose="020B0503020204020204" pitchFamily="34" charset="0"/>
                         </a:rPr>
-                        <a:t>314</a:t>
+                        <a:t>314 (91%)</a:t>
                       </a:r>
-                      <a:endParaRPr lang="en-US" sz="1100" b="0" i="0" u="none" strike="noStrike">
+                      <a:endParaRPr lang="en-US" sz="1100" b="0" i="0" u="none" strike="noStrike" dirty="0">
                         <a:solidFill>
                           <a:srgbClr val="000000"/>
                         </a:solidFill>
@@ -22811,12 +22878,13 @@
                     <a:p>
                       <a:pPr algn="r" fontAlgn="b"/>
                       <a:r>
-                        <a:rPr lang="en-US" sz="1100" u="none" strike="noStrike">
+                        <a:rPr lang="en-US" sz="1100" u="none" strike="noStrike" dirty="0" smtClean="0">
                           <a:effectLst/>
+                          <a:latin typeface="Corbel" panose="020B0503020204020204" pitchFamily="34" charset="0"/>
                         </a:rPr>
-                        <a:t>31</a:t>
+                        <a:t>31 (9%)</a:t>
                       </a:r>
-                      <a:endParaRPr lang="en-US" sz="1100" b="0" i="0" u="none" strike="noStrike">
+                      <a:endParaRPr lang="en-US" sz="1100" b="0" i="0" u="none" strike="noStrike" dirty="0">
                         <a:solidFill>
                           <a:srgbClr val="000000"/>
                         </a:solidFill>
@@ -22834,18 +22902,15 @@
                     <a:p>
                       <a:pPr algn="r" fontAlgn="b"/>
                       <a:r>
-                        <a:rPr lang="en-US" sz="1100" u="none" strike="noStrike">
+                        <a:rPr lang="en-US" sz="1100" b="0" i="0" u="none" strike="noStrike">
+                          <a:solidFill>
+                            <a:srgbClr val="000000"/>
+                          </a:solidFill>
                           <a:effectLst/>
+                          <a:latin typeface="Corbel" panose="020B0503020204020204" pitchFamily="34" charset="0"/>
                         </a:rPr>
-                        <a:t>131</a:t>
+                        <a:t>345</a:t>
                       </a:r>
-                      <a:endParaRPr lang="en-US" sz="1100" b="0" i="0" u="none" strike="noStrike">
-                        <a:solidFill>
-                          <a:srgbClr val="000000"/>
-                        </a:solidFill>
-                        <a:effectLst/>
-                        <a:latin typeface="Corbel" panose="020B0503020204020204" pitchFamily="34" charset="0"/>
-                      </a:endParaRPr>
                     </a:p>
                   </a:txBody>
                   <a:tcPr marL="9525" marR="9525" marT="9525" marB="0" anchor="b"/>
@@ -22864,12 +22929,13 @@
                     <a:p>
                       <a:pPr algn="l" fontAlgn="b"/>
                       <a:r>
-                        <a:rPr lang="en-US" sz="1100" u="none" strike="noStrike">
+                        <a:rPr lang="en-US" sz="1100" u="none" strike="noStrike" dirty="0">
                           <a:effectLst/>
+                          <a:latin typeface="Corbel" panose="020B0503020204020204" pitchFamily="34" charset="0"/>
                         </a:rPr>
                         <a:t>Undefined</a:t>
                       </a:r>
-                      <a:endParaRPr lang="en-US" sz="1100" b="0" i="0" u="none" strike="noStrike">
+                      <a:endParaRPr lang="en-US" sz="1100" b="0" i="0" u="none" strike="noStrike" dirty="0">
                         <a:solidFill>
                           <a:srgbClr val="000000"/>
                         </a:solidFill>
@@ -22887,12 +22953,13 @@
                     <a:p>
                       <a:pPr algn="r" fontAlgn="b"/>
                       <a:r>
-                        <a:rPr lang="en-US" sz="1100" u="none" strike="noStrike">
+                        <a:rPr lang="en-US" sz="1100" u="none" strike="noStrike" dirty="0" smtClean="0">
                           <a:effectLst/>
+                          <a:latin typeface="Corbel" panose="020B0503020204020204" pitchFamily="34" charset="0"/>
                         </a:rPr>
-                        <a:t>58</a:t>
+                        <a:t>58 (89%)</a:t>
                       </a:r>
-                      <a:endParaRPr lang="en-US" sz="1100" b="0" i="0" u="none" strike="noStrike">
+                      <a:endParaRPr lang="en-US" sz="1100" b="0" i="0" u="none" strike="noStrike" dirty="0">
                         <a:solidFill>
                           <a:srgbClr val="000000"/>
                         </a:solidFill>
@@ -22910,12 +22977,13 @@
                     <a:p>
                       <a:pPr algn="r" fontAlgn="b"/>
                       <a:r>
-                        <a:rPr lang="en-US" sz="1100" u="none" strike="noStrike">
+                        <a:rPr lang="en-US" sz="1100" u="none" strike="noStrike" dirty="0" smtClean="0">
                           <a:effectLst/>
+                          <a:latin typeface="Corbel" panose="020B0503020204020204" pitchFamily="34" charset="0"/>
                         </a:rPr>
-                        <a:t>7</a:t>
+                        <a:t>7 (11%)</a:t>
                       </a:r>
-                      <a:endParaRPr lang="en-US" sz="1100" b="0" i="0" u="none" strike="noStrike">
+                      <a:endParaRPr lang="en-US" sz="1100" b="0" i="0" u="none" strike="noStrike" dirty="0">
                         <a:solidFill>
                           <a:srgbClr val="000000"/>
                         </a:solidFill>
@@ -22933,18 +23001,15 @@
                     <a:p>
                       <a:pPr algn="r" fontAlgn="b"/>
                       <a:r>
-                        <a:rPr lang="en-US" sz="1100" u="none" strike="noStrike">
+                        <a:rPr lang="en-US" sz="1100" b="0" i="0" u="none" strike="noStrike">
+                          <a:solidFill>
+                            <a:srgbClr val="000000"/>
+                          </a:solidFill>
                           <a:effectLst/>
+                          <a:latin typeface="Corbel" panose="020B0503020204020204" pitchFamily="34" charset="0"/>
                         </a:rPr>
-                        <a:t>39</a:t>
+                        <a:t>65</a:t>
                       </a:r>
-                      <a:endParaRPr lang="en-US" sz="1100" b="0" i="0" u="none" strike="noStrike">
-                        <a:solidFill>
-                          <a:srgbClr val="000000"/>
-                        </a:solidFill>
-                        <a:effectLst/>
-                        <a:latin typeface="Corbel" panose="020B0503020204020204" pitchFamily="34" charset="0"/>
-                      </a:endParaRPr>
                     </a:p>
                   </a:txBody>
                   <a:tcPr marL="9525" marR="9525" marT="9525" marB="0" anchor="b"/>
@@ -22963,10 +23028,11 @@
                     <a:p>
                       <a:pPr algn="l" fontAlgn="b"/>
                       <a:r>
-                        <a:rPr lang="en-US" sz="1100" u="none" strike="noStrike" dirty="0">
+                        <a:rPr lang="en-US" sz="1100" u="none" strike="noStrike" dirty="0" smtClean="0">
                           <a:effectLst/>
+                          <a:latin typeface="Corbel" panose="020B0503020204020204" pitchFamily="34" charset="0"/>
                         </a:rPr>
-                        <a:t>Grand Total</a:t>
+                        <a:t>Total</a:t>
                       </a:r>
                       <a:endParaRPr lang="en-US" sz="1100" b="1" i="0" u="none" strike="noStrike" dirty="0">
                         <a:solidFill>
@@ -22986,35 +23052,13 @@
                     <a:p>
                       <a:pPr algn="r" fontAlgn="b"/>
                       <a:r>
-                        <a:rPr lang="en-US" sz="1100" u="none" strike="noStrike">
+                        <a:rPr lang="en-US" sz="1100" u="none" strike="noStrike" dirty="0">
                           <a:effectLst/>
+                          <a:latin typeface="Corbel" panose="020B0503020204020204" pitchFamily="34" charset="0"/>
                         </a:rPr>
                         <a:t>1318</a:t>
                       </a:r>
-                      <a:endParaRPr lang="en-US" sz="1100" b="1" i="0" u="none" strike="noStrike">
-                        <a:solidFill>
-                          <a:srgbClr val="000000"/>
-                        </a:solidFill>
-                        <a:effectLst/>
-                        <a:latin typeface="Corbel" panose="020B0503020204020204" pitchFamily="34" charset="0"/>
-                      </a:endParaRPr>
-                    </a:p>
-                  </a:txBody>
-                  <a:tcPr marL="9525" marR="9525" marT="9525" marB="0" anchor="b"/>
-                </a:tc>
-                <a:tc>
-                  <a:txBody>
-                    <a:bodyPr/>
-                    <a:lstStyle/>
-                    <a:p>
-                      <a:pPr algn="r" fontAlgn="b"/>
-                      <a:r>
-                        <a:rPr lang="en-US" sz="1100" u="none" strike="noStrike">
-                          <a:effectLst/>
-                        </a:rPr>
-                        <a:t>132</a:t>
-                      </a:r>
-                      <a:endParaRPr lang="en-US" sz="1100" b="1" i="0" u="none" strike="noStrike">
+                      <a:endParaRPr lang="en-US" sz="1100" b="1" i="0" u="none" strike="noStrike" dirty="0">
                         <a:solidFill>
                           <a:srgbClr val="000000"/>
                         </a:solidFill>
@@ -23034,8 +23078,9 @@
                       <a:r>
                         <a:rPr lang="en-US" sz="1100" u="none" strike="noStrike" dirty="0">
                           <a:effectLst/>
+                          <a:latin typeface="Corbel" panose="020B0503020204020204" pitchFamily="34" charset="0"/>
                         </a:rPr>
-                        <a:t>550</a:t>
+                        <a:t>132</a:t>
                       </a:r>
                       <a:endParaRPr lang="en-US" sz="1100" b="1" i="0" u="none" strike="noStrike" dirty="0">
                         <a:solidFill>
@@ -23044,6 +23089,28 @@
                         <a:effectLst/>
                         <a:latin typeface="Corbel" panose="020B0503020204020204" pitchFamily="34" charset="0"/>
                       </a:endParaRPr>
+                    </a:p>
+                  </a:txBody>
+                  <a:tcPr marL="9525" marR="9525" marT="9525" marB="0" anchor="b"/>
+                </a:tc>
+                <a:tc>
+                  <a:txBody>
+                    <a:bodyPr/>
+                    <a:lstStyle/>
+                    <a:p>
+                      <a:pPr algn="r" fontAlgn="b"/>
+                      <a:r>
+                        <a:rPr lang="en-US" sz="1100" b="1" i="0" u="none" strike="noStrike" dirty="0">
+                          <a:solidFill>
+                            <a:schemeClr val="accent5">
+                              <a:lumMod val="50000"/>
+                            </a:schemeClr>
+                          </a:solidFill>
+                          <a:effectLst/>
+                          <a:latin typeface="Corbel" panose="020B0503020204020204" pitchFamily="34" charset="0"/>
+                        </a:rPr>
+                        <a:t>1450</a:t>
+                      </a:r>
                     </a:p>
                   </a:txBody>
                   <a:tcPr marL="9525" marR="9525" marT="9525" marB="0" anchor="b"/>
@@ -23428,8 +23495,8 @@
         </p:nvSpPr>
         <p:spPr>
           <a:xfrm>
-            <a:off x="1617439" y="894091"/>
-            <a:ext cx="8619580" cy="461665"/>
+            <a:off x="-72727" y="827500"/>
+            <a:ext cx="12220831" cy="830997"/>
           </a:xfrm>
           <a:prstGeom prst="rect">
             <a:avLst/>
@@ -23453,7 +23520,7 @@
                 </a:solidFill>
                 <a:latin typeface="Corbel" panose="020B0503020204020204" pitchFamily="34" charset="0"/>
               </a:rPr>
-              <a:t>Books above 500 pages </a:t>
+              <a:t>Books above 500 pages are returned late than books with less than 50 pages. Also, the price of books is seen to have an impact on the late returns of books as more customers checkout books within 100.00 and 500.00 price range</a:t>
             </a:r>
             <a:r>
               <a:rPr lang="en-US" sz="1200" dirty="0" smtClean="0">
@@ -23462,16 +23529,37 @@
                 </a:solidFill>
                 <a:latin typeface="Corbel" panose="020B0503020204020204" pitchFamily="34" charset="0"/>
               </a:rPr>
-              <a:t>are returned late than books with less than 50 pages. Also, the price of books is seen to have an impact to how long a customer takes to return a book</a:t>
+              <a:t>. However, 29% of customers who lives in Washington return books after 28 days which is considered late.</a:t>
             </a:r>
+          </a:p>
+          <a:p>
+            <a:pPr marL="285750" indent="-285750" algn="ctr">
+              <a:buFont typeface="Arial" panose="020B0604020202020204" pitchFamily="34" charset="0"/>
+              <a:buChar char="•"/>
+            </a:pPr>
             <a:r>
-              <a:rPr lang="en-US" sz="1200" smtClean="0">
+              <a:rPr lang="en-US" sz="1200" dirty="0" smtClean="0">
                 <a:solidFill>
                   <a:srgbClr val="002060"/>
                 </a:solidFill>
                 <a:latin typeface="Corbel" panose="020B0503020204020204" pitchFamily="34" charset="0"/>
               </a:rPr>
-              <a:t>. </a:t>
+              <a:t>Across Education level, college customers has the highest impact of late book returns compared to other levels. </a:t>
+            </a:r>
+          </a:p>
+          <a:p>
+            <a:pPr marL="285750" indent="-285750" algn="ctr">
+              <a:buFont typeface="Arial" panose="020B0604020202020204" pitchFamily="34" charset="0"/>
+              <a:buChar char="•"/>
+            </a:pPr>
+            <a:r>
+              <a:rPr lang="en-US" sz="1200" dirty="0" smtClean="0">
+                <a:solidFill>
+                  <a:srgbClr val="002060"/>
+                </a:solidFill>
+                <a:latin typeface="Corbel" panose="020B0503020204020204" pitchFamily="34" charset="0"/>
+              </a:rPr>
+              <a:t>For customers across different occupations, the Business &amp; Finance customers pool the highest proportion of late returned books.</a:t>
             </a:r>
             <a:endParaRPr lang="en-US" sz="1200" dirty="0" smtClean="0">
               <a:solidFill>
@@ -23599,7 +23687,7 @@
         <p:spPr>
           <a:xfrm>
             <a:off x="7908696" y="4042986"/>
-            <a:ext cx="3995188" cy="2420763"/>
+            <a:ext cx="3995188" cy="2609274"/>
           </a:xfrm>
           <a:prstGeom prst="rect">
             <a:avLst/>
@@ -23640,7 +23728,7 @@
         <p:spPr>
           <a:xfrm>
             <a:off x="4029712" y="4042987"/>
-            <a:ext cx="3766057" cy="2444106"/>
+            <a:ext cx="3766057" cy="2609274"/>
           </a:xfrm>
           <a:prstGeom prst="rect">
             <a:avLst/>
@@ -23680,8 +23768,8 @@
         </p:nvSpPr>
         <p:spPr>
           <a:xfrm>
-            <a:off x="124274" y="4042987"/>
-            <a:ext cx="3838419" cy="2444106"/>
+            <a:off x="124274" y="4042986"/>
+            <a:ext cx="3838419" cy="2609274"/>
           </a:xfrm>
           <a:prstGeom prst="rect">
             <a:avLst/>
@@ -31586,7 +31674,7 @@
             </p:custDataLst>
             <p:extLst>
               <p:ext uri="{D42A27DB-BD31-4B8C-83A1-F6EECF244321}">
-                <p14:modId xmlns:p14="http://schemas.microsoft.com/office/powerpoint/2010/main" val="4133824720"/>
+                <p14:modId xmlns:p14="http://schemas.microsoft.com/office/powerpoint/2010/main" val="4274032626"/>
               </p:ext>
             </p:extLst>
           </p:nvPr>
@@ -31599,7 +31687,489 @@
           <a:graphicData uri="http://schemas.openxmlformats.org/presentationml/2006/ole">
             <mc:AlternateContent xmlns:mc="http://schemas.openxmlformats.org/markup-compatibility/2006">
               <mc:Choice xmlns:v="urn:schemas-microsoft-com:vml" Requires="v">
-                <p:oleObj spid="_x0000_s13326" name="think-cell Slide" r:id="rId5" imgW="444" imgH="443" progId="TCLayout.ActiveDocument.1">
+                <p:oleObj spid="_x0000_s15373" name="think-cell Slide" r:id="rId5" imgW="444" imgH="443" progId="TCLayout.ActiveDocument.1">
+                  <p:embed/>
+                </p:oleObj>
+              </mc:Choice>
+              <mc:Fallback>
+                <p:oleObj name="think-cell Slide" r:id="rId5" imgW="444" imgH="443" progId="TCLayout.ActiveDocument.1">
+                  <p:embed/>
+                  <p:pic>
+                    <p:nvPicPr>
+                      <p:cNvPr id="4" name="Object 3" hidden="1"/>
+                      <p:cNvPicPr/>
+                      <p:nvPr/>
+                    </p:nvPicPr>
+                    <p:blipFill>
+                      <a:blip r:embed="rId6"/>
+                      <a:stretch>
+                        <a:fillRect/>
+                      </a:stretch>
+                    </p:blipFill>
+                    <p:spPr>
+                      <a:xfrm>
+                        <a:off x="1588" y="1588"/>
+                        <a:ext cx="1588" cy="1588"/>
+                      </a:xfrm>
+                      <a:prstGeom prst="rect">
+                        <a:avLst/>
+                      </a:prstGeom>
+                    </p:spPr>
+                  </p:pic>
+                </p:oleObj>
+              </mc:Fallback>
+            </mc:AlternateContent>
+          </a:graphicData>
+        </a:graphic>
+      </p:graphicFrame>
+      <p:sp>
+        <p:nvSpPr>
+          <p:cNvPr id="2" name="TextBox 1"/>
+          <p:cNvSpPr txBox="1"/>
+          <p:nvPr/>
+        </p:nvSpPr>
+        <p:spPr>
+          <a:xfrm>
+            <a:off x="551328" y="569159"/>
+            <a:ext cx="11120719" cy="2708434"/>
+          </a:xfrm>
+          <a:prstGeom prst="rect">
+            <a:avLst/>
+          </a:prstGeom>
+          <a:noFill/>
+        </p:spPr>
+        <p:txBody>
+          <a:bodyPr wrap="square" rtlCol="0">
+            <a:spAutoFit/>
+          </a:bodyPr>
+          <a:lstStyle/>
+          <a:p>
+            <a:pPr marL="285750" indent="-285750" algn="just">
+              <a:buFont typeface="Arial" panose="020B0604020202020204" pitchFamily="34" charset="0"/>
+              <a:buChar char="•"/>
+            </a:pPr>
+            <a:r>
+              <a:rPr lang="en-US" sz="1700" dirty="0">
+                <a:solidFill>
+                  <a:srgbClr val="002060"/>
+                </a:solidFill>
+                <a:latin typeface="Corbel" panose="020B0503020204020204" pitchFamily="34" charset="0"/>
+              </a:rPr>
+              <a:t>Male customers (70) return checked out books late compared to the female (60) customers.</a:t>
+            </a:r>
+          </a:p>
+          <a:p>
+            <a:pPr marL="285750" indent="-285750" algn="just">
+              <a:buFont typeface="Arial" panose="020B0604020202020204" pitchFamily="34" charset="0"/>
+              <a:buChar char="•"/>
+            </a:pPr>
+            <a:r>
+              <a:rPr lang="en-US" sz="1700" dirty="0" smtClean="0">
+                <a:solidFill>
+                  <a:srgbClr val="002060"/>
+                </a:solidFill>
+                <a:latin typeface="Corbel" panose="020B0503020204020204" pitchFamily="34" charset="0"/>
+              </a:rPr>
+              <a:t>Customers </a:t>
+            </a:r>
+            <a:r>
+              <a:rPr lang="en-US" sz="1700" dirty="0">
+                <a:solidFill>
+                  <a:srgbClr val="002060"/>
+                </a:solidFill>
+                <a:latin typeface="Corbel" panose="020B0503020204020204" pitchFamily="34" charset="0"/>
+              </a:rPr>
+              <a:t>above age 50 (&gt;50 Years) return checked out books late compared to customers within other age range</a:t>
+            </a:r>
+            <a:r>
+              <a:rPr lang="en-US" sz="1700" dirty="0" smtClean="0">
+                <a:solidFill>
+                  <a:srgbClr val="002060"/>
+                </a:solidFill>
+                <a:latin typeface="Corbel" panose="020B0503020204020204" pitchFamily="34" charset="0"/>
+              </a:rPr>
+              <a:t>.</a:t>
+            </a:r>
+          </a:p>
+          <a:p>
+            <a:pPr marL="285750" indent="-285750" algn="just">
+              <a:buFont typeface="Arial" panose="020B0604020202020204" pitchFamily="34" charset="0"/>
+              <a:buChar char="•"/>
+            </a:pPr>
+            <a:r>
+              <a:rPr lang="en-US" sz="1700" dirty="0">
+                <a:solidFill>
+                  <a:srgbClr val="002060"/>
+                </a:solidFill>
+                <a:latin typeface="Corbel" panose="020B0503020204020204" pitchFamily="34" charset="0"/>
+              </a:rPr>
+              <a:t>Books above 500 pages are returned late than books with less than 50 pages. Also, the price of books is seen to have an impact on the late returns of books as more customers checkout books within 100.00 and 500.00 price range. However, 29% of customers who lives in Washington return books after 28 days which is considered late.</a:t>
+            </a:r>
+          </a:p>
+          <a:p>
+            <a:pPr marL="285750" indent="-285750" algn="just">
+              <a:buFont typeface="Arial" panose="020B0604020202020204" pitchFamily="34" charset="0"/>
+              <a:buChar char="•"/>
+            </a:pPr>
+            <a:r>
+              <a:rPr lang="en-US" sz="1700" dirty="0">
+                <a:solidFill>
+                  <a:srgbClr val="002060"/>
+                </a:solidFill>
+                <a:latin typeface="Corbel" panose="020B0503020204020204" pitchFamily="34" charset="0"/>
+              </a:rPr>
+              <a:t>Across Education level, college customers has the highest impact of late book returns compared to other levels. </a:t>
+            </a:r>
+          </a:p>
+          <a:p>
+            <a:pPr marL="285750" indent="-285750" algn="just">
+              <a:buFont typeface="Arial" panose="020B0604020202020204" pitchFamily="34" charset="0"/>
+              <a:buChar char="•"/>
+            </a:pPr>
+            <a:r>
+              <a:rPr lang="en-US" sz="1700" dirty="0">
+                <a:solidFill>
+                  <a:srgbClr val="002060"/>
+                </a:solidFill>
+                <a:latin typeface="Corbel" panose="020B0503020204020204" pitchFamily="34" charset="0"/>
+              </a:rPr>
+              <a:t>For customers across different occupations, the Business &amp; Finance customers pool the highest proportion of late returned books</a:t>
+            </a:r>
+            <a:r>
+              <a:rPr lang="en-US" sz="1700" dirty="0" smtClean="0">
+                <a:solidFill>
+                  <a:srgbClr val="002060"/>
+                </a:solidFill>
+                <a:latin typeface="Corbel" panose="020B0503020204020204" pitchFamily="34" charset="0"/>
+              </a:rPr>
+              <a:t>.</a:t>
+            </a:r>
+          </a:p>
+          <a:p>
+            <a:pPr marL="285750" indent="-285750" algn="just">
+              <a:buFont typeface="Arial" panose="020B0604020202020204" pitchFamily="34" charset="0"/>
+              <a:buChar char="•"/>
+            </a:pPr>
+            <a:r>
+              <a:rPr lang="en-US" sz="1700" dirty="0" smtClean="0">
+                <a:solidFill>
+                  <a:srgbClr val="002060"/>
+                </a:solidFill>
+                <a:latin typeface="Corbel" panose="020B0503020204020204" pitchFamily="34" charset="0"/>
+              </a:rPr>
+              <a:t>Customers who lives in Beaverton has the highest proportion of late returned books. However, Portland has the largest count of customers which if proportional to the number of late returned books.</a:t>
+            </a:r>
+            <a:endParaRPr lang="en-US" sz="1700" dirty="0">
+              <a:solidFill>
+                <a:srgbClr val="002060"/>
+              </a:solidFill>
+              <a:latin typeface="Corbel" panose="020B0503020204020204" pitchFamily="34" charset="0"/>
+            </a:endParaRPr>
+          </a:p>
+        </p:txBody>
+      </p:sp>
+      <p:sp>
+        <p:nvSpPr>
+          <p:cNvPr id="3" name="TextBox 2"/>
+          <p:cNvSpPr txBox="1"/>
+          <p:nvPr/>
+        </p:nvSpPr>
+        <p:spPr>
+          <a:xfrm>
+            <a:off x="391886" y="195943"/>
+            <a:ext cx="3840480" cy="400110"/>
+          </a:xfrm>
+          <a:prstGeom prst="rect">
+            <a:avLst/>
+          </a:prstGeom>
+          <a:noFill/>
+        </p:spPr>
+        <p:txBody>
+          <a:bodyPr wrap="square" rtlCol="0">
+            <a:spAutoFit/>
+          </a:bodyPr>
+          <a:lstStyle/>
+          <a:p>
+            <a:r>
+              <a:rPr lang="en-US" sz="2000" b="1" dirty="0" smtClean="0">
+                <a:solidFill>
+                  <a:schemeClr val="tx2"/>
+                </a:solidFill>
+                <a:latin typeface="Corbel" panose="020B0503020204020204" pitchFamily="34" charset="0"/>
+              </a:rPr>
+              <a:t>Observation</a:t>
+            </a:r>
+            <a:endParaRPr lang="en-US" sz="2000" b="1" dirty="0">
+              <a:solidFill>
+                <a:schemeClr val="tx2"/>
+              </a:solidFill>
+              <a:latin typeface="Corbel" panose="020B0503020204020204" pitchFamily="34" charset="0"/>
+            </a:endParaRPr>
+          </a:p>
+        </p:txBody>
+      </p:sp>
+      <p:sp>
+        <p:nvSpPr>
+          <p:cNvPr id="84" name="TextBox 83"/>
+          <p:cNvSpPr txBox="1"/>
+          <p:nvPr/>
+        </p:nvSpPr>
+        <p:spPr>
+          <a:xfrm>
+            <a:off x="391886" y="3329731"/>
+            <a:ext cx="3840480" cy="400110"/>
+          </a:xfrm>
+          <a:prstGeom prst="rect">
+            <a:avLst/>
+          </a:prstGeom>
+          <a:noFill/>
+        </p:spPr>
+        <p:txBody>
+          <a:bodyPr wrap="square" rtlCol="0">
+            <a:spAutoFit/>
+          </a:bodyPr>
+          <a:lstStyle/>
+          <a:p>
+            <a:r>
+              <a:rPr lang="en-US" sz="2000" b="1" dirty="0" smtClean="0">
+                <a:solidFill>
+                  <a:schemeClr val="tx2"/>
+                </a:solidFill>
+                <a:latin typeface="Corbel" panose="020B0503020204020204" pitchFamily="34" charset="0"/>
+              </a:rPr>
+              <a:t>Recommendation</a:t>
+            </a:r>
+            <a:endParaRPr lang="en-US" sz="2000" b="1" dirty="0">
+              <a:solidFill>
+                <a:schemeClr val="tx2"/>
+              </a:solidFill>
+              <a:latin typeface="Corbel" panose="020B0503020204020204" pitchFamily="34" charset="0"/>
+            </a:endParaRPr>
+          </a:p>
+        </p:txBody>
+      </p:sp>
+      <p:cxnSp>
+        <p:nvCxnSpPr>
+          <p:cNvPr id="6" name="Straight Connector 5"/>
+          <p:cNvCxnSpPr/>
+          <p:nvPr/>
+        </p:nvCxnSpPr>
+        <p:spPr>
+          <a:xfrm>
+            <a:off x="190181" y="3715182"/>
+            <a:ext cx="11818043" cy="0"/>
+          </a:xfrm>
+          <a:prstGeom prst="line">
+            <a:avLst/>
+          </a:prstGeom>
+          <a:ln w="19050">
+            <a:solidFill>
+              <a:schemeClr val="accent5"/>
+            </a:solidFill>
+          </a:ln>
+        </p:spPr>
+        <p:style>
+          <a:lnRef idx="1">
+            <a:schemeClr val="accent1"/>
+          </a:lnRef>
+          <a:fillRef idx="0">
+            <a:schemeClr val="accent1"/>
+          </a:fillRef>
+          <a:effectRef idx="0">
+            <a:schemeClr val="accent1"/>
+          </a:effectRef>
+          <a:fontRef idx="minor">
+            <a:schemeClr val="tx1"/>
+          </a:fontRef>
+        </p:style>
+      </p:cxnSp>
+      <p:sp>
+        <p:nvSpPr>
+          <p:cNvPr id="90" name="TextBox 89"/>
+          <p:cNvSpPr txBox="1"/>
+          <p:nvPr/>
+        </p:nvSpPr>
+        <p:spPr>
+          <a:xfrm>
+            <a:off x="551328" y="3706808"/>
+            <a:ext cx="11120719" cy="2708434"/>
+          </a:xfrm>
+          <a:prstGeom prst="rect">
+            <a:avLst/>
+          </a:prstGeom>
+          <a:noFill/>
+        </p:spPr>
+        <p:txBody>
+          <a:bodyPr wrap="square" rtlCol="0">
+            <a:spAutoFit/>
+          </a:bodyPr>
+          <a:lstStyle/>
+          <a:p>
+            <a:pPr marL="285750" indent="-285750" algn="just">
+              <a:buFont typeface="Arial" panose="020B0604020202020204" pitchFamily="34" charset="0"/>
+              <a:buChar char="•"/>
+            </a:pPr>
+            <a:r>
+              <a:rPr lang="en-US" sz="1700" dirty="0" smtClean="0">
+                <a:solidFill>
+                  <a:srgbClr val="002060"/>
+                </a:solidFill>
+                <a:latin typeface="Corbel" panose="020B0503020204020204" pitchFamily="34" charset="0"/>
+              </a:rPr>
+              <a:t>For the all factors connected with the late return of books, minimum of 20p and £</a:t>
+            </a:r>
+            <a:r>
+              <a:rPr lang="en-US" sz="1700" dirty="0">
+                <a:solidFill>
+                  <a:srgbClr val="002060"/>
+                </a:solidFill>
+                <a:latin typeface="Corbel" panose="020B0503020204020204" pitchFamily="34" charset="0"/>
+              </a:rPr>
+              <a:t>5</a:t>
+            </a:r>
+            <a:r>
+              <a:rPr lang="en-US" sz="1700" dirty="0" smtClean="0">
+                <a:solidFill>
+                  <a:srgbClr val="002060"/>
+                </a:solidFill>
+                <a:latin typeface="Corbel" panose="020B0503020204020204" pitchFamily="34" charset="0"/>
+              </a:rPr>
+              <a:t> maximum per day charge (according to the age group, education and occupation) for an overdue book should automatically be applied to customers’ profile/account and borrowing privileges suspended if charges accumulates to £20 and above. These </a:t>
+            </a:r>
+            <a:r>
+              <a:rPr lang="en-US" sz="1700" dirty="0">
+                <a:solidFill>
+                  <a:srgbClr val="002060"/>
+                </a:solidFill>
+                <a:latin typeface="Corbel" panose="020B0503020204020204" pitchFamily="34" charset="0"/>
+              </a:rPr>
+              <a:t>conditions </a:t>
+            </a:r>
+            <a:r>
+              <a:rPr lang="en-US" sz="1700" dirty="0" smtClean="0">
+                <a:solidFill>
+                  <a:srgbClr val="002060"/>
+                </a:solidFill>
+                <a:latin typeface="Corbel" panose="020B0503020204020204" pitchFamily="34" charset="0"/>
+              </a:rPr>
+              <a:t>should be applied to customers across all segments (i.e. gender, age, occupation, education, and location).</a:t>
+            </a:r>
+          </a:p>
+          <a:p>
+            <a:pPr marL="285750" indent="-285750" algn="just">
+              <a:buFont typeface="Arial" panose="020B0604020202020204" pitchFamily="34" charset="0"/>
+              <a:buChar char="•"/>
+            </a:pPr>
+            <a:r>
+              <a:rPr lang="en-US" sz="1700" dirty="0" smtClean="0">
+                <a:solidFill>
+                  <a:srgbClr val="002060"/>
+                </a:solidFill>
+                <a:latin typeface="Corbel" panose="020B0503020204020204" pitchFamily="34" charset="0"/>
+              </a:rPr>
+              <a:t>The more pages a book has, the longer a customer takes to return after checkout time. Return period of books should be based on the number of pages; books with 500 pages and above should be given more time of return than books with fewer pages.</a:t>
+            </a:r>
+          </a:p>
+          <a:p>
+            <a:pPr marL="285750" indent="-285750" algn="just">
+              <a:buFont typeface="Arial" panose="020B0604020202020204" pitchFamily="34" charset="0"/>
+              <a:buChar char="•"/>
+            </a:pPr>
+            <a:r>
+              <a:rPr lang="en-US" sz="1700" dirty="0" smtClean="0">
+                <a:solidFill>
+                  <a:srgbClr val="002060"/>
+                </a:solidFill>
+                <a:latin typeface="Corbel" panose="020B0503020204020204" pitchFamily="34" charset="0"/>
+              </a:rPr>
+              <a:t>Customer engage/intervention should be adopted towards borrowed book due dates. A “kind reminder” mail should be send to customers few days to their due date, stating the implication of overdue books and the charges incurred daily after their due dates.</a:t>
+            </a:r>
+            <a:endParaRPr lang="en-US" sz="1700" dirty="0">
+              <a:solidFill>
+                <a:srgbClr val="002060"/>
+              </a:solidFill>
+              <a:latin typeface="Corbel" panose="020B0503020204020204" pitchFamily="34" charset="0"/>
+            </a:endParaRPr>
+          </a:p>
+        </p:txBody>
+      </p:sp>
+    </p:spTree>
+    <p:extLst>
+      <p:ext uri="{BB962C8B-B14F-4D97-AF65-F5344CB8AC3E}">
+        <p14:creationId xmlns:p14="http://schemas.microsoft.com/office/powerpoint/2010/main" val="1586283659"/>
+      </p:ext>
+    </p:extLst>
+  </p:cSld>
+  <p:clrMapOvr>
+    <a:masterClrMapping/>
+  </p:clrMapOvr>
+  <p:timing>
+    <p:tnLst>
+      <p:par>
+        <p:cTn id="1" dur="indefinite" restart="never" nodeType="tmRoot"/>
+      </p:par>
+    </p:tnLst>
+  </p:timing>
+</p:sld>
+</file>
+
+<file path=ppt/slides/slide5.xml><?xml version="1.0" encoding="utf-8"?>
+<p:sld xmlns:a="http://schemas.openxmlformats.org/drawingml/2006/main" xmlns:r="http://schemas.openxmlformats.org/officeDocument/2006/relationships" xmlns:p="http://schemas.openxmlformats.org/presentationml/2006/main">
+  <p:cSld>
+    <p:bg>
+      <p:bgPr>
+        <a:blipFill dpi="0" rotWithShape="1">
+          <a:blip r:embed="rId4">
+            <a:lum/>
+          </a:blip>
+          <a:srcRect/>
+          <a:stretch>
+            <a:fillRect/>
+          </a:stretch>
+        </a:blipFill>
+        <a:effectLst/>
+      </p:bgPr>
+    </p:bg>
+    <p:spTree>
+      <p:nvGrpSpPr>
+        <p:cNvPr id="1" name=""/>
+        <p:cNvGrpSpPr/>
+        <p:nvPr/>
+      </p:nvGrpSpPr>
+      <p:grpSpPr>
+        <a:xfrm>
+          <a:off x="0" y="0"/>
+          <a:ext cx="0" cy="0"/>
+          <a:chOff x="0" y="0"/>
+          <a:chExt cx="0" cy="0"/>
+        </a:xfrm>
+      </p:grpSpPr>
+      <p:graphicFrame>
+        <p:nvGraphicFramePr>
+          <p:cNvPr id="4" name="Object 3" hidden="1"/>
+          <p:cNvGraphicFramePr>
+            <a:graphicFrameLocks noChangeAspect="1"/>
+          </p:cNvGraphicFramePr>
+          <p:nvPr>
+            <p:custDataLst>
+              <p:tags r:id="rId2"/>
+            </p:custDataLst>
+            <p:extLst>
+              <p:ext uri="{D42A27DB-BD31-4B8C-83A1-F6EECF244321}">
+                <p14:modId xmlns:p14="http://schemas.microsoft.com/office/powerpoint/2010/main" val="1701670107"/>
+              </p:ext>
+            </p:extLst>
+          </p:nvPr>
+        </p:nvGraphicFramePr>
+        <p:xfrm>
+          <a:off x="1588" y="1588"/>
+          <a:ext cx="1588" cy="1588"/>
+        </p:xfrm>
+        <a:graphic>
+          <a:graphicData uri="http://schemas.openxmlformats.org/presentationml/2006/ole">
+            <mc:AlternateContent xmlns:mc="http://schemas.openxmlformats.org/markup-compatibility/2006">
+              <mc:Choice xmlns:v="urn:schemas-microsoft-com:vml" Requires="v">
+                <p:oleObj spid="_x0000_s16387" name="think-cell Slide" r:id="rId5" imgW="444" imgH="443" progId="TCLayout.ActiveDocument.1">
                   <p:embed/>
                 </p:oleObj>
               </mc:Choice>
@@ -31634,133 +32204,10 @@
           </a:graphicData>
         </a:graphic>
       </p:graphicFrame>
-      <p:sp>
-        <p:nvSpPr>
-          <p:cNvPr id="3" name="Rectangle 2"/>
-          <p:cNvSpPr/>
-          <p:nvPr/>
-        </p:nvSpPr>
-        <p:spPr>
-          <a:xfrm>
-            <a:off x="0" y="2586680"/>
-            <a:ext cx="12192000" cy="2298358"/>
-          </a:xfrm>
-          <a:prstGeom prst="rect">
-            <a:avLst/>
-          </a:prstGeom>
-          <a:gradFill flip="none" rotWithShape="1">
-            <a:gsLst>
-              <a:gs pos="0">
-                <a:schemeClr val="accent1">
-                  <a:shade val="30000"/>
-                  <a:satMod val="115000"/>
-                </a:schemeClr>
-              </a:gs>
-              <a:gs pos="50000">
-                <a:schemeClr val="accent1">
-                  <a:shade val="67500"/>
-                  <a:satMod val="115000"/>
-                </a:schemeClr>
-              </a:gs>
-              <a:gs pos="100000">
-                <a:schemeClr val="accent1">
-                  <a:shade val="100000"/>
-                  <a:satMod val="115000"/>
-                </a:schemeClr>
-              </a:gs>
-            </a:gsLst>
-            <a:lin ang="0" scaled="1"/>
-            <a:tileRect/>
-          </a:gradFill>
-          <a:ln>
-            <a:noFill/>
-          </a:ln>
-          <a:effectLst>
-            <a:outerShdw blurRad="44450" dist="27940" dir="5400000" algn="ctr">
-              <a:srgbClr val="000000">
-                <a:alpha val="32000"/>
-              </a:srgbClr>
-            </a:outerShdw>
-          </a:effectLst>
-          <a:scene3d>
-            <a:camera prst="orthographicFront">
-              <a:rot lat="0" lon="0" rev="0"/>
-            </a:camera>
-            <a:lightRig rig="balanced" dir="t">
-              <a:rot lat="0" lon="0" rev="8700000"/>
-            </a:lightRig>
-          </a:scene3d>
-          <a:sp3d>
-            <a:bevelT w="190500" h="38100"/>
-          </a:sp3d>
-        </p:spPr>
-        <p:style>
-          <a:lnRef idx="2">
-            <a:schemeClr val="accent1">
-              <a:shade val="50000"/>
-            </a:schemeClr>
-          </a:lnRef>
-          <a:fillRef idx="1">
-            <a:schemeClr val="accent1"/>
-          </a:fillRef>
-          <a:effectRef idx="0">
-            <a:schemeClr val="accent1"/>
-          </a:effectRef>
-          <a:fontRef idx="minor">
-            <a:schemeClr val="lt1"/>
-          </a:fontRef>
-        </p:style>
-        <p:txBody>
-          <a:bodyPr rtlCol="0" anchor="ctr"/>
-          <a:lstStyle/>
-          <a:p>
-            <a:pPr algn="ctr"/>
-            <a:endParaRPr lang="en-US"/>
-          </a:p>
-        </p:txBody>
-      </p:sp>
-      <p:sp>
-        <p:nvSpPr>
-          <p:cNvPr id="5" name="TextBox 4"/>
-          <p:cNvSpPr txBox="1"/>
-          <p:nvPr/>
-        </p:nvSpPr>
-        <p:spPr>
-          <a:xfrm>
-            <a:off x="8040129" y="3735859"/>
-            <a:ext cx="2710249" cy="707886"/>
-          </a:xfrm>
-          <a:prstGeom prst="rect">
-            <a:avLst/>
-          </a:prstGeom>
-          <a:noFill/>
-        </p:spPr>
-        <p:txBody>
-          <a:bodyPr wrap="square" rtlCol="0">
-            <a:spAutoFit/>
-          </a:bodyPr>
-          <a:lstStyle/>
-          <a:p>
-            <a:r>
-              <a:rPr lang="en-US" sz="4000" dirty="0" smtClean="0">
-                <a:solidFill>
-                  <a:srgbClr val="32D5A4"/>
-                </a:solidFill>
-              </a:rPr>
-              <a:t>Thank you.</a:t>
-            </a:r>
-            <a:endParaRPr lang="en-US" sz="4000" dirty="0">
-              <a:solidFill>
-                <a:srgbClr val="32D5A4"/>
-              </a:solidFill>
-            </a:endParaRPr>
-          </a:p>
-        </p:txBody>
-      </p:sp>
     </p:spTree>
     <p:extLst>
       <p:ext uri="{BB962C8B-B14F-4D97-AF65-F5344CB8AC3E}">
-        <p14:creationId xmlns:p14="http://schemas.microsoft.com/office/powerpoint/2010/main" val="1163829186"/>
+        <p14:creationId xmlns:p14="http://schemas.microsoft.com/office/powerpoint/2010/main" val="2925645796"/>
       </p:ext>
     </p:extLst>
   </p:cSld>
@@ -31786,7 +32233,7 @@
 
 <file path=ppt/tags/tag10.xml><?xml version="1.0" encoding="utf-8"?>
 <p:tagLst xmlns:a="http://schemas.openxmlformats.org/drawingml/2006/main" xmlns:r="http://schemas.openxmlformats.org/officeDocument/2006/relationships" xmlns:p="http://schemas.openxmlformats.org/presentationml/2006/main">
-  <p:tag name="THINKCELLSHAPEDONOTDELETE" val="tFGLNZ7tK8wC2rPU20XU8aQ"/>
+  <p:tag name="THINKCELLSHAPEDONOTDELETE" val="ty.mYw40U8u.em5UPhAtMLA"/>
 </p:tagLst>
 </file>
 
@@ -31838,21 +32285,27 @@
 </p:tagLst>
 </file>
 
+<file path=ppt/tags/tag108.xml><?xml version="1.0" encoding="utf-8"?>
+<p:tagLst xmlns:a="http://schemas.openxmlformats.org/drawingml/2006/main" xmlns:r="http://schemas.openxmlformats.org/officeDocument/2006/relationships" xmlns:p="http://schemas.openxmlformats.org/presentationml/2006/main">
+  <p:tag name="THINKCELLSHAPEDONOTDELETE" val="thinkcellActiveDocDoNotDelete"/>
+</p:tagLst>
+</file>
+
 <file path=ppt/tags/tag11.xml><?xml version="1.0" encoding="utf-8"?>
+<p:tagLst xmlns:a="http://schemas.openxmlformats.org/drawingml/2006/main" xmlns:r="http://schemas.openxmlformats.org/officeDocument/2006/relationships" xmlns:p="http://schemas.openxmlformats.org/presentationml/2006/main">
+  <p:tag name="THINKCELLSHAPEDONOTDELETE" val="tSqNkpvqK9KuDtH1TK6Id7Q"/>
+</p:tagLst>
+</file>
+
+<file path=ppt/tags/tag12.xml><?xml version="1.0" encoding="utf-8"?>
 <p:tagLst xmlns:a="http://schemas.openxmlformats.org/drawingml/2006/main" xmlns:r="http://schemas.openxmlformats.org/officeDocument/2006/relationships" xmlns:p="http://schemas.openxmlformats.org/presentationml/2006/main">
   <p:tag name="THINKCELLSHAPEDONOTDELETE" val="tufnUxinqNBHojyjwrlzIxw"/>
 </p:tagLst>
 </file>
 
-<file path=ppt/tags/tag12.xml><?xml version="1.0" encoding="utf-8"?>
+<file path=ppt/tags/tag13.xml><?xml version="1.0" encoding="utf-8"?>
 <p:tagLst xmlns:a="http://schemas.openxmlformats.org/drawingml/2006/main" xmlns:r="http://schemas.openxmlformats.org/officeDocument/2006/relationships" xmlns:p="http://schemas.openxmlformats.org/presentationml/2006/main">
   <p:tag name="THINKCELLSHAPEDONOTDELETE" val="t8FehXPJRNI0qXPmx2naM_A"/>
-</p:tagLst>
-</file>
-
-<file path=ppt/tags/tag13.xml><?xml version="1.0" encoding="utf-8"?>
-<p:tagLst xmlns:a="http://schemas.openxmlformats.org/drawingml/2006/main" xmlns:r="http://schemas.openxmlformats.org/officeDocument/2006/relationships" xmlns:p="http://schemas.openxmlformats.org/presentationml/2006/main">
-  <p:tag name="THINKCELLSHAPEDONOTDELETE" val="tSqNkpvqK9KuDtH1TK6Id7Q"/>
 </p:tagLst>
 </file>
 
@@ -31876,19 +32329,19 @@
 
 <file path=ppt/tags/tag17.xml><?xml version="1.0" encoding="utf-8"?>
 <p:tagLst xmlns:a="http://schemas.openxmlformats.org/drawingml/2006/main" xmlns:r="http://schemas.openxmlformats.org/officeDocument/2006/relationships" xmlns:p="http://schemas.openxmlformats.org/presentationml/2006/main">
-  <p:tag name="THINKCELLSHAPEDONOTDELETE" val="tzxKZUj8RxuSMDtyNPfUfkw"/>
+  <p:tag name="THINKCELLSHAPEDONOTDELETE" val="trk05vx1fNbD83z.oU8AqHg"/>
 </p:tagLst>
 </file>
 
 <file path=ppt/tags/tag18.xml><?xml version="1.0" encoding="utf-8"?>
 <p:tagLst xmlns:a="http://schemas.openxmlformats.org/drawingml/2006/main" xmlns:r="http://schemas.openxmlformats.org/officeDocument/2006/relationships" xmlns:p="http://schemas.openxmlformats.org/presentationml/2006/main">
-  <p:tag name="THINKCELLSHAPEDONOTDELETE" val="tfc66A455nyEqhJKnGMvRMw"/>
+  <p:tag name="THINKCELLSHAPEDONOTDELETE" val="tzxKZUj8RxuSMDtyNPfUfkw"/>
 </p:tagLst>
 </file>
 
 <file path=ppt/tags/tag19.xml><?xml version="1.0" encoding="utf-8"?>
 <p:tagLst xmlns:a="http://schemas.openxmlformats.org/drawingml/2006/main" xmlns:r="http://schemas.openxmlformats.org/officeDocument/2006/relationships" xmlns:p="http://schemas.openxmlformats.org/presentationml/2006/main">
-  <p:tag name="THINKCELLSHAPEDONOTDELETE" val="trk05vx1fNbD83z.oU8AqHg"/>
+  <p:tag name="THINKCELLSHAPEDONOTDELETE" val="tfc66A455nyEqhJKnGMvRMw"/>
 </p:tagLst>
 </file>
 
@@ -31900,55 +32353,55 @@
 
 <file path=ppt/tags/tag20.xml><?xml version="1.0" encoding="utf-8"?>
 <p:tagLst xmlns:a="http://schemas.openxmlformats.org/drawingml/2006/main" xmlns:r="http://schemas.openxmlformats.org/officeDocument/2006/relationships" xmlns:p="http://schemas.openxmlformats.org/presentationml/2006/main">
-  <p:tag name="THINKCELLSHAPEDONOTDELETE" val="tLRkbNVySfpzRgmccHD6wog"/>
+  <p:tag name="THINKCELLSHAPEDONOTDELETE" val="tISt6IqasDvsyAI1BqmnHoQ"/>
 </p:tagLst>
 </file>
 
 <file path=ppt/tags/tag21.xml><?xml version="1.0" encoding="utf-8"?>
 <p:tagLst xmlns:a="http://schemas.openxmlformats.org/drawingml/2006/main" xmlns:r="http://schemas.openxmlformats.org/officeDocument/2006/relationships" xmlns:p="http://schemas.openxmlformats.org/presentationml/2006/main">
-  <p:tag name="THINKCELLSHAPEDONOTDELETE" val="tISt6IqasDvsyAI1BqmnHoQ"/>
+  <p:tag name="THINKCELLSHAPEDONOTDELETE" val="tLRkbNVySfpzRgmccHD6wog"/>
 </p:tagLst>
 </file>
 
 <file path=ppt/tags/tag22.xml><?xml version="1.0" encoding="utf-8"?>
 <p:tagLst xmlns:a="http://schemas.openxmlformats.org/drawingml/2006/main" xmlns:r="http://schemas.openxmlformats.org/officeDocument/2006/relationships" xmlns:p="http://schemas.openxmlformats.org/presentationml/2006/main">
-  <p:tag name="THINKCELLSHAPEDONOTDELETE" val="t4.PeXhS64L0JEFSR0AanCQ"/>
+  <p:tag name="THINKCELLSHAPEDONOTDELETE" val="tJRTUpcNdSyYsymWqsgdToA"/>
 </p:tagLst>
 </file>
 
 <file path=ppt/tags/tag23.xml><?xml version="1.0" encoding="utf-8"?>
 <p:tagLst xmlns:a="http://schemas.openxmlformats.org/drawingml/2006/main" xmlns:r="http://schemas.openxmlformats.org/officeDocument/2006/relationships" xmlns:p="http://schemas.openxmlformats.org/presentationml/2006/main">
-  <p:tag name="THINKCELLSHAPEDONOTDELETE" val="tle0Vj4gT_EqhdQt7qmILyA"/>
+  <p:tag name="THINKCELLSHAPEDONOTDELETE" val="t2L.tFl45.p9m4qAiwtI4iQ"/>
 </p:tagLst>
 </file>
 
 <file path=ppt/tags/tag24.xml><?xml version="1.0" encoding="utf-8"?>
 <p:tagLst xmlns:a="http://schemas.openxmlformats.org/drawingml/2006/main" xmlns:r="http://schemas.openxmlformats.org/officeDocument/2006/relationships" xmlns:p="http://schemas.openxmlformats.org/presentationml/2006/main">
-  <p:tag name="THINKCELLSHAPEDONOTDELETE" val="t2L.tFl45.p9m4qAiwtI4iQ"/>
+  <p:tag name="THINKCELLSHAPEDONOTDELETE" val="tle0Vj4gT_EqhdQt7qmILyA"/>
 </p:tagLst>
 </file>
 
 <file path=ppt/tags/tag25.xml><?xml version="1.0" encoding="utf-8"?>
 <p:tagLst xmlns:a="http://schemas.openxmlformats.org/drawingml/2006/main" xmlns:r="http://schemas.openxmlformats.org/officeDocument/2006/relationships" xmlns:p="http://schemas.openxmlformats.org/presentationml/2006/main">
-  <p:tag name="THINKCELLSHAPEDONOTDELETE" val="tJRTUpcNdSyYsymWqsgdToA"/>
+  <p:tag name="THINKCELLSHAPEDONOTDELETE" val="tAlrvrZH_.Jtak36kD8MIVw"/>
 </p:tagLst>
 </file>
 
 <file path=ppt/tags/tag26.xml><?xml version="1.0" encoding="utf-8"?>
 <p:tagLst xmlns:a="http://schemas.openxmlformats.org/drawingml/2006/main" xmlns:r="http://schemas.openxmlformats.org/officeDocument/2006/relationships" xmlns:p="http://schemas.openxmlformats.org/presentationml/2006/main">
-  <p:tag name="THINKCELLSHAPEDONOTDELETE" val="tAlrvrZH_.Jtak36kD8MIVw"/>
+  <p:tag name="THINKCELLSHAPEDONOTDELETE" val="t4.PeXhS64L0JEFSR0AanCQ"/>
 </p:tagLst>
 </file>
 
 <file path=ppt/tags/tag27.xml><?xml version="1.0" encoding="utf-8"?>
 <p:tagLst xmlns:a="http://schemas.openxmlformats.org/drawingml/2006/main" xmlns:r="http://schemas.openxmlformats.org/officeDocument/2006/relationships" xmlns:p="http://schemas.openxmlformats.org/presentationml/2006/main">
-  <p:tag name="THINKCELLSHAPEDONOTDELETE" val="tybaSXeY_ENS2eHRhs.IuGg"/>
+  <p:tag name="THINKCELLSHAPEDONOTDELETE" val="tZ0RQvg3LgVfOXut2mdc1Tg"/>
 </p:tagLst>
 </file>
 
 <file path=ppt/tags/tag28.xml><?xml version="1.0" encoding="utf-8"?>
 <p:tagLst xmlns:a="http://schemas.openxmlformats.org/drawingml/2006/main" xmlns:r="http://schemas.openxmlformats.org/officeDocument/2006/relationships" xmlns:p="http://schemas.openxmlformats.org/presentationml/2006/main">
-  <p:tag name="THINKCELLSHAPEDONOTDELETE" val="tZ0RQvg3LgVfOXut2mdc1Tg"/>
+  <p:tag name="THINKCELLSHAPEDONOTDELETE" val="tXjF5e7zW.GYhDSPjPyrtkw"/>
 </p:tagLst>
 </file>
 
@@ -31966,13 +32419,13 @@
 
 <file path=ppt/tags/tag30.xml><?xml version="1.0" encoding="utf-8"?>
 <p:tagLst xmlns:a="http://schemas.openxmlformats.org/drawingml/2006/main" xmlns:r="http://schemas.openxmlformats.org/officeDocument/2006/relationships" xmlns:p="http://schemas.openxmlformats.org/presentationml/2006/main">
-  <p:tag name="THINKCELLSHAPEDONOTDELETE" val="tJyenkW0w8dS0k9FRKB3wtg"/>
+  <p:tag name="THINKCELLSHAPEDONOTDELETE" val="tybaSXeY_ENS2eHRhs.IuGg"/>
 </p:tagLst>
 </file>
 
 <file path=ppt/tags/tag31.xml><?xml version="1.0" encoding="utf-8"?>
 <p:tagLst xmlns:a="http://schemas.openxmlformats.org/drawingml/2006/main" xmlns:r="http://schemas.openxmlformats.org/officeDocument/2006/relationships" xmlns:p="http://schemas.openxmlformats.org/presentationml/2006/main">
-  <p:tag name="THINKCELLSHAPEDONOTDELETE" val="tXjF5e7zW.GYhDSPjPyrtkw"/>
+  <p:tag name="THINKCELLSHAPEDONOTDELETE" val="tJyenkW0w8dS0k9FRKB3wtg"/>
 </p:tagLst>
 </file>
 
@@ -31984,13 +32437,13 @@
 
 <file path=ppt/tags/tag33.xml><?xml version="1.0" encoding="utf-8"?>
 <p:tagLst xmlns:a="http://schemas.openxmlformats.org/drawingml/2006/main" xmlns:r="http://schemas.openxmlformats.org/officeDocument/2006/relationships" xmlns:p="http://schemas.openxmlformats.org/presentationml/2006/main">
-  <p:tag name="THINKCELLSHAPEDONOTDELETE" val="tZQ5pVlazXOhF6HLuewRFHA"/>
+  <p:tag name="THINKCELLSHAPEDONOTDELETE" val="tM_dWN4C.B1B1QAFW6l09MQ"/>
 </p:tagLst>
 </file>
 
 <file path=ppt/tags/tag34.xml><?xml version="1.0" encoding="utf-8"?>
 <p:tagLst xmlns:a="http://schemas.openxmlformats.org/drawingml/2006/main" xmlns:r="http://schemas.openxmlformats.org/officeDocument/2006/relationships" xmlns:p="http://schemas.openxmlformats.org/presentationml/2006/main">
-  <p:tag name="THINKCELLSHAPEDONOTDELETE" val="tM_dWN4C.B1B1QAFW6l09MQ"/>
+  <p:tag name="THINKCELLSHAPEDONOTDELETE" val="tZQ5pVlazXOhF6HLuewRFHA"/>
 </p:tagLst>
 </file>
 
@@ -32014,13 +32467,13 @@
 
 <file path=ppt/tags/tag38.xml><?xml version="1.0" encoding="utf-8"?>
 <p:tagLst xmlns:a="http://schemas.openxmlformats.org/drawingml/2006/main" xmlns:r="http://schemas.openxmlformats.org/officeDocument/2006/relationships" xmlns:p="http://schemas.openxmlformats.org/presentationml/2006/main">
-  <p:tag name="THINKCELLSHAPEDONOTDELETE" val="tRE6NEtRKbQ615TbmYpBCpQ"/>
+  <p:tag name="THINKCELLSHAPEDONOTDELETE" val="tezjdQt8mjppXbD40VWBFkg"/>
 </p:tagLst>
 </file>
 
 <file path=ppt/tags/tag39.xml><?xml version="1.0" encoding="utf-8"?>
 <p:tagLst xmlns:a="http://schemas.openxmlformats.org/drawingml/2006/main" xmlns:r="http://schemas.openxmlformats.org/officeDocument/2006/relationships" xmlns:p="http://schemas.openxmlformats.org/presentationml/2006/main">
-  <p:tag name="THINKCELLSHAPEDONOTDELETE" val="tezjdQt8mjppXbD40VWBFkg"/>
+  <p:tag name="THINKCELLSHAPEDONOTDELETE" val="tRE6NEtRKbQ615TbmYpBCpQ"/>
 </p:tagLst>
 </file>
 
@@ -32032,25 +32485,25 @@
 
 <file path=ppt/tags/tag40.xml><?xml version="1.0" encoding="utf-8"?>
 <p:tagLst xmlns:a="http://schemas.openxmlformats.org/drawingml/2006/main" xmlns:r="http://schemas.openxmlformats.org/officeDocument/2006/relationships" xmlns:p="http://schemas.openxmlformats.org/presentationml/2006/main">
-  <p:tag name="THINKCELLSHAPEDONOTDELETE" val="trgfHis6CRC_cfBHUa3HPSQ"/>
+  <p:tag name="THINKCELLSHAPEDONOTDELETE" val="tBLoCU_iYrRlkdiU4WeDk2w"/>
 </p:tagLst>
 </file>
 
 <file path=ppt/tags/tag41.xml><?xml version="1.0" encoding="utf-8"?>
 <p:tagLst xmlns:a="http://schemas.openxmlformats.org/drawingml/2006/main" xmlns:r="http://schemas.openxmlformats.org/officeDocument/2006/relationships" xmlns:p="http://schemas.openxmlformats.org/presentationml/2006/main">
-  <p:tag name="THINKCELLSHAPEDONOTDELETE" val="tNLUZ6dMYIHNkFwwM61sX_Q"/>
+  <p:tag name="THINKCELLSHAPEDONOTDELETE" val="teJsUvrcJhjAgbSP_S76Ghw"/>
 </p:tagLst>
 </file>
 
 <file path=ppt/tags/tag42.xml><?xml version="1.0" encoding="utf-8"?>
 <p:tagLst xmlns:a="http://schemas.openxmlformats.org/drawingml/2006/main" xmlns:r="http://schemas.openxmlformats.org/officeDocument/2006/relationships" xmlns:p="http://schemas.openxmlformats.org/presentationml/2006/main">
-  <p:tag name="THINKCELLSHAPEDONOTDELETE" val="teJsUvrcJhjAgbSP_S76Ghw"/>
+  <p:tag name="THINKCELLSHAPEDONOTDELETE" val="tNLUZ6dMYIHNkFwwM61sX_Q"/>
 </p:tagLst>
 </file>
 
 <file path=ppt/tags/tag43.xml><?xml version="1.0" encoding="utf-8"?>
 <p:tagLst xmlns:a="http://schemas.openxmlformats.org/drawingml/2006/main" xmlns:r="http://schemas.openxmlformats.org/officeDocument/2006/relationships" xmlns:p="http://schemas.openxmlformats.org/presentationml/2006/main">
-  <p:tag name="THINKCELLSHAPEDONOTDELETE" val="tBLoCU_iYrRlkdiU4WeDk2w"/>
+  <p:tag name="THINKCELLSHAPEDONOTDELETE" val="trgfHis6CRC_cfBHUa3HPSQ"/>
 </p:tagLst>
 </file>
 
@@ -32110,49 +32563,49 @@
 
 <file path=ppt/tags/tag52.xml><?xml version="1.0" encoding="utf-8"?>
 <p:tagLst xmlns:a="http://schemas.openxmlformats.org/drawingml/2006/main" xmlns:r="http://schemas.openxmlformats.org/officeDocument/2006/relationships" xmlns:p="http://schemas.openxmlformats.org/presentationml/2006/main">
-  <p:tag name="THINKCELLSHAPEDONOTDELETE" val="tW_0PPfhjdcN2c4VfvJGxFw"/>
+  <p:tag name="THINKCELLSHAPEDONOTDELETE" val="tK9efiQbr8DQVUUYtFHjKPA"/>
 </p:tagLst>
 </file>
 
 <file path=ppt/tags/tag53.xml><?xml version="1.0" encoding="utf-8"?>
 <p:tagLst xmlns:a="http://schemas.openxmlformats.org/drawingml/2006/main" xmlns:r="http://schemas.openxmlformats.org/officeDocument/2006/relationships" xmlns:p="http://schemas.openxmlformats.org/presentationml/2006/main">
-  <p:tag name="THINKCELLSHAPEDONOTDELETE" val="tK9efiQbr8DQVUUYtFHjKPA"/>
+  <p:tag name="THINKCELLSHAPEDONOTDELETE" val="tW_0PPfhjdcN2c4VfvJGxFw"/>
 </p:tagLst>
 </file>
 
 <file path=ppt/tags/tag54.xml><?xml version="1.0" encoding="utf-8"?>
 <p:tagLst xmlns:a="http://schemas.openxmlformats.org/drawingml/2006/main" xmlns:r="http://schemas.openxmlformats.org/officeDocument/2006/relationships" xmlns:p="http://schemas.openxmlformats.org/presentationml/2006/main">
-  <p:tag name="THINKCELLSHAPEDONOTDELETE" val="tGLiJJ.jhj0nVz_YQo9vkog"/>
+  <p:tag name="THINKCELLSHAPEDONOTDELETE" val="t_t9c77caELITLspIiP0Sww"/>
 </p:tagLst>
 </file>
 
 <file path=ppt/tags/tag55.xml><?xml version="1.0" encoding="utf-8"?>
 <p:tagLst xmlns:a="http://schemas.openxmlformats.org/drawingml/2006/main" xmlns:r="http://schemas.openxmlformats.org/officeDocument/2006/relationships" xmlns:p="http://schemas.openxmlformats.org/presentationml/2006/main">
-  <p:tag name="THINKCELLSHAPEDONOTDELETE" val="t_t9c77caELITLspIiP0Sww"/>
+  <p:tag name="THINKCELLSHAPEDONOTDELETE" val="tMKCdxvWTQnQl.yQVI_RSJw"/>
 </p:tagLst>
 </file>
 
 <file path=ppt/tags/tag56.xml><?xml version="1.0" encoding="utf-8"?>
 <p:tagLst xmlns:a="http://schemas.openxmlformats.org/drawingml/2006/main" xmlns:r="http://schemas.openxmlformats.org/officeDocument/2006/relationships" xmlns:p="http://schemas.openxmlformats.org/presentationml/2006/main">
-  <p:tag name="THINKCELLSHAPEDONOTDELETE" val="tsSyHNqEX2rb6rx4Dp1DWOg"/>
+  <p:tag name="THINKCELLSHAPEDONOTDELETE" val="tFVfnuz8yk.Dl1_SORipc4Q"/>
 </p:tagLst>
 </file>
 
 <file path=ppt/tags/tag57.xml><?xml version="1.0" encoding="utf-8"?>
 <p:tagLst xmlns:a="http://schemas.openxmlformats.org/drawingml/2006/main" xmlns:r="http://schemas.openxmlformats.org/officeDocument/2006/relationships" xmlns:p="http://schemas.openxmlformats.org/presentationml/2006/main">
-  <p:tag name="THINKCELLSHAPEDONOTDELETE" val="tMKCdxvWTQnQl.yQVI_RSJw"/>
+  <p:tag name="THINKCELLSHAPEDONOTDELETE" val="tGLiJJ.jhj0nVz_YQo9vkog"/>
 </p:tagLst>
 </file>
 
 <file path=ppt/tags/tag58.xml><?xml version="1.0" encoding="utf-8"?>
 <p:tagLst xmlns:a="http://schemas.openxmlformats.org/drawingml/2006/main" xmlns:r="http://schemas.openxmlformats.org/officeDocument/2006/relationships" xmlns:p="http://schemas.openxmlformats.org/presentationml/2006/main">
-  <p:tag name="THINKCELLSHAPEDONOTDELETE" val="t05hdSV4GKXxaDQxnSs1hNw"/>
+  <p:tag name="THINKCELLSHAPEDONOTDELETE" val="tsSyHNqEX2rb6rx4Dp1DWOg"/>
 </p:tagLst>
 </file>
 
 <file path=ppt/tags/tag59.xml><?xml version="1.0" encoding="utf-8"?>
 <p:tagLst xmlns:a="http://schemas.openxmlformats.org/drawingml/2006/main" xmlns:r="http://schemas.openxmlformats.org/officeDocument/2006/relationships" xmlns:p="http://schemas.openxmlformats.org/presentationml/2006/main">
-  <p:tag name="THINKCELLSHAPEDONOTDELETE" val="tFVfnuz8yk.Dl1_SORipc4Q"/>
+  <p:tag name="THINKCELLSHAPEDONOTDELETE" val="tZ6QFj.7LVzVSgS76LM2bhA"/>
 </p:tagLst>
 </file>
 
@@ -32164,7 +32617,7 @@
 
 <file path=ppt/tags/tag60.xml><?xml version="1.0" encoding="utf-8"?>
 <p:tagLst xmlns:a="http://schemas.openxmlformats.org/drawingml/2006/main" xmlns:r="http://schemas.openxmlformats.org/officeDocument/2006/relationships" xmlns:p="http://schemas.openxmlformats.org/presentationml/2006/main">
-  <p:tag name="THINKCELLSHAPEDONOTDELETE" val="tZ6QFj.7LVzVSgS76LM2bhA"/>
+  <p:tag name="THINKCELLSHAPEDONOTDELETE" val="t05hdSV4GKXxaDQxnSs1hNw"/>
 </p:tagLst>
 </file>
 
@@ -32290,7 +32743,7 @@
 
 <file path=ppt/tags/tag8.xml><?xml version="1.0" encoding="utf-8"?>
 <p:tagLst xmlns:a="http://schemas.openxmlformats.org/drawingml/2006/main" xmlns:r="http://schemas.openxmlformats.org/officeDocument/2006/relationships" xmlns:p="http://schemas.openxmlformats.org/presentationml/2006/main">
-  <p:tag name="THINKCELLSHAPEDONOTDELETE" val="ty.mYw40U8u.em5UPhAtMLA"/>
+  <p:tag name="THINKCELLSHAPEDONOTDELETE" val="tzSTuzeUUrfBwkZskMYMtlQ"/>
 </p:tagLst>
 </file>
 
@@ -32356,7 +32809,7 @@
 
 <file path=ppt/tags/tag9.xml><?xml version="1.0" encoding="utf-8"?>
 <p:tagLst xmlns:a="http://schemas.openxmlformats.org/drawingml/2006/main" xmlns:r="http://schemas.openxmlformats.org/officeDocument/2006/relationships" xmlns:p="http://schemas.openxmlformats.org/presentationml/2006/main">
-  <p:tag name="THINKCELLSHAPEDONOTDELETE" val="tzSTuzeUUrfBwkZskMYMtlQ"/>
+  <p:tag name="THINKCELLSHAPEDONOTDELETE" val="tFGLNZ7tK8wC2rPU20XU8aQ"/>
 </p:tagLst>
 </file>
 

--- a/LIBRARY_BOOKS_LATE_RETURN_ANALYTICS_REPORT.pptx
+++ b/LIBRARY_BOOKS_LATE_RETURN_ANALYTICS_REPORT.pptx
@@ -9353,7 +9353,7 @@
           <a:graphicData uri="http://schemas.openxmlformats.org/presentationml/2006/ole">
             <mc:AlternateContent xmlns:mc="http://schemas.openxmlformats.org/markup-compatibility/2006">
               <mc:Choice xmlns:v="urn:schemas-microsoft-com:vml" Requires="v">
-                <p:oleObj spid="_x0000_s1096" name="think-cell Slide" r:id="rId15" imgW="444" imgH="443" progId="TCLayout.ActiveDocument.1">
+                <p:oleObj spid="_x0000_s1098" name="think-cell Slide" r:id="rId15" imgW="444" imgH="443" progId="TCLayout.ActiveDocument.1">
                   <p:embed/>
                 </p:oleObj>
               </mc:Choice>
@@ -9962,7 +9962,7 @@
           <a:graphicData uri="http://schemas.openxmlformats.org/presentationml/2006/ole">
             <mc:AlternateContent xmlns:mc="http://schemas.openxmlformats.org/markup-compatibility/2006">
               <mc:Choice xmlns:v="urn:schemas-microsoft-com:vml" Requires="v">
-                <p:oleObj spid="_x0000_s14346" name="think-cell Slide" r:id="rId5" imgW="444" imgH="443" progId="TCLayout.ActiveDocument.1">
+                <p:oleObj spid="_x0000_s14348" name="think-cell Slide" r:id="rId5" imgW="444" imgH="443" progId="TCLayout.ActiveDocument.1">
                   <p:embed/>
                 </p:oleObj>
               </mc:Choice>
@@ -10073,7 +10073,7 @@
           <a:graphicData uri="http://schemas.openxmlformats.org/presentationml/2006/ole">
             <mc:AlternateContent xmlns:mc="http://schemas.openxmlformats.org/markup-compatibility/2006">
               <mc:Choice xmlns:v="urn:schemas-microsoft-com:vml" Requires="v">
-                <p:oleObj spid="_x0000_s4186" name="think-cell Slide" r:id="rId61" imgW="444" imgH="443" progId="TCLayout.ActiveDocument.1">
+                <p:oleObj spid="_x0000_s4188" name="think-cell Slide" r:id="rId61" imgW="444" imgH="443" progId="TCLayout.ActiveDocument.1">
                   <p:embed/>
                 </p:oleObj>
               </mc:Choice>
@@ -11647,7 +11647,7 @@
         <p:spPr>
           <a:xfrm>
             <a:off x="200489" y="104382"/>
-            <a:ext cx="14187816" cy="461665"/>
+            <a:ext cx="11776491" cy="461665"/>
           </a:xfrm>
           <a:prstGeom prst="rect">
             <a:avLst/>
@@ -11677,6 +11677,15 @@
               <a:defRPr/>
             </a:pPr>
             <a:r>
+              <a:rPr lang="en-US" sz="2400" b="1" dirty="0" smtClean="0">
+                <a:solidFill>
+                  <a:srgbClr val="06486E"/>
+                </a:solidFill>
+                <a:latin typeface="Corbel" panose="020B0503020204020204" pitchFamily="34" charset="0"/>
+              </a:rPr>
+              <a:t>Book </a:t>
+            </a:r>
+            <a:r>
               <a:rPr kumimoji="0" lang="en-US" sz="2400" b="1" i="0" u="none" strike="noStrike" kern="1200" cap="none" spc="0" normalizeH="0" baseline="0" noProof="0" dirty="0" smtClean="0">
                 <a:ln>
                   <a:noFill/>
@@ -11691,7 +11700,58 @@
                 <a:ea typeface="+mn-ea"/>
                 <a:cs typeface="+mn-cs"/>
               </a:rPr>
-              <a:t>Customer Checkouts Analysis</a:t>
+              <a:t>Checkout</a:t>
+            </a:r>
+            <a:r>
+              <a:rPr kumimoji="0" lang="en-US" sz="2400" b="1" i="0" u="none" strike="noStrike" kern="1200" cap="none" spc="0" normalizeH="0" noProof="0" dirty="0" smtClean="0">
+                <a:ln>
+                  <a:noFill/>
+                </a:ln>
+                <a:solidFill>
+                  <a:srgbClr val="06486E"/>
+                </a:solidFill>
+                <a:effectLst/>
+                <a:uLnTx/>
+                <a:uFillTx/>
+                <a:latin typeface="Corbel" panose="020B0503020204020204" pitchFamily="34" charset="0"/>
+                <a:ea typeface="+mn-ea"/>
+                <a:cs typeface="+mn-cs"/>
+              </a:rPr>
+              <a:t> and Return</a:t>
+            </a:r>
+            <a:r>
+              <a:rPr kumimoji="0" lang="en-US" sz="2400" b="1" i="0" u="none" strike="noStrike" kern="1200" cap="none" spc="0" normalizeH="0" baseline="0" noProof="0" dirty="0" smtClean="0">
+                <a:ln>
+                  <a:noFill/>
+                </a:ln>
+                <a:solidFill>
+                  <a:srgbClr val="06486E"/>
+                </a:solidFill>
+                <a:effectLst/>
+                <a:uLnTx/>
+                <a:uFillTx/>
+                <a:latin typeface="Corbel" panose="020B0503020204020204" pitchFamily="34" charset="0"/>
+                <a:ea typeface="+mn-ea"/>
+                <a:cs typeface="+mn-cs"/>
+              </a:rPr>
+              <a:t> </a:t>
+            </a:r>
+            <a:r>
+              <a:rPr kumimoji="0" lang="en-US" sz="2400" b="1" i="0" u="none" strike="noStrike" kern="1200" cap="none" spc="0" normalizeH="0" baseline="0" noProof="0" dirty="0" smtClean="0">
+                <a:ln>
+                  <a:noFill/>
+                </a:ln>
+                <a:solidFill>
+                  <a:srgbClr val="06486E"/>
+                </a:solidFill>
+                <a:effectLst/>
+                <a:uLnTx/>
+                <a:uFillTx/>
+                <a:latin typeface="Corbel" panose="020B0503020204020204" pitchFamily="34" charset="0"/>
+                <a:ea typeface="+mn-ea"/>
+                <a:cs typeface="+mn-cs"/>
+              </a:rPr>
+              <a:t>Analysis</a:t>
             </a:r>
             <a:endParaRPr kumimoji="0" lang="en-US" sz="2400" b="1" i="0" u="none" strike="noStrike" kern="1200" cap="none" spc="0" normalizeH="0" baseline="0" noProof="0" dirty="0">
               <a:ln>
@@ -20308,7 +20368,7 @@
           <a:graphicData uri="http://schemas.openxmlformats.org/presentationml/2006/ole">
             <mc:AlternateContent xmlns:mc="http://schemas.openxmlformats.org/markup-compatibility/2006">
               <mc:Choice xmlns:v="urn:schemas-microsoft-com:vml" Requires="v">
-                <p:oleObj spid="_x0000_s12356" name="think-cell Slide" r:id="rId50" imgW="444" imgH="443" progId="TCLayout.ActiveDocument.1">
+                <p:oleObj spid="_x0000_s12358" name="think-cell Slide" r:id="rId50" imgW="444" imgH="443" progId="TCLayout.ActiveDocument.1">
                   <p:embed/>
                 </p:oleObj>
               </mc:Choice>
@@ -23520,16 +23580,7 @@
                 </a:solidFill>
                 <a:latin typeface="Corbel" panose="020B0503020204020204" pitchFamily="34" charset="0"/>
               </a:rPr>
-              <a:t>Books above 500 pages are returned late than books with less than 50 pages. Also, the price of books is seen to have an impact on the late returns of books as more customers checkout books within 100.00 and 500.00 price range</a:t>
-            </a:r>
-            <a:r>
-              <a:rPr lang="en-US" sz="1200" dirty="0" smtClean="0">
-                <a:solidFill>
-                  <a:srgbClr val="002060"/>
-                </a:solidFill>
-                <a:latin typeface="Corbel" panose="020B0503020204020204" pitchFamily="34" charset="0"/>
-              </a:rPr>
-              <a:t>. However, 29% of customers who lives in Washington return books after 28 days which is considered late.</a:t>
+              <a:t>Books above 500 pages are returned late than books with less than 50 pages. Also, the price of books is seen to have an impact on the late returns of books as more customers checkout books within 100.00 and 500.00 price range. However, 29% of customers who lives in Washington return books after 28 days which is considered late.</a:t>
             </a:r>
           </a:p>
           <a:p>
@@ -23561,12 +23612,6 @@
               </a:rPr>
               <a:t>For customers across different occupations, the Business &amp; Finance customers pool the highest proportion of late returned books.</a:t>
             </a:r>
-            <a:endParaRPr lang="en-US" sz="1200" dirty="0" smtClean="0">
-              <a:solidFill>
-                <a:srgbClr val="002060"/>
-              </a:solidFill>
-              <a:latin typeface="Corbel" panose="020B0503020204020204" pitchFamily="34" charset="0"/>
-            </a:endParaRPr>
           </a:p>
         </p:txBody>
       </p:sp>
@@ -31687,7 +31732,7 @@
           <a:graphicData uri="http://schemas.openxmlformats.org/presentationml/2006/ole">
             <mc:AlternateContent xmlns:mc="http://schemas.openxmlformats.org/markup-compatibility/2006">
               <mc:Choice xmlns:v="urn:schemas-microsoft-com:vml" Requires="v">
-                <p:oleObj spid="_x0000_s15373" name="think-cell Slide" r:id="rId5" imgW="444" imgH="443" progId="TCLayout.ActiveDocument.1">
+                <p:oleObj spid="_x0000_s15375" name="think-cell Slide" r:id="rId5" imgW="444" imgH="443" progId="TCLayout.ActiveDocument.1">
                   <p:embed/>
                 </p:oleObj>
               </mc:Choice>
@@ -32016,7 +32061,25 @@
                 </a:solidFill>
                 <a:latin typeface="Corbel" panose="020B0503020204020204" pitchFamily="34" charset="0"/>
               </a:rPr>
-              <a:t>For the all factors connected with the late return of books, minimum of 20p and £</a:t>
+              <a:t>All</a:t>
+            </a:r>
+            <a:r>
+              <a:rPr lang="en-US" sz="1700" dirty="0" smtClean="0">
+                <a:solidFill>
+                  <a:srgbClr val="002060"/>
+                </a:solidFill>
+                <a:latin typeface="Corbel" panose="020B0503020204020204" pitchFamily="34" charset="0"/>
+              </a:rPr>
+              <a:t> </a:t>
+            </a:r>
+            <a:r>
+              <a:rPr lang="en-US" sz="1700" dirty="0" smtClean="0">
+                <a:solidFill>
+                  <a:srgbClr val="002060"/>
+                </a:solidFill>
+                <a:latin typeface="Corbel" panose="020B0503020204020204" pitchFamily="34" charset="0"/>
+              </a:rPr>
+              <a:t>factors connected with the late return of books, minimum of 20p and £</a:t>
             </a:r>
             <a:r>
               <a:rPr lang="en-US" sz="1700" dirty="0">
@@ -32082,7 +32145,61 @@
                 </a:solidFill>
                 <a:latin typeface="Corbel" panose="020B0503020204020204" pitchFamily="34" charset="0"/>
               </a:rPr>
-              <a:t>Customer engage/intervention should be adopted towards borrowed book due dates. A “kind reminder” mail should be send to customers few days to their due date, stating the implication of overdue books and the charges incurred daily after their due dates.</a:t>
+              <a:t>Customer </a:t>
+            </a:r>
+            <a:r>
+              <a:rPr lang="en-US" sz="1700" dirty="0" smtClean="0">
+                <a:solidFill>
+                  <a:srgbClr val="002060"/>
+                </a:solidFill>
+                <a:latin typeface="Corbel" panose="020B0503020204020204" pitchFamily="34" charset="0"/>
+              </a:rPr>
+              <a:t>engagement/intervention </a:t>
+            </a:r>
+            <a:r>
+              <a:rPr lang="en-US" sz="1700" dirty="0" smtClean="0">
+                <a:solidFill>
+                  <a:srgbClr val="002060"/>
+                </a:solidFill>
+                <a:latin typeface="Corbel" panose="020B0503020204020204" pitchFamily="34" charset="0"/>
+              </a:rPr>
+              <a:t>should be adopted towards borrowed book due dates. A “kind reminder” mail should be </a:t>
+            </a:r>
+            <a:r>
+              <a:rPr lang="en-US" sz="1700" dirty="0" smtClean="0">
+                <a:solidFill>
+                  <a:srgbClr val="002060"/>
+                </a:solidFill>
+                <a:latin typeface="Corbel" panose="020B0503020204020204" pitchFamily="34" charset="0"/>
+              </a:rPr>
+              <a:t>sent </a:t>
+            </a:r>
+            <a:r>
+              <a:rPr lang="en-US" sz="1700" dirty="0" smtClean="0">
+                <a:solidFill>
+                  <a:srgbClr val="002060"/>
+                </a:solidFill>
+                <a:latin typeface="Corbel" panose="020B0503020204020204" pitchFamily="34" charset="0"/>
+              </a:rPr>
+              <a:t>to customers few days to their due </a:t>
+            </a:r>
+            <a:r>
+              <a:rPr lang="en-US" sz="1700" dirty="0" smtClean="0">
+                <a:solidFill>
+                  <a:srgbClr val="002060"/>
+                </a:solidFill>
+                <a:latin typeface="Corbel" panose="020B0503020204020204" pitchFamily="34" charset="0"/>
+              </a:rPr>
+              <a:t>dates, </a:t>
+            </a:r>
+            <a:r>
+              <a:rPr lang="en-US" sz="1700" dirty="0" smtClean="0">
+                <a:solidFill>
+                  <a:srgbClr val="002060"/>
+                </a:solidFill>
+                <a:latin typeface="Corbel" panose="020B0503020204020204" pitchFamily="34" charset="0"/>
+              </a:rPr>
+              <a:t>stating the implication of overdue books and the charges incurred daily after their due dates.</a:t>
             </a:r>
             <a:endParaRPr lang="en-US" sz="1700" dirty="0">
               <a:solidFill>
@@ -32169,7 +32286,7 @@
           <a:graphicData uri="http://schemas.openxmlformats.org/presentationml/2006/ole">
             <mc:AlternateContent xmlns:mc="http://schemas.openxmlformats.org/markup-compatibility/2006">
               <mc:Choice xmlns:v="urn:schemas-microsoft-com:vml" Requires="v">
-                <p:oleObj spid="_x0000_s16387" name="think-cell Slide" r:id="rId5" imgW="444" imgH="443" progId="TCLayout.ActiveDocument.1">
+                <p:oleObj spid="_x0000_s16389" name="think-cell Slide" r:id="rId5" imgW="444" imgH="443" progId="TCLayout.ActiveDocument.1">
                   <p:embed/>
                 </p:oleObj>
               </mc:Choice>
